--- a/docs/general/timed-examples.pptx
+++ b/docs/general/timed-examples.pptx
@@ -8,15 +8,16 @@
     <p:sldId id="256" r:id="rId2"/>
     <p:sldId id="257" r:id="rId3"/>
     <p:sldId id="260" r:id="rId4"/>
-    <p:sldId id="258" r:id="rId5"/>
-    <p:sldId id="261" r:id="rId6"/>
-    <p:sldId id="269" r:id="rId7"/>
-    <p:sldId id="270" r:id="rId8"/>
-    <p:sldId id="263" r:id="rId9"/>
-    <p:sldId id="266" r:id="rId10"/>
-    <p:sldId id="262" r:id="rId11"/>
-    <p:sldId id="267" r:id="rId12"/>
-    <p:sldId id="268" r:id="rId13"/>
+    <p:sldId id="271" r:id="rId5"/>
+    <p:sldId id="258" r:id="rId6"/>
+    <p:sldId id="261" r:id="rId7"/>
+    <p:sldId id="269" r:id="rId8"/>
+    <p:sldId id="270" r:id="rId9"/>
+    <p:sldId id="263" r:id="rId10"/>
+    <p:sldId id="266" r:id="rId11"/>
+    <p:sldId id="262" r:id="rId12"/>
+    <p:sldId id="267" r:id="rId13"/>
+    <p:sldId id="268" r:id="rId14"/>
   </p:sldIdLst>
   <p:sldSz cx="14400213" cy="7199313"/>
   <p:notesSz cx="6858000" cy="9144000"/>
@@ -115,6 +116,11 @@
       </a:defRPr>
     </a:lvl9pPr>
   </p:defaultTextStyle>
+  <p:extLst>
+    <p:ext uri="{EFAFB233-063F-42B5-8137-9DF3F51BA10A}">
+      <p15:sldGuideLst xmlns:p15="http://schemas.microsoft.com/office/powerpoint/2012/main"/>
+    </p:ext>
+  </p:extLst>
 </p:presentation>
 </file>
 
@@ -249,7 +255,7 @@
           <a:p>
             <a:fld id="{74EEC96B-3D5D-478E-A96B-973AFE046E1D}" type="datetimeFigureOut">
               <a:rPr lang="en-AU" smtClean="0"/>
-              <a:t>10/07/2019</a:t>
+              <a:t>15/07/2019</a:t>
             </a:fld>
             <a:endParaRPr lang="en-AU"/>
           </a:p>
@@ -419,7 +425,7 @@
           <a:p>
             <a:fld id="{74EEC96B-3D5D-478E-A96B-973AFE046E1D}" type="datetimeFigureOut">
               <a:rPr lang="en-AU" smtClean="0"/>
-              <a:t>10/07/2019</a:t>
+              <a:t>15/07/2019</a:t>
             </a:fld>
             <a:endParaRPr lang="en-AU"/>
           </a:p>
@@ -599,7 +605,7 @@
           <a:p>
             <a:fld id="{74EEC96B-3D5D-478E-A96B-973AFE046E1D}" type="datetimeFigureOut">
               <a:rPr lang="en-AU" smtClean="0"/>
-              <a:t>10/07/2019</a:t>
+              <a:t>15/07/2019</a:t>
             </a:fld>
             <a:endParaRPr lang="en-AU"/>
           </a:p>
@@ -769,7 +775,7 @@
           <a:p>
             <a:fld id="{74EEC96B-3D5D-478E-A96B-973AFE046E1D}" type="datetimeFigureOut">
               <a:rPr lang="en-AU" smtClean="0"/>
-              <a:t>10/07/2019</a:t>
+              <a:t>15/07/2019</a:t>
             </a:fld>
             <a:endParaRPr lang="en-AU"/>
           </a:p>
@@ -1015,7 +1021,7 @@
           <a:p>
             <a:fld id="{74EEC96B-3D5D-478E-A96B-973AFE046E1D}" type="datetimeFigureOut">
               <a:rPr lang="en-AU" smtClean="0"/>
-              <a:t>10/07/2019</a:t>
+              <a:t>15/07/2019</a:t>
             </a:fld>
             <a:endParaRPr lang="en-AU"/>
           </a:p>
@@ -1247,7 +1253,7 @@
           <a:p>
             <a:fld id="{74EEC96B-3D5D-478E-A96B-973AFE046E1D}" type="datetimeFigureOut">
               <a:rPr lang="en-AU" smtClean="0"/>
-              <a:t>10/07/2019</a:t>
+              <a:t>15/07/2019</a:t>
             </a:fld>
             <a:endParaRPr lang="en-AU"/>
           </a:p>
@@ -1614,7 +1620,7 @@
           <a:p>
             <a:fld id="{74EEC96B-3D5D-478E-A96B-973AFE046E1D}" type="datetimeFigureOut">
               <a:rPr lang="en-AU" smtClean="0"/>
-              <a:t>10/07/2019</a:t>
+              <a:t>15/07/2019</a:t>
             </a:fld>
             <a:endParaRPr lang="en-AU"/>
           </a:p>
@@ -1732,7 +1738,7 @@
           <a:p>
             <a:fld id="{74EEC96B-3D5D-478E-A96B-973AFE046E1D}" type="datetimeFigureOut">
               <a:rPr lang="en-AU" smtClean="0"/>
-              <a:t>10/07/2019</a:t>
+              <a:t>15/07/2019</a:t>
             </a:fld>
             <a:endParaRPr lang="en-AU"/>
           </a:p>
@@ -1827,7 +1833,7 @@
           <a:p>
             <a:fld id="{74EEC96B-3D5D-478E-A96B-973AFE046E1D}" type="datetimeFigureOut">
               <a:rPr lang="en-AU" smtClean="0"/>
-              <a:t>10/07/2019</a:t>
+              <a:t>15/07/2019</a:t>
             </a:fld>
             <a:endParaRPr lang="en-AU"/>
           </a:p>
@@ -2104,7 +2110,7 @@
           <a:p>
             <a:fld id="{74EEC96B-3D5D-478E-A96B-973AFE046E1D}" type="datetimeFigureOut">
               <a:rPr lang="en-AU" smtClean="0"/>
-              <a:t>10/07/2019</a:t>
+              <a:t>15/07/2019</a:t>
             </a:fld>
             <a:endParaRPr lang="en-AU"/>
           </a:p>
@@ -2361,7 +2367,7 @@
           <a:p>
             <a:fld id="{74EEC96B-3D5D-478E-A96B-973AFE046E1D}" type="datetimeFigureOut">
               <a:rPr lang="en-AU" smtClean="0"/>
-              <a:t>10/07/2019</a:t>
+              <a:t>15/07/2019</a:t>
             </a:fld>
             <a:endParaRPr lang="en-AU"/>
           </a:p>
@@ -2574,7 +2580,7 @@
           <a:p>
             <a:fld id="{74EEC96B-3D5D-478E-A96B-973AFE046E1D}" type="datetimeFigureOut">
               <a:rPr lang="en-AU" smtClean="0"/>
-              <a:t>10/07/2019</a:t>
+              <a:t>15/07/2019</a:t>
             </a:fld>
             <a:endParaRPr lang="en-AU"/>
           </a:p>
@@ -4024,12 +4030,52 @@
           <a:chExt cx="0" cy="0"/>
         </a:xfrm>
       </p:grpSpPr>
+      <p:sp>
+        <p:nvSpPr>
+          <p:cNvPr id="27" name="TextBox 26">
+            <a:extLst>
+              <a:ext uri="{FF2B5EF4-FFF2-40B4-BE49-F238E27FC236}">
+                <a16:creationId xmlns:a16="http://schemas.microsoft.com/office/drawing/2014/main" id="{6A5457D1-6788-4709-A8F9-A08820A85D3A}"/>
+              </a:ext>
+            </a:extLst>
+          </p:cNvPr>
+          <p:cNvSpPr txBox="1"/>
+          <p:nvPr/>
+        </p:nvSpPr>
+        <p:spPr>
+          <a:xfrm>
+            <a:off x="5161568" y="473781"/>
+            <a:ext cx="4494757" cy="406393"/>
+          </a:xfrm>
+          <a:prstGeom prst="rect">
+            <a:avLst/>
+          </a:prstGeom>
+          <a:noFill/>
+        </p:spPr>
+        <p:txBody>
+          <a:bodyPr wrap="none" rtlCol="0">
+            <a:spAutoFit/>
+          </a:bodyPr>
+          <a:lstStyle/>
+          <a:p>
+            <a:r>
+              <a:rPr lang="en-AU" b="1" dirty="0"/>
+              <a:t>Inflow paths from </a:t>
+            </a:r>
+            <a:r>
+              <a:rPr lang="en-AU" b="1" dirty="0" err="1"/>
+              <a:t>TimedCompartments</a:t>
+            </a:r>
+            <a:endParaRPr lang="en-AU" b="1" dirty="0"/>
+          </a:p>
+        </p:txBody>
+      </p:sp>
       <p:cxnSp>
         <p:nvCxnSpPr>
-          <p:cNvPr id="6" name="Straight Arrow Connector 5">
-            <a:extLst>
-              <a:ext uri="{FF2B5EF4-FFF2-40B4-BE49-F238E27FC236}">
-                <a16:creationId xmlns:a16="http://schemas.microsoft.com/office/drawing/2014/main" id="{9E5F56FE-6793-45BB-B2DD-6EF92D0BA377}"/>
+          <p:cNvPr id="69" name="Straight Arrow Connector 68">
+            <a:extLst>
+              <a:ext uri="{FF2B5EF4-FFF2-40B4-BE49-F238E27FC236}">
+                <a16:creationId xmlns:a16="http://schemas.microsoft.com/office/drawing/2014/main" id="{40869402-D0DD-47FF-973A-67EBE8C25B6A}"/>
               </a:ext>
             </a:extLst>
           </p:cNvPr>
@@ -4040,7 +4086,7 @@
         </p:nvCxnSpPr>
         <p:spPr>
           <a:xfrm>
-            <a:off x="2936469" y="3773108"/>
+            <a:off x="1383894" y="4468433"/>
             <a:ext cx="1047751" cy="0"/>
           </a:xfrm>
           <a:prstGeom prst="straightConnector1">
@@ -4067,10 +4113,10 @@
       </p:cxnSp>
       <p:cxnSp>
         <p:nvCxnSpPr>
-          <p:cNvPr id="7" name="Straight Arrow Connector 6">
-            <a:extLst>
-              <a:ext uri="{FF2B5EF4-FFF2-40B4-BE49-F238E27FC236}">
-                <a16:creationId xmlns:a16="http://schemas.microsoft.com/office/drawing/2014/main" id="{E0D6032B-F0BA-4FAB-B078-ADA027504B39}"/>
+          <p:cNvPr id="71" name="Straight Arrow Connector 70">
+            <a:extLst>
+              <a:ext uri="{FF2B5EF4-FFF2-40B4-BE49-F238E27FC236}">
+                <a16:creationId xmlns:a16="http://schemas.microsoft.com/office/drawing/2014/main" id="{A28718F8-399B-44D4-909A-C5469FB733A5}"/>
               </a:ext>
             </a:extLst>
           </p:cNvPr>
@@ -4081,7 +4127,7 @@
         </p:nvCxnSpPr>
         <p:spPr>
           <a:xfrm>
-            <a:off x="2936469" y="4620833"/>
+            <a:off x="1383894" y="5316158"/>
             <a:ext cx="1047751" cy="0"/>
           </a:xfrm>
           <a:prstGeom prst="straightConnector1">
@@ -4108,10 +4154,10 @@
       </p:cxnSp>
       <p:sp>
         <p:nvSpPr>
-          <p:cNvPr id="8" name="TextBox 7">
-            <a:extLst>
-              <a:ext uri="{FF2B5EF4-FFF2-40B4-BE49-F238E27FC236}">
-                <a16:creationId xmlns:a16="http://schemas.microsoft.com/office/drawing/2014/main" id="{77A364AD-3A9E-479D-BE22-B98D57A58BBF}"/>
+          <p:cNvPr id="72" name="TextBox 71">
+            <a:extLst>
+              <a:ext uri="{FF2B5EF4-FFF2-40B4-BE49-F238E27FC236}">
+                <a16:creationId xmlns:a16="http://schemas.microsoft.com/office/drawing/2014/main" id="{64E44964-111E-4515-BA42-356C9A5D849A}"/>
               </a:ext>
             </a:extLst>
           </p:cNvPr>
@@ -4120,7 +4166,7 @@
         </p:nvSpPr>
         <p:spPr>
           <a:xfrm>
-            <a:off x="2836148" y="3416225"/>
+            <a:off x="1283572" y="4111549"/>
             <a:ext cx="1274708" cy="406393"/>
           </a:xfrm>
           <a:prstGeom prst="rect">
@@ -4144,10 +4190,10 @@
       </p:sp>
       <p:sp>
         <p:nvSpPr>
-          <p:cNvPr id="9" name="Rectangle 8">
-            <a:extLst>
-              <a:ext uri="{FF2B5EF4-FFF2-40B4-BE49-F238E27FC236}">
-                <a16:creationId xmlns:a16="http://schemas.microsoft.com/office/drawing/2014/main" id="{8991999C-4FAE-42A8-BB2F-90D8CFB40121}"/>
+          <p:cNvPr id="73" name="Rectangle 72">
+            <a:extLst>
+              <a:ext uri="{FF2B5EF4-FFF2-40B4-BE49-F238E27FC236}">
+                <a16:creationId xmlns:a16="http://schemas.microsoft.com/office/drawing/2014/main" id="{8FFCFEC8-0663-49A0-A591-F055DC63E646}"/>
               </a:ext>
             </a:extLst>
           </p:cNvPr>
@@ -4156,7 +4202,7 @@
         </p:nvSpPr>
         <p:spPr>
           <a:xfrm>
-            <a:off x="3588762" y="1495861"/>
+            <a:off x="2036187" y="2191186"/>
             <a:ext cx="1705314" cy="914400"/>
           </a:xfrm>
           <a:prstGeom prst="rect">
@@ -4199,10 +4245,10 @@
       </p:sp>
       <p:sp>
         <p:nvSpPr>
-          <p:cNvPr id="10" name="Rectangle 9">
-            <a:extLst>
-              <a:ext uri="{FF2B5EF4-FFF2-40B4-BE49-F238E27FC236}">
-                <a16:creationId xmlns:a16="http://schemas.microsoft.com/office/drawing/2014/main" id="{2CD14AD0-6C83-4B6F-B0FC-BC67FFD9D34C}"/>
+          <p:cNvPr id="74" name="Rectangle 73">
+            <a:extLst>
+              <a:ext uri="{FF2B5EF4-FFF2-40B4-BE49-F238E27FC236}">
+                <a16:creationId xmlns:a16="http://schemas.microsoft.com/office/drawing/2014/main" id="{B861F75E-B4D9-4CBB-A187-8FB5E9B09E92}"/>
               </a:ext>
             </a:extLst>
           </p:cNvPr>
@@ -4211,7 +4257,7 @@
         </p:nvSpPr>
         <p:spPr>
           <a:xfrm>
-            <a:off x="4012795" y="2611058"/>
+            <a:off x="2460220" y="3306383"/>
             <a:ext cx="857250" cy="685800"/>
           </a:xfrm>
           <a:prstGeom prst="rect">
@@ -4253,10 +4299,10 @@
       </p:sp>
       <p:sp>
         <p:nvSpPr>
-          <p:cNvPr id="11" name="Rectangle 10">
-            <a:extLst>
-              <a:ext uri="{FF2B5EF4-FFF2-40B4-BE49-F238E27FC236}">
-                <a16:creationId xmlns:a16="http://schemas.microsoft.com/office/drawing/2014/main" id="{8CDBA207-3411-4AAF-BA26-E503941ECB61}"/>
+          <p:cNvPr id="75" name="Rectangle 74">
+            <a:extLst>
+              <a:ext uri="{FF2B5EF4-FFF2-40B4-BE49-F238E27FC236}">
+                <a16:creationId xmlns:a16="http://schemas.microsoft.com/office/drawing/2014/main" id="{21064A8C-2C39-41CC-A687-064AD51260DC}"/>
               </a:ext>
             </a:extLst>
           </p:cNvPr>
@@ -4265,7 +4311,7 @@
         </p:nvSpPr>
         <p:spPr>
           <a:xfrm>
-            <a:off x="4012795" y="3401633"/>
+            <a:off x="2460220" y="4096958"/>
             <a:ext cx="857250" cy="685800"/>
           </a:xfrm>
           <a:prstGeom prst="rect">
@@ -4307,10 +4353,10 @@
       </p:sp>
       <p:sp>
         <p:nvSpPr>
-          <p:cNvPr id="12" name="Rectangle 11">
-            <a:extLst>
-              <a:ext uri="{FF2B5EF4-FFF2-40B4-BE49-F238E27FC236}">
-                <a16:creationId xmlns:a16="http://schemas.microsoft.com/office/drawing/2014/main" id="{9660C373-37A9-4774-8462-202E675627E0}"/>
+          <p:cNvPr id="76" name="Rectangle 75">
+            <a:extLst>
+              <a:ext uri="{FF2B5EF4-FFF2-40B4-BE49-F238E27FC236}">
+                <a16:creationId xmlns:a16="http://schemas.microsoft.com/office/drawing/2014/main" id="{DDAF7E38-BB43-43DA-81EF-5E371E7C5E12}"/>
               </a:ext>
             </a:extLst>
           </p:cNvPr>
@@ -4319,7 +4365,7 @@
         </p:nvSpPr>
         <p:spPr>
           <a:xfrm>
-            <a:off x="4012795" y="4247810"/>
+            <a:off x="2460220" y="4943135"/>
             <a:ext cx="857250" cy="685800"/>
           </a:xfrm>
           <a:prstGeom prst="rect">
@@ -4361,10 +4407,10 @@
       </p:sp>
       <p:sp>
         <p:nvSpPr>
-          <p:cNvPr id="13" name="TextBox 12">
-            <a:extLst>
-              <a:ext uri="{FF2B5EF4-FFF2-40B4-BE49-F238E27FC236}">
-                <a16:creationId xmlns:a16="http://schemas.microsoft.com/office/drawing/2014/main" id="{BD8A8B74-B382-4E94-A544-13E9368D3FBF}"/>
+          <p:cNvPr id="109" name="TextBox 108">
+            <a:extLst>
+              <a:ext uri="{FF2B5EF4-FFF2-40B4-BE49-F238E27FC236}">
+                <a16:creationId xmlns:a16="http://schemas.microsoft.com/office/drawing/2014/main" id="{A68BD579-D8C6-4403-857A-7FE01A221C0A}"/>
               </a:ext>
             </a:extLst>
           </p:cNvPr>
@@ -4373,8 +4419,8 @@
         </p:nvSpPr>
         <p:spPr>
           <a:xfrm>
-            <a:off x="2936468" y="1000829"/>
-            <a:ext cx="3452805" cy="406393"/>
+            <a:off x="9848412" y="4912511"/>
+            <a:ext cx="611065" cy="406393"/>
           </a:xfrm>
           <a:prstGeom prst="rect">
             <a:avLst/>
@@ -4388,105 +4434,18 @@
           <a:lstStyle/>
           <a:p>
             <a:r>
-              <a:rPr lang="en-AU" b="1" dirty="0"/>
-              <a:t>Duration longer in destination</a:t>
-            </a:r>
-          </a:p>
-        </p:txBody>
-      </p:sp>
-      <p:sp>
-        <p:nvSpPr>
-          <p:cNvPr id="14" name="TextBox 13">
-            <a:extLst>
-              <a:ext uri="{FF2B5EF4-FFF2-40B4-BE49-F238E27FC236}">
-                <a16:creationId xmlns:a16="http://schemas.microsoft.com/office/drawing/2014/main" id="{B8458B53-41DD-4ED3-B105-0449A2DAA445}"/>
-              </a:ext>
-            </a:extLst>
-          </p:cNvPr>
-          <p:cNvSpPr txBox="1"/>
-          <p:nvPr/>
-        </p:nvSpPr>
-        <p:spPr>
-          <a:xfrm>
-            <a:off x="2836148" y="4253838"/>
-            <a:ext cx="1274708" cy="406393"/>
-          </a:xfrm>
-          <a:prstGeom prst="rect">
-            <a:avLst/>
-          </a:prstGeom>
-          <a:noFill/>
-        </p:spPr>
-        <p:txBody>
-          <a:bodyPr wrap="none" rtlCol="0">
-            <a:spAutoFit/>
-          </a:bodyPr>
-          <a:lstStyle/>
-          <a:p>
-            <a:r>
-              <a:rPr lang="en-AU" dirty="0" err="1"/>
-              <a:t>TimedLink</a:t>
-            </a:r>
-            <a:endParaRPr lang="en-AU" dirty="0"/>
-          </a:p>
-        </p:txBody>
-      </p:sp>
-      <p:sp>
-        <p:nvSpPr>
-          <p:cNvPr id="15" name="TextBox 14">
-            <a:extLst>
-              <a:ext uri="{FF2B5EF4-FFF2-40B4-BE49-F238E27FC236}">
-                <a16:creationId xmlns:a16="http://schemas.microsoft.com/office/drawing/2014/main" id="{041A0B30-D262-4EB9-82FC-D045338F3699}"/>
-              </a:ext>
-            </a:extLst>
-          </p:cNvPr>
-          <p:cNvSpPr txBox="1"/>
-          <p:nvPr/>
-        </p:nvSpPr>
-        <p:spPr>
-          <a:xfrm>
-            <a:off x="4003718" y="378531"/>
-            <a:ext cx="7249420" cy="406393"/>
-          </a:xfrm>
-          <a:prstGeom prst="rect">
-            <a:avLst/>
-          </a:prstGeom>
-          <a:noFill/>
-        </p:spPr>
-        <p:txBody>
-          <a:bodyPr wrap="none" rtlCol="0">
-            <a:spAutoFit/>
-          </a:bodyPr>
-          <a:lstStyle/>
-          <a:p>
-            <a:r>
-              <a:rPr lang="en-AU" b="1" dirty="0"/>
-              <a:t>Mismatched </a:t>
-            </a:r>
-            <a:r>
-              <a:rPr lang="en-AU" b="1" dirty="0" err="1"/>
-              <a:t>TimedLinks</a:t>
-            </a:r>
-            <a:r>
-              <a:rPr lang="en-AU" b="1" dirty="0"/>
-              <a:t> (for transfers using </a:t>
-            </a:r>
-            <a:r>
-              <a:rPr lang="en-AU" b="1" dirty="0" err="1"/>
-              <a:t>TimedLink</a:t>
-            </a:r>
-            <a:r>
-              <a:rPr lang="en-AU" b="1" dirty="0"/>
-              <a:t> instances)</a:t>
+              <a:rPr lang="en-AU" dirty="0"/>
+              <a:t>Link</a:t>
             </a:r>
           </a:p>
         </p:txBody>
       </p:sp>
       <p:cxnSp>
         <p:nvCxnSpPr>
-          <p:cNvPr id="17" name="Straight Arrow Connector 16">
-            <a:extLst>
-              <a:ext uri="{FF2B5EF4-FFF2-40B4-BE49-F238E27FC236}">
-                <a16:creationId xmlns:a16="http://schemas.microsoft.com/office/drawing/2014/main" id="{92E81C57-278D-4683-90D3-A1471D57465E}"/>
+          <p:cNvPr id="115" name="Straight Arrow Connector 114">
+            <a:extLst>
+              <a:ext uri="{FF2B5EF4-FFF2-40B4-BE49-F238E27FC236}">
+                <a16:creationId xmlns:a16="http://schemas.microsoft.com/office/drawing/2014/main" id="{7CA33037-14AE-47F3-B298-A65203FF5A72}"/>
               </a:ext>
             </a:extLst>
           </p:cNvPr>
@@ -4497,8 +4456,8 @@
         </p:nvCxnSpPr>
         <p:spPr>
           <a:xfrm>
-            <a:off x="8260944" y="3773108"/>
-            <a:ext cx="1047751" cy="0"/>
+            <a:off x="9630856" y="5281842"/>
+            <a:ext cx="1048870" cy="0"/>
           </a:xfrm>
           <a:prstGeom prst="straightConnector1">
             <a:avLst/>
@@ -4522,53 +4481,12 @@
           </a:fontRef>
         </p:style>
       </p:cxnSp>
-      <p:cxnSp>
-        <p:nvCxnSpPr>
-          <p:cNvPr id="18" name="Straight Arrow Connector 17">
-            <a:extLst>
-              <a:ext uri="{FF2B5EF4-FFF2-40B4-BE49-F238E27FC236}">
-                <a16:creationId xmlns:a16="http://schemas.microsoft.com/office/drawing/2014/main" id="{1D21C800-A0C4-4B88-99B0-2CAC6836ABA9}"/>
-              </a:ext>
-            </a:extLst>
-          </p:cNvPr>
-          <p:cNvCxnSpPr>
-            <a:cxnSpLocks/>
-          </p:cNvCxnSpPr>
-          <p:nvPr/>
-        </p:nvCxnSpPr>
-        <p:spPr>
-          <a:xfrm>
-            <a:off x="8260944" y="4620833"/>
-            <a:ext cx="1047751" cy="0"/>
-          </a:xfrm>
-          <a:prstGeom prst="straightConnector1">
-            <a:avLst/>
-          </a:prstGeom>
-          <a:ln>
-            <a:tailEnd type="triangle"/>
-          </a:ln>
-        </p:spPr>
-        <p:style>
-          <a:lnRef idx="1">
-            <a:schemeClr val="accent1"/>
-          </a:lnRef>
-          <a:fillRef idx="0">
-            <a:schemeClr val="accent1"/>
-          </a:fillRef>
-          <a:effectRef idx="0">
-            <a:schemeClr val="accent1"/>
-          </a:effectRef>
-          <a:fontRef idx="minor">
-            <a:schemeClr val="tx1"/>
-          </a:fontRef>
-        </p:style>
-      </p:cxnSp>
-      <p:sp>
-        <p:nvSpPr>
-          <p:cNvPr id="19" name="TextBox 18">
-            <a:extLst>
-              <a:ext uri="{FF2B5EF4-FFF2-40B4-BE49-F238E27FC236}">
-                <a16:creationId xmlns:a16="http://schemas.microsoft.com/office/drawing/2014/main" id="{9BB19B52-430A-4559-AB86-1E1CD5671268}"/>
+      <p:sp>
+        <p:nvSpPr>
+          <p:cNvPr id="46" name="TextBox 45">
+            <a:extLst>
+              <a:ext uri="{FF2B5EF4-FFF2-40B4-BE49-F238E27FC236}">
+                <a16:creationId xmlns:a16="http://schemas.microsoft.com/office/drawing/2014/main" id="{54DE191F-A1A6-42DD-83BA-41BE9A3DC0CB}"/>
               </a:ext>
             </a:extLst>
           </p:cNvPr>
@@ -4577,8 +4495,8 @@
         </p:nvSpPr>
         <p:spPr>
           <a:xfrm>
-            <a:off x="8160622" y="3416225"/>
-            <a:ext cx="1274708" cy="406393"/>
+            <a:off x="2056897" y="1600599"/>
+            <a:ext cx="1873911" cy="406393"/>
           </a:xfrm>
           <a:prstGeom prst="rect">
             <a:avLst/>
@@ -4592,19 +4510,18 @@
           <a:lstStyle/>
           <a:p>
             <a:r>
-              <a:rPr lang="en-AU" dirty="0" err="1"/>
-              <a:t>TimedLink</a:t>
-            </a:r>
-            <a:endParaRPr lang="en-AU" dirty="0"/>
-          </a:p>
-        </p:txBody>
-      </p:sp>
-      <p:sp>
-        <p:nvSpPr>
-          <p:cNvPr id="20" name="Rectangle 19">
-            <a:extLst>
-              <a:ext uri="{FF2B5EF4-FFF2-40B4-BE49-F238E27FC236}">
-                <a16:creationId xmlns:a16="http://schemas.microsoft.com/office/drawing/2014/main" id="{BE278627-740B-4CAF-85E9-9502C4A8C99D}"/>
+              <a:rPr lang="en-AU" b="1" dirty="0"/>
+              <a:t>1. Timed inflow</a:t>
+            </a:r>
+          </a:p>
+        </p:txBody>
+      </p:sp>
+      <p:sp>
+        <p:nvSpPr>
+          <p:cNvPr id="51" name="Rectangle 50">
+            <a:extLst>
+              <a:ext uri="{FF2B5EF4-FFF2-40B4-BE49-F238E27FC236}">
+                <a16:creationId xmlns:a16="http://schemas.microsoft.com/office/drawing/2014/main" id="{0F5C62DE-0198-4990-BE9A-57F06185F844}"/>
               </a:ext>
             </a:extLst>
           </p:cNvPr>
@@ -4613,7 +4530,7 @@
         </p:nvSpPr>
         <p:spPr>
           <a:xfrm>
-            <a:off x="8913237" y="1495861"/>
+            <a:off x="6144427" y="2191186"/>
             <a:ext cx="1705314" cy="914400"/>
           </a:xfrm>
           <a:prstGeom prst="rect">
@@ -4656,10 +4573,10 @@
       </p:sp>
       <p:sp>
         <p:nvSpPr>
-          <p:cNvPr id="21" name="Rectangle 20">
-            <a:extLst>
-              <a:ext uri="{FF2B5EF4-FFF2-40B4-BE49-F238E27FC236}">
-                <a16:creationId xmlns:a16="http://schemas.microsoft.com/office/drawing/2014/main" id="{BE8AC372-3226-4310-AA6D-9AB6B756F00D}"/>
+          <p:cNvPr id="52" name="Rectangle 51">
+            <a:extLst>
+              <a:ext uri="{FF2B5EF4-FFF2-40B4-BE49-F238E27FC236}">
+                <a16:creationId xmlns:a16="http://schemas.microsoft.com/office/drawing/2014/main" id="{9844435C-2028-437F-8AEA-669A46B88D38}"/>
               </a:ext>
             </a:extLst>
           </p:cNvPr>
@@ -4668,7 +4585,7 @@
         </p:nvSpPr>
         <p:spPr>
           <a:xfrm>
-            <a:off x="9337269" y="2611058"/>
+            <a:off x="6568459" y="3306383"/>
             <a:ext cx="857250" cy="685800"/>
           </a:xfrm>
           <a:prstGeom prst="rect">
@@ -4703,17 +4620,17 @@
             <a:pPr algn="ctr"/>
             <a:r>
               <a:rPr lang="en-AU" dirty="0"/>
-              <a:t>A</a:t>
-            </a:r>
-          </a:p>
-        </p:txBody>
-      </p:sp>
-      <p:sp>
-        <p:nvSpPr>
-          <p:cNvPr id="22" name="Rectangle 21">
-            <a:extLst>
-              <a:ext uri="{FF2B5EF4-FFF2-40B4-BE49-F238E27FC236}">
-                <a16:creationId xmlns:a16="http://schemas.microsoft.com/office/drawing/2014/main" id="{9A2EA93B-F699-4ABC-AA7E-9CCF0724FD9D}"/>
+              <a:t>B</a:t>
+            </a:r>
+          </a:p>
+        </p:txBody>
+      </p:sp>
+      <p:sp>
+        <p:nvSpPr>
+          <p:cNvPr id="53" name="Rectangle 52">
+            <a:extLst>
+              <a:ext uri="{FF2B5EF4-FFF2-40B4-BE49-F238E27FC236}">
+                <a16:creationId xmlns:a16="http://schemas.microsoft.com/office/drawing/2014/main" id="{BAAB87B5-E6A9-42E4-A1A0-72F3F820BC7A}"/>
               </a:ext>
             </a:extLst>
           </p:cNvPr>
@@ -4722,7 +4639,7 @@
         </p:nvSpPr>
         <p:spPr>
           <a:xfrm>
-            <a:off x="9337269" y="3401633"/>
+            <a:off x="6568459" y="4096958"/>
             <a:ext cx="857250" cy="685800"/>
           </a:xfrm>
           <a:prstGeom prst="rect">
@@ -4757,17 +4674,17 @@
             <a:pPr algn="ctr"/>
             <a:r>
               <a:rPr lang="en-AU" dirty="0"/>
-              <a:t>B</a:t>
-            </a:r>
-          </a:p>
-        </p:txBody>
-      </p:sp>
-      <p:sp>
-        <p:nvSpPr>
-          <p:cNvPr id="23" name="Rectangle 22">
-            <a:extLst>
-              <a:ext uri="{FF2B5EF4-FFF2-40B4-BE49-F238E27FC236}">
-                <a16:creationId xmlns:a16="http://schemas.microsoft.com/office/drawing/2014/main" id="{EE670426-1CB3-4AC6-B12B-8F5A0AD7A275}"/>
+              <a:t>C</a:t>
+            </a:r>
+          </a:p>
+        </p:txBody>
+      </p:sp>
+      <p:sp>
+        <p:nvSpPr>
+          <p:cNvPr id="54" name="Rectangle 53">
+            <a:extLst>
+              <a:ext uri="{FF2B5EF4-FFF2-40B4-BE49-F238E27FC236}">
+                <a16:creationId xmlns:a16="http://schemas.microsoft.com/office/drawing/2014/main" id="{0B508C70-E718-4115-8286-A9C1F0774F9C}"/>
               </a:ext>
             </a:extLst>
           </p:cNvPr>
@@ -4776,7 +4693,7 @@
         </p:nvSpPr>
         <p:spPr>
           <a:xfrm>
-            <a:off x="9337269" y="4247810"/>
+            <a:off x="6568459" y="4943135"/>
             <a:ext cx="857250" cy="685800"/>
           </a:xfrm>
           <a:prstGeom prst="rect">
@@ -4811,17 +4728,17 @@
             <a:pPr algn="ctr"/>
             <a:r>
               <a:rPr lang="en-AU" dirty="0"/>
-              <a:t>C</a:t>
-            </a:r>
-          </a:p>
-        </p:txBody>
-      </p:sp>
-      <p:sp>
-        <p:nvSpPr>
-          <p:cNvPr id="24" name="TextBox 23">
-            <a:extLst>
-              <a:ext uri="{FF2B5EF4-FFF2-40B4-BE49-F238E27FC236}">
-                <a16:creationId xmlns:a16="http://schemas.microsoft.com/office/drawing/2014/main" id="{6A526280-D932-4A7A-87F9-2ABD187FF5A1}"/>
+              <a:t>D</a:t>
+            </a:r>
+          </a:p>
+        </p:txBody>
+      </p:sp>
+      <p:sp>
+        <p:nvSpPr>
+          <p:cNvPr id="55" name="TextBox 54">
+            <a:extLst>
+              <a:ext uri="{FF2B5EF4-FFF2-40B4-BE49-F238E27FC236}">
+                <a16:creationId xmlns:a16="http://schemas.microsoft.com/office/drawing/2014/main" id="{DC2CDBB1-2F9F-4D5F-8C6D-68BEADC8B9AF}"/>
               </a:ext>
             </a:extLst>
           </p:cNvPr>
@@ -4830,8 +4747,8 @@
         </p:nvSpPr>
         <p:spPr>
           <a:xfrm>
-            <a:off x="8260944" y="1000829"/>
-            <a:ext cx="3553409" cy="406393"/>
+            <a:off x="6036716" y="1600599"/>
+            <a:ext cx="2229456" cy="406393"/>
           </a:xfrm>
           <a:prstGeom prst="rect">
             <a:avLst/>
@@ -4846,17 +4763,17 @@
           <a:p>
             <a:r>
               <a:rPr lang="en-AU" b="1" dirty="0"/>
-              <a:t>Duration shorter in destination</a:t>
-            </a:r>
-          </a:p>
-        </p:txBody>
-      </p:sp>
-      <p:sp>
-        <p:nvSpPr>
-          <p:cNvPr id="25" name="TextBox 24">
-            <a:extLst>
-              <a:ext uri="{FF2B5EF4-FFF2-40B4-BE49-F238E27FC236}">
-                <a16:creationId xmlns:a16="http://schemas.microsoft.com/office/drawing/2014/main" id="{BABE6C1B-6F1D-410D-9DB6-146C4D1486A3}"/>
+              <a:t>2. Advance keyring</a:t>
+            </a:r>
+          </a:p>
+        </p:txBody>
+      </p:sp>
+      <p:sp>
+        <p:nvSpPr>
+          <p:cNvPr id="3" name="TextBox 2">
+            <a:extLst>
+              <a:ext uri="{FF2B5EF4-FFF2-40B4-BE49-F238E27FC236}">
+                <a16:creationId xmlns:a16="http://schemas.microsoft.com/office/drawing/2014/main" id="{20BF501D-9A9E-4523-85E0-67F5E20BF089}"/>
               </a:ext>
             </a:extLst>
           </p:cNvPr>
@@ -4865,8 +4782,8 @@
         </p:nvSpPr>
         <p:spPr>
           <a:xfrm>
-            <a:off x="8160622" y="4253838"/>
-            <a:ext cx="1274708" cy="406393"/>
+            <a:off x="1333279" y="700461"/>
+            <a:ext cx="3460909" cy="461665"/>
           </a:xfrm>
           <a:prstGeom prst="rect">
             <a:avLst/>
@@ -4874,102 +4791,33 @@
           <a:noFill/>
         </p:spPr>
         <p:txBody>
-          <a:bodyPr wrap="none" rtlCol="0">
+          <a:bodyPr wrap="square" rtlCol="0">
             <a:spAutoFit/>
           </a:bodyPr>
           <a:lstStyle/>
           <a:p>
-            <a:r>
-              <a:rPr lang="en-AU" dirty="0" err="1"/>
+            <a:pPr algn="ctr"/>
+            <a:r>
+              <a:rPr lang="en-AU" sz="1200" i="1" dirty="0"/>
+              <a:t>(Note the keyring could be advanced first as long as the </a:t>
+            </a:r>
+            <a:r>
+              <a:rPr lang="en-AU" sz="1200" i="1" dirty="0" err="1"/>
               <a:t>TimedLink</a:t>
             </a:r>
-            <a:endParaRPr lang="en-AU" dirty="0"/>
-          </a:p>
-        </p:txBody>
-      </p:sp>
-      <p:cxnSp>
-        <p:nvCxnSpPr>
-          <p:cNvPr id="26" name="Straight Arrow Connector 25">
-            <a:extLst>
-              <a:ext uri="{FF2B5EF4-FFF2-40B4-BE49-F238E27FC236}">
-                <a16:creationId xmlns:a16="http://schemas.microsoft.com/office/drawing/2014/main" id="{C2AAFA75-096F-4B54-B1EA-3AFE2DD03853}"/>
-              </a:ext>
-            </a:extLst>
-          </p:cNvPr>
-          <p:cNvCxnSpPr>
-            <a:cxnSpLocks/>
-          </p:cNvCxnSpPr>
-          <p:nvPr/>
-        </p:nvCxnSpPr>
-        <p:spPr>
-          <a:xfrm flipV="1">
-            <a:off x="8260941" y="4856958"/>
-            <a:ext cx="1047752" cy="603827"/>
-          </a:xfrm>
-          <a:prstGeom prst="straightConnector1">
-            <a:avLst/>
-          </a:prstGeom>
-          <a:ln>
-            <a:tailEnd type="triangle"/>
-          </a:ln>
-        </p:spPr>
-        <p:style>
-          <a:lnRef idx="1">
-            <a:schemeClr val="accent1"/>
-          </a:lnRef>
-          <a:fillRef idx="0">
-            <a:schemeClr val="accent1"/>
-          </a:fillRef>
-          <a:effectRef idx="0">
-            <a:schemeClr val="accent1"/>
-          </a:effectRef>
-          <a:fontRef idx="minor">
-            <a:schemeClr val="tx1"/>
-          </a:fontRef>
-        </p:style>
-      </p:cxnSp>
-      <p:sp>
-        <p:nvSpPr>
-          <p:cNvPr id="27" name="TextBox 26">
-            <a:extLst>
-              <a:ext uri="{FF2B5EF4-FFF2-40B4-BE49-F238E27FC236}">
-                <a16:creationId xmlns:a16="http://schemas.microsoft.com/office/drawing/2014/main" id="{E6EDED8A-2614-42F9-A044-2BF4975995F0}"/>
-              </a:ext>
-            </a:extLst>
-          </p:cNvPr>
-          <p:cNvSpPr txBox="1"/>
-          <p:nvPr/>
-        </p:nvSpPr>
-        <p:spPr>
-          <a:xfrm>
-            <a:off x="8189198" y="5404616"/>
-            <a:ext cx="1274708" cy="406393"/>
-          </a:xfrm>
-          <a:prstGeom prst="rect">
-            <a:avLst/>
-          </a:prstGeom>
-          <a:noFill/>
-        </p:spPr>
-        <p:txBody>
-          <a:bodyPr wrap="none" rtlCol="0">
-            <a:spAutoFit/>
-          </a:bodyPr>
-          <a:lstStyle/>
-          <a:p>
-            <a:r>
-              <a:rPr lang="en-AU" dirty="0" err="1"/>
-              <a:t>TimedLink</a:t>
-            </a:r>
-            <a:endParaRPr lang="en-AU" dirty="0"/>
-          </a:p>
-        </p:txBody>
-      </p:sp>
-      <p:sp>
-        <p:nvSpPr>
-          <p:cNvPr id="29" name="Rectangle 28">
-            <a:extLst>
-              <a:ext uri="{FF2B5EF4-FFF2-40B4-BE49-F238E27FC236}">
-                <a16:creationId xmlns:a16="http://schemas.microsoft.com/office/drawing/2014/main" id="{EE0864EA-126C-493B-8132-CA8D157DB218}"/>
+            <a:r>
+              <a:rPr lang="en-AU" sz="1200" i="1" dirty="0"/>
+              <a:t> array is also shifted accordingly)</a:t>
+            </a:r>
+          </a:p>
+        </p:txBody>
+      </p:sp>
+      <p:sp>
+        <p:nvSpPr>
+          <p:cNvPr id="57" name="Rectangle 56">
+            <a:extLst>
+              <a:ext uri="{FF2B5EF4-FFF2-40B4-BE49-F238E27FC236}">
+                <a16:creationId xmlns:a16="http://schemas.microsoft.com/office/drawing/2014/main" id="{2EDC81C0-525F-4E65-A6D2-31A91081CD74}"/>
               </a:ext>
             </a:extLst>
           </p:cNvPr>
@@ -4978,8 +4826,8 @@
         </p:nvSpPr>
         <p:spPr>
           <a:xfrm>
-            <a:off x="4012795" y="5117883"/>
-            <a:ext cx="857250" cy="685800"/>
+            <a:off x="10354031" y="2191186"/>
+            <a:ext cx="1705314" cy="914400"/>
           </a:xfrm>
           <a:prstGeom prst="rect">
             <a:avLst/>
@@ -5012,8 +4860,338 @@
           <a:p>
             <a:pPr algn="ctr"/>
             <a:r>
+              <a:rPr lang="en-AU" sz="1400" dirty="0" err="1"/>
+              <a:t>TimedCompartment</a:t>
+            </a:r>
+            <a:endParaRPr lang="en-AU" sz="1400" dirty="0"/>
+          </a:p>
+        </p:txBody>
+      </p:sp>
+      <p:sp>
+        <p:nvSpPr>
+          <p:cNvPr id="58" name="Rectangle 57">
+            <a:extLst>
+              <a:ext uri="{FF2B5EF4-FFF2-40B4-BE49-F238E27FC236}">
+                <a16:creationId xmlns:a16="http://schemas.microsoft.com/office/drawing/2014/main" id="{0BF0C7DF-1427-46E6-8BD4-393E51E20D72}"/>
+              </a:ext>
+            </a:extLst>
+          </p:cNvPr>
+          <p:cNvSpPr/>
+          <p:nvPr/>
+        </p:nvSpPr>
+        <p:spPr>
+          <a:xfrm>
+            <a:off x="10778064" y="3306383"/>
+            <a:ext cx="857250" cy="685800"/>
+          </a:xfrm>
+          <a:prstGeom prst="rect">
+            <a:avLst/>
+          </a:prstGeom>
+        </p:spPr>
+        <p:style>
+          <a:lnRef idx="2">
+            <a:schemeClr val="accent1">
+              <a:shade val="50000"/>
+            </a:schemeClr>
+          </a:lnRef>
+          <a:fillRef idx="1">
+            <a:schemeClr val="accent1"/>
+          </a:fillRef>
+          <a:effectRef idx="0">
+            <a:schemeClr val="accent1"/>
+          </a:effectRef>
+          <a:fontRef idx="minor">
+            <a:schemeClr val="lt1"/>
+          </a:fontRef>
+        </p:style>
+        <p:txBody>
+          <a:bodyPr rot="0" spcFirstLastPara="0" vertOverflow="overflow" horzOverflow="overflow" vert="horz" wrap="square" lIns="91440" tIns="45720" rIns="91440" bIns="45720" numCol="1" spcCol="0" rtlCol="0" fromWordArt="0" anchor="ctr" anchorCtr="0" forceAA="0" compatLnSpc="1">
+            <a:prstTxWarp prst="textNoShape">
+              <a:avLst/>
+            </a:prstTxWarp>
+            <a:noAutofit/>
+          </a:bodyPr>
+          <a:lstStyle/>
+          <a:p>
+            <a:pPr algn="ctr"/>
+            <a:r>
+              <a:rPr lang="en-AU" dirty="0"/>
+              <a:t>B</a:t>
+            </a:r>
+          </a:p>
+        </p:txBody>
+      </p:sp>
+      <p:sp>
+        <p:nvSpPr>
+          <p:cNvPr id="59" name="Rectangle 58">
+            <a:extLst>
+              <a:ext uri="{FF2B5EF4-FFF2-40B4-BE49-F238E27FC236}">
+                <a16:creationId xmlns:a16="http://schemas.microsoft.com/office/drawing/2014/main" id="{9AB777D4-B817-4DFB-9922-E8B32BCCBA91}"/>
+              </a:ext>
+            </a:extLst>
+          </p:cNvPr>
+          <p:cNvSpPr/>
+          <p:nvPr/>
+        </p:nvSpPr>
+        <p:spPr>
+          <a:xfrm>
+            <a:off x="10778064" y="4096958"/>
+            <a:ext cx="857250" cy="685800"/>
+          </a:xfrm>
+          <a:prstGeom prst="rect">
+            <a:avLst/>
+          </a:prstGeom>
+        </p:spPr>
+        <p:style>
+          <a:lnRef idx="2">
+            <a:schemeClr val="accent1">
+              <a:shade val="50000"/>
+            </a:schemeClr>
+          </a:lnRef>
+          <a:fillRef idx="1">
+            <a:schemeClr val="accent1"/>
+          </a:fillRef>
+          <a:effectRef idx="0">
+            <a:schemeClr val="accent1"/>
+          </a:effectRef>
+          <a:fontRef idx="minor">
+            <a:schemeClr val="lt1"/>
+          </a:fontRef>
+        </p:style>
+        <p:txBody>
+          <a:bodyPr rot="0" spcFirstLastPara="0" vertOverflow="overflow" horzOverflow="overflow" vert="horz" wrap="square" lIns="91440" tIns="45720" rIns="91440" bIns="45720" numCol="1" spcCol="0" rtlCol="0" fromWordArt="0" anchor="ctr" anchorCtr="0" forceAA="0" compatLnSpc="1">
+            <a:prstTxWarp prst="textNoShape">
+              <a:avLst/>
+            </a:prstTxWarp>
+            <a:noAutofit/>
+          </a:bodyPr>
+          <a:lstStyle/>
+          <a:p>
+            <a:pPr algn="ctr"/>
+            <a:r>
+              <a:rPr lang="en-AU" dirty="0"/>
+              <a:t>C</a:t>
+            </a:r>
+          </a:p>
+        </p:txBody>
+      </p:sp>
+      <p:sp>
+        <p:nvSpPr>
+          <p:cNvPr id="60" name="Rectangle 59">
+            <a:extLst>
+              <a:ext uri="{FF2B5EF4-FFF2-40B4-BE49-F238E27FC236}">
+                <a16:creationId xmlns:a16="http://schemas.microsoft.com/office/drawing/2014/main" id="{2A2650F0-7E16-4854-9221-D7A06B7E90D7}"/>
+              </a:ext>
+            </a:extLst>
+          </p:cNvPr>
+          <p:cNvSpPr/>
+          <p:nvPr/>
+        </p:nvSpPr>
+        <p:spPr>
+          <a:xfrm>
+            <a:off x="10778064" y="4943135"/>
+            <a:ext cx="857250" cy="685800"/>
+          </a:xfrm>
+          <a:prstGeom prst="rect">
+            <a:avLst/>
+          </a:prstGeom>
+        </p:spPr>
+        <p:style>
+          <a:lnRef idx="2">
+            <a:schemeClr val="accent1">
+              <a:shade val="50000"/>
+            </a:schemeClr>
+          </a:lnRef>
+          <a:fillRef idx="1">
+            <a:schemeClr val="accent1"/>
+          </a:fillRef>
+          <a:effectRef idx="0">
+            <a:schemeClr val="accent1"/>
+          </a:effectRef>
+          <a:fontRef idx="minor">
+            <a:schemeClr val="lt1"/>
+          </a:fontRef>
+        </p:style>
+        <p:txBody>
+          <a:bodyPr rot="0" spcFirstLastPara="0" vertOverflow="overflow" horzOverflow="overflow" vert="horz" wrap="square" lIns="91440" tIns="45720" rIns="91440" bIns="45720" numCol="1" spcCol="0" rtlCol="0" fromWordArt="0" anchor="ctr" anchorCtr="0" forceAA="0" compatLnSpc="1">
+            <a:prstTxWarp prst="textNoShape">
+              <a:avLst/>
+            </a:prstTxWarp>
+            <a:noAutofit/>
+          </a:bodyPr>
+          <a:lstStyle/>
+          <a:p>
+            <a:pPr algn="ctr"/>
+            <a:r>
               <a:rPr lang="en-AU" dirty="0"/>
               <a:t>D</a:t>
+            </a:r>
+          </a:p>
+        </p:txBody>
+      </p:sp>
+      <p:sp>
+        <p:nvSpPr>
+          <p:cNvPr id="61" name="TextBox 60">
+            <a:extLst>
+              <a:ext uri="{FF2B5EF4-FFF2-40B4-BE49-F238E27FC236}">
+                <a16:creationId xmlns:a16="http://schemas.microsoft.com/office/drawing/2014/main" id="{C42E8792-F12B-4F8B-ABD0-A42B3F9A8DC0}"/>
+              </a:ext>
+            </a:extLst>
+          </p:cNvPr>
+          <p:cNvSpPr txBox="1"/>
+          <p:nvPr/>
+        </p:nvSpPr>
+        <p:spPr>
+          <a:xfrm>
+            <a:off x="10246322" y="1600599"/>
+            <a:ext cx="2145587" cy="406393"/>
+          </a:xfrm>
+          <a:prstGeom prst="rect">
+            <a:avLst/>
+          </a:prstGeom>
+          <a:noFill/>
+        </p:spPr>
+        <p:txBody>
+          <a:bodyPr wrap="none" rtlCol="0">
+            <a:spAutoFit/>
+          </a:bodyPr>
+          <a:lstStyle/>
+          <a:p>
+            <a:r>
+              <a:rPr lang="en-AU" b="1" dirty="0"/>
+              <a:t>3. Untimed inflow</a:t>
+            </a:r>
+          </a:p>
+        </p:txBody>
+      </p:sp>
+      <p:sp>
+        <p:nvSpPr>
+          <p:cNvPr id="62" name="TextBox 61">
+            <a:extLst>
+              <a:ext uri="{FF2B5EF4-FFF2-40B4-BE49-F238E27FC236}">
+                <a16:creationId xmlns:a16="http://schemas.microsoft.com/office/drawing/2014/main" id="{C57FBAD2-7DCF-4773-A13C-583E48F5A6EF}"/>
+              </a:ext>
+            </a:extLst>
+          </p:cNvPr>
+          <p:cNvSpPr txBox="1"/>
+          <p:nvPr/>
+        </p:nvSpPr>
+        <p:spPr>
+          <a:xfrm>
+            <a:off x="5111183" y="5857857"/>
+            <a:ext cx="3771802" cy="646331"/>
+          </a:xfrm>
+          <a:prstGeom prst="rect">
+            <a:avLst/>
+          </a:prstGeom>
+          <a:noFill/>
+        </p:spPr>
+        <p:txBody>
+          <a:bodyPr wrap="square" rtlCol="0">
+            <a:spAutoFit/>
+          </a:bodyPr>
+          <a:lstStyle/>
+          <a:p>
+            <a:pPr algn="ctr"/>
+            <a:r>
+              <a:rPr lang="en-AU" sz="1200" i="1" dirty="0"/>
+              <a:t>For </a:t>
+            </a:r>
+            <a:r>
+              <a:rPr lang="en-AU" sz="1200" i="1" dirty="0" err="1"/>
+              <a:t>TimedCompartments</a:t>
+            </a:r>
+            <a:r>
+              <a:rPr lang="en-AU" sz="1200" i="1" dirty="0"/>
+              <a:t>, it is assumed that the outflows result in </a:t>
+            </a:r>
+            <a:r>
+              <a:rPr lang="en-AU" sz="1200" i="1" dirty="0" err="1"/>
+              <a:t>subcompartment</a:t>
+            </a:r>
+            <a:r>
+              <a:rPr lang="en-AU" sz="1200" i="1" dirty="0"/>
+              <a:t> A being emptied entirely, thus discarding A in step (2) does not affect any people </a:t>
+            </a:r>
+          </a:p>
+        </p:txBody>
+      </p:sp>
+      <p:sp>
+        <p:nvSpPr>
+          <p:cNvPr id="63" name="TextBox 62">
+            <a:extLst>
+              <a:ext uri="{FF2B5EF4-FFF2-40B4-BE49-F238E27FC236}">
+                <a16:creationId xmlns:a16="http://schemas.microsoft.com/office/drawing/2014/main" id="{DFA5DC6D-F097-4A77-A459-E2DB5F0CF0CD}"/>
+              </a:ext>
+            </a:extLst>
+          </p:cNvPr>
+          <p:cNvSpPr txBox="1"/>
+          <p:nvPr/>
+        </p:nvSpPr>
+        <p:spPr>
+          <a:xfrm>
+            <a:off x="1283572" y="4949163"/>
+            <a:ext cx="1274708" cy="406393"/>
+          </a:xfrm>
+          <a:prstGeom prst="rect">
+            <a:avLst/>
+          </a:prstGeom>
+          <a:noFill/>
+        </p:spPr>
+        <p:txBody>
+          <a:bodyPr wrap="none" rtlCol="0">
+            <a:spAutoFit/>
+          </a:bodyPr>
+          <a:lstStyle/>
+          <a:p>
+            <a:r>
+              <a:rPr lang="en-AU" dirty="0" err="1"/>
+              <a:t>TimedLink</a:t>
+            </a:r>
+            <a:endParaRPr lang="en-AU" dirty="0"/>
+          </a:p>
+        </p:txBody>
+      </p:sp>
+      <p:sp>
+        <p:nvSpPr>
+          <p:cNvPr id="81" name="TextBox 80">
+            <a:extLst>
+              <a:ext uri="{FF2B5EF4-FFF2-40B4-BE49-F238E27FC236}">
+                <a16:creationId xmlns:a16="http://schemas.microsoft.com/office/drawing/2014/main" id="{6628CB7D-15FA-4BFD-A55F-4D90B28A3CA0}"/>
+              </a:ext>
+            </a:extLst>
+          </p:cNvPr>
+          <p:cNvSpPr txBox="1"/>
+          <p:nvPr/>
+        </p:nvSpPr>
+        <p:spPr>
+          <a:xfrm>
+            <a:off x="1002943" y="5852521"/>
+            <a:ext cx="3771802" cy="461665"/>
+          </a:xfrm>
+          <a:prstGeom prst="rect">
+            <a:avLst/>
+          </a:prstGeom>
+          <a:noFill/>
+        </p:spPr>
+        <p:txBody>
+          <a:bodyPr wrap="square" rtlCol="0">
+            <a:spAutoFit/>
+          </a:bodyPr>
+          <a:lstStyle/>
+          <a:p>
+            <a:pPr algn="ctr"/>
+            <a:r>
+              <a:rPr lang="en-AU" sz="1200" i="1" dirty="0"/>
+              <a:t>Note that incoming </a:t>
+            </a:r>
+            <a:r>
+              <a:rPr lang="en-AU" sz="1200" i="1" dirty="0" err="1"/>
+              <a:t>TimedLinks</a:t>
+            </a:r>
+            <a:r>
+              <a:rPr lang="en-AU" sz="1200" i="1" dirty="0"/>
+              <a:t> must belong to the same duration group</a:t>
             </a:r>
           </a:p>
         </p:txBody>
@@ -5021,7 +5199,7 @@
     </p:spTree>
     <p:extLst>
       <p:ext uri="{BB962C8B-B14F-4D97-AF65-F5344CB8AC3E}">
-        <p14:creationId xmlns:p14="http://schemas.microsoft.com/office/powerpoint/2010/main" val="2811790705"/>
+        <p14:creationId xmlns:p14="http://schemas.microsoft.com/office/powerpoint/2010/main" val="687164193"/>
       </p:ext>
     </p:extLst>
   </p:cSld>
@@ -5048,6 +5226,1030 @@
           <a:chExt cx="0" cy="0"/>
         </a:xfrm>
       </p:grpSpPr>
+      <p:cxnSp>
+        <p:nvCxnSpPr>
+          <p:cNvPr id="6" name="Straight Arrow Connector 5">
+            <a:extLst>
+              <a:ext uri="{FF2B5EF4-FFF2-40B4-BE49-F238E27FC236}">
+                <a16:creationId xmlns:a16="http://schemas.microsoft.com/office/drawing/2014/main" id="{9E5F56FE-6793-45BB-B2DD-6EF92D0BA377}"/>
+              </a:ext>
+            </a:extLst>
+          </p:cNvPr>
+          <p:cNvCxnSpPr>
+            <a:cxnSpLocks/>
+          </p:cNvCxnSpPr>
+          <p:nvPr/>
+        </p:nvCxnSpPr>
+        <p:spPr>
+          <a:xfrm>
+            <a:off x="2936469" y="3773108"/>
+            <a:ext cx="1047751" cy="0"/>
+          </a:xfrm>
+          <a:prstGeom prst="straightConnector1">
+            <a:avLst/>
+          </a:prstGeom>
+          <a:ln>
+            <a:tailEnd type="triangle"/>
+          </a:ln>
+        </p:spPr>
+        <p:style>
+          <a:lnRef idx="1">
+            <a:schemeClr val="accent1"/>
+          </a:lnRef>
+          <a:fillRef idx="0">
+            <a:schemeClr val="accent1"/>
+          </a:fillRef>
+          <a:effectRef idx="0">
+            <a:schemeClr val="accent1"/>
+          </a:effectRef>
+          <a:fontRef idx="minor">
+            <a:schemeClr val="tx1"/>
+          </a:fontRef>
+        </p:style>
+      </p:cxnSp>
+      <p:cxnSp>
+        <p:nvCxnSpPr>
+          <p:cNvPr id="7" name="Straight Arrow Connector 6">
+            <a:extLst>
+              <a:ext uri="{FF2B5EF4-FFF2-40B4-BE49-F238E27FC236}">
+                <a16:creationId xmlns:a16="http://schemas.microsoft.com/office/drawing/2014/main" id="{E0D6032B-F0BA-4FAB-B078-ADA027504B39}"/>
+              </a:ext>
+            </a:extLst>
+          </p:cNvPr>
+          <p:cNvCxnSpPr>
+            <a:cxnSpLocks/>
+          </p:cNvCxnSpPr>
+          <p:nvPr/>
+        </p:nvCxnSpPr>
+        <p:spPr>
+          <a:xfrm>
+            <a:off x="2936469" y="4620833"/>
+            <a:ext cx="1047751" cy="0"/>
+          </a:xfrm>
+          <a:prstGeom prst="straightConnector1">
+            <a:avLst/>
+          </a:prstGeom>
+          <a:ln>
+            <a:tailEnd type="triangle"/>
+          </a:ln>
+        </p:spPr>
+        <p:style>
+          <a:lnRef idx="1">
+            <a:schemeClr val="accent1"/>
+          </a:lnRef>
+          <a:fillRef idx="0">
+            <a:schemeClr val="accent1"/>
+          </a:fillRef>
+          <a:effectRef idx="0">
+            <a:schemeClr val="accent1"/>
+          </a:effectRef>
+          <a:fontRef idx="minor">
+            <a:schemeClr val="tx1"/>
+          </a:fontRef>
+        </p:style>
+      </p:cxnSp>
+      <p:sp>
+        <p:nvSpPr>
+          <p:cNvPr id="8" name="TextBox 7">
+            <a:extLst>
+              <a:ext uri="{FF2B5EF4-FFF2-40B4-BE49-F238E27FC236}">
+                <a16:creationId xmlns:a16="http://schemas.microsoft.com/office/drawing/2014/main" id="{77A364AD-3A9E-479D-BE22-B98D57A58BBF}"/>
+              </a:ext>
+            </a:extLst>
+          </p:cNvPr>
+          <p:cNvSpPr txBox="1"/>
+          <p:nvPr/>
+        </p:nvSpPr>
+        <p:spPr>
+          <a:xfrm>
+            <a:off x="2836148" y="3416225"/>
+            <a:ext cx="1274708" cy="406393"/>
+          </a:xfrm>
+          <a:prstGeom prst="rect">
+            <a:avLst/>
+          </a:prstGeom>
+          <a:noFill/>
+        </p:spPr>
+        <p:txBody>
+          <a:bodyPr wrap="none" rtlCol="0">
+            <a:spAutoFit/>
+          </a:bodyPr>
+          <a:lstStyle/>
+          <a:p>
+            <a:r>
+              <a:rPr lang="en-AU" dirty="0" err="1"/>
+              <a:t>TimedLink</a:t>
+            </a:r>
+            <a:endParaRPr lang="en-AU" dirty="0"/>
+          </a:p>
+        </p:txBody>
+      </p:sp>
+      <p:sp>
+        <p:nvSpPr>
+          <p:cNvPr id="9" name="Rectangle 8">
+            <a:extLst>
+              <a:ext uri="{FF2B5EF4-FFF2-40B4-BE49-F238E27FC236}">
+                <a16:creationId xmlns:a16="http://schemas.microsoft.com/office/drawing/2014/main" id="{8991999C-4FAE-42A8-BB2F-90D8CFB40121}"/>
+              </a:ext>
+            </a:extLst>
+          </p:cNvPr>
+          <p:cNvSpPr/>
+          <p:nvPr/>
+        </p:nvSpPr>
+        <p:spPr>
+          <a:xfrm>
+            <a:off x="3588762" y="1495861"/>
+            <a:ext cx="1705314" cy="914400"/>
+          </a:xfrm>
+          <a:prstGeom prst="rect">
+            <a:avLst/>
+          </a:prstGeom>
+        </p:spPr>
+        <p:style>
+          <a:lnRef idx="2">
+            <a:schemeClr val="accent1">
+              <a:shade val="50000"/>
+            </a:schemeClr>
+          </a:lnRef>
+          <a:fillRef idx="1">
+            <a:schemeClr val="accent1"/>
+          </a:fillRef>
+          <a:effectRef idx="0">
+            <a:schemeClr val="accent1"/>
+          </a:effectRef>
+          <a:fontRef idx="minor">
+            <a:schemeClr val="lt1"/>
+          </a:fontRef>
+        </p:style>
+        <p:txBody>
+          <a:bodyPr rot="0" spcFirstLastPara="0" vertOverflow="overflow" horzOverflow="overflow" vert="horz" wrap="square" lIns="91440" tIns="45720" rIns="91440" bIns="45720" numCol="1" spcCol="0" rtlCol="0" fromWordArt="0" anchor="ctr" anchorCtr="0" forceAA="0" compatLnSpc="1">
+            <a:prstTxWarp prst="textNoShape">
+              <a:avLst/>
+            </a:prstTxWarp>
+            <a:noAutofit/>
+          </a:bodyPr>
+          <a:lstStyle/>
+          <a:p>
+            <a:pPr algn="ctr"/>
+            <a:r>
+              <a:rPr lang="en-AU" sz="1400" dirty="0" err="1"/>
+              <a:t>TimedCompartment</a:t>
+            </a:r>
+            <a:endParaRPr lang="en-AU" sz="1400" dirty="0"/>
+          </a:p>
+        </p:txBody>
+      </p:sp>
+      <p:sp>
+        <p:nvSpPr>
+          <p:cNvPr id="10" name="Rectangle 9">
+            <a:extLst>
+              <a:ext uri="{FF2B5EF4-FFF2-40B4-BE49-F238E27FC236}">
+                <a16:creationId xmlns:a16="http://schemas.microsoft.com/office/drawing/2014/main" id="{2CD14AD0-6C83-4B6F-B0FC-BC67FFD9D34C}"/>
+              </a:ext>
+            </a:extLst>
+          </p:cNvPr>
+          <p:cNvSpPr/>
+          <p:nvPr/>
+        </p:nvSpPr>
+        <p:spPr>
+          <a:xfrm>
+            <a:off x="4012795" y="2611058"/>
+            <a:ext cx="857250" cy="685800"/>
+          </a:xfrm>
+          <a:prstGeom prst="rect">
+            <a:avLst/>
+          </a:prstGeom>
+        </p:spPr>
+        <p:style>
+          <a:lnRef idx="2">
+            <a:schemeClr val="accent1">
+              <a:shade val="50000"/>
+            </a:schemeClr>
+          </a:lnRef>
+          <a:fillRef idx="1">
+            <a:schemeClr val="accent1"/>
+          </a:fillRef>
+          <a:effectRef idx="0">
+            <a:schemeClr val="accent1"/>
+          </a:effectRef>
+          <a:fontRef idx="minor">
+            <a:schemeClr val="lt1"/>
+          </a:fontRef>
+        </p:style>
+        <p:txBody>
+          <a:bodyPr rot="0" spcFirstLastPara="0" vertOverflow="overflow" horzOverflow="overflow" vert="horz" wrap="square" lIns="91440" tIns="45720" rIns="91440" bIns="45720" numCol="1" spcCol="0" rtlCol="0" fromWordArt="0" anchor="ctr" anchorCtr="0" forceAA="0" compatLnSpc="1">
+            <a:prstTxWarp prst="textNoShape">
+              <a:avLst/>
+            </a:prstTxWarp>
+            <a:noAutofit/>
+          </a:bodyPr>
+          <a:lstStyle/>
+          <a:p>
+            <a:pPr algn="ctr"/>
+            <a:r>
+              <a:rPr lang="en-AU" dirty="0"/>
+              <a:t>A</a:t>
+            </a:r>
+          </a:p>
+        </p:txBody>
+      </p:sp>
+      <p:sp>
+        <p:nvSpPr>
+          <p:cNvPr id="11" name="Rectangle 10">
+            <a:extLst>
+              <a:ext uri="{FF2B5EF4-FFF2-40B4-BE49-F238E27FC236}">
+                <a16:creationId xmlns:a16="http://schemas.microsoft.com/office/drawing/2014/main" id="{8CDBA207-3411-4AAF-BA26-E503941ECB61}"/>
+              </a:ext>
+            </a:extLst>
+          </p:cNvPr>
+          <p:cNvSpPr/>
+          <p:nvPr/>
+        </p:nvSpPr>
+        <p:spPr>
+          <a:xfrm>
+            <a:off x="4012795" y="3401633"/>
+            <a:ext cx="857250" cy="685800"/>
+          </a:xfrm>
+          <a:prstGeom prst="rect">
+            <a:avLst/>
+          </a:prstGeom>
+        </p:spPr>
+        <p:style>
+          <a:lnRef idx="2">
+            <a:schemeClr val="accent1">
+              <a:shade val="50000"/>
+            </a:schemeClr>
+          </a:lnRef>
+          <a:fillRef idx="1">
+            <a:schemeClr val="accent1"/>
+          </a:fillRef>
+          <a:effectRef idx="0">
+            <a:schemeClr val="accent1"/>
+          </a:effectRef>
+          <a:fontRef idx="minor">
+            <a:schemeClr val="lt1"/>
+          </a:fontRef>
+        </p:style>
+        <p:txBody>
+          <a:bodyPr rot="0" spcFirstLastPara="0" vertOverflow="overflow" horzOverflow="overflow" vert="horz" wrap="square" lIns="91440" tIns="45720" rIns="91440" bIns="45720" numCol="1" spcCol="0" rtlCol="0" fromWordArt="0" anchor="ctr" anchorCtr="0" forceAA="0" compatLnSpc="1">
+            <a:prstTxWarp prst="textNoShape">
+              <a:avLst/>
+            </a:prstTxWarp>
+            <a:noAutofit/>
+          </a:bodyPr>
+          <a:lstStyle/>
+          <a:p>
+            <a:pPr algn="ctr"/>
+            <a:r>
+              <a:rPr lang="en-AU" dirty="0"/>
+              <a:t>B</a:t>
+            </a:r>
+          </a:p>
+        </p:txBody>
+      </p:sp>
+      <p:sp>
+        <p:nvSpPr>
+          <p:cNvPr id="12" name="Rectangle 11">
+            <a:extLst>
+              <a:ext uri="{FF2B5EF4-FFF2-40B4-BE49-F238E27FC236}">
+                <a16:creationId xmlns:a16="http://schemas.microsoft.com/office/drawing/2014/main" id="{9660C373-37A9-4774-8462-202E675627E0}"/>
+              </a:ext>
+            </a:extLst>
+          </p:cNvPr>
+          <p:cNvSpPr/>
+          <p:nvPr/>
+        </p:nvSpPr>
+        <p:spPr>
+          <a:xfrm>
+            <a:off x="4012795" y="4247810"/>
+            <a:ext cx="857250" cy="685800"/>
+          </a:xfrm>
+          <a:prstGeom prst="rect">
+            <a:avLst/>
+          </a:prstGeom>
+        </p:spPr>
+        <p:style>
+          <a:lnRef idx="2">
+            <a:schemeClr val="accent1">
+              <a:shade val="50000"/>
+            </a:schemeClr>
+          </a:lnRef>
+          <a:fillRef idx="1">
+            <a:schemeClr val="accent1"/>
+          </a:fillRef>
+          <a:effectRef idx="0">
+            <a:schemeClr val="accent1"/>
+          </a:effectRef>
+          <a:fontRef idx="minor">
+            <a:schemeClr val="lt1"/>
+          </a:fontRef>
+        </p:style>
+        <p:txBody>
+          <a:bodyPr rot="0" spcFirstLastPara="0" vertOverflow="overflow" horzOverflow="overflow" vert="horz" wrap="square" lIns="91440" tIns="45720" rIns="91440" bIns="45720" numCol="1" spcCol="0" rtlCol="0" fromWordArt="0" anchor="ctr" anchorCtr="0" forceAA="0" compatLnSpc="1">
+            <a:prstTxWarp prst="textNoShape">
+              <a:avLst/>
+            </a:prstTxWarp>
+            <a:noAutofit/>
+          </a:bodyPr>
+          <a:lstStyle/>
+          <a:p>
+            <a:pPr algn="ctr"/>
+            <a:r>
+              <a:rPr lang="en-AU" dirty="0"/>
+              <a:t>C</a:t>
+            </a:r>
+          </a:p>
+        </p:txBody>
+      </p:sp>
+      <p:sp>
+        <p:nvSpPr>
+          <p:cNvPr id="13" name="TextBox 12">
+            <a:extLst>
+              <a:ext uri="{FF2B5EF4-FFF2-40B4-BE49-F238E27FC236}">
+                <a16:creationId xmlns:a16="http://schemas.microsoft.com/office/drawing/2014/main" id="{BD8A8B74-B382-4E94-A544-13E9368D3FBF}"/>
+              </a:ext>
+            </a:extLst>
+          </p:cNvPr>
+          <p:cNvSpPr txBox="1"/>
+          <p:nvPr/>
+        </p:nvSpPr>
+        <p:spPr>
+          <a:xfrm>
+            <a:off x="2936468" y="1000829"/>
+            <a:ext cx="3452805" cy="406393"/>
+          </a:xfrm>
+          <a:prstGeom prst="rect">
+            <a:avLst/>
+          </a:prstGeom>
+          <a:noFill/>
+        </p:spPr>
+        <p:txBody>
+          <a:bodyPr wrap="none" rtlCol="0">
+            <a:spAutoFit/>
+          </a:bodyPr>
+          <a:lstStyle/>
+          <a:p>
+            <a:r>
+              <a:rPr lang="en-AU" b="1" dirty="0"/>
+              <a:t>Duration longer in destination</a:t>
+            </a:r>
+          </a:p>
+        </p:txBody>
+      </p:sp>
+      <p:sp>
+        <p:nvSpPr>
+          <p:cNvPr id="14" name="TextBox 13">
+            <a:extLst>
+              <a:ext uri="{FF2B5EF4-FFF2-40B4-BE49-F238E27FC236}">
+                <a16:creationId xmlns:a16="http://schemas.microsoft.com/office/drawing/2014/main" id="{B8458B53-41DD-4ED3-B105-0449A2DAA445}"/>
+              </a:ext>
+            </a:extLst>
+          </p:cNvPr>
+          <p:cNvSpPr txBox="1"/>
+          <p:nvPr/>
+        </p:nvSpPr>
+        <p:spPr>
+          <a:xfrm>
+            <a:off x="2836148" y="4253838"/>
+            <a:ext cx="1274708" cy="406393"/>
+          </a:xfrm>
+          <a:prstGeom prst="rect">
+            <a:avLst/>
+          </a:prstGeom>
+          <a:noFill/>
+        </p:spPr>
+        <p:txBody>
+          <a:bodyPr wrap="none" rtlCol="0">
+            <a:spAutoFit/>
+          </a:bodyPr>
+          <a:lstStyle/>
+          <a:p>
+            <a:r>
+              <a:rPr lang="en-AU" dirty="0" err="1"/>
+              <a:t>TimedLink</a:t>
+            </a:r>
+            <a:endParaRPr lang="en-AU" dirty="0"/>
+          </a:p>
+        </p:txBody>
+      </p:sp>
+      <p:sp>
+        <p:nvSpPr>
+          <p:cNvPr id="15" name="TextBox 14">
+            <a:extLst>
+              <a:ext uri="{FF2B5EF4-FFF2-40B4-BE49-F238E27FC236}">
+                <a16:creationId xmlns:a16="http://schemas.microsoft.com/office/drawing/2014/main" id="{041A0B30-D262-4EB9-82FC-D045338F3699}"/>
+              </a:ext>
+            </a:extLst>
+          </p:cNvPr>
+          <p:cNvSpPr txBox="1"/>
+          <p:nvPr/>
+        </p:nvSpPr>
+        <p:spPr>
+          <a:xfrm>
+            <a:off x="4003718" y="378531"/>
+            <a:ext cx="7249420" cy="406393"/>
+          </a:xfrm>
+          <a:prstGeom prst="rect">
+            <a:avLst/>
+          </a:prstGeom>
+          <a:noFill/>
+        </p:spPr>
+        <p:txBody>
+          <a:bodyPr wrap="none" rtlCol="0">
+            <a:spAutoFit/>
+          </a:bodyPr>
+          <a:lstStyle/>
+          <a:p>
+            <a:r>
+              <a:rPr lang="en-AU" b="1" dirty="0"/>
+              <a:t>Mismatched </a:t>
+            </a:r>
+            <a:r>
+              <a:rPr lang="en-AU" b="1" dirty="0" err="1"/>
+              <a:t>TimedLinks</a:t>
+            </a:r>
+            <a:r>
+              <a:rPr lang="en-AU" b="1" dirty="0"/>
+              <a:t> (for transfers using </a:t>
+            </a:r>
+            <a:r>
+              <a:rPr lang="en-AU" b="1" dirty="0" err="1"/>
+              <a:t>TimedLink</a:t>
+            </a:r>
+            <a:r>
+              <a:rPr lang="en-AU" b="1" dirty="0"/>
+              <a:t> instances)</a:t>
+            </a:r>
+          </a:p>
+        </p:txBody>
+      </p:sp>
+      <p:cxnSp>
+        <p:nvCxnSpPr>
+          <p:cNvPr id="17" name="Straight Arrow Connector 16">
+            <a:extLst>
+              <a:ext uri="{FF2B5EF4-FFF2-40B4-BE49-F238E27FC236}">
+                <a16:creationId xmlns:a16="http://schemas.microsoft.com/office/drawing/2014/main" id="{92E81C57-278D-4683-90D3-A1471D57465E}"/>
+              </a:ext>
+            </a:extLst>
+          </p:cNvPr>
+          <p:cNvCxnSpPr>
+            <a:cxnSpLocks/>
+          </p:cNvCxnSpPr>
+          <p:nvPr/>
+        </p:nvCxnSpPr>
+        <p:spPr>
+          <a:xfrm>
+            <a:off x="8260944" y="3773108"/>
+            <a:ext cx="1047751" cy="0"/>
+          </a:xfrm>
+          <a:prstGeom prst="straightConnector1">
+            <a:avLst/>
+          </a:prstGeom>
+          <a:ln>
+            <a:tailEnd type="triangle"/>
+          </a:ln>
+        </p:spPr>
+        <p:style>
+          <a:lnRef idx="1">
+            <a:schemeClr val="accent1"/>
+          </a:lnRef>
+          <a:fillRef idx="0">
+            <a:schemeClr val="accent1"/>
+          </a:fillRef>
+          <a:effectRef idx="0">
+            <a:schemeClr val="accent1"/>
+          </a:effectRef>
+          <a:fontRef idx="minor">
+            <a:schemeClr val="tx1"/>
+          </a:fontRef>
+        </p:style>
+      </p:cxnSp>
+      <p:cxnSp>
+        <p:nvCxnSpPr>
+          <p:cNvPr id="18" name="Straight Arrow Connector 17">
+            <a:extLst>
+              <a:ext uri="{FF2B5EF4-FFF2-40B4-BE49-F238E27FC236}">
+                <a16:creationId xmlns:a16="http://schemas.microsoft.com/office/drawing/2014/main" id="{1D21C800-A0C4-4B88-99B0-2CAC6836ABA9}"/>
+              </a:ext>
+            </a:extLst>
+          </p:cNvPr>
+          <p:cNvCxnSpPr>
+            <a:cxnSpLocks/>
+          </p:cNvCxnSpPr>
+          <p:nvPr/>
+        </p:nvCxnSpPr>
+        <p:spPr>
+          <a:xfrm>
+            <a:off x="8260944" y="4620833"/>
+            <a:ext cx="1047751" cy="0"/>
+          </a:xfrm>
+          <a:prstGeom prst="straightConnector1">
+            <a:avLst/>
+          </a:prstGeom>
+          <a:ln>
+            <a:tailEnd type="triangle"/>
+          </a:ln>
+        </p:spPr>
+        <p:style>
+          <a:lnRef idx="1">
+            <a:schemeClr val="accent1"/>
+          </a:lnRef>
+          <a:fillRef idx="0">
+            <a:schemeClr val="accent1"/>
+          </a:fillRef>
+          <a:effectRef idx="0">
+            <a:schemeClr val="accent1"/>
+          </a:effectRef>
+          <a:fontRef idx="minor">
+            <a:schemeClr val="tx1"/>
+          </a:fontRef>
+        </p:style>
+      </p:cxnSp>
+      <p:sp>
+        <p:nvSpPr>
+          <p:cNvPr id="19" name="TextBox 18">
+            <a:extLst>
+              <a:ext uri="{FF2B5EF4-FFF2-40B4-BE49-F238E27FC236}">
+                <a16:creationId xmlns:a16="http://schemas.microsoft.com/office/drawing/2014/main" id="{9BB19B52-430A-4559-AB86-1E1CD5671268}"/>
+              </a:ext>
+            </a:extLst>
+          </p:cNvPr>
+          <p:cNvSpPr txBox="1"/>
+          <p:nvPr/>
+        </p:nvSpPr>
+        <p:spPr>
+          <a:xfrm>
+            <a:off x="8160622" y="3416225"/>
+            <a:ext cx="1274708" cy="406393"/>
+          </a:xfrm>
+          <a:prstGeom prst="rect">
+            <a:avLst/>
+          </a:prstGeom>
+          <a:noFill/>
+        </p:spPr>
+        <p:txBody>
+          <a:bodyPr wrap="none" rtlCol="0">
+            <a:spAutoFit/>
+          </a:bodyPr>
+          <a:lstStyle/>
+          <a:p>
+            <a:r>
+              <a:rPr lang="en-AU" dirty="0" err="1"/>
+              <a:t>TimedLink</a:t>
+            </a:r>
+            <a:endParaRPr lang="en-AU" dirty="0"/>
+          </a:p>
+        </p:txBody>
+      </p:sp>
+      <p:sp>
+        <p:nvSpPr>
+          <p:cNvPr id="20" name="Rectangle 19">
+            <a:extLst>
+              <a:ext uri="{FF2B5EF4-FFF2-40B4-BE49-F238E27FC236}">
+                <a16:creationId xmlns:a16="http://schemas.microsoft.com/office/drawing/2014/main" id="{BE278627-740B-4CAF-85E9-9502C4A8C99D}"/>
+              </a:ext>
+            </a:extLst>
+          </p:cNvPr>
+          <p:cNvSpPr/>
+          <p:nvPr/>
+        </p:nvSpPr>
+        <p:spPr>
+          <a:xfrm>
+            <a:off x="8913237" y="1495861"/>
+            <a:ext cx="1705314" cy="914400"/>
+          </a:xfrm>
+          <a:prstGeom prst="rect">
+            <a:avLst/>
+          </a:prstGeom>
+        </p:spPr>
+        <p:style>
+          <a:lnRef idx="2">
+            <a:schemeClr val="accent1">
+              <a:shade val="50000"/>
+            </a:schemeClr>
+          </a:lnRef>
+          <a:fillRef idx="1">
+            <a:schemeClr val="accent1"/>
+          </a:fillRef>
+          <a:effectRef idx="0">
+            <a:schemeClr val="accent1"/>
+          </a:effectRef>
+          <a:fontRef idx="minor">
+            <a:schemeClr val="lt1"/>
+          </a:fontRef>
+        </p:style>
+        <p:txBody>
+          <a:bodyPr rot="0" spcFirstLastPara="0" vertOverflow="overflow" horzOverflow="overflow" vert="horz" wrap="square" lIns="91440" tIns="45720" rIns="91440" bIns="45720" numCol="1" spcCol="0" rtlCol="0" fromWordArt="0" anchor="ctr" anchorCtr="0" forceAA="0" compatLnSpc="1">
+            <a:prstTxWarp prst="textNoShape">
+              <a:avLst/>
+            </a:prstTxWarp>
+            <a:noAutofit/>
+          </a:bodyPr>
+          <a:lstStyle/>
+          <a:p>
+            <a:pPr algn="ctr"/>
+            <a:r>
+              <a:rPr lang="en-AU" sz="1400" dirty="0" err="1"/>
+              <a:t>TimedCompartment</a:t>
+            </a:r>
+            <a:endParaRPr lang="en-AU" sz="1400" dirty="0"/>
+          </a:p>
+        </p:txBody>
+      </p:sp>
+      <p:sp>
+        <p:nvSpPr>
+          <p:cNvPr id="21" name="Rectangle 20">
+            <a:extLst>
+              <a:ext uri="{FF2B5EF4-FFF2-40B4-BE49-F238E27FC236}">
+                <a16:creationId xmlns:a16="http://schemas.microsoft.com/office/drawing/2014/main" id="{BE8AC372-3226-4310-AA6D-9AB6B756F00D}"/>
+              </a:ext>
+            </a:extLst>
+          </p:cNvPr>
+          <p:cNvSpPr/>
+          <p:nvPr/>
+        </p:nvSpPr>
+        <p:spPr>
+          <a:xfrm>
+            <a:off x="9337269" y="2611058"/>
+            <a:ext cx="857250" cy="685800"/>
+          </a:xfrm>
+          <a:prstGeom prst="rect">
+            <a:avLst/>
+          </a:prstGeom>
+        </p:spPr>
+        <p:style>
+          <a:lnRef idx="2">
+            <a:schemeClr val="accent1">
+              <a:shade val="50000"/>
+            </a:schemeClr>
+          </a:lnRef>
+          <a:fillRef idx="1">
+            <a:schemeClr val="accent1"/>
+          </a:fillRef>
+          <a:effectRef idx="0">
+            <a:schemeClr val="accent1"/>
+          </a:effectRef>
+          <a:fontRef idx="minor">
+            <a:schemeClr val="lt1"/>
+          </a:fontRef>
+        </p:style>
+        <p:txBody>
+          <a:bodyPr rot="0" spcFirstLastPara="0" vertOverflow="overflow" horzOverflow="overflow" vert="horz" wrap="square" lIns="91440" tIns="45720" rIns="91440" bIns="45720" numCol="1" spcCol="0" rtlCol="0" fromWordArt="0" anchor="ctr" anchorCtr="0" forceAA="0" compatLnSpc="1">
+            <a:prstTxWarp prst="textNoShape">
+              <a:avLst/>
+            </a:prstTxWarp>
+            <a:noAutofit/>
+          </a:bodyPr>
+          <a:lstStyle/>
+          <a:p>
+            <a:pPr algn="ctr"/>
+            <a:r>
+              <a:rPr lang="en-AU" dirty="0"/>
+              <a:t>A</a:t>
+            </a:r>
+          </a:p>
+        </p:txBody>
+      </p:sp>
+      <p:sp>
+        <p:nvSpPr>
+          <p:cNvPr id="22" name="Rectangle 21">
+            <a:extLst>
+              <a:ext uri="{FF2B5EF4-FFF2-40B4-BE49-F238E27FC236}">
+                <a16:creationId xmlns:a16="http://schemas.microsoft.com/office/drawing/2014/main" id="{9A2EA93B-F699-4ABC-AA7E-9CCF0724FD9D}"/>
+              </a:ext>
+            </a:extLst>
+          </p:cNvPr>
+          <p:cNvSpPr/>
+          <p:nvPr/>
+        </p:nvSpPr>
+        <p:spPr>
+          <a:xfrm>
+            <a:off x="9337269" y="3401633"/>
+            <a:ext cx="857250" cy="685800"/>
+          </a:xfrm>
+          <a:prstGeom prst="rect">
+            <a:avLst/>
+          </a:prstGeom>
+        </p:spPr>
+        <p:style>
+          <a:lnRef idx="2">
+            <a:schemeClr val="accent1">
+              <a:shade val="50000"/>
+            </a:schemeClr>
+          </a:lnRef>
+          <a:fillRef idx="1">
+            <a:schemeClr val="accent1"/>
+          </a:fillRef>
+          <a:effectRef idx="0">
+            <a:schemeClr val="accent1"/>
+          </a:effectRef>
+          <a:fontRef idx="minor">
+            <a:schemeClr val="lt1"/>
+          </a:fontRef>
+        </p:style>
+        <p:txBody>
+          <a:bodyPr rot="0" spcFirstLastPara="0" vertOverflow="overflow" horzOverflow="overflow" vert="horz" wrap="square" lIns="91440" tIns="45720" rIns="91440" bIns="45720" numCol="1" spcCol="0" rtlCol="0" fromWordArt="0" anchor="ctr" anchorCtr="0" forceAA="0" compatLnSpc="1">
+            <a:prstTxWarp prst="textNoShape">
+              <a:avLst/>
+            </a:prstTxWarp>
+            <a:noAutofit/>
+          </a:bodyPr>
+          <a:lstStyle/>
+          <a:p>
+            <a:pPr algn="ctr"/>
+            <a:r>
+              <a:rPr lang="en-AU" dirty="0"/>
+              <a:t>B</a:t>
+            </a:r>
+          </a:p>
+        </p:txBody>
+      </p:sp>
+      <p:sp>
+        <p:nvSpPr>
+          <p:cNvPr id="23" name="Rectangle 22">
+            <a:extLst>
+              <a:ext uri="{FF2B5EF4-FFF2-40B4-BE49-F238E27FC236}">
+                <a16:creationId xmlns:a16="http://schemas.microsoft.com/office/drawing/2014/main" id="{EE670426-1CB3-4AC6-B12B-8F5A0AD7A275}"/>
+              </a:ext>
+            </a:extLst>
+          </p:cNvPr>
+          <p:cNvSpPr/>
+          <p:nvPr/>
+        </p:nvSpPr>
+        <p:spPr>
+          <a:xfrm>
+            <a:off x="9337269" y="4247810"/>
+            <a:ext cx="857250" cy="685800"/>
+          </a:xfrm>
+          <a:prstGeom prst="rect">
+            <a:avLst/>
+          </a:prstGeom>
+        </p:spPr>
+        <p:style>
+          <a:lnRef idx="2">
+            <a:schemeClr val="accent1">
+              <a:shade val="50000"/>
+            </a:schemeClr>
+          </a:lnRef>
+          <a:fillRef idx="1">
+            <a:schemeClr val="accent1"/>
+          </a:fillRef>
+          <a:effectRef idx="0">
+            <a:schemeClr val="accent1"/>
+          </a:effectRef>
+          <a:fontRef idx="minor">
+            <a:schemeClr val="lt1"/>
+          </a:fontRef>
+        </p:style>
+        <p:txBody>
+          <a:bodyPr rot="0" spcFirstLastPara="0" vertOverflow="overflow" horzOverflow="overflow" vert="horz" wrap="square" lIns="91440" tIns="45720" rIns="91440" bIns="45720" numCol="1" spcCol="0" rtlCol="0" fromWordArt="0" anchor="ctr" anchorCtr="0" forceAA="0" compatLnSpc="1">
+            <a:prstTxWarp prst="textNoShape">
+              <a:avLst/>
+            </a:prstTxWarp>
+            <a:noAutofit/>
+          </a:bodyPr>
+          <a:lstStyle/>
+          <a:p>
+            <a:pPr algn="ctr"/>
+            <a:r>
+              <a:rPr lang="en-AU" dirty="0"/>
+              <a:t>C</a:t>
+            </a:r>
+          </a:p>
+        </p:txBody>
+      </p:sp>
+      <p:sp>
+        <p:nvSpPr>
+          <p:cNvPr id="24" name="TextBox 23">
+            <a:extLst>
+              <a:ext uri="{FF2B5EF4-FFF2-40B4-BE49-F238E27FC236}">
+                <a16:creationId xmlns:a16="http://schemas.microsoft.com/office/drawing/2014/main" id="{6A526280-D932-4A7A-87F9-2ABD187FF5A1}"/>
+              </a:ext>
+            </a:extLst>
+          </p:cNvPr>
+          <p:cNvSpPr txBox="1"/>
+          <p:nvPr/>
+        </p:nvSpPr>
+        <p:spPr>
+          <a:xfrm>
+            <a:off x="8260944" y="1000829"/>
+            <a:ext cx="3553409" cy="406393"/>
+          </a:xfrm>
+          <a:prstGeom prst="rect">
+            <a:avLst/>
+          </a:prstGeom>
+          <a:noFill/>
+        </p:spPr>
+        <p:txBody>
+          <a:bodyPr wrap="none" rtlCol="0">
+            <a:spAutoFit/>
+          </a:bodyPr>
+          <a:lstStyle/>
+          <a:p>
+            <a:r>
+              <a:rPr lang="en-AU" b="1" dirty="0"/>
+              <a:t>Duration shorter in destination</a:t>
+            </a:r>
+          </a:p>
+        </p:txBody>
+      </p:sp>
+      <p:sp>
+        <p:nvSpPr>
+          <p:cNvPr id="25" name="TextBox 24">
+            <a:extLst>
+              <a:ext uri="{FF2B5EF4-FFF2-40B4-BE49-F238E27FC236}">
+                <a16:creationId xmlns:a16="http://schemas.microsoft.com/office/drawing/2014/main" id="{BABE6C1B-6F1D-410D-9DB6-146C4D1486A3}"/>
+              </a:ext>
+            </a:extLst>
+          </p:cNvPr>
+          <p:cNvSpPr txBox="1"/>
+          <p:nvPr/>
+        </p:nvSpPr>
+        <p:spPr>
+          <a:xfrm>
+            <a:off x="8160622" y="4253838"/>
+            <a:ext cx="1274708" cy="406393"/>
+          </a:xfrm>
+          <a:prstGeom prst="rect">
+            <a:avLst/>
+          </a:prstGeom>
+          <a:noFill/>
+        </p:spPr>
+        <p:txBody>
+          <a:bodyPr wrap="none" rtlCol="0">
+            <a:spAutoFit/>
+          </a:bodyPr>
+          <a:lstStyle/>
+          <a:p>
+            <a:r>
+              <a:rPr lang="en-AU" dirty="0" err="1"/>
+              <a:t>TimedLink</a:t>
+            </a:r>
+            <a:endParaRPr lang="en-AU" dirty="0"/>
+          </a:p>
+        </p:txBody>
+      </p:sp>
+      <p:cxnSp>
+        <p:nvCxnSpPr>
+          <p:cNvPr id="26" name="Straight Arrow Connector 25">
+            <a:extLst>
+              <a:ext uri="{FF2B5EF4-FFF2-40B4-BE49-F238E27FC236}">
+                <a16:creationId xmlns:a16="http://schemas.microsoft.com/office/drawing/2014/main" id="{C2AAFA75-096F-4B54-B1EA-3AFE2DD03853}"/>
+              </a:ext>
+            </a:extLst>
+          </p:cNvPr>
+          <p:cNvCxnSpPr>
+            <a:cxnSpLocks/>
+          </p:cNvCxnSpPr>
+          <p:nvPr/>
+        </p:nvCxnSpPr>
+        <p:spPr>
+          <a:xfrm flipV="1">
+            <a:off x="8260941" y="4856958"/>
+            <a:ext cx="1047752" cy="603827"/>
+          </a:xfrm>
+          <a:prstGeom prst="straightConnector1">
+            <a:avLst/>
+          </a:prstGeom>
+          <a:ln>
+            <a:tailEnd type="triangle"/>
+          </a:ln>
+        </p:spPr>
+        <p:style>
+          <a:lnRef idx="1">
+            <a:schemeClr val="accent1"/>
+          </a:lnRef>
+          <a:fillRef idx="0">
+            <a:schemeClr val="accent1"/>
+          </a:fillRef>
+          <a:effectRef idx="0">
+            <a:schemeClr val="accent1"/>
+          </a:effectRef>
+          <a:fontRef idx="minor">
+            <a:schemeClr val="tx1"/>
+          </a:fontRef>
+        </p:style>
+      </p:cxnSp>
+      <p:sp>
+        <p:nvSpPr>
+          <p:cNvPr id="27" name="TextBox 26">
+            <a:extLst>
+              <a:ext uri="{FF2B5EF4-FFF2-40B4-BE49-F238E27FC236}">
+                <a16:creationId xmlns:a16="http://schemas.microsoft.com/office/drawing/2014/main" id="{E6EDED8A-2614-42F9-A044-2BF4975995F0}"/>
+              </a:ext>
+            </a:extLst>
+          </p:cNvPr>
+          <p:cNvSpPr txBox="1"/>
+          <p:nvPr/>
+        </p:nvSpPr>
+        <p:spPr>
+          <a:xfrm>
+            <a:off x="8189198" y="5404616"/>
+            <a:ext cx="1274708" cy="406393"/>
+          </a:xfrm>
+          <a:prstGeom prst="rect">
+            <a:avLst/>
+          </a:prstGeom>
+          <a:noFill/>
+        </p:spPr>
+        <p:txBody>
+          <a:bodyPr wrap="none" rtlCol="0">
+            <a:spAutoFit/>
+          </a:bodyPr>
+          <a:lstStyle/>
+          <a:p>
+            <a:r>
+              <a:rPr lang="en-AU" dirty="0" err="1"/>
+              <a:t>TimedLink</a:t>
+            </a:r>
+            <a:endParaRPr lang="en-AU" dirty="0"/>
+          </a:p>
+        </p:txBody>
+      </p:sp>
+      <p:sp>
+        <p:nvSpPr>
+          <p:cNvPr id="29" name="Rectangle 28">
+            <a:extLst>
+              <a:ext uri="{FF2B5EF4-FFF2-40B4-BE49-F238E27FC236}">
+                <a16:creationId xmlns:a16="http://schemas.microsoft.com/office/drawing/2014/main" id="{EE0864EA-126C-493B-8132-CA8D157DB218}"/>
+              </a:ext>
+            </a:extLst>
+          </p:cNvPr>
+          <p:cNvSpPr/>
+          <p:nvPr/>
+        </p:nvSpPr>
+        <p:spPr>
+          <a:xfrm>
+            <a:off x="4012795" y="5117883"/>
+            <a:ext cx="857250" cy="685800"/>
+          </a:xfrm>
+          <a:prstGeom prst="rect">
+            <a:avLst/>
+          </a:prstGeom>
+        </p:spPr>
+        <p:style>
+          <a:lnRef idx="2">
+            <a:schemeClr val="accent1">
+              <a:shade val="50000"/>
+            </a:schemeClr>
+          </a:lnRef>
+          <a:fillRef idx="1">
+            <a:schemeClr val="accent1"/>
+          </a:fillRef>
+          <a:effectRef idx="0">
+            <a:schemeClr val="accent1"/>
+          </a:effectRef>
+          <a:fontRef idx="minor">
+            <a:schemeClr val="lt1"/>
+          </a:fontRef>
+        </p:style>
+        <p:txBody>
+          <a:bodyPr rot="0" spcFirstLastPara="0" vertOverflow="overflow" horzOverflow="overflow" vert="horz" wrap="square" lIns="91440" tIns="45720" rIns="91440" bIns="45720" numCol="1" spcCol="0" rtlCol="0" fromWordArt="0" anchor="ctr" anchorCtr="0" forceAA="0" compatLnSpc="1">
+            <a:prstTxWarp prst="textNoShape">
+              <a:avLst/>
+            </a:prstTxWarp>
+            <a:noAutofit/>
+          </a:bodyPr>
+          <a:lstStyle/>
+          <a:p>
+            <a:pPr algn="ctr"/>
+            <a:r>
+              <a:rPr lang="en-AU" dirty="0"/>
+              <a:t>D</a:t>
+            </a:r>
+          </a:p>
+        </p:txBody>
+      </p:sp>
+    </p:spTree>
+    <p:extLst>
+      <p:ext uri="{BB962C8B-B14F-4D97-AF65-F5344CB8AC3E}">
+        <p14:creationId xmlns:p14="http://schemas.microsoft.com/office/powerpoint/2010/main" val="2811790705"/>
+      </p:ext>
+    </p:extLst>
+  </p:cSld>
+  <p:clrMapOvr>
+    <a:masterClrMapping/>
+  </p:clrMapOvr>
+</p:sld>
+</file>
+
+<file path=ppt/slides/slide12.xml><?xml version="1.0" encoding="utf-8"?>
+<p:sld xmlns:a="http://schemas.openxmlformats.org/drawingml/2006/main" xmlns:r="http://schemas.openxmlformats.org/officeDocument/2006/relationships" xmlns:p="http://schemas.openxmlformats.org/presentationml/2006/main">
+  <p:cSld>
+    <p:spTree>
+      <p:nvGrpSpPr>
+        <p:cNvPr id="1" name=""/>
+        <p:cNvGrpSpPr/>
+        <p:nvPr/>
+      </p:nvGrpSpPr>
+      <p:grpSpPr>
+        <a:xfrm>
+          <a:off x="0" y="0"/>
+          <a:ext cx="0" cy="0"/>
+          <a:chOff x="0" y="0"/>
+          <a:chExt cx="0" cy="0"/>
+        </a:xfrm>
+      </p:grpSpPr>
       <p:sp>
         <p:nvSpPr>
           <p:cNvPr id="2" name="Title 1">
@@ -5185,7 +6387,7 @@
 </p:sld>
 </file>
 
-<file path=ppt/slides/slide12.xml><?xml version="1.0" encoding="utf-8"?>
+<file path=ppt/slides/slide13.xml><?xml version="1.0" encoding="utf-8"?>
 <p:sld xmlns:a="http://schemas.openxmlformats.org/drawingml/2006/main" xmlns:r="http://schemas.openxmlformats.org/officeDocument/2006/relationships" xmlns:p="http://schemas.openxmlformats.org/presentationml/2006/main">
   <p:cSld>
     <p:spTree>
@@ -7783,7 +8985,7 @@
             <a:pPr algn="ctr"/>
             <a:r>
               <a:rPr lang="en-AU" dirty="0"/>
-              <a:t>vac</a:t>
+              <a:t>vac2</a:t>
             </a:r>
           </a:p>
         </p:txBody>
@@ -9180,7 +10382,7 @@
             <a:pPr algn="ctr"/>
             <a:r>
               <a:rPr lang="en-AU" dirty="0"/>
-              <a:t>vac</a:t>
+              <a:t>vac2</a:t>
             </a:r>
           </a:p>
         </p:txBody>
@@ -9264,90 +10466,638 @@
       </p:grpSpPr>
       <p:sp>
         <p:nvSpPr>
-          <p:cNvPr id="2" name="Title 1">
-            <a:extLst>
-              <a:ext uri="{FF2B5EF4-FFF2-40B4-BE49-F238E27FC236}">
-                <a16:creationId xmlns:a16="http://schemas.microsoft.com/office/drawing/2014/main" id="{E4BA226C-8137-4CA0-9B0D-60113A1176E3}"/>
-              </a:ext>
-            </a:extLst>
-          </p:cNvPr>
-          <p:cNvSpPr>
-            <a:spLocks noGrp="1"/>
-          </p:cNvSpPr>
-          <p:nvPr>
-            <p:ph type="title"/>
-          </p:nvPr>
-        </p:nvSpPr>
-        <p:spPr/>
-        <p:txBody>
-          <a:bodyPr/>
-          <a:lstStyle/>
-          <a:p>
+          <p:cNvPr id="4" name="Rectangle 3">
+            <a:extLst>
+              <a:ext uri="{FF2B5EF4-FFF2-40B4-BE49-F238E27FC236}">
+                <a16:creationId xmlns:a16="http://schemas.microsoft.com/office/drawing/2014/main" id="{82E2B452-2E79-437A-8895-605B54795E4A}"/>
+              </a:ext>
+            </a:extLst>
+          </p:cNvPr>
+          <p:cNvSpPr/>
+          <p:nvPr/>
+        </p:nvSpPr>
+        <p:spPr>
+          <a:xfrm>
+            <a:off x="2570038" y="1687441"/>
+            <a:ext cx="1380227" cy="966159"/>
+          </a:xfrm>
+          <a:prstGeom prst="rect">
+            <a:avLst/>
+          </a:prstGeom>
+          <a:solidFill>
+            <a:srgbClr val="AC0000"/>
+          </a:solidFill>
+        </p:spPr>
+        <p:style>
+          <a:lnRef idx="2">
+            <a:schemeClr val="accent1">
+              <a:shade val="50000"/>
+            </a:schemeClr>
+          </a:lnRef>
+          <a:fillRef idx="1">
+            <a:schemeClr val="accent1"/>
+          </a:fillRef>
+          <a:effectRef idx="0">
+            <a:schemeClr val="accent1"/>
+          </a:effectRef>
+          <a:fontRef idx="minor">
+            <a:schemeClr val="lt1"/>
+          </a:fontRef>
+        </p:style>
+        <p:txBody>
+          <a:bodyPr rot="0" spcFirstLastPara="0" vertOverflow="overflow" horzOverflow="overflow" vert="horz" wrap="square" lIns="91440" tIns="45720" rIns="91440" bIns="45720" numCol="1" spcCol="0" rtlCol="0" fromWordArt="0" anchor="ctr" anchorCtr="0" forceAA="0" compatLnSpc="1">
+            <a:prstTxWarp prst="textNoShape">
+              <a:avLst/>
+            </a:prstTxWarp>
+            <a:noAutofit/>
+          </a:bodyPr>
+          <a:lstStyle/>
+          <a:p>
+            <a:pPr algn="ctr"/>
             <a:r>
               <a:rPr lang="en-AU" dirty="0"/>
-              <a:t>Junction flush logic</a:t>
-            </a:r>
-          </a:p>
-        </p:txBody>
-      </p:sp>
-      <p:sp>
-        <p:nvSpPr>
-          <p:cNvPr id="3" name="Content Placeholder 2">
-            <a:extLst>
-              <a:ext uri="{FF2B5EF4-FFF2-40B4-BE49-F238E27FC236}">
-                <a16:creationId xmlns:a16="http://schemas.microsoft.com/office/drawing/2014/main" id="{1D1C39AB-9E16-4972-A440-E37B0718937B}"/>
-              </a:ext>
-            </a:extLst>
-          </p:cNvPr>
-          <p:cNvSpPr>
-            <a:spLocks noGrp="1"/>
-          </p:cNvSpPr>
-          <p:nvPr>
-            <p:ph idx="1"/>
-          </p:nvPr>
-        </p:nvSpPr>
-        <p:spPr/>
-        <p:txBody>
-          <a:bodyPr/>
+              <a:t>vac</a:t>
+            </a:r>
+          </a:p>
+        </p:txBody>
+      </p:sp>
+      <p:sp>
+        <p:nvSpPr>
+          <p:cNvPr id="5" name="Rectangle 4">
+            <a:extLst>
+              <a:ext uri="{FF2B5EF4-FFF2-40B4-BE49-F238E27FC236}">
+                <a16:creationId xmlns:a16="http://schemas.microsoft.com/office/drawing/2014/main" id="{7044A8CE-E4EE-4AA0-870E-ABC7EFF1F432}"/>
+              </a:ext>
+            </a:extLst>
+          </p:cNvPr>
+          <p:cNvSpPr/>
+          <p:nvPr/>
+        </p:nvSpPr>
+        <p:spPr>
+          <a:xfrm>
+            <a:off x="2568503" y="4392756"/>
+            <a:ext cx="1380227" cy="966159"/>
+          </a:xfrm>
+          <a:prstGeom prst="rect">
+            <a:avLst/>
+          </a:prstGeom>
+          <a:solidFill>
+            <a:srgbClr val="AC0000"/>
+          </a:solidFill>
+        </p:spPr>
+        <p:style>
+          <a:lnRef idx="2">
+            <a:schemeClr val="accent1">
+              <a:shade val="50000"/>
+            </a:schemeClr>
+          </a:lnRef>
+          <a:fillRef idx="1">
+            <a:schemeClr val="accent1"/>
+          </a:fillRef>
+          <a:effectRef idx="0">
+            <a:schemeClr val="accent1"/>
+          </a:effectRef>
+          <a:fontRef idx="minor">
+            <a:schemeClr val="lt1"/>
+          </a:fontRef>
+        </p:style>
+        <p:txBody>
+          <a:bodyPr rot="0" spcFirstLastPara="0" vertOverflow="overflow" horzOverflow="overflow" vert="horz" wrap="square" lIns="91440" tIns="45720" rIns="91440" bIns="45720" numCol="1" spcCol="0" rtlCol="0" fromWordArt="0" anchor="ctr" anchorCtr="0" forceAA="0" compatLnSpc="1">
+            <a:prstTxWarp prst="textNoShape">
+              <a:avLst/>
+            </a:prstTxWarp>
+            <a:noAutofit/>
+          </a:bodyPr>
+          <a:lstStyle/>
+          <a:p>
+            <a:pPr algn="ctr"/>
+            <a:r>
+              <a:rPr lang="en-AU" dirty="0" err="1"/>
+              <a:t>vacdxr</a:t>
+            </a:r>
+            <a:endParaRPr lang="en-AU" dirty="0"/>
+          </a:p>
+        </p:txBody>
+      </p:sp>
+      <p:sp>
+        <p:nvSpPr>
+          <p:cNvPr id="6" name="TextBox 5">
+            <a:extLst>
+              <a:ext uri="{FF2B5EF4-FFF2-40B4-BE49-F238E27FC236}">
+                <a16:creationId xmlns:a16="http://schemas.microsoft.com/office/drawing/2014/main" id="{5ED0CF10-3F03-46B5-B6A0-3F23C24BF2E1}"/>
+              </a:ext>
+            </a:extLst>
+          </p:cNvPr>
+          <p:cNvSpPr txBox="1"/>
+          <p:nvPr/>
+        </p:nvSpPr>
+        <p:spPr>
+          <a:xfrm>
+            <a:off x="1332910" y="323837"/>
+            <a:ext cx="3199359" cy="406393"/>
+          </a:xfrm>
+          <a:prstGeom prst="rect">
+            <a:avLst/>
+          </a:prstGeom>
+          <a:noFill/>
+        </p:spPr>
+        <p:txBody>
+          <a:bodyPr wrap="square" rtlCol="0">
+            <a:spAutoFit/>
+          </a:bodyPr>
           <a:lstStyle/>
           <a:p>
             <a:r>
               <a:rPr lang="en-AU" dirty="0"/>
-              <a:t>Flushing into a junction is allowed, therefore flush links must be computed before or at the same time as junctions</a:t>
-            </a:r>
-          </a:p>
+              <a:t>Junction tests</a:t>
+            </a:r>
+          </a:p>
+        </p:txBody>
+      </p:sp>
+      <p:sp>
+        <p:nvSpPr>
+          <p:cNvPr id="7" name="Oval 6">
+            <a:extLst>
+              <a:ext uri="{FF2B5EF4-FFF2-40B4-BE49-F238E27FC236}">
+                <a16:creationId xmlns:a16="http://schemas.microsoft.com/office/drawing/2014/main" id="{BD0D689C-3E9D-40AD-8B47-452CD4DF5995}"/>
+              </a:ext>
+            </a:extLst>
+          </p:cNvPr>
+          <p:cNvSpPr/>
+          <p:nvPr/>
+        </p:nvSpPr>
+        <p:spPr>
+          <a:xfrm>
+            <a:off x="3884569" y="3199173"/>
+            <a:ext cx="647700" cy="647700"/>
+          </a:xfrm>
+          <a:prstGeom prst="ellipse">
+            <a:avLst/>
+          </a:prstGeom>
+          <a:solidFill>
+            <a:schemeClr val="accent6">
+              <a:lumMod val="75000"/>
+            </a:schemeClr>
+          </a:solidFill>
+        </p:spPr>
+        <p:style>
+          <a:lnRef idx="2">
+            <a:schemeClr val="accent1">
+              <a:shade val="50000"/>
+            </a:schemeClr>
+          </a:lnRef>
+          <a:fillRef idx="1">
+            <a:schemeClr val="accent1"/>
+          </a:fillRef>
+          <a:effectRef idx="0">
+            <a:schemeClr val="accent1"/>
+          </a:effectRef>
+          <a:fontRef idx="minor">
+            <a:schemeClr val="lt1"/>
+          </a:fontRef>
+        </p:style>
+        <p:txBody>
+          <a:bodyPr rot="0" spcFirstLastPara="0" vertOverflow="overflow" horzOverflow="overflow" vert="horz" wrap="square" lIns="91440" tIns="45720" rIns="91440" bIns="45720" numCol="1" spcCol="0" rtlCol="0" fromWordArt="0" anchor="ctr" anchorCtr="0" forceAA="0" compatLnSpc="1">
+            <a:prstTxWarp prst="textNoShape">
+              <a:avLst/>
+            </a:prstTxWarp>
+            <a:noAutofit/>
+          </a:bodyPr>
+          <a:lstStyle/>
+          <a:p>
+            <a:pPr algn="ctr"/>
+            <a:endParaRPr lang="en-AU"/>
+          </a:p>
+        </p:txBody>
+      </p:sp>
+      <p:cxnSp>
+        <p:nvCxnSpPr>
+          <p:cNvPr id="9" name="Straight Arrow Connector 8">
+            <a:extLst>
+              <a:ext uri="{FF2B5EF4-FFF2-40B4-BE49-F238E27FC236}">
+                <a16:creationId xmlns:a16="http://schemas.microsoft.com/office/drawing/2014/main" id="{CFA3004C-A8CB-4505-9C74-8735BD021DE9}"/>
+              </a:ext>
+            </a:extLst>
+          </p:cNvPr>
+          <p:cNvCxnSpPr>
+            <a:cxnSpLocks/>
+            <a:stCxn id="4" idx="2"/>
+            <a:endCxn id="7" idx="1"/>
+          </p:cNvCxnSpPr>
+          <p:nvPr/>
+        </p:nvCxnSpPr>
+        <p:spPr>
+          <a:xfrm>
+            <a:off x="3260152" y="2653599"/>
+            <a:ext cx="719271" cy="640426"/>
+          </a:xfrm>
+          <a:prstGeom prst="straightConnector1">
+            <a:avLst/>
+          </a:prstGeom>
+          <a:ln>
+            <a:solidFill>
+              <a:srgbClr val="FF0000"/>
+            </a:solidFill>
+            <a:tailEnd type="triangle"/>
+          </a:ln>
+        </p:spPr>
+        <p:style>
+          <a:lnRef idx="1">
+            <a:schemeClr val="accent1"/>
+          </a:lnRef>
+          <a:fillRef idx="0">
+            <a:schemeClr val="accent1"/>
+          </a:fillRef>
+          <a:effectRef idx="0">
+            <a:schemeClr val="accent1"/>
+          </a:effectRef>
+          <a:fontRef idx="minor">
+            <a:schemeClr val="tx1"/>
+          </a:fontRef>
+        </p:style>
+      </p:cxnSp>
+      <p:cxnSp>
+        <p:nvCxnSpPr>
+          <p:cNvPr id="12" name="Straight Arrow Connector 11">
+            <a:extLst>
+              <a:ext uri="{FF2B5EF4-FFF2-40B4-BE49-F238E27FC236}">
+                <a16:creationId xmlns:a16="http://schemas.microsoft.com/office/drawing/2014/main" id="{40572783-AF74-4647-AA52-5AF35CB19AF2}"/>
+              </a:ext>
+            </a:extLst>
+          </p:cNvPr>
+          <p:cNvCxnSpPr>
+            <a:cxnSpLocks/>
+            <a:stCxn id="7" idx="3"/>
+            <a:endCxn id="5" idx="0"/>
+          </p:cNvCxnSpPr>
+          <p:nvPr/>
+        </p:nvCxnSpPr>
+        <p:spPr>
+          <a:xfrm flipH="1">
+            <a:off x="3258615" y="3752019"/>
+            <a:ext cx="720806" cy="640736"/>
+          </a:xfrm>
+          <a:prstGeom prst="straightConnector1">
+            <a:avLst/>
+          </a:prstGeom>
+          <a:ln>
+            <a:solidFill>
+              <a:srgbClr val="FF0000"/>
+            </a:solidFill>
+            <a:tailEnd type="triangle"/>
+          </a:ln>
+        </p:spPr>
+        <p:style>
+          <a:lnRef idx="1">
+            <a:schemeClr val="accent1"/>
+          </a:lnRef>
+          <a:fillRef idx="0">
+            <a:schemeClr val="accent1"/>
+          </a:fillRef>
+          <a:effectRef idx="0">
+            <a:schemeClr val="accent1"/>
+          </a:effectRef>
+          <a:fontRef idx="minor">
+            <a:schemeClr val="tx1"/>
+          </a:fontRef>
+        </p:style>
+      </p:cxnSp>
+      <p:sp>
+        <p:nvSpPr>
+          <p:cNvPr id="13" name="TextBox 12">
+            <a:extLst>
+              <a:ext uri="{FF2B5EF4-FFF2-40B4-BE49-F238E27FC236}">
+                <a16:creationId xmlns:a16="http://schemas.microsoft.com/office/drawing/2014/main" id="{91519E4B-5810-4AAE-8E03-02E4F86C7587}"/>
+              </a:ext>
+            </a:extLst>
+          </p:cNvPr>
+          <p:cNvSpPr txBox="1"/>
+          <p:nvPr/>
+        </p:nvSpPr>
+        <p:spPr>
+          <a:xfrm>
+            <a:off x="7224694" y="2091862"/>
+            <a:ext cx="5286501" cy="2862322"/>
+          </a:xfrm>
+          <a:prstGeom prst="rect">
+            <a:avLst/>
+          </a:prstGeom>
+          <a:noFill/>
+        </p:spPr>
+        <p:txBody>
+          <a:bodyPr wrap="square" rtlCol="0">
+            <a:spAutoFit/>
+          </a:bodyPr>
+          <a:lstStyle/>
           <a:p>
             <a:r>
               <a:rPr lang="en-AU" dirty="0"/>
-              <a:t>Junctions can be time-preserving if the inputs and outputs mix </a:t>
-            </a:r>
-          </a:p>
-          <a:p>
+              <a:t>Inflow from both a </a:t>
+            </a:r>
+            <a:r>
+              <a:rPr lang="en-AU" dirty="0" err="1"/>
+              <a:t>TimedCompartment</a:t>
+            </a:r>
             <a:r>
               <a:rPr lang="en-AU" dirty="0"/>
-              <a:t>If a flush link goes into a junction, it cannot feed into the same transition group – therefore, we know that it must end up in a different transition group</a:t>
-            </a:r>
-          </a:p>
-          <a:p>
-            <a:r>
-              <a:rPr lang="en-AU" b="1" dirty="0"/>
-              <a:t>CRUCIAL – Nobody that flows from a junction into a </a:t>
-            </a:r>
-            <a:r>
-              <a:rPr lang="en-AU" b="1" dirty="0" err="1"/>
-              <a:t>TimedCompartment</a:t>
-            </a:r>
-            <a:r>
-              <a:rPr lang="en-AU" b="1" dirty="0"/>
-              <a:t> can be flushed in that same timestep</a:t>
-            </a:r>
-          </a:p>
-        </p:txBody>
-      </p:sp>
+              <a:t> and a normal compartment. Suppose we had a 50:50 split between </a:t>
+            </a:r>
+            <a:r>
+              <a:rPr lang="en-AU" dirty="0" err="1"/>
+              <a:t>vacdxr</a:t>
+            </a:r>
+            <a:r>
+              <a:rPr lang="en-AU" dirty="0"/>
+              <a:t> and </a:t>
+            </a:r>
+            <a:r>
+              <a:rPr lang="en-AU" dirty="0" err="1"/>
+              <a:t>dxr</a:t>
+            </a:r>
+            <a:r>
+              <a:rPr lang="en-AU" dirty="0"/>
+              <a:t>. All people are eligible for all junction outputs. So suppose we had 60 people from vac and 30 people from sus. We’d expect that </a:t>
+            </a:r>
+          </a:p>
+          <a:p>
+            <a:pPr marL="285750" indent="-285750">
+              <a:buFont typeface="Arial" panose="020B0604020202020204" pitchFamily="34" charset="0"/>
+              <a:buChar char="•"/>
+            </a:pPr>
+            <a:r>
+              <a:rPr lang="en-AU" dirty="0"/>
+              <a:t>30 from vac would go to </a:t>
+            </a:r>
+            <a:r>
+              <a:rPr lang="en-AU" dirty="0" err="1"/>
+              <a:t>vacdxr</a:t>
+            </a:r>
+            <a:r>
+              <a:rPr lang="en-AU" dirty="0"/>
+              <a:t> maintaining status</a:t>
+            </a:r>
+          </a:p>
+          <a:p>
+            <a:pPr marL="285750" indent="-285750">
+              <a:buFont typeface="Arial" panose="020B0604020202020204" pitchFamily="34" charset="0"/>
+              <a:buChar char="•"/>
+            </a:pPr>
+            <a:r>
+              <a:rPr lang="en-AU" dirty="0"/>
+              <a:t>30 from vac would go to </a:t>
+            </a:r>
+            <a:r>
+              <a:rPr lang="en-AU" dirty="0" err="1"/>
+              <a:t>dxr</a:t>
+            </a:r>
+            <a:endParaRPr lang="en-AU" dirty="0"/>
+          </a:p>
+          <a:p>
+            <a:pPr marL="285750" indent="-285750">
+              <a:buFont typeface="Arial" panose="020B0604020202020204" pitchFamily="34" charset="0"/>
+              <a:buChar char="•"/>
+            </a:pPr>
+            <a:r>
+              <a:rPr lang="en-AU" dirty="0"/>
+              <a:t>15 from sus would go to </a:t>
+            </a:r>
+            <a:r>
+              <a:rPr lang="en-AU" dirty="0" err="1"/>
+              <a:t>vacdxr</a:t>
+            </a:r>
+            <a:r>
+              <a:rPr lang="en-AU" dirty="0"/>
+              <a:t> into the initial </a:t>
+            </a:r>
+            <a:r>
+              <a:rPr lang="en-AU" dirty="0" err="1"/>
+              <a:t>subcompartment</a:t>
+            </a:r>
+            <a:endParaRPr lang="en-AU" dirty="0"/>
+          </a:p>
+          <a:p>
+            <a:pPr marL="285750" indent="-285750">
+              <a:buFont typeface="Arial" panose="020B0604020202020204" pitchFamily="34" charset="0"/>
+              <a:buChar char="•"/>
+            </a:pPr>
+            <a:r>
+              <a:rPr lang="en-AU" dirty="0"/>
+              <a:t>15 from sus would go to </a:t>
+            </a:r>
+            <a:r>
+              <a:rPr lang="en-AU" dirty="0" err="1"/>
+              <a:t>dxr</a:t>
+            </a:r>
+            <a:endParaRPr lang="en-AU" dirty="0"/>
+          </a:p>
+        </p:txBody>
+      </p:sp>
+      <p:sp>
+        <p:nvSpPr>
+          <p:cNvPr id="14" name="Rectangle 13">
+            <a:extLst>
+              <a:ext uri="{FF2B5EF4-FFF2-40B4-BE49-F238E27FC236}">
+                <a16:creationId xmlns:a16="http://schemas.microsoft.com/office/drawing/2014/main" id="{C34B8372-CADF-4C0D-BCBD-709F674D2D3F}"/>
+              </a:ext>
+            </a:extLst>
+          </p:cNvPr>
+          <p:cNvSpPr/>
+          <p:nvPr/>
+        </p:nvSpPr>
+        <p:spPr>
+          <a:xfrm>
+            <a:off x="4532271" y="4392601"/>
+            <a:ext cx="1380227" cy="966159"/>
+          </a:xfrm>
+          <a:prstGeom prst="rect">
+            <a:avLst/>
+          </a:prstGeom>
+        </p:spPr>
+        <p:style>
+          <a:lnRef idx="2">
+            <a:schemeClr val="accent1">
+              <a:shade val="50000"/>
+            </a:schemeClr>
+          </a:lnRef>
+          <a:fillRef idx="1">
+            <a:schemeClr val="accent1"/>
+          </a:fillRef>
+          <a:effectRef idx="0">
+            <a:schemeClr val="accent1"/>
+          </a:effectRef>
+          <a:fontRef idx="minor">
+            <a:schemeClr val="lt1"/>
+          </a:fontRef>
+        </p:style>
+        <p:txBody>
+          <a:bodyPr rot="0" spcFirstLastPara="0" vertOverflow="overflow" horzOverflow="overflow" vert="horz" wrap="square" lIns="91440" tIns="45720" rIns="91440" bIns="45720" numCol="1" spcCol="0" rtlCol="0" fromWordArt="0" anchor="ctr" anchorCtr="0" forceAA="0" compatLnSpc="1">
+            <a:prstTxWarp prst="textNoShape">
+              <a:avLst/>
+            </a:prstTxWarp>
+            <a:noAutofit/>
+          </a:bodyPr>
+          <a:lstStyle/>
+          <a:p>
+            <a:pPr algn="ctr"/>
+            <a:r>
+              <a:rPr lang="en-AU" dirty="0" err="1"/>
+              <a:t>dxr</a:t>
+            </a:r>
+            <a:endParaRPr lang="en-AU" dirty="0"/>
+          </a:p>
+        </p:txBody>
+      </p:sp>
+      <p:cxnSp>
+        <p:nvCxnSpPr>
+          <p:cNvPr id="19" name="Straight Arrow Connector 18">
+            <a:extLst>
+              <a:ext uri="{FF2B5EF4-FFF2-40B4-BE49-F238E27FC236}">
+                <a16:creationId xmlns:a16="http://schemas.microsoft.com/office/drawing/2014/main" id="{C99876E3-D20B-43B0-A925-89E91F8E8EA6}"/>
+              </a:ext>
+            </a:extLst>
+          </p:cNvPr>
+          <p:cNvCxnSpPr>
+            <a:cxnSpLocks/>
+            <a:stCxn id="7" idx="5"/>
+            <a:endCxn id="14" idx="0"/>
+          </p:cNvCxnSpPr>
+          <p:nvPr/>
+        </p:nvCxnSpPr>
+        <p:spPr>
+          <a:xfrm>
+            <a:off x="4437415" y="3752021"/>
+            <a:ext cx="784968" cy="640581"/>
+          </a:xfrm>
+          <a:prstGeom prst="straightConnector1">
+            <a:avLst/>
+          </a:prstGeom>
+          <a:ln>
+            <a:tailEnd type="triangle"/>
+          </a:ln>
+        </p:spPr>
+        <p:style>
+          <a:lnRef idx="1">
+            <a:schemeClr val="accent1"/>
+          </a:lnRef>
+          <a:fillRef idx="0">
+            <a:schemeClr val="accent1"/>
+          </a:fillRef>
+          <a:effectRef idx="0">
+            <a:schemeClr val="accent1"/>
+          </a:effectRef>
+          <a:fontRef idx="minor">
+            <a:schemeClr val="tx1"/>
+          </a:fontRef>
+        </p:style>
+      </p:cxnSp>
+      <p:sp>
+        <p:nvSpPr>
+          <p:cNvPr id="28" name="Rectangle 27">
+            <a:extLst>
+              <a:ext uri="{FF2B5EF4-FFF2-40B4-BE49-F238E27FC236}">
+                <a16:creationId xmlns:a16="http://schemas.microsoft.com/office/drawing/2014/main" id="{1423EB69-DB4C-48AA-AFB8-A7EEC8FAED6C}"/>
+              </a:ext>
+            </a:extLst>
+          </p:cNvPr>
+          <p:cNvSpPr/>
+          <p:nvPr/>
+        </p:nvSpPr>
+        <p:spPr>
+          <a:xfrm>
+            <a:off x="4532270" y="1687441"/>
+            <a:ext cx="1380227" cy="966159"/>
+          </a:xfrm>
+          <a:prstGeom prst="rect">
+            <a:avLst/>
+          </a:prstGeom>
+          <a:solidFill>
+            <a:schemeClr val="accent1"/>
+          </a:solidFill>
+        </p:spPr>
+        <p:style>
+          <a:lnRef idx="2">
+            <a:schemeClr val="accent1">
+              <a:shade val="50000"/>
+            </a:schemeClr>
+          </a:lnRef>
+          <a:fillRef idx="1">
+            <a:schemeClr val="accent1"/>
+          </a:fillRef>
+          <a:effectRef idx="0">
+            <a:schemeClr val="accent1"/>
+          </a:effectRef>
+          <a:fontRef idx="minor">
+            <a:schemeClr val="lt1"/>
+          </a:fontRef>
+        </p:style>
+        <p:txBody>
+          <a:bodyPr rot="0" spcFirstLastPara="0" vertOverflow="overflow" horzOverflow="overflow" vert="horz" wrap="square" lIns="91440" tIns="45720" rIns="91440" bIns="45720" numCol="1" spcCol="0" rtlCol="0" fromWordArt="0" anchor="ctr" anchorCtr="0" forceAA="0" compatLnSpc="1">
+            <a:prstTxWarp prst="textNoShape">
+              <a:avLst/>
+            </a:prstTxWarp>
+            <a:noAutofit/>
+          </a:bodyPr>
+          <a:lstStyle/>
+          <a:p>
+            <a:pPr algn="ctr"/>
+            <a:r>
+              <a:rPr lang="en-AU" dirty="0"/>
+              <a:t>sus</a:t>
+            </a:r>
+          </a:p>
+        </p:txBody>
+      </p:sp>
+      <p:cxnSp>
+        <p:nvCxnSpPr>
+          <p:cNvPr id="31" name="Straight Arrow Connector 30">
+            <a:extLst>
+              <a:ext uri="{FF2B5EF4-FFF2-40B4-BE49-F238E27FC236}">
+                <a16:creationId xmlns:a16="http://schemas.microsoft.com/office/drawing/2014/main" id="{423F63D0-4AB4-4B1C-92DE-A074DEF49486}"/>
+              </a:ext>
+            </a:extLst>
+          </p:cNvPr>
+          <p:cNvCxnSpPr>
+            <a:cxnSpLocks/>
+            <a:stCxn id="28" idx="2"/>
+            <a:endCxn id="7" idx="7"/>
+          </p:cNvCxnSpPr>
+          <p:nvPr/>
+        </p:nvCxnSpPr>
+        <p:spPr>
+          <a:xfrm flipH="1">
+            <a:off x="4437417" y="2653599"/>
+            <a:ext cx="784967" cy="640426"/>
+          </a:xfrm>
+          <a:prstGeom prst="straightConnector1">
+            <a:avLst/>
+          </a:prstGeom>
+          <a:ln>
+            <a:solidFill>
+              <a:srgbClr val="FF0000"/>
+            </a:solidFill>
+            <a:prstDash val="solid"/>
+            <a:tailEnd type="triangle"/>
+          </a:ln>
+        </p:spPr>
+        <p:style>
+          <a:lnRef idx="1">
+            <a:schemeClr val="accent1"/>
+          </a:lnRef>
+          <a:fillRef idx="0">
+            <a:schemeClr val="accent1"/>
+          </a:fillRef>
+          <a:effectRef idx="0">
+            <a:schemeClr val="accent1"/>
+          </a:effectRef>
+          <a:fontRef idx="minor">
+            <a:schemeClr val="tx1"/>
+          </a:fontRef>
+        </p:style>
+      </p:cxnSp>
     </p:spTree>
     <p:extLst>
       <p:ext uri="{BB962C8B-B14F-4D97-AF65-F5344CB8AC3E}">
-        <p14:creationId xmlns:p14="http://schemas.microsoft.com/office/powerpoint/2010/main" val="3261011393"/>
+        <p14:creationId xmlns:p14="http://schemas.microsoft.com/office/powerpoint/2010/main" val="3137527794"/>
       </p:ext>
     </p:extLst>
   </p:cSld>
@@ -9379,7 +11129,7 @@
           <p:cNvPr id="2" name="Title 1">
             <a:extLst>
               <a:ext uri="{FF2B5EF4-FFF2-40B4-BE49-F238E27FC236}">
-                <a16:creationId xmlns:a16="http://schemas.microsoft.com/office/drawing/2014/main" id="{C8D3F0F5-8721-4FB3-A336-90C726F3A22A}"/>
+                <a16:creationId xmlns:a16="http://schemas.microsoft.com/office/drawing/2014/main" id="{E4BA226C-8137-4CA0-9B0D-60113A1176E3}"/>
               </a:ext>
             </a:extLst>
           </p:cNvPr>
@@ -9397,7 +11147,7 @@
           <a:p>
             <a:r>
               <a:rPr lang="en-AU" dirty="0"/>
-              <a:t>Junction operations</a:t>
+              <a:t>Junction flush logic</a:t>
             </a:r>
           </a:p>
         </p:txBody>
@@ -9407,7 +11157,7 @@
           <p:cNvPr id="3" name="Content Placeholder 2">
             <a:extLst>
               <a:ext uri="{FF2B5EF4-FFF2-40B4-BE49-F238E27FC236}">
-                <a16:creationId xmlns:a16="http://schemas.microsoft.com/office/drawing/2014/main" id="{A9313FB2-4ACD-4C44-88B9-56FC30ACB47B}"/>
+                <a16:creationId xmlns:a16="http://schemas.microsoft.com/office/drawing/2014/main" id="{1D1C39AB-9E16-4972-A440-E37B0718937B}"/>
               </a:ext>
             </a:extLst>
           </p:cNvPr>
@@ -9420,103 +11170,46 @@
         </p:nvSpPr>
         <p:spPr/>
         <p:txBody>
-          <a:bodyPr>
-            <a:normAutofit fontScale="70000" lnSpcReduction="20000"/>
-          </a:bodyPr>
+          <a:bodyPr/>
           <a:lstStyle/>
           <a:p>
             <a:r>
               <a:rPr lang="en-AU" dirty="0"/>
-              <a:t>Flush links need to be resolved *prior* to the junction, because nobody flowing in from the junction can be flushed</a:t>
+              <a:t>Flushing into a junction is allowed, therefore flush links must be computed before or at the same time as junctions</a:t>
             </a:r>
           </a:p>
           <a:p>
             <a:r>
               <a:rPr lang="en-AU" dirty="0"/>
-              <a:t>So maybe the idea is, people get flushed at the START of the timestep at the same time as the compartment is incremented? But this is undesirable because the compartment size at ti+1 is now no longer given by just summing up all the links at time </a:t>
-            </a:r>
-            <a:r>
-              <a:rPr lang="en-AU" dirty="0" err="1"/>
-              <a:t>ti</a:t>
-            </a:r>
-            <a:endParaRPr lang="en-AU" dirty="0"/>
+              <a:t>Junctions can be time-preserving if the inputs and outputs mix </a:t>
+            </a:r>
           </a:p>
           <a:p>
             <a:r>
               <a:rPr lang="en-AU" dirty="0"/>
-              <a:t>That’s the idea behind flushing after the junctions are resolved BUT then you can’t flush into a junction</a:t>
-            </a:r>
-          </a:p>
-          <a:p>
-            <a:r>
-              <a:rPr lang="en-AU" dirty="0"/>
-              <a:t>So – you CAN flush into a junction, which means flush links get computed first. You can be flushed OR go down a </a:t>
-            </a:r>
-            <a:r>
-              <a:rPr lang="en-AU" dirty="0" err="1"/>
-              <a:t>TimedLink</a:t>
-            </a:r>
-            <a:r>
-              <a:rPr lang="en-AU" dirty="0"/>
-              <a:t> but not both (no competition)</a:t>
-            </a:r>
-          </a:p>
-          <a:p>
-            <a:r>
-              <a:rPr lang="en-AU" dirty="0"/>
-              <a:t>But then the problem is, if you have competition between a normal link and a </a:t>
-            </a:r>
-            <a:r>
-              <a:rPr lang="en-AU" dirty="0" err="1"/>
-              <a:t>TimedLink</a:t>
-            </a:r>
-            <a:r>
-              <a:rPr lang="en-AU" dirty="0"/>
-              <a:t> that competition changes with step size e.g. limit of large step size, nobody goes down the </a:t>
-            </a:r>
-            <a:r>
-              <a:rPr lang="en-AU" dirty="0" err="1"/>
-              <a:t>TimedLink</a:t>
-            </a:r>
-            <a:endParaRPr lang="en-AU" dirty="0"/>
-          </a:p>
-          <a:p>
-            <a:r>
-              <a:rPr lang="en-AU" dirty="0"/>
-              <a:t>Thus, normal links and timed links cannot compete. Or rather, if you’re scheduled to be flushed, you’re </a:t>
-            </a:r>
-            <a:r>
-              <a:rPr lang="en-AU" i="1" dirty="0"/>
-              <a:t>guaranteed</a:t>
-            </a:r>
-            <a:r>
-              <a:rPr lang="en-AU" dirty="0"/>
-              <a:t> to be flushed</a:t>
-            </a:r>
-          </a:p>
-          <a:p>
-            <a:r>
-              <a:rPr lang="en-AU" dirty="0"/>
-              <a:t>But if </a:t>
-            </a:r>
-            <a:r>
-              <a:rPr lang="en-AU" i="1" dirty="0"/>
-              <a:t>that</a:t>
-            </a:r>
-            <a:r>
-              <a:rPr lang="en-AU" dirty="0"/>
-              <a:t> is the case, then that means you have things like, people who are due to be flushed cannot die in that timestep</a:t>
-            </a:r>
-          </a:p>
-          <a:p>
-            <a:endParaRPr lang="en-AU" dirty="0"/>
+              <a:t>If a flush link goes into a junction, it cannot feed into the same transition group – therefore, we know that it must end up in a different transition group</a:t>
+            </a:r>
+          </a:p>
+          <a:p>
+            <a:r>
+              <a:rPr lang="en-AU" b="1" dirty="0"/>
+              <a:t>CRUCIAL – Nobody that flows from a junction into a </a:t>
+            </a:r>
+            <a:r>
+              <a:rPr lang="en-AU" b="1" dirty="0" err="1"/>
+              <a:t>TimedCompartment</a:t>
+            </a:r>
+            <a:r>
+              <a:rPr lang="en-AU" b="1" dirty="0"/>
+              <a:t> can be flushed in that same timestep</a:t>
+            </a:r>
           </a:p>
         </p:txBody>
       </p:sp>
     </p:spTree>
     <p:extLst>
       <p:ext uri="{BB962C8B-B14F-4D97-AF65-F5344CB8AC3E}">
-        <p14:creationId xmlns:p14="http://schemas.microsoft.com/office/powerpoint/2010/main" val="3876423208"/>
+        <p14:creationId xmlns:p14="http://schemas.microsoft.com/office/powerpoint/2010/main" val="3261011393"/>
       </p:ext>
     </p:extLst>
   </p:cSld>
@@ -9545,604 +11238,147 @@
       </p:grpSpPr>
       <p:sp>
         <p:nvSpPr>
-          <p:cNvPr id="4" name="Rectangle 3">
-            <a:extLst>
-              <a:ext uri="{FF2B5EF4-FFF2-40B4-BE49-F238E27FC236}">
-                <a16:creationId xmlns:a16="http://schemas.microsoft.com/office/drawing/2014/main" id="{789D5DF4-E706-4558-90A4-27D3BC4BDE01}"/>
-              </a:ext>
-            </a:extLst>
-          </p:cNvPr>
-          <p:cNvSpPr/>
-          <p:nvPr/>
-        </p:nvSpPr>
-        <p:spPr>
-          <a:xfrm>
-            <a:off x="4635420" y="1291584"/>
-            <a:ext cx="2125035" cy="914400"/>
-          </a:xfrm>
-          <a:prstGeom prst="rect">
-            <a:avLst/>
-          </a:prstGeom>
-        </p:spPr>
-        <p:style>
-          <a:lnRef idx="2">
-            <a:schemeClr val="accent1">
-              <a:shade val="50000"/>
-            </a:schemeClr>
-          </a:lnRef>
-          <a:fillRef idx="1">
-            <a:schemeClr val="accent1"/>
-          </a:fillRef>
-          <a:effectRef idx="0">
-            <a:schemeClr val="accent1"/>
-          </a:effectRef>
-          <a:fontRef idx="minor">
-            <a:schemeClr val="lt1"/>
-          </a:fontRef>
-        </p:style>
-        <p:txBody>
-          <a:bodyPr rot="0" spcFirstLastPara="0" vertOverflow="overflow" horzOverflow="overflow" vert="horz" wrap="square" lIns="91440" tIns="45720" rIns="91440" bIns="45720" numCol="1" spcCol="0" rtlCol="0" fromWordArt="0" anchor="ctr" anchorCtr="0" forceAA="0" compatLnSpc="1">
-            <a:prstTxWarp prst="textNoShape">
-              <a:avLst/>
-            </a:prstTxWarp>
-            <a:noAutofit/>
-          </a:bodyPr>
-          <a:lstStyle/>
-          <a:p>
-            <a:pPr algn="ctr"/>
-            <a:r>
-              <a:rPr lang="en-AU" sz="1400" dirty="0" err="1"/>
-              <a:t>TimedCompartment</a:t>
-            </a:r>
-            <a:endParaRPr lang="en-AU" sz="1400" dirty="0"/>
-          </a:p>
-        </p:txBody>
-      </p:sp>
-      <p:sp>
-        <p:nvSpPr>
-          <p:cNvPr id="7" name="Rectangle 6">
-            <a:extLst>
-              <a:ext uri="{FF2B5EF4-FFF2-40B4-BE49-F238E27FC236}">
-                <a16:creationId xmlns:a16="http://schemas.microsoft.com/office/drawing/2014/main" id="{7F24F64C-184F-4385-9715-E7CCDC56D7FD}"/>
-              </a:ext>
-            </a:extLst>
-          </p:cNvPr>
-          <p:cNvSpPr/>
-          <p:nvPr/>
-        </p:nvSpPr>
-        <p:spPr>
-          <a:xfrm>
-            <a:off x="5265031" y="2724130"/>
-            <a:ext cx="857250" cy="685800"/>
-          </a:xfrm>
-          <a:prstGeom prst="rect">
-            <a:avLst/>
-          </a:prstGeom>
-        </p:spPr>
-        <p:style>
-          <a:lnRef idx="2">
-            <a:schemeClr val="accent1">
-              <a:shade val="50000"/>
-            </a:schemeClr>
-          </a:lnRef>
-          <a:fillRef idx="1">
-            <a:schemeClr val="accent1"/>
-          </a:fillRef>
-          <a:effectRef idx="0">
-            <a:schemeClr val="accent1"/>
-          </a:effectRef>
-          <a:fontRef idx="minor">
-            <a:schemeClr val="lt1"/>
-          </a:fontRef>
-        </p:style>
-        <p:txBody>
-          <a:bodyPr rot="0" spcFirstLastPara="0" vertOverflow="overflow" horzOverflow="overflow" vert="horz" wrap="square" lIns="91440" tIns="45720" rIns="91440" bIns="45720" numCol="1" spcCol="0" rtlCol="0" fromWordArt="0" anchor="ctr" anchorCtr="0" forceAA="0" compatLnSpc="1">
-            <a:prstTxWarp prst="textNoShape">
-              <a:avLst/>
-            </a:prstTxWarp>
-            <a:noAutofit/>
-          </a:bodyPr>
-          <a:lstStyle/>
-          <a:p>
-            <a:pPr algn="ctr"/>
+          <p:cNvPr id="2" name="Title 1">
+            <a:extLst>
+              <a:ext uri="{FF2B5EF4-FFF2-40B4-BE49-F238E27FC236}">
+                <a16:creationId xmlns:a16="http://schemas.microsoft.com/office/drawing/2014/main" id="{C8D3F0F5-8721-4FB3-A336-90C726F3A22A}"/>
+              </a:ext>
+            </a:extLst>
+          </p:cNvPr>
+          <p:cNvSpPr>
+            <a:spLocks noGrp="1"/>
+          </p:cNvSpPr>
+          <p:nvPr>
+            <p:ph type="title"/>
+          </p:nvPr>
+        </p:nvSpPr>
+        <p:spPr/>
+        <p:txBody>
+          <a:bodyPr/>
+          <a:lstStyle/>
+          <a:p>
             <a:r>
               <a:rPr lang="en-AU" dirty="0"/>
-              <a:t>A</a:t>
-            </a:r>
-          </a:p>
-        </p:txBody>
-      </p:sp>
-      <p:sp>
-        <p:nvSpPr>
-          <p:cNvPr id="8" name="Rectangle 7">
-            <a:extLst>
-              <a:ext uri="{FF2B5EF4-FFF2-40B4-BE49-F238E27FC236}">
-                <a16:creationId xmlns:a16="http://schemas.microsoft.com/office/drawing/2014/main" id="{8D678C50-6C7B-4845-A166-AF91A6F59F7A}"/>
-              </a:ext>
-            </a:extLst>
-          </p:cNvPr>
-          <p:cNvSpPr/>
-          <p:nvPr/>
-        </p:nvSpPr>
-        <p:spPr>
-          <a:xfrm>
-            <a:off x="5265031" y="3571855"/>
-            <a:ext cx="857250" cy="685800"/>
-          </a:xfrm>
-          <a:prstGeom prst="rect">
-            <a:avLst/>
-          </a:prstGeom>
-        </p:spPr>
-        <p:style>
-          <a:lnRef idx="2">
-            <a:schemeClr val="accent1">
-              <a:shade val="50000"/>
-            </a:schemeClr>
-          </a:lnRef>
-          <a:fillRef idx="1">
-            <a:schemeClr val="accent1"/>
-          </a:fillRef>
-          <a:effectRef idx="0">
-            <a:schemeClr val="accent1"/>
-          </a:effectRef>
-          <a:fontRef idx="minor">
-            <a:schemeClr val="lt1"/>
-          </a:fontRef>
-        </p:style>
-        <p:txBody>
-          <a:bodyPr rot="0" spcFirstLastPara="0" vertOverflow="overflow" horzOverflow="overflow" vert="horz" wrap="square" lIns="91440" tIns="45720" rIns="91440" bIns="45720" numCol="1" spcCol="0" rtlCol="0" fromWordArt="0" anchor="ctr" anchorCtr="0" forceAA="0" compatLnSpc="1">
-            <a:prstTxWarp prst="textNoShape">
-              <a:avLst/>
-            </a:prstTxWarp>
-            <a:noAutofit/>
-          </a:bodyPr>
-          <a:lstStyle/>
-          <a:p>
-            <a:pPr algn="ctr"/>
+              <a:t>Junction operations</a:t>
+            </a:r>
+          </a:p>
+        </p:txBody>
+      </p:sp>
+      <p:sp>
+        <p:nvSpPr>
+          <p:cNvPr id="3" name="Content Placeholder 2">
+            <a:extLst>
+              <a:ext uri="{FF2B5EF4-FFF2-40B4-BE49-F238E27FC236}">
+                <a16:creationId xmlns:a16="http://schemas.microsoft.com/office/drawing/2014/main" id="{A9313FB2-4ACD-4C44-88B9-56FC30ACB47B}"/>
+              </a:ext>
+            </a:extLst>
+          </p:cNvPr>
+          <p:cNvSpPr>
+            <a:spLocks noGrp="1"/>
+          </p:cNvSpPr>
+          <p:nvPr>
+            <p:ph idx="1"/>
+          </p:nvPr>
+        </p:nvSpPr>
+        <p:spPr/>
+        <p:txBody>
+          <a:bodyPr>
+            <a:normAutofit fontScale="70000" lnSpcReduction="20000"/>
+          </a:bodyPr>
+          <a:lstStyle/>
+          <a:p>
             <a:r>
               <a:rPr lang="en-AU" dirty="0"/>
-              <a:t>B</a:t>
-            </a:r>
-          </a:p>
-        </p:txBody>
-      </p:sp>
-      <p:sp>
-        <p:nvSpPr>
-          <p:cNvPr id="9" name="Rectangle 8">
-            <a:extLst>
-              <a:ext uri="{FF2B5EF4-FFF2-40B4-BE49-F238E27FC236}">
-                <a16:creationId xmlns:a16="http://schemas.microsoft.com/office/drawing/2014/main" id="{3E606987-4EA7-49D8-8D84-E68EA53CC7E3}"/>
-              </a:ext>
-            </a:extLst>
-          </p:cNvPr>
-          <p:cNvSpPr/>
-          <p:nvPr/>
-        </p:nvSpPr>
-        <p:spPr>
-          <a:xfrm>
-            <a:off x="5265031" y="4419580"/>
-            <a:ext cx="857250" cy="685800"/>
-          </a:xfrm>
-          <a:prstGeom prst="rect">
-            <a:avLst/>
-          </a:prstGeom>
-        </p:spPr>
-        <p:style>
-          <a:lnRef idx="2">
-            <a:schemeClr val="accent1">
-              <a:shade val="50000"/>
-            </a:schemeClr>
-          </a:lnRef>
-          <a:fillRef idx="1">
-            <a:schemeClr val="accent1"/>
-          </a:fillRef>
-          <a:effectRef idx="0">
-            <a:schemeClr val="accent1"/>
-          </a:effectRef>
-          <a:fontRef idx="minor">
-            <a:schemeClr val="lt1"/>
-          </a:fontRef>
-        </p:style>
-        <p:txBody>
-          <a:bodyPr rot="0" spcFirstLastPara="0" vertOverflow="overflow" horzOverflow="overflow" vert="horz" wrap="square" lIns="91440" tIns="45720" rIns="91440" bIns="45720" numCol="1" spcCol="0" rtlCol="0" fromWordArt="0" anchor="ctr" anchorCtr="0" forceAA="0" compatLnSpc="1">
-            <a:prstTxWarp prst="textNoShape">
-              <a:avLst/>
-            </a:prstTxWarp>
-            <a:noAutofit/>
-          </a:bodyPr>
-          <a:lstStyle/>
-          <a:p>
-            <a:pPr algn="ctr"/>
+              <a:t>Flush links need to be resolved *prior* to the junction, because nobody flowing in from the junction can be flushed</a:t>
+            </a:r>
+          </a:p>
+          <a:p>
             <a:r>
               <a:rPr lang="en-AU" dirty="0"/>
-              <a:t>C</a:t>
-            </a:r>
-          </a:p>
-        </p:txBody>
-      </p:sp>
-      <p:cxnSp>
-        <p:nvCxnSpPr>
-          <p:cNvPr id="22" name="Straight Arrow Connector 21">
-            <a:extLst>
-              <a:ext uri="{FF2B5EF4-FFF2-40B4-BE49-F238E27FC236}">
-                <a16:creationId xmlns:a16="http://schemas.microsoft.com/office/drawing/2014/main" id="{077D020D-2959-48C8-8C3B-9003ABF26089}"/>
-              </a:ext>
-            </a:extLst>
-          </p:cNvPr>
-          <p:cNvCxnSpPr>
-            <a:cxnSpLocks/>
-          </p:cNvCxnSpPr>
-          <p:nvPr/>
-        </p:nvCxnSpPr>
-        <p:spPr>
-          <a:xfrm>
-            <a:off x="6236580" y="3057485"/>
-            <a:ext cx="1047751" cy="0"/>
-          </a:xfrm>
-          <a:prstGeom prst="straightConnector1">
-            <a:avLst/>
-          </a:prstGeom>
-          <a:ln>
-            <a:prstDash val="dash"/>
-            <a:tailEnd type="triangle"/>
-          </a:ln>
-        </p:spPr>
-        <p:style>
-          <a:lnRef idx="1">
-            <a:schemeClr val="accent1"/>
-          </a:lnRef>
-          <a:fillRef idx="0">
-            <a:schemeClr val="accent1"/>
-          </a:fillRef>
-          <a:effectRef idx="0">
-            <a:schemeClr val="accent1"/>
-          </a:effectRef>
-          <a:fontRef idx="minor">
-            <a:schemeClr val="tx1"/>
-          </a:fontRef>
-        </p:style>
-      </p:cxnSp>
-      <p:sp>
-        <p:nvSpPr>
-          <p:cNvPr id="27" name="TextBox 26">
-            <a:extLst>
-              <a:ext uri="{FF2B5EF4-FFF2-40B4-BE49-F238E27FC236}">
-                <a16:creationId xmlns:a16="http://schemas.microsoft.com/office/drawing/2014/main" id="{6A5457D1-6788-4709-A8F9-A08820A85D3A}"/>
-              </a:ext>
-            </a:extLst>
-          </p:cNvPr>
-          <p:cNvSpPr txBox="1"/>
-          <p:nvPr/>
-        </p:nvSpPr>
-        <p:spPr>
-          <a:xfrm>
-            <a:off x="5011770" y="329644"/>
-            <a:ext cx="1363771" cy="369332"/>
-          </a:xfrm>
-          <a:prstGeom prst="rect">
-            <a:avLst/>
-          </a:prstGeom>
-          <a:noFill/>
-        </p:spPr>
-        <p:txBody>
-          <a:bodyPr wrap="none" rtlCol="0">
-            <a:spAutoFit/>
-          </a:bodyPr>
-          <a:lstStyle/>
-          <a:p>
-            <a:r>
-              <a:rPr lang="en-AU" b="1" dirty="0"/>
-              <a:t>Terminology</a:t>
-            </a:r>
-          </a:p>
-        </p:txBody>
-      </p:sp>
-      <p:sp>
-        <p:nvSpPr>
-          <p:cNvPr id="89" name="TextBox 88">
-            <a:extLst>
-              <a:ext uri="{FF2B5EF4-FFF2-40B4-BE49-F238E27FC236}">
-                <a16:creationId xmlns:a16="http://schemas.microsoft.com/office/drawing/2014/main" id="{FA65CACA-ABE4-49C7-8F90-F7FCF22AB8DE}"/>
-              </a:ext>
-            </a:extLst>
-          </p:cNvPr>
-          <p:cNvSpPr txBox="1"/>
-          <p:nvPr/>
-        </p:nvSpPr>
-        <p:spPr>
-          <a:xfrm>
-            <a:off x="6222822" y="2724130"/>
-            <a:ext cx="1061509" cy="369332"/>
-          </a:xfrm>
-          <a:prstGeom prst="rect">
-            <a:avLst/>
-          </a:prstGeom>
-          <a:noFill/>
-        </p:spPr>
-        <p:txBody>
-          <a:bodyPr wrap="none" rtlCol="0">
-            <a:spAutoFit/>
-          </a:bodyPr>
-          <a:lstStyle/>
+              <a:t>So maybe the idea is, people get flushed at the START of the timestep at the same time as the compartment is incremented? But this is undesirable because the compartment size at ti+1 is now no longer given by just summing up all the links at time </a:t>
+            </a:r>
+            <a:r>
+              <a:rPr lang="en-AU" dirty="0" err="1"/>
+              <a:t>ti</a:t>
+            </a:r>
+            <a:endParaRPr lang="en-AU" dirty="0"/>
+          </a:p>
           <a:p>
             <a:r>
               <a:rPr lang="en-AU" dirty="0"/>
-              <a:t>Flush link</a:t>
-            </a:r>
-          </a:p>
-        </p:txBody>
-      </p:sp>
-      <p:sp>
-        <p:nvSpPr>
-          <p:cNvPr id="46" name="TextBox 45">
-            <a:extLst>
-              <a:ext uri="{FF2B5EF4-FFF2-40B4-BE49-F238E27FC236}">
-                <a16:creationId xmlns:a16="http://schemas.microsoft.com/office/drawing/2014/main" id="{EAAF136A-7888-4ACB-B9D0-FD32206912CB}"/>
-              </a:ext>
-            </a:extLst>
-          </p:cNvPr>
-          <p:cNvSpPr txBox="1"/>
-          <p:nvPr/>
-        </p:nvSpPr>
-        <p:spPr>
-          <a:xfrm>
-            <a:off x="4839582" y="2297668"/>
-            <a:ext cx="1718291" cy="338554"/>
-          </a:xfrm>
-          <a:prstGeom prst="rect">
-            <a:avLst/>
-          </a:prstGeom>
-          <a:noFill/>
-        </p:spPr>
-        <p:txBody>
-          <a:bodyPr wrap="none" rtlCol="0">
-            <a:spAutoFit/>
-          </a:bodyPr>
-          <a:lstStyle/>
-          <a:p>
-            <a:r>
-              <a:rPr lang="en-AU" sz="1600" dirty="0" err="1"/>
-              <a:t>Subcompartments</a:t>
-            </a:r>
-            <a:endParaRPr lang="en-AU" sz="1600" dirty="0"/>
-          </a:p>
-        </p:txBody>
-      </p:sp>
-      <p:sp>
-        <p:nvSpPr>
-          <p:cNvPr id="47" name="TextBox 46">
-            <a:extLst>
-              <a:ext uri="{FF2B5EF4-FFF2-40B4-BE49-F238E27FC236}">
-                <a16:creationId xmlns:a16="http://schemas.microsoft.com/office/drawing/2014/main" id="{7ED64DE9-D950-4C83-9518-CD470EE85242}"/>
-              </a:ext>
-            </a:extLst>
-          </p:cNvPr>
-          <p:cNvSpPr txBox="1"/>
-          <p:nvPr/>
-        </p:nvSpPr>
-        <p:spPr>
-          <a:xfrm>
-            <a:off x="4279197" y="4132588"/>
-            <a:ext cx="1011059" cy="646331"/>
-          </a:xfrm>
-          <a:prstGeom prst="rect">
-            <a:avLst/>
-          </a:prstGeom>
-          <a:noFill/>
-        </p:spPr>
-        <p:txBody>
-          <a:bodyPr wrap="square" rtlCol="0">
-            <a:spAutoFit/>
-          </a:bodyPr>
-          <a:lstStyle/>
-          <a:p>
-            <a:pPr algn="ctr"/>
+              <a:t>That’s the idea behind flushing after the junctions are resolved BUT then you can’t flush into a junction</a:t>
+            </a:r>
+          </a:p>
+          <a:p>
             <a:r>
               <a:rPr lang="en-AU" dirty="0"/>
-              <a:t>New arrivals</a:t>
-            </a:r>
-          </a:p>
-        </p:txBody>
-      </p:sp>
-      <p:cxnSp>
-        <p:nvCxnSpPr>
-          <p:cNvPr id="3" name="Straight Arrow Connector 2">
-            <a:extLst>
-              <a:ext uri="{FF2B5EF4-FFF2-40B4-BE49-F238E27FC236}">
-                <a16:creationId xmlns:a16="http://schemas.microsoft.com/office/drawing/2014/main" id="{ACB820AF-C879-48E4-9654-56FD37FE7C63}"/>
-              </a:ext>
-            </a:extLst>
-          </p:cNvPr>
-          <p:cNvCxnSpPr>
-            <a:cxnSpLocks/>
-          </p:cNvCxnSpPr>
-          <p:nvPr/>
-        </p:nvCxnSpPr>
-        <p:spPr>
-          <a:xfrm>
-            <a:off x="4407887" y="4762480"/>
-            <a:ext cx="753680" cy="0"/>
-          </a:xfrm>
-          <a:prstGeom prst="straightConnector1">
-            <a:avLst/>
-          </a:prstGeom>
-          <a:ln>
-            <a:tailEnd type="triangle"/>
-          </a:ln>
-        </p:spPr>
-        <p:style>
-          <a:lnRef idx="1">
-            <a:schemeClr val="accent1"/>
-          </a:lnRef>
-          <a:fillRef idx="0">
-            <a:schemeClr val="accent1"/>
-          </a:fillRef>
-          <a:effectRef idx="0">
-            <a:schemeClr val="accent1"/>
-          </a:effectRef>
-          <a:fontRef idx="minor">
-            <a:schemeClr val="tx1"/>
-          </a:fontRef>
-        </p:style>
-      </p:cxnSp>
-      <p:sp>
-        <p:nvSpPr>
-          <p:cNvPr id="51" name="TextBox 50">
-            <a:extLst>
-              <a:ext uri="{FF2B5EF4-FFF2-40B4-BE49-F238E27FC236}">
-                <a16:creationId xmlns:a16="http://schemas.microsoft.com/office/drawing/2014/main" id="{D92376C1-78D0-4BA3-9B98-79064EC023D4}"/>
-              </a:ext>
-            </a:extLst>
-          </p:cNvPr>
-          <p:cNvSpPr txBox="1"/>
-          <p:nvPr/>
-        </p:nvSpPr>
-        <p:spPr>
-          <a:xfrm>
-            <a:off x="3135296" y="2847680"/>
-            <a:ext cx="2062937" cy="338554"/>
-          </a:xfrm>
-          <a:prstGeom prst="rect">
-            <a:avLst/>
-          </a:prstGeom>
-          <a:noFill/>
-        </p:spPr>
-        <p:txBody>
-          <a:bodyPr wrap="none" rtlCol="0">
-            <a:spAutoFit/>
-          </a:bodyPr>
-          <a:lstStyle/>
-          <a:p>
-            <a:r>
-              <a:rPr lang="en-AU" sz="1600" i="1" dirty="0"/>
-              <a:t>Final </a:t>
-            </a:r>
-            <a:r>
-              <a:rPr lang="en-AU" sz="1600" i="1" dirty="0" err="1"/>
-              <a:t>subcompartment</a:t>
-            </a:r>
-            <a:endParaRPr lang="en-AU" sz="1600" i="1" dirty="0"/>
-          </a:p>
-        </p:txBody>
-      </p:sp>
-      <p:sp>
-        <p:nvSpPr>
-          <p:cNvPr id="52" name="TextBox 51">
-            <a:extLst>
-              <a:ext uri="{FF2B5EF4-FFF2-40B4-BE49-F238E27FC236}">
-                <a16:creationId xmlns:a16="http://schemas.microsoft.com/office/drawing/2014/main" id="{AD233697-3994-408E-9524-ADE21558412F}"/>
-              </a:ext>
-            </a:extLst>
-          </p:cNvPr>
-          <p:cNvSpPr txBox="1"/>
-          <p:nvPr/>
-        </p:nvSpPr>
-        <p:spPr>
-          <a:xfrm>
-            <a:off x="6236580" y="4562427"/>
-            <a:ext cx="2135072" cy="338554"/>
-          </a:xfrm>
-          <a:prstGeom prst="rect">
-            <a:avLst/>
-          </a:prstGeom>
-          <a:noFill/>
-        </p:spPr>
-        <p:txBody>
-          <a:bodyPr wrap="none" rtlCol="0">
-            <a:spAutoFit/>
-          </a:bodyPr>
-          <a:lstStyle/>
-          <a:p>
-            <a:r>
-              <a:rPr lang="en-AU" sz="1600" i="1" dirty="0"/>
-              <a:t>Initial </a:t>
-            </a:r>
-            <a:r>
-              <a:rPr lang="en-AU" sz="1600" i="1" dirty="0" err="1"/>
-              <a:t>subcompartment</a:t>
-            </a:r>
-            <a:endParaRPr lang="en-AU" sz="1600" i="1" dirty="0"/>
-          </a:p>
-        </p:txBody>
-      </p:sp>
-      <p:cxnSp>
-        <p:nvCxnSpPr>
-          <p:cNvPr id="10" name="Straight Arrow Connector 9">
-            <a:extLst>
-              <a:ext uri="{FF2B5EF4-FFF2-40B4-BE49-F238E27FC236}">
-                <a16:creationId xmlns:a16="http://schemas.microsoft.com/office/drawing/2014/main" id="{CEBBB260-23FC-43C0-9C2F-B0AADAF3FAB7}"/>
-              </a:ext>
-            </a:extLst>
-          </p:cNvPr>
-          <p:cNvCxnSpPr/>
-          <p:nvPr/>
-        </p:nvCxnSpPr>
-        <p:spPr>
-          <a:xfrm flipV="1">
-            <a:off x="8601075" y="3016957"/>
-            <a:ext cx="0" cy="1822908"/>
-          </a:xfrm>
-          <a:prstGeom prst="straightConnector1">
-            <a:avLst/>
-          </a:prstGeom>
-          <a:ln>
-            <a:tailEnd type="triangle"/>
-          </a:ln>
-        </p:spPr>
-        <p:style>
-          <a:lnRef idx="1">
-            <a:schemeClr val="accent1"/>
-          </a:lnRef>
-          <a:fillRef idx="0">
-            <a:schemeClr val="accent1"/>
-          </a:fillRef>
-          <a:effectRef idx="0">
-            <a:schemeClr val="accent1"/>
-          </a:effectRef>
-          <a:fontRef idx="minor">
-            <a:schemeClr val="tx1"/>
-          </a:fontRef>
-        </p:style>
-      </p:cxnSp>
-      <p:sp>
-        <p:nvSpPr>
-          <p:cNvPr id="11" name="TextBox 10">
-            <a:extLst>
-              <a:ext uri="{FF2B5EF4-FFF2-40B4-BE49-F238E27FC236}">
-                <a16:creationId xmlns:a16="http://schemas.microsoft.com/office/drawing/2014/main" id="{4651B017-9BAE-40D1-8EF1-5D916C6DC9F3}"/>
-              </a:ext>
-            </a:extLst>
-          </p:cNvPr>
-          <p:cNvSpPr txBox="1"/>
-          <p:nvPr/>
-        </p:nvSpPr>
-        <p:spPr>
-          <a:xfrm>
-            <a:off x="8783563" y="3801336"/>
-            <a:ext cx="649537" cy="369332"/>
-          </a:xfrm>
-          <a:prstGeom prst="rect">
-            <a:avLst/>
-          </a:prstGeom>
-          <a:noFill/>
-        </p:spPr>
-        <p:txBody>
-          <a:bodyPr wrap="none" rtlCol="0">
-            <a:spAutoFit/>
-          </a:bodyPr>
-          <a:lstStyle/>
-          <a:p>
+              <a:t>So – you CAN flush into a junction, which means flush links get computed first. You can be flushed OR go down a </a:t>
+            </a:r>
+            <a:r>
+              <a:rPr lang="en-AU" dirty="0" err="1"/>
+              <a:t>TimedLink</a:t>
+            </a:r>
             <a:r>
               <a:rPr lang="en-AU" dirty="0"/>
-              <a:t>Time</a:t>
-            </a:r>
+              <a:t> but not both (no competition)</a:t>
+            </a:r>
+          </a:p>
+          <a:p>
+            <a:r>
+              <a:rPr lang="en-AU" dirty="0"/>
+              <a:t>But then the problem is, if you have competition between a normal link and a </a:t>
+            </a:r>
+            <a:r>
+              <a:rPr lang="en-AU" dirty="0" err="1"/>
+              <a:t>TimedLink</a:t>
+            </a:r>
+            <a:r>
+              <a:rPr lang="en-AU" dirty="0"/>
+              <a:t> that competition changes with step size e.g. limit of large step size, nobody goes down the </a:t>
+            </a:r>
+            <a:r>
+              <a:rPr lang="en-AU" dirty="0" err="1"/>
+              <a:t>TimedLink</a:t>
+            </a:r>
+            <a:endParaRPr lang="en-AU" dirty="0"/>
+          </a:p>
+          <a:p>
+            <a:r>
+              <a:rPr lang="en-AU" dirty="0"/>
+              <a:t>Thus, normal links and timed links cannot compete. Or rather, if you’re scheduled to be flushed, you’re </a:t>
+            </a:r>
+            <a:r>
+              <a:rPr lang="en-AU" i="1" dirty="0"/>
+              <a:t>guaranteed</a:t>
+            </a:r>
+            <a:r>
+              <a:rPr lang="en-AU" dirty="0"/>
+              <a:t> to be flushed</a:t>
+            </a:r>
+          </a:p>
+          <a:p>
+            <a:r>
+              <a:rPr lang="en-AU" dirty="0"/>
+              <a:t>But if </a:t>
+            </a:r>
+            <a:r>
+              <a:rPr lang="en-AU" i="1" dirty="0"/>
+              <a:t>that</a:t>
+            </a:r>
+            <a:r>
+              <a:rPr lang="en-AU" dirty="0"/>
+              <a:t> is the case, then that means you have things like, people who are due to be flushed cannot die in that timestep</a:t>
+            </a:r>
+          </a:p>
+          <a:p>
+            <a:endParaRPr lang="en-AU" dirty="0"/>
           </a:p>
         </p:txBody>
       </p:sp>
     </p:spTree>
     <p:extLst>
       <p:ext uri="{BB962C8B-B14F-4D97-AF65-F5344CB8AC3E}">
-        <p14:creationId xmlns:p14="http://schemas.microsoft.com/office/powerpoint/2010/main" val="3695659164"/>
+        <p14:creationId xmlns:p14="http://schemas.microsoft.com/office/powerpoint/2010/main" val="3876423208"/>
       </p:ext>
     </p:extLst>
   </p:cSld>
@@ -10171,38 +11407,10 @@
       </p:grpSpPr>
       <p:sp>
         <p:nvSpPr>
-          <p:cNvPr id="2" name="Title 1">
-            <a:extLst>
-              <a:ext uri="{FF2B5EF4-FFF2-40B4-BE49-F238E27FC236}">
-                <a16:creationId xmlns:a16="http://schemas.microsoft.com/office/drawing/2014/main" id="{8AD1DEB2-F3AF-4DAE-BBC3-2C62D4E2B30E}"/>
-              </a:ext>
-            </a:extLst>
-          </p:cNvPr>
-          <p:cNvSpPr>
-            <a:spLocks noGrp="1"/>
-          </p:cNvSpPr>
-          <p:nvPr>
-            <p:ph type="title"/>
-          </p:nvPr>
-        </p:nvSpPr>
-        <p:spPr/>
-        <p:txBody>
-          <a:bodyPr/>
-          <a:lstStyle/>
-          <a:p>
-            <a:r>
-              <a:rPr lang="en-AU" dirty="0"/>
-              <a:t>Architecture</a:t>
-            </a:r>
-          </a:p>
-        </p:txBody>
-      </p:sp>
-      <p:sp>
-        <p:nvSpPr>
-          <p:cNvPr id="17" name="Rectangle 16">
-            <a:extLst>
-              <a:ext uri="{FF2B5EF4-FFF2-40B4-BE49-F238E27FC236}">
-                <a16:creationId xmlns:a16="http://schemas.microsoft.com/office/drawing/2014/main" id="{7A584D1B-817A-4D9A-95C3-874DDD53364D}"/>
+          <p:cNvPr id="4" name="Rectangle 3">
+            <a:extLst>
+              <a:ext uri="{FF2B5EF4-FFF2-40B4-BE49-F238E27FC236}">
+                <a16:creationId xmlns:a16="http://schemas.microsoft.com/office/drawing/2014/main" id="{789D5DF4-E706-4558-90A4-27D3BC4BDE01}"/>
               </a:ext>
             </a:extLst>
           </p:cNvPr>
@@ -10211,7 +11419,7 @@
         </p:nvSpPr>
         <p:spPr>
           <a:xfrm>
-            <a:off x="1311195" y="1910709"/>
+            <a:off x="4635420" y="1291584"/>
             <a:ext cx="2125035" cy="914400"/>
           </a:xfrm>
           <a:prstGeom prst="rect">
@@ -10254,10 +11462,10 @@
       </p:sp>
       <p:sp>
         <p:nvSpPr>
-          <p:cNvPr id="18" name="Rectangle 17">
-            <a:extLst>
-              <a:ext uri="{FF2B5EF4-FFF2-40B4-BE49-F238E27FC236}">
-                <a16:creationId xmlns:a16="http://schemas.microsoft.com/office/drawing/2014/main" id="{8AE52136-6514-4F69-BA86-E538C795467D}"/>
+          <p:cNvPr id="7" name="Rectangle 6">
+            <a:extLst>
+              <a:ext uri="{FF2B5EF4-FFF2-40B4-BE49-F238E27FC236}">
+                <a16:creationId xmlns:a16="http://schemas.microsoft.com/office/drawing/2014/main" id="{7F24F64C-184F-4385-9715-E7CCDC56D7FD}"/>
               </a:ext>
             </a:extLst>
           </p:cNvPr>
@@ -10266,7 +11474,7 @@
         </p:nvSpPr>
         <p:spPr>
           <a:xfrm>
-            <a:off x="1940806" y="3343255"/>
+            <a:off x="5265031" y="2724130"/>
             <a:ext cx="857250" cy="685800"/>
           </a:xfrm>
           <a:prstGeom prst="rect">
@@ -10308,10 +11516,10 @@
       </p:sp>
       <p:sp>
         <p:nvSpPr>
-          <p:cNvPr id="19" name="Rectangle 18">
-            <a:extLst>
-              <a:ext uri="{FF2B5EF4-FFF2-40B4-BE49-F238E27FC236}">
-                <a16:creationId xmlns:a16="http://schemas.microsoft.com/office/drawing/2014/main" id="{98916D01-E309-44C5-9B17-F3BB1C59CC43}"/>
+          <p:cNvPr id="8" name="Rectangle 7">
+            <a:extLst>
+              <a:ext uri="{FF2B5EF4-FFF2-40B4-BE49-F238E27FC236}">
+                <a16:creationId xmlns:a16="http://schemas.microsoft.com/office/drawing/2014/main" id="{8D678C50-6C7B-4845-A166-AF91A6F59F7A}"/>
               </a:ext>
             </a:extLst>
           </p:cNvPr>
@@ -10320,7 +11528,7 @@
         </p:nvSpPr>
         <p:spPr>
           <a:xfrm>
-            <a:off x="1940806" y="4190980"/>
+            <a:off x="5265031" y="3571855"/>
             <a:ext cx="857250" cy="685800"/>
           </a:xfrm>
           <a:prstGeom prst="rect">
@@ -10362,10 +11570,10 @@
       </p:sp>
       <p:sp>
         <p:nvSpPr>
-          <p:cNvPr id="20" name="Rectangle 19">
-            <a:extLst>
-              <a:ext uri="{FF2B5EF4-FFF2-40B4-BE49-F238E27FC236}">
-                <a16:creationId xmlns:a16="http://schemas.microsoft.com/office/drawing/2014/main" id="{5E289209-521A-4CA0-A820-0B14B78C4044}"/>
+          <p:cNvPr id="9" name="Rectangle 8">
+            <a:extLst>
+              <a:ext uri="{FF2B5EF4-FFF2-40B4-BE49-F238E27FC236}">
+                <a16:creationId xmlns:a16="http://schemas.microsoft.com/office/drawing/2014/main" id="{3E606987-4EA7-49D8-8D84-E68EA53CC7E3}"/>
               </a:ext>
             </a:extLst>
           </p:cNvPr>
@@ -10374,7 +11582,7 @@
         </p:nvSpPr>
         <p:spPr>
           <a:xfrm>
-            <a:off x="1940806" y="5038705"/>
+            <a:off x="5265031" y="4419580"/>
             <a:ext cx="857250" cy="685800"/>
           </a:xfrm>
           <a:prstGeom prst="rect">
@@ -10416,10 +11624,10 @@
       </p:sp>
       <p:cxnSp>
         <p:nvCxnSpPr>
-          <p:cNvPr id="21" name="Straight Arrow Connector 20">
-            <a:extLst>
-              <a:ext uri="{FF2B5EF4-FFF2-40B4-BE49-F238E27FC236}">
-                <a16:creationId xmlns:a16="http://schemas.microsoft.com/office/drawing/2014/main" id="{86170B75-1A1F-412D-B660-1F586E2EE677}"/>
+          <p:cNvPr id="22" name="Straight Arrow Connector 21">
+            <a:extLst>
+              <a:ext uri="{FF2B5EF4-FFF2-40B4-BE49-F238E27FC236}">
+                <a16:creationId xmlns:a16="http://schemas.microsoft.com/office/drawing/2014/main" id="{077D020D-2959-48C8-8C3B-9003ABF26089}"/>
               </a:ext>
             </a:extLst>
           </p:cNvPr>
@@ -10430,7 +11638,7 @@
         </p:nvCxnSpPr>
         <p:spPr>
           <a:xfrm>
-            <a:off x="2912355" y="3676610"/>
+            <a:off x="6236580" y="3057485"/>
             <a:ext cx="1047751" cy="0"/>
           </a:xfrm>
           <a:prstGeom prst="straightConnector1">
@@ -10458,10 +11666,10 @@
       </p:cxnSp>
       <p:sp>
         <p:nvSpPr>
-          <p:cNvPr id="22" name="TextBox 21">
-            <a:extLst>
-              <a:ext uri="{FF2B5EF4-FFF2-40B4-BE49-F238E27FC236}">
-                <a16:creationId xmlns:a16="http://schemas.microsoft.com/office/drawing/2014/main" id="{2EF9EBA0-7E11-4ED0-B8FB-34068F62391A}"/>
+          <p:cNvPr id="27" name="TextBox 26">
+            <a:extLst>
+              <a:ext uri="{FF2B5EF4-FFF2-40B4-BE49-F238E27FC236}">
+                <a16:creationId xmlns:a16="http://schemas.microsoft.com/office/drawing/2014/main" id="{6A5457D1-6788-4709-A8F9-A08820A85D3A}"/>
               </a:ext>
             </a:extLst>
           </p:cNvPr>
@@ -10470,8 +11678,8 @@
         </p:nvSpPr>
         <p:spPr>
           <a:xfrm>
-            <a:off x="2898597" y="3343255"/>
-            <a:ext cx="1061509" cy="369332"/>
+            <a:off x="5011770" y="329644"/>
+            <a:ext cx="1363771" cy="369332"/>
           </a:xfrm>
           <a:prstGeom prst="rect">
             <a:avLst/>
@@ -10485,6 +11693,41 @@
           <a:lstStyle/>
           <a:p>
             <a:r>
+              <a:rPr lang="en-AU" b="1" dirty="0"/>
+              <a:t>Terminology</a:t>
+            </a:r>
+          </a:p>
+        </p:txBody>
+      </p:sp>
+      <p:sp>
+        <p:nvSpPr>
+          <p:cNvPr id="89" name="TextBox 88">
+            <a:extLst>
+              <a:ext uri="{FF2B5EF4-FFF2-40B4-BE49-F238E27FC236}">
+                <a16:creationId xmlns:a16="http://schemas.microsoft.com/office/drawing/2014/main" id="{FA65CACA-ABE4-49C7-8F90-F7FCF22AB8DE}"/>
+              </a:ext>
+            </a:extLst>
+          </p:cNvPr>
+          <p:cNvSpPr txBox="1"/>
+          <p:nvPr/>
+        </p:nvSpPr>
+        <p:spPr>
+          <a:xfrm>
+            <a:off x="6222822" y="2724130"/>
+            <a:ext cx="1061509" cy="369332"/>
+          </a:xfrm>
+          <a:prstGeom prst="rect">
+            <a:avLst/>
+          </a:prstGeom>
+          <a:noFill/>
+        </p:spPr>
+        <p:txBody>
+          <a:bodyPr wrap="none" rtlCol="0">
+            <a:spAutoFit/>
+          </a:bodyPr>
+          <a:lstStyle/>
+          <a:p>
+            <a:r>
               <a:rPr lang="en-AU" dirty="0"/>
               <a:t>Flush link</a:t>
             </a:r>
@@ -10493,10 +11736,10 @@
       </p:sp>
       <p:sp>
         <p:nvSpPr>
-          <p:cNvPr id="23" name="TextBox 22">
-            <a:extLst>
-              <a:ext uri="{FF2B5EF4-FFF2-40B4-BE49-F238E27FC236}">
-                <a16:creationId xmlns:a16="http://schemas.microsoft.com/office/drawing/2014/main" id="{2143D4C3-F663-4DE7-BFED-CFD869019C0F}"/>
+          <p:cNvPr id="46" name="TextBox 45">
+            <a:extLst>
+              <a:ext uri="{FF2B5EF4-FFF2-40B4-BE49-F238E27FC236}">
+                <a16:creationId xmlns:a16="http://schemas.microsoft.com/office/drawing/2014/main" id="{EAAF136A-7888-4ACB-B9D0-FD32206912CB}"/>
               </a:ext>
             </a:extLst>
           </p:cNvPr>
@@ -10505,7 +11748,7 @@
         </p:nvSpPr>
         <p:spPr>
           <a:xfrm>
-            <a:off x="1515357" y="2916793"/>
+            <a:off x="4839582" y="2297668"/>
             <a:ext cx="1718291" cy="338554"/>
           </a:xfrm>
           <a:prstGeom prst="rect">
@@ -10529,10 +11772,10 @@
       </p:sp>
       <p:sp>
         <p:nvSpPr>
-          <p:cNvPr id="24" name="TextBox 23">
-            <a:extLst>
-              <a:ext uri="{FF2B5EF4-FFF2-40B4-BE49-F238E27FC236}">
-                <a16:creationId xmlns:a16="http://schemas.microsoft.com/office/drawing/2014/main" id="{80EA6F17-A7F8-496A-8E7D-DECD9867878E}"/>
+          <p:cNvPr id="47" name="TextBox 46">
+            <a:extLst>
+              <a:ext uri="{FF2B5EF4-FFF2-40B4-BE49-F238E27FC236}">
+                <a16:creationId xmlns:a16="http://schemas.microsoft.com/office/drawing/2014/main" id="{7ED64DE9-D950-4C83-9518-CD470EE85242}"/>
               </a:ext>
             </a:extLst>
           </p:cNvPr>
@@ -10541,7 +11784,7 @@
         </p:nvSpPr>
         <p:spPr>
           <a:xfrm>
-            <a:off x="954972" y="4751713"/>
+            <a:off x="4279197" y="4132588"/>
             <a:ext cx="1011059" cy="646331"/>
           </a:xfrm>
           <a:prstGeom prst="rect">
@@ -10565,10 +11808,10 @@
       </p:sp>
       <p:cxnSp>
         <p:nvCxnSpPr>
-          <p:cNvPr id="25" name="Straight Arrow Connector 24">
-            <a:extLst>
-              <a:ext uri="{FF2B5EF4-FFF2-40B4-BE49-F238E27FC236}">
-                <a16:creationId xmlns:a16="http://schemas.microsoft.com/office/drawing/2014/main" id="{CB481AEA-9BF2-4055-AF8E-67AFC55A1C50}"/>
+          <p:cNvPr id="3" name="Straight Arrow Connector 2">
+            <a:extLst>
+              <a:ext uri="{FF2B5EF4-FFF2-40B4-BE49-F238E27FC236}">
+                <a16:creationId xmlns:a16="http://schemas.microsoft.com/office/drawing/2014/main" id="{ACB820AF-C879-48E4-9654-56FD37FE7C63}"/>
               </a:ext>
             </a:extLst>
           </p:cNvPr>
@@ -10579,7 +11822,7 @@
         </p:nvCxnSpPr>
         <p:spPr>
           <a:xfrm>
-            <a:off x="1083662" y="5381605"/>
+            <a:off x="4407887" y="4762480"/>
             <a:ext cx="753680" cy="0"/>
           </a:xfrm>
           <a:prstGeom prst="straightConnector1">
@@ -10606,10 +11849,10 @@
       </p:cxnSp>
       <p:sp>
         <p:nvSpPr>
-          <p:cNvPr id="26" name="TextBox 25">
-            <a:extLst>
-              <a:ext uri="{FF2B5EF4-FFF2-40B4-BE49-F238E27FC236}">
-                <a16:creationId xmlns:a16="http://schemas.microsoft.com/office/drawing/2014/main" id="{FC87EAD6-AE6E-4290-B24D-A8A6B360B7B7}"/>
+          <p:cNvPr id="51" name="TextBox 50">
+            <a:extLst>
+              <a:ext uri="{FF2B5EF4-FFF2-40B4-BE49-F238E27FC236}">
+                <a16:creationId xmlns:a16="http://schemas.microsoft.com/office/drawing/2014/main" id="{D92376C1-78D0-4BA3-9B98-79064EC023D4}"/>
               </a:ext>
             </a:extLst>
           </p:cNvPr>
@@ -10618,7 +11861,7 @@
         </p:nvSpPr>
         <p:spPr>
           <a:xfrm>
-            <a:off x="-188929" y="3466805"/>
+            <a:off x="3135296" y="2847680"/>
             <a:ext cx="2062937" cy="338554"/>
           </a:xfrm>
           <a:prstGeom prst="rect">
@@ -10646,10 +11889,10 @@
       </p:sp>
       <p:sp>
         <p:nvSpPr>
-          <p:cNvPr id="27" name="TextBox 26">
-            <a:extLst>
-              <a:ext uri="{FF2B5EF4-FFF2-40B4-BE49-F238E27FC236}">
-                <a16:creationId xmlns:a16="http://schemas.microsoft.com/office/drawing/2014/main" id="{BF0DF55F-6C6F-4B66-8A80-35C811E7001E}"/>
+          <p:cNvPr id="52" name="TextBox 51">
+            <a:extLst>
+              <a:ext uri="{FF2B5EF4-FFF2-40B4-BE49-F238E27FC236}">
+                <a16:creationId xmlns:a16="http://schemas.microsoft.com/office/drawing/2014/main" id="{AD233697-3994-408E-9524-ADE21558412F}"/>
               </a:ext>
             </a:extLst>
           </p:cNvPr>
@@ -10658,7 +11901,7 @@
         </p:nvSpPr>
         <p:spPr>
           <a:xfrm>
-            <a:off x="2912355" y="5181552"/>
+            <a:off x="6236580" y="4562427"/>
             <a:ext cx="2135072" cy="338554"/>
           </a:xfrm>
           <a:prstGeom prst="rect">
@@ -10686,10 +11929,10 @@
       </p:sp>
       <p:cxnSp>
         <p:nvCxnSpPr>
-          <p:cNvPr id="28" name="Straight Arrow Connector 27">
-            <a:extLst>
-              <a:ext uri="{FF2B5EF4-FFF2-40B4-BE49-F238E27FC236}">
-                <a16:creationId xmlns:a16="http://schemas.microsoft.com/office/drawing/2014/main" id="{8820A85B-E783-4AD0-A513-A6C559FB5F4B}"/>
+          <p:cNvPr id="10" name="Straight Arrow Connector 9">
+            <a:extLst>
+              <a:ext uri="{FF2B5EF4-FFF2-40B4-BE49-F238E27FC236}">
+                <a16:creationId xmlns:a16="http://schemas.microsoft.com/office/drawing/2014/main" id="{CEBBB260-23FC-43C0-9C2F-B0AADAF3FAB7}"/>
               </a:ext>
             </a:extLst>
           </p:cNvPr>
@@ -10698,7 +11941,7 @@
         </p:nvCxnSpPr>
         <p:spPr>
           <a:xfrm flipV="1">
-            <a:off x="5276850" y="3636082"/>
+            <a:off x="8601075" y="3016957"/>
             <a:ext cx="0" cy="1822908"/>
           </a:xfrm>
           <a:prstGeom prst="straightConnector1">
@@ -10725,10 +11968,10 @@
       </p:cxnSp>
       <p:sp>
         <p:nvSpPr>
-          <p:cNvPr id="29" name="TextBox 28">
-            <a:extLst>
-              <a:ext uri="{FF2B5EF4-FFF2-40B4-BE49-F238E27FC236}">
-                <a16:creationId xmlns:a16="http://schemas.microsoft.com/office/drawing/2014/main" id="{FCFB2D5A-7654-494C-BDF2-1A9B4AA840C0}"/>
+          <p:cNvPr id="11" name="TextBox 10">
+            <a:extLst>
+              <a:ext uri="{FF2B5EF4-FFF2-40B4-BE49-F238E27FC236}">
+                <a16:creationId xmlns:a16="http://schemas.microsoft.com/office/drawing/2014/main" id="{4651B017-9BAE-40D1-8EF1-5D916C6DC9F3}"/>
               </a:ext>
             </a:extLst>
           </p:cNvPr>
@@ -10737,7 +11980,7 @@
         </p:nvSpPr>
         <p:spPr>
           <a:xfrm>
-            <a:off x="5459338" y="4420461"/>
+            <a:off x="8783563" y="3801336"/>
             <a:ext cx="649537" cy="369332"/>
           </a:xfrm>
           <a:prstGeom prst="rect">
@@ -10761,7 +12004,7 @@
     </p:spTree>
     <p:extLst>
       <p:ext uri="{BB962C8B-B14F-4D97-AF65-F5344CB8AC3E}">
-        <p14:creationId xmlns:p14="http://schemas.microsoft.com/office/powerpoint/2010/main" val="2501629219"/>
+        <p14:creationId xmlns:p14="http://schemas.microsoft.com/office/powerpoint/2010/main" val="3695659164"/>
       </p:ext>
     </p:extLst>
   </p:cSld>
@@ -10790,10 +12033,38 @@
       </p:grpSpPr>
       <p:sp>
         <p:nvSpPr>
-          <p:cNvPr id="4" name="Rectangle 3">
-            <a:extLst>
-              <a:ext uri="{FF2B5EF4-FFF2-40B4-BE49-F238E27FC236}">
-                <a16:creationId xmlns:a16="http://schemas.microsoft.com/office/drawing/2014/main" id="{789D5DF4-E706-4558-90A4-27D3BC4BDE01}"/>
+          <p:cNvPr id="2" name="Title 1">
+            <a:extLst>
+              <a:ext uri="{FF2B5EF4-FFF2-40B4-BE49-F238E27FC236}">
+                <a16:creationId xmlns:a16="http://schemas.microsoft.com/office/drawing/2014/main" id="{8AD1DEB2-F3AF-4DAE-BBC3-2C62D4E2B30E}"/>
+              </a:ext>
+            </a:extLst>
+          </p:cNvPr>
+          <p:cNvSpPr>
+            <a:spLocks noGrp="1"/>
+          </p:cNvSpPr>
+          <p:nvPr>
+            <p:ph type="title"/>
+          </p:nvPr>
+        </p:nvSpPr>
+        <p:spPr/>
+        <p:txBody>
+          <a:bodyPr/>
+          <a:lstStyle/>
+          <a:p>
+            <a:r>
+              <a:rPr lang="en-AU" dirty="0"/>
+              <a:t>Architecture</a:t>
+            </a:r>
+          </a:p>
+        </p:txBody>
+      </p:sp>
+      <p:sp>
+        <p:nvSpPr>
+          <p:cNvPr id="17" name="Rectangle 16">
+            <a:extLst>
+              <a:ext uri="{FF2B5EF4-FFF2-40B4-BE49-F238E27FC236}">
+                <a16:creationId xmlns:a16="http://schemas.microsoft.com/office/drawing/2014/main" id="{7A584D1B-817A-4D9A-95C3-874DDD53364D}"/>
               </a:ext>
             </a:extLst>
           </p:cNvPr>
@@ -10802,8 +12073,8 @@
         </p:nvSpPr>
         <p:spPr>
           <a:xfrm>
-            <a:off x="1218240" y="1320861"/>
-            <a:ext cx="1654682" cy="914400"/>
+            <a:off x="1311195" y="1910709"/>
+            <a:ext cx="2125035" cy="914400"/>
           </a:xfrm>
           <a:prstGeom prst="rect">
             <a:avLst/>
@@ -10845,10 +12116,10 @@
       </p:sp>
       <p:sp>
         <p:nvSpPr>
-          <p:cNvPr id="7" name="Rectangle 6">
-            <a:extLst>
-              <a:ext uri="{FF2B5EF4-FFF2-40B4-BE49-F238E27FC236}">
-                <a16:creationId xmlns:a16="http://schemas.microsoft.com/office/drawing/2014/main" id="{7F24F64C-184F-4385-9715-E7CCDC56D7FD}"/>
+          <p:cNvPr id="18" name="Rectangle 17">
+            <a:extLst>
+              <a:ext uri="{FF2B5EF4-FFF2-40B4-BE49-F238E27FC236}">
+                <a16:creationId xmlns:a16="http://schemas.microsoft.com/office/drawing/2014/main" id="{8AE52136-6514-4F69-BA86-E538C795467D}"/>
               </a:ext>
             </a:extLst>
           </p:cNvPr>
@@ -10857,7 +12128,7 @@
         </p:nvSpPr>
         <p:spPr>
           <a:xfrm>
-            <a:off x="1616956" y="2419330"/>
+            <a:off x="1940806" y="3343255"/>
             <a:ext cx="857250" cy="685800"/>
           </a:xfrm>
           <a:prstGeom prst="rect">
@@ -10899,10 +12170,10 @@
       </p:sp>
       <p:sp>
         <p:nvSpPr>
-          <p:cNvPr id="8" name="Rectangle 7">
-            <a:extLst>
-              <a:ext uri="{FF2B5EF4-FFF2-40B4-BE49-F238E27FC236}">
-                <a16:creationId xmlns:a16="http://schemas.microsoft.com/office/drawing/2014/main" id="{8D678C50-6C7B-4845-A166-AF91A6F59F7A}"/>
+          <p:cNvPr id="19" name="Rectangle 18">
+            <a:extLst>
+              <a:ext uri="{FF2B5EF4-FFF2-40B4-BE49-F238E27FC236}">
+                <a16:creationId xmlns:a16="http://schemas.microsoft.com/office/drawing/2014/main" id="{98916D01-E309-44C5-9B17-F3BB1C59CC43}"/>
               </a:ext>
             </a:extLst>
           </p:cNvPr>
@@ -10911,7 +12182,7 @@
         </p:nvSpPr>
         <p:spPr>
           <a:xfrm>
-            <a:off x="1616956" y="3267055"/>
+            <a:off x="1940806" y="4190980"/>
             <a:ext cx="857250" cy="685800"/>
           </a:xfrm>
           <a:prstGeom prst="rect">
@@ -10953,10 +12224,10 @@
       </p:sp>
       <p:sp>
         <p:nvSpPr>
-          <p:cNvPr id="9" name="Rectangle 8">
-            <a:extLst>
-              <a:ext uri="{FF2B5EF4-FFF2-40B4-BE49-F238E27FC236}">
-                <a16:creationId xmlns:a16="http://schemas.microsoft.com/office/drawing/2014/main" id="{3E606987-4EA7-49D8-8D84-E68EA53CC7E3}"/>
+          <p:cNvPr id="20" name="Rectangle 19">
+            <a:extLst>
+              <a:ext uri="{FF2B5EF4-FFF2-40B4-BE49-F238E27FC236}">
+                <a16:creationId xmlns:a16="http://schemas.microsoft.com/office/drawing/2014/main" id="{5E289209-521A-4CA0-A820-0B14B78C4044}"/>
               </a:ext>
             </a:extLst>
           </p:cNvPr>
@@ -10965,7 +12236,7 @@
         </p:nvSpPr>
         <p:spPr>
           <a:xfrm>
-            <a:off x="1616956" y="4114780"/>
+            <a:off x="1940806" y="5038705"/>
             <a:ext cx="857250" cy="685800"/>
           </a:xfrm>
           <a:prstGeom prst="rect">
@@ -11007,10 +12278,10 @@
       </p:sp>
       <p:cxnSp>
         <p:nvCxnSpPr>
-          <p:cNvPr id="22" name="Straight Arrow Connector 21">
-            <a:extLst>
-              <a:ext uri="{FF2B5EF4-FFF2-40B4-BE49-F238E27FC236}">
-                <a16:creationId xmlns:a16="http://schemas.microsoft.com/office/drawing/2014/main" id="{077D020D-2959-48C8-8C3B-9003ABF26089}"/>
+          <p:cNvPr id="21" name="Straight Arrow Connector 20">
+            <a:extLst>
+              <a:ext uri="{FF2B5EF4-FFF2-40B4-BE49-F238E27FC236}">
+                <a16:creationId xmlns:a16="http://schemas.microsoft.com/office/drawing/2014/main" id="{86170B75-1A1F-412D-B660-1F586E2EE677}"/>
               </a:ext>
             </a:extLst>
           </p:cNvPr>
@@ -11021,7 +12292,7 @@
         </p:nvCxnSpPr>
         <p:spPr>
           <a:xfrm>
-            <a:off x="2517180" y="2619355"/>
+            <a:off x="2912355" y="3676610"/>
             <a:ext cx="1047751" cy="0"/>
           </a:xfrm>
           <a:prstGeom prst="straightConnector1">
@@ -11049,10 +12320,10 @@
       </p:cxnSp>
       <p:sp>
         <p:nvSpPr>
-          <p:cNvPr id="24" name="TextBox 23">
-            <a:extLst>
-              <a:ext uri="{FF2B5EF4-FFF2-40B4-BE49-F238E27FC236}">
-                <a16:creationId xmlns:a16="http://schemas.microsoft.com/office/drawing/2014/main" id="{264F0A5A-3A80-4A65-A321-8DA9ABE1E7BF}"/>
+          <p:cNvPr id="22" name="TextBox 21">
+            <a:extLst>
+              <a:ext uri="{FF2B5EF4-FFF2-40B4-BE49-F238E27FC236}">
+                <a16:creationId xmlns:a16="http://schemas.microsoft.com/office/drawing/2014/main" id="{2EF9EBA0-7E11-4ED0-B8FB-34068F62391A}"/>
               </a:ext>
             </a:extLst>
           </p:cNvPr>
@@ -11061,8 +12332,8 @@
         </p:nvSpPr>
         <p:spPr>
           <a:xfrm>
-            <a:off x="2493545" y="2642812"/>
-            <a:ext cx="611065" cy="406393"/>
+            <a:off x="2898597" y="3343255"/>
+            <a:ext cx="1061509" cy="369332"/>
           </a:xfrm>
           <a:prstGeom prst="rect">
             <a:avLst/>
@@ -11077,7 +12348,79 @@
           <a:p>
             <a:r>
               <a:rPr lang="en-AU" dirty="0"/>
-              <a:t>Link</a:t>
+              <a:t>Flush link</a:t>
+            </a:r>
+          </a:p>
+        </p:txBody>
+      </p:sp>
+      <p:sp>
+        <p:nvSpPr>
+          <p:cNvPr id="23" name="TextBox 22">
+            <a:extLst>
+              <a:ext uri="{FF2B5EF4-FFF2-40B4-BE49-F238E27FC236}">
+                <a16:creationId xmlns:a16="http://schemas.microsoft.com/office/drawing/2014/main" id="{2143D4C3-F663-4DE7-BFED-CFD869019C0F}"/>
+              </a:ext>
+            </a:extLst>
+          </p:cNvPr>
+          <p:cNvSpPr txBox="1"/>
+          <p:nvPr/>
+        </p:nvSpPr>
+        <p:spPr>
+          <a:xfrm>
+            <a:off x="1515357" y="2916793"/>
+            <a:ext cx="1718291" cy="338554"/>
+          </a:xfrm>
+          <a:prstGeom prst="rect">
+            <a:avLst/>
+          </a:prstGeom>
+          <a:noFill/>
+        </p:spPr>
+        <p:txBody>
+          <a:bodyPr wrap="none" rtlCol="0">
+            <a:spAutoFit/>
+          </a:bodyPr>
+          <a:lstStyle/>
+          <a:p>
+            <a:r>
+              <a:rPr lang="en-AU" sz="1600" dirty="0" err="1"/>
+              <a:t>Subcompartments</a:t>
+            </a:r>
+            <a:endParaRPr lang="en-AU" sz="1600" dirty="0"/>
+          </a:p>
+        </p:txBody>
+      </p:sp>
+      <p:sp>
+        <p:nvSpPr>
+          <p:cNvPr id="24" name="TextBox 23">
+            <a:extLst>
+              <a:ext uri="{FF2B5EF4-FFF2-40B4-BE49-F238E27FC236}">
+                <a16:creationId xmlns:a16="http://schemas.microsoft.com/office/drawing/2014/main" id="{80EA6F17-A7F8-496A-8E7D-DECD9867878E}"/>
+              </a:ext>
+            </a:extLst>
+          </p:cNvPr>
+          <p:cNvSpPr txBox="1"/>
+          <p:nvPr/>
+        </p:nvSpPr>
+        <p:spPr>
+          <a:xfrm>
+            <a:off x="954972" y="4751713"/>
+            <a:ext cx="1011059" cy="646331"/>
+          </a:xfrm>
+          <a:prstGeom prst="rect">
+            <a:avLst/>
+          </a:prstGeom>
+          <a:noFill/>
+        </p:spPr>
+        <p:txBody>
+          <a:bodyPr wrap="square" rtlCol="0">
+            <a:spAutoFit/>
+          </a:bodyPr>
+          <a:lstStyle/>
+          <a:p>
+            <a:pPr algn="ctr"/>
+            <a:r>
+              <a:rPr lang="en-AU" dirty="0"/>
+              <a:t>New arrivals</a:t>
             </a:r>
           </a:p>
         </p:txBody>
@@ -11087,7 +12430,7 @@
           <p:cNvPr id="25" name="Straight Arrow Connector 24">
             <a:extLst>
               <a:ext uri="{FF2B5EF4-FFF2-40B4-BE49-F238E27FC236}">
-                <a16:creationId xmlns:a16="http://schemas.microsoft.com/office/drawing/2014/main" id="{AE446986-5E2F-486A-8DE9-9E503D21C566}"/>
+                <a16:creationId xmlns:a16="http://schemas.microsoft.com/office/drawing/2014/main" id="{CB481AEA-9BF2-4055-AF8E-67AFC55A1C50}"/>
               </a:ext>
             </a:extLst>
           </p:cNvPr>
@@ -11097,9 +12440,9 @@
           <p:nvPr/>
         </p:nvCxnSpPr>
         <p:spPr>
-          <a:xfrm flipV="1">
-            <a:off x="2517178" y="2847955"/>
-            <a:ext cx="1017350" cy="127516"/>
+          <a:xfrm>
+            <a:off x="1083662" y="5381605"/>
+            <a:ext cx="753680" cy="0"/>
           </a:xfrm>
           <a:prstGeom prst="straightConnector1">
             <a:avLst/>
@@ -11125,10 +12468,10 @@
       </p:cxnSp>
       <p:sp>
         <p:nvSpPr>
-          <p:cNvPr id="27" name="TextBox 26">
-            <a:extLst>
-              <a:ext uri="{FF2B5EF4-FFF2-40B4-BE49-F238E27FC236}">
-                <a16:creationId xmlns:a16="http://schemas.microsoft.com/office/drawing/2014/main" id="{6A5457D1-6788-4709-A8F9-A08820A85D3A}"/>
+          <p:cNvPr id="26" name="TextBox 25">
+            <a:extLst>
+              <a:ext uri="{FF2B5EF4-FFF2-40B4-BE49-F238E27FC236}">
+                <a16:creationId xmlns:a16="http://schemas.microsoft.com/office/drawing/2014/main" id="{FC87EAD6-AE6E-4290-B24D-A8A6B360B7B7}"/>
               </a:ext>
             </a:extLst>
           </p:cNvPr>
@@ -11137,8 +12480,8 @@
         </p:nvSpPr>
         <p:spPr>
           <a:xfrm>
-            <a:off x="5161567" y="473781"/>
-            <a:ext cx="4693336" cy="406393"/>
+            <a:off x="-188929" y="3466805"/>
+            <a:ext cx="2062937" cy="338554"/>
           </a:xfrm>
           <a:prstGeom prst="rect">
             <a:avLst/>
@@ -11152,357 +12495,73 @@
           <a:lstStyle/>
           <a:p>
             <a:r>
-              <a:rPr lang="en-AU" b="1" dirty="0"/>
-              <a:t>Outflow paths from </a:t>
-            </a:r>
-            <a:r>
-              <a:rPr lang="en-AU" b="1" dirty="0" err="1"/>
-              <a:t>TimedCompartments</a:t>
-            </a:r>
-            <a:endParaRPr lang="en-AU" b="1" dirty="0"/>
-          </a:p>
-        </p:txBody>
-      </p:sp>
-      <p:sp>
-        <p:nvSpPr>
-          <p:cNvPr id="32" name="Rectangle 31">
-            <a:extLst>
-              <a:ext uri="{FF2B5EF4-FFF2-40B4-BE49-F238E27FC236}">
-                <a16:creationId xmlns:a16="http://schemas.microsoft.com/office/drawing/2014/main" id="{BB38F4DE-E9D0-4026-92C9-9B64263DE00F}"/>
-              </a:ext>
-            </a:extLst>
-          </p:cNvPr>
-          <p:cNvSpPr/>
-          <p:nvPr/>
-        </p:nvSpPr>
-        <p:spPr>
-          <a:xfrm>
-            <a:off x="3212224" y="1332708"/>
-            <a:ext cx="1705314" cy="914400"/>
-          </a:xfrm>
-          <a:prstGeom prst="rect">
-            <a:avLst/>
-          </a:prstGeom>
-        </p:spPr>
-        <p:style>
-          <a:lnRef idx="2">
-            <a:schemeClr val="accent1">
-              <a:shade val="50000"/>
-            </a:schemeClr>
-          </a:lnRef>
-          <a:fillRef idx="1">
-            <a:schemeClr val="accent1"/>
-          </a:fillRef>
-          <a:effectRef idx="0">
-            <a:schemeClr val="accent1"/>
-          </a:effectRef>
-          <a:fontRef idx="minor">
-            <a:schemeClr val="lt1"/>
-          </a:fontRef>
-        </p:style>
-        <p:txBody>
-          <a:bodyPr rot="0" spcFirstLastPara="0" vertOverflow="overflow" horzOverflow="overflow" vert="horz" wrap="square" lIns="91440" tIns="45720" rIns="91440" bIns="45720" numCol="1" spcCol="0" rtlCol="0" fromWordArt="0" anchor="ctr" anchorCtr="0" forceAA="0" compatLnSpc="1">
-            <a:prstTxWarp prst="textNoShape">
-              <a:avLst/>
-            </a:prstTxWarp>
-            <a:noAutofit/>
-          </a:bodyPr>
-          <a:lstStyle/>
-          <a:p>
-            <a:pPr algn="ctr"/>
-            <a:r>
-              <a:rPr lang="en-AU" sz="1400" dirty="0"/>
-              <a:t>Compartment</a:t>
-            </a:r>
-          </a:p>
-        </p:txBody>
-      </p:sp>
-      <p:sp>
-        <p:nvSpPr>
-          <p:cNvPr id="35" name="Rectangle 34">
-            <a:extLst>
-              <a:ext uri="{FF2B5EF4-FFF2-40B4-BE49-F238E27FC236}">
-                <a16:creationId xmlns:a16="http://schemas.microsoft.com/office/drawing/2014/main" id="{B9ADE0C2-69AD-492A-821A-52EEFE119901}"/>
-              </a:ext>
-            </a:extLst>
-          </p:cNvPr>
-          <p:cNvSpPr/>
-          <p:nvPr/>
-        </p:nvSpPr>
-        <p:spPr>
-          <a:xfrm>
-            <a:off x="3636256" y="2447905"/>
-            <a:ext cx="857250" cy="685800"/>
-          </a:xfrm>
-          <a:prstGeom prst="rect">
-            <a:avLst/>
-          </a:prstGeom>
-        </p:spPr>
-        <p:style>
-          <a:lnRef idx="2">
-            <a:schemeClr val="accent1">
-              <a:shade val="50000"/>
-            </a:schemeClr>
-          </a:lnRef>
-          <a:fillRef idx="1">
-            <a:schemeClr val="accent1"/>
-          </a:fillRef>
-          <a:effectRef idx="0">
-            <a:schemeClr val="accent1"/>
-          </a:effectRef>
-          <a:fontRef idx="minor">
-            <a:schemeClr val="lt1"/>
-          </a:fontRef>
-        </p:style>
-        <p:txBody>
-          <a:bodyPr rot="0" spcFirstLastPara="0" vertOverflow="overflow" horzOverflow="overflow" vert="horz" wrap="square" lIns="91440" tIns="45720" rIns="91440" bIns="45720" numCol="1" spcCol="0" rtlCol="0" fromWordArt="0" anchor="ctr" anchorCtr="0" forceAA="0" compatLnSpc="1">
-            <a:prstTxWarp prst="textNoShape">
-              <a:avLst/>
-            </a:prstTxWarp>
-            <a:noAutofit/>
-          </a:bodyPr>
-          <a:lstStyle/>
-          <a:p>
-            <a:pPr algn="ctr"/>
-            <a:endParaRPr lang="en-AU" dirty="0"/>
-          </a:p>
-        </p:txBody>
-      </p:sp>
-      <p:sp>
-        <p:nvSpPr>
-          <p:cNvPr id="65" name="Rectangle 64">
-            <a:extLst>
-              <a:ext uri="{FF2B5EF4-FFF2-40B4-BE49-F238E27FC236}">
-                <a16:creationId xmlns:a16="http://schemas.microsoft.com/office/drawing/2014/main" id="{D005D247-DEC4-4EE1-9489-FE8C57963790}"/>
-              </a:ext>
-            </a:extLst>
-          </p:cNvPr>
-          <p:cNvSpPr/>
-          <p:nvPr/>
-        </p:nvSpPr>
-        <p:spPr>
-          <a:xfrm>
-            <a:off x="5442012" y="1350984"/>
-            <a:ext cx="1654682" cy="914400"/>
-          </a:xfrm>
-          <a:prstGeom prst="rect">
-            <a:avLst/>
-          </a:prstGeom>
-        </p:spPr>
-        <p:style>
-          <a:lnRef idx="2">
-            <a:schemeClr val="accent1">
-              <a:shade val="50000"/>
-            </a:schemeClr>
-          </a:lnRef>
-          <a:fillRef idx="1">
-            <a:schemeClr val="accent1"/>
-          </a:fillRef>
-          <a:effectRef idx="0">
-            <a:schemeClr val="accent1"/>
-          </a:effectRef>
-          <a:fontRef idx="minor">
-            <a:schemeClr val="lt1"/>
-          </a:fontRef>
-        </p:style>
-        <p:txBody>
-          <a:bodyPr rot="0" spcFirstLastPara="0" vertOverflow="overflow" horzOverflow="overflow" vert="horz" wrap="square" lIns="91440" tIns="45720" rIns="91440" bIns="45720" numCol="1" spcCol="0" rtlCol="0" fromWordArt="0" anchor="ctr" anchorCtr="0" forceAA="0" compatLnSpc="1">
-            <a:prstTxWarp prst="textNoShape">
-              <a:avLst/>
-            </a:prstTxWarp>
-            <a:noAutofit/>
-          </a:bodyPr>
-          <a:lstStyle/>
-          <a:p>
-            <a:pPr algn="ctr"/>
-            <a:r>
-              <a:rPr lang="en-AU" sz="1400" dirty="0" err="1"/>
-              <a:t>TimedCompartment</a:t>
-            </a:r>
-            <a:endParaRPr lang="en-AU" sz="1400" dirty="0"/>
-          </a:p>
-        </p:txBody>
-      </p:sp>
-      <p:sp>
-        <p:nvSpPr>
-          <p:cNvPr id="66" name="Rectangle 65">
-            <a:extLst>
-              <a:ext uri="{FF2B5EF4-FFF2-40B4-BE49-F238E27FC236}">
-                <a16:creationId xmlns:a16="http://schemas.microsoft.com/office/drawing/2014/main" id="{47B145A6-32E6-4E3E-9B59-83314E8D2DE5}"/>
-              </a:ext>
-            </a:extLst>
-          </p:cNvPr>
-          <p:cNvSpPr/>
-          <p:nvPr/>
-        </p:nvSpPr>
-        <p:spPr>
-          <a:xfrm>
-            <a:off x="5840729" y="2449453"/>
-            <a:ext cx="857250" cy="685800"/>
-          </a:xfrm>
-          <a:prstGeom prst="rect">
-            <a:avLst/>
-          </a:prstGeom>
-        </p:spPr>
-        <p:style>
-          <a:lnRef idx="2">
-            <a:schemeClr val="accent1">
-              <a:shade val="50000"/>
-            </a:schemeClr>
-          </a:lnRef>
-          <a:fillRef idx="1">
-            <a:schemeClr val="accent1"/>
-          </a:fillRef>
-          <a:effectRef idx="0">
-            <a:schemeClr val="accent1"/>
-          </a:effectRef>
-          <a:fontRef idx="minor">
-            <a:schemeClr val="lt1"/>
-          </a:fontRef>
-        </p:style>
-        <p:txBody>
-          <a:bodyPr rot="0" spcFirstLastPara="0" vertOverflow="overflow" horzOverflow="overflow" vert="horz" wrap="square" lIns="91440" tIns="45720" rIns="91440" bIns="45720" numCol="1" spcCol="0" rtlCol="0" fromWordArt="0" anchor="ctr" anchorCtr="0" forceAA="0" compatLnSpc="1">
-            <a:prstTxWarp prst="textNoShape">
-              <a:avLst/>
-            </a:prstTxWarp>
-            <a:noAutofit/>
-          </a:bodyPr>
-          <a:lstStyle/>
-          <a:p>
-            <a:pPr algn="ctr"/>
-            <a:r>
-              <a:rPr lang="en-AU" dirty="0"/>
-              <a:t>A</a:t>
-            </a:r>
-          </a:p>
-        </p:txBody>
-      </p:sp>
-      <p:sp>
-        <p:nvSpPr>
-          <p:cNvPr id="67" name="Rectangle 66">
-            <a:extLst>
-              <a:ext uri="{FF2B5EF4-FFF2-40B4-BE49-F238E27FC236}">
-                <a16:creationId xmlns:a16="http://schemas.microsoft.com/office/drawing/2014/main" id="{10F34F4A-8A68-4A1B-88DA-24503BDE02E2}"/>
-              </a:ext>
-            </a:extLst>
-          </p:cNvPr>
-          <p:cNvSpPr/>
-          <p:nvPr/>
-        </p:nvSpPr>
-        <p:spPr>
-          <a:xfrm>
-            <a:off x="5840729" y="3297178"/>
-            <a:ext cx="857250" cy="685800"/>
-          </a:xfrm>
-          <a:prstGeom prst="rect">
-            <a:avLst/>
-          </a:prstGeom>
-        </p:spPr>
-        <p:style>
-          <a:lnRef idx="2">
-            <a:schemeClr val="accent1">
-              <a:shade val="50000"/>
-            </a:schemeClr>
-          </a:lnRef>
-          <a:fillRef idx="1">
-            <a:schemeClr val="accent1"/>
-          </a:fillRef>
-          <a:effectRef idx="0">
-            <a:schemeClr val="accent1"/>
-          </a:effectRef>
-          <a:fontRef idx="minor">
-            <a:schemeClr val="lt1"/>
-          </a:fontRef>
-        </p:style>
-        <p:txBody>
-          <a:bodyPr rot="0" spcFirstLastPara="0" vertOverflow="overflow" horzOverflow="overflow" vert="horz" wrap="square" lIns="91440" tIns="45720" rIns="91440" bIns="45720" numCol="1" spcCol="0" rtlCol="0" fromWordArt="0" anchor="ctr" anchorCtr="0" forceAA="0" compatLnSpc="1">
-            <a:prstTxWarp prst="textNoShape">
-              <a:avLst/>
-            </a:prstTxWarp>
-            <a:noAutofit/>
-          </a:bodyPr>
-          <a:lstStyle/>
-          <a:p>
-            <a:pPr algn="ctr"/>
-            <a:r>
-              <a:rPr lang="en-AU" dirty="0"/>
-              <a:t>B</a:t>
-            </a:r>
-          </a:p>
-        </p:txBody>
-      </p:sp>
-      <p:sp>
-        <p:nvSpPr>
-          <p:cNvPr id="68" name="Rectangle 67">
-            <a:extLst>
-              <a:ext uri="{FF2B5EF4-FFF2-40B4-BE49-F238E27FC236}">
-                <a16:creationId xmlns:a16="http://schemas.microsoft.com/office/drawing/2014/main" id="{61E8D895-D617-48B7-AD1B-9121ABB8EA05}"/>
-              </a:ext>
-            </a:extLst>
-          </p:cNvPr>
-          <p:cNvSpPr/>
-          <p:nvPr/>
-        </p:nvSpPr>
-        <p:spPr>
-          <a:xfrm>
-            <a:off x="5840729" y="4144903"/>
-            <a:ext cx="857250" cy="685800"/>
-          </a:xfrm>
-          <a:prstGeom prst="rect">
-            <a:avLst/>
-          </a:prstGeom>
-        </p:spPr>
-        <p:style>
-          <a:lnRef idx="2">
-            <a:schemeClr val="accent1">
-              <a:shade val="50000"/>
-            </a:schemeClr>
-          </a:lnRef>
-          <a:fillRef idx="1">
-            <a:schemeClr val="accent1"/>
-          </a:fillRef>
-          <a:effectRef idx="0">
-            <a:schemeClr val="accent1"/>
-          </a:effectRef>
-          <a:fontRef idx="minor">
-            <a:schemeClr val="lt1"/>
-          </a:fontRef>
-        </p:style>
-        <p:txBody>
-          <a:bodyPr rot="0" spcFirstLastPara="0" vertOverflow="overflow" horzOverflow="overflow" vert="horz" wrap="square" lIns="91440" tIns="45720" rIns="91440" bIns="45720" numCol="1" spcCol="0" rtlCol="0" fromWordArt="0" anchor="ctr" anchorCtr="0" forceAA="0" compatLnSpc="1">
-            <a:prstTxWarp prst="textNoShape">
-              <a:avLst/>
-            </a:prstTxWarp>
-            <a:noAutofit/>
-          </a:bodyPr>
-          <a:lstStyle/>
-          <a:p>
-            <a:pPr algn="ctr"/>
-            <a:r>
-              <a:rPr lang="en-AU" dirty="0"/>
-              <a:t>C</a:t>
-            </a:r>
+              <a:rPr lang="en-AU" sz="1600" i="1" dirty="0"/>
+              <a:t>Final </a:t>
+            </a:r>
+            <a:r>
+              <a:rPr lang="en-AU" sz="1600" i="1" dirty="0" err="1"/>
+              <a:t>subcompartment</a:t>
+            </a:r>
+            <a:endParaRPr lang="en-AU" sz="1600" i="1" dirty="0"/>
+          </a:p>
+        </p:txBody>
+      </p:sp>
+      <p:sp>
+        <p:nvSpPr>
+          <p:cNvPr id="27" name="TextBox 26">
+            <a:extLst>
+              <a:ext uri="{FF2B5EF4-FFF2-40B4-BE49-F238E27FC236}">
+                <a16:creationId xmlns:a16="http://schemas.microsoft.com/office/drawing/2014/main" id="{BF0DF55F-6C6F-4B66-8A80-35C811E7001E}"/>
+              </a:ext>
+            </a:extLst>
+          </p:cNvPr>
+          <p:cNvSpPr txBox="1"/>
+          <p:nvPr/>
+        </p:nvSpPr>
+        <p:spPr>
+          <a:xfrm>
+            <a:off x="2912355" y="5181552"/>
+            <a:ext cx="2135072" cy="338554"/>
+          </a:xfrm>
+          <a:prstGeom prst="rect">
+            <a:avLst/>
+          </a:prstGeom>
+          <a:noFill/>
+        </p:spPr>
+        <p:txBody>
+          <a:bodyPr wrap="none" rtlCol="0">
+            <a:spAutoFit/>
+          </a:bodyPr>
+          <a:lstStyle/>
+          <a:p>
+            <a:r>
+              <a:rPr lang="en-AU" sz="1600" i="1" dirty="0"/>
+              <a:t>Initial </a:t>
+            </a:r>
+            <a:r>
+              <a:rPr lang="en-AU" sz="1600" i="1" dirty="0" err="1"/>
+              <a:t>subcompartment</a:t>
+            </a:r>
+            <a:endParaRPr lang="en-AU" sz="1600" i="1" dirty="0"/>
           </a:p>
         </p:txBody>
       </p:sp>
       <p:cxnSp>
         <p:nvCxnSpPr>
-          <p:cNvPr id="69" name="Straight Arrow Connector 68">
-            <a:extLst>
-              <a:ext uri="{FF2B5EF4-FFF2-40B4-BE49-F238E27FC236}">
-                <a16:creationId xmlns:a16="http://schemas.microsoft.com/office/drawing/2014/main" id="{40869402-D0DD-47FF-973A-67EBE8C25B6A}"/>
-              </a:ext>
-            </a:extLst>
-          </p:cNvPr>
-          <p:cNvCxnSpPr>
-            <a:cxnSpLocks/>
-          </p:cNvCxnSpPr>
+          <p:cNvPr id="28" name="Straight Arrow Connector 27">
+            <a:extLst>
+              <a:ext uri="{FF2B5EF4-FFF2-40B4-BE49-F238E27FC236}">
+                <a16:creationId xmlns:a16="http://schemas.microsoft.com/office/drawing/2014/main" id="{8820A85B-E783-4AD0-A513-A6C559FB5F4B}"/>
+              </a:ext>
+            </a:extLst>
+          </p:cNvPr>
+          <p:cNvCxnSpPr/>
           <p:nvPr/>
         </p:nvCxnSpPr>
         <p:spPr>
-          <a:xfrm>
-            <a:off x="6783703" y="3640078"/>
-            <a:ext cx="1047751" cy="0"/>
+          <a:xfrm flipV="1">
+            <a:off x="5276850" y="3636082"/>
+            <a:ext cx="0" cy="1822908"/>
           </a:xfrm>
           <a:prstGeom prst="straightConnector1">
             <a:avLst/>
@@ -11528,10 +12587,10 @@
       </p:cxnSp>
       <p:sp>
         <p:nvSpPr>
-          <p:cNvPr id="70" name="TextBox 69">
-            <a:extLst>
-              <a:ext uri="{FF2B5EF4-FFF2-40B4-BE49-F238E27FC236}">
-                <a16:creationId xmlns:a16="http://schemas.microsoft.com/office/drawing/2014/main" id="{A8DD9F13-A5B9-4714-A168-359069AF736C}"/>
+          <p:cNvPr id="29" name="TextBox 28">
+            <a:extLst>
+              <a:ext uri="{FF2B5EF4-FFF2-40B4-BE49-F238E27FC236}">
+                <a16:creationId xmlns:a16="http://schemas.microsoft.com/office/drawing/2014/main" id="{FCFB2D5A-7654-494C-BDF2-1A9B4AA840C0}"/>
               </a:ext>
             </a:extLst>
           </p:cNvPr>
@@ -11540,8 +12599,8 @@
         </p:nvSpPr>
         <p:spPr>
           <a:xfrm>
-            <a:off x="6740952" y="4114781"/>
-            <a:ext cx="1148071" cy="369332"/>
+            <a:off x="5459338" y="4420461"/>
+            <a:ext cx="649537" cy="369332"/>
           </a:xfrm>
           <a:prstGeom prst="rect">
             <a:avLst/>
@@ -11555,1285 +12614,8 @@
           <a:lstStyle/>
           <a:p>
             <a:r>
-              <a:rPr lang="en-AU" dirty="0" err="1"/>
-              <a:t>TimedLink</a:t>
-            </a:r>
-            <a:endParaRPr lang="en-AU" dirty="0"/>
-          </a:p>
-        </p:txBody>
-      </p:sp>
-      <p:cxnSp>
-        <p:nvCxnSpPr>
-          <p:cNvPr id="71" name="Straight Arrow Connector 70">
-            <a:extLst>
-              <a:ext uri="{FF2B5EF4-FFF2-40B4-BE49-F238E27FC236}">
-                <a16:creationId xmlns:a16="http://schemas.microsoft.com/office/drawing/2014/main" id="{A28718F8-399B-44D4-909A-C5469FB733A5}"/>
-              </a:ext>
-            </a:extLst>
-          </p:cNvPr>
-          <p:cNvCxnSpPr>
-            <a:cxnSpLocks/>
-          </p:cNvCxnSpPr>
-          <p:nvPr/>
-        </p:nvCxnSpPr>
-        <p:spPr>
-          <a:xfrm>
-            <a:off x="6783703" y="4487803"/>
-            <a:ext cx="1047751" cy="0"/>
-          </a:xfrm>
-          <a:prstGeom prst="straightConnector1">
-            <a:avLst/>
-          </a:prstGeom>
-          <a:ln>
-            <a:tailEnd type="triangle"/>
-          </a:ln>
-        </p:spPr>
-        <p:style>
-          <a:lnRef idx="1">
-            <a:schemeClr val="accent1"/>
-          </a:lnRef>
-          <a:fillRef idx="0">
-            <a:schemeClr val="accent1"/>
-          </a:fillRef>
-          <a:effectRef idx="0">
-            <a:schemeClr val="accent1"/>
-          </a:effectRef>
-          <a:fontRef idx="minor">
-            <a:schemeClr val="tx1"/>
-          </a:fontRef>
-        </p:style>
-      </p:cxnSp>
-      <p:sp>
-        <p:nvSpPr>
-          <p:cNvPr id="72" name="TextBox 71">
-            <a:extLst>
-              <a:ext uri="{FF2B5EF4-FFF2-40B4-BE49-F238E27FC236}">
-                <a16:creationId xmlns:a16="http://schemas.microsoft.com/office/drawing/2014/main" id="{64E44964-111E-4515-BA42-356C9A5D849A}"/>
-              </a:ext>
-            </a:extLst>
-          </p:cNvPr>
-          <p:cNvSpPr txBox="1"/>
-          <p:nvPr/>
-        </p:nvSpPr>
-        <p:spPr>
-          <a:xfrm>
-            <a:off x="6751698" y="3286789"/>
-            <a:ext cx="1148071" cy="369332"/>
-          </a:xfrm>
-          <a:prstGeom prst="rect">
-            <a:avLst/>
-          </a:prstGeom>
-          <a:noFill/>
-        </p:spPr>
-        <p:txBody>
-          <a:bodyPr wrap="none" rtlCol="0">
-            <a:spAutoFit/>
-          </a:bodyPr>
-          <a:lstStyle/>
-          <a:p>
-            <a:r>
-              <a:rPr lang="en-AU" dirty="0" err="1"/>
-              <a:t>TimedLink</a:t>
-            </a:r>
-            <a:endParaRPr lang="en-AU" dirty="0"/>
-          </a:p>
-        </p:txBody>
-      </p:sp>
-      <p:sp>
-        <p:nvSpPr>
-          <p:cNvPr id="73" name="Rectangle 72">
-            <a:extLst>
-              <a:ext uri="{FF2B5EF4-FFF2-40B4-BE49-F238E27FC236}">
-                <a16:creationId xmlns:a16="http://schemas.microsoft.com/office/drawing/2014/main" id="{8FFCFEC8-0663-49A0-A591-F055DC63E646}"/>
-              </a:ext>
-            </a:extLst>
-          </p:cNvPr>
-          <p:cNvSpPr/>
-          <p:nvPr/>
-        </p:nvSpPr>
-        <p:spPr>
-          <a:xfrm>
-            <a:off x="7435996" y="1362831"/>
-            <a:ext cx="1705314" cy="914400"/>
-          </a:xfrm>
-          <a:prstGeom prst="rect">
-            <a:avLst/>
-          </a:prstGeom>
-        </p:spPr>
-        <p:style>
-          <a:lnRef idx="2">
-            <a:schemeClr val="accent1">
-              <a:shade val="50000"/>
-            </a:schemeClr>
-          </a:lnRef>
-          <a:fillRef idx="1">
-            <a:schemeClr val="accent1"/>
-          </a:fillRef>
-          <a:effectRef idx="0">
-            <a:schemeClr val="accent1"/>
-          </a:effectRef>
-          <a:fontRef idx="minor">
-            <a:schemeClr val="lt1"/>
-          </a:fontRef>
-        </p:style>
-        <p:txBody>
-          <a:bodyPr rot="0" spcFirstLastPara="0" vertOverflow="overflow" horzOverflow="overflow" vert="horz" wrap="square" lIns="91440" tIns="45720" rIns="91440" bIns="45720" numCol="1" spcCol="0" rtlCol="0" fromWordArt="0" anchor="ctr" anchorCtr="0" forceAA="0" compatLnSpc="1">
-            <a:prstTxWarp prst="textNoShape">
-              <a:avLst/>
-            </a:prstTxWarp>
-            <a:noAutofit/>
-          </a:bodyPr>
-          <a:lstStyle/>
-          <a:p>
-            <a:pPr algn="ctr"/>
-            <a:r>
-              <a:rPr lang="en-AU" sz="1400" dirty="0" err="1"/>
-              <a:t>TimedCompartment</a:t>
-            </a:r>
-            <a:endParaRPr lang="en-AU" sz="1400" dirty="0"/>
-          </a:p>
-        </p:txBody>
-      </p:sp>
-      <p:sp>
-        <p:nvSpPr>
-          <p:cNvPr id="74" name="Rectangle 73">
-            <a:extLst>
-              <a:ext uri="{FF2B5EF4-FFF2-40B4-BE49-F238E27FC236}">
-                <a16:creationId xmlns:a16="http://schemas.microsoft.com/office/drawing/2014/main" id="{B861F75E-B4D9-4CBB-A187-8FB5E9B09E92}"/>
-              </a:ext>
-            </a:extLst>
-          </p:cNvPr>
-          <p:cNvSpPr/>
-          <p:nvPr/>
-        </p:nvSpPr>
-        <p:spPr>
-          <a:xfrm>
-            <a:off x="7860029" y="2478028"/>
-            <a:ext cx="857250" cy="685800"/>
-          </a:xfrm>
-          <a:prstGeom prst="rect">
-            <a:avLst/>
-          </a:prstGeom>
-        </p:spPr>
-        <p:style>
-          <a:lnRef idx="2">
-            <a:schemeClr val="accent1">
-              <a:shade val="50000"/>
-            </a:schemeClr>
-          </a:lnRef>
-          <a:fillRef idx="1">
-            <a:schemeClr val="accent1"/>
-          </a:fillRef>
-          <a:effectRef idx="0">
-            <a:schemeClr val="accent1"/>
-          </a:effectRef>
-          <a:fontRef idx="minor">
-            <a:schemeClr val="lt1"/>
-          </a:fontRef>
-        </p:style>
-        <p:txBody>
-          <a:bodyPr rot="0" spcFirstLastPara="0" vertOverflow="overflow" horzOverflow="overflow" vert="horz" wrap="square" lIns="91440" tIns="45720" rIns="91440" bIns="45720" numCol="1" spcCol="0" rtlCol="0" fromWordArt="0" anchor="ctr" anchorCtr="0" forceAA="0" compatLnSpc="1">
-            <a:prstTxWarp prst="textNoShape">
-              <a:avLst/>
-            </a:prstTxWarp>
-            <a:noAutofit/>
-          </a:bodyPr>
-          <a:lstStyle/>
-          <a:p>
-            <a:pPr algn="ctr"/>
-            <a:r>
               <a:rPr lang="en-AU" dirty="0"/>
-              <a:t>A</a:t>
-            </a:r>
-          </a:p>
-        </p:txBody>
-      </p:sp>
-      <p:sp>
-        <p:nvSpPr>
-          <p:cNvPr id="75" name="Rectangle 74">
-            <a:extLst>
-              <a:ext uri="{FF2B5EF4-FFF2-40B4-BE49-F238E27FC236}">
-                <a16:creationId xmlns:a16="http://schemas.microsoft.com/office/drawing/2014/main" id="{21064A8C-2C39-41CC-A687-064AD51260DC}"/>
-              </a:ext>
-            </a:extLst>
-          </p:cNvPr>
-          <p:cNvSpPr/>
-          <p:nvPr/>
-        </p:nvSpPr>
-        <p:spPr>
-          <a:xfrm>
-            <a:off x="7860029" y="3268603"/>
-            <a:ext cx="857250" cy="685800"/>
-          </a:xfrm>
-          <a:prstGeom prst="rect">
-            <a:avLst/>
-          </a:prstGeom>
-        </p:spPr>
-        <p:style>
-          <a:lnRef idx="2">
-            <a:schemeClr val="accent1">
-              <a:shade val="50000"/>
-            </a:schemeClr>
-          </a:lnRef>
-          <a:fillRef idx="1">
-            <a:schemeClr val="accent1"/>
-          </a:fillRef>
-          <a:effectRef idx="0">
-            <a:schemeClr val="accent1"/>
-          </a:effectRef>
-          <a:fontRef idx="minor">
-            <a:schemeClr val="lt1"/>
-          </a:fontRef>
-        </p:style>
-        <p:txBody>
-          <a:bodyPr rot="0" spcFirstLastPara="0" vertOverflow="overflow" horzOverflow="overflow" vert="horz" wrap="square" lIns="91440" tIns="45720" rIns="91440" bIns="45720" numCol="1" spcCol="0" rtlCol="0" fromWordArt="0" anchor="ctr" anchorCtr="0" forceAA="0" compatLnSpc="1">
-            <a:prstTxWarp prst="textNoShape">
-              <a:avLst/>
-            </a:prstTxWarp>
-            <a:noAutofit/>
-          </a:bodyPr>
-          <a:lstStyle/>
-          <a:p>
-            <a:pPr algn="ctr"/>
-            <a:r>
-              <a:rPr lang="en-AU" dirty="0"/>
-              <a:t>B</a:t>
-            </a:r>
-          </a:p>
-        </p:txBody>
-      </p:sp>
-      <p:sp>
-        <p:nvSpPr>
-          <p:cNvPr id="76" name="Rectangle 75">
-            <a:extLst>
-              <a:ext uri="{FF2B5EF4-FFF2-40B4-BE49-F238E27FC236}">
-                <a16:creationId xmlns:a16="http://schemas.microsoft.com/office/drawing/2014/main" id="{DDAF7E38-BB43-43DA-81EF-5E371E7C5E12}"/>
-              </a:ext>
-            </a:extLst>
-          </p:cNvPr>
-          <p:cNvSpPr/>
-          <p:nvPr/>
-        </p:nvSpPr>
-        <p:spPr>
-          <a:xfrm>
-            <a:off x="7860029" y="4114780"/>
-            <a:ext cx="857250" cy="685800"/>
-          </a:xfrm>
-          <a:prstGeom prst="rect">
-            <a:avLst/>
-          </a:prstGeom>
-        </p:spPr>
-        <p:style>
-          <a:lnRef idx="2">
-            <a:schemeClr val="accent1">
-              <a:shade val="50000"/>
-            </a:schemeClr>
-          </a:lnRef>
-          <a:fillRef idx="1">
-            <a:schemeClr val="accent1"/>
-          </a:fillRef>
-          <a:effectRef idx="0">
-            <a:schemeClr val="accent1"/>
-          </a:effectRef>
-          <a:fontRef idx="minor">
-            <a:schemeClr val="lt1"/>
-          </a:fontRef>
-        </p:style>
-        <p:txBody>
-          <a:bodyPr rot="0" spcFirstLastPara="0" vertOverflow="overflow" horzOverflow="overflow" vert="horz" wrap="square" lIns="91440" tIns="45720" rIns="91440" bIns="45720" numCol="1" spcCol="0" rtlCol="0" fromWordArt="0" anchor="ctr" anchorCtr="0" forceAA="0" compatLnSpc="1">
-            <a:prstTxWarp prst="textNoShape">
-              <a:avLst/>
-            </a:prstTxWarp>
-            <a:noAutofit/>
-          </a:bodyPr>
-          <a:lstStyle/>
-          <a:p>
-            <a:pPr algn="ctr"/>
-            <a:r>
-              <a:rPr lang="en-AU" dirty="0"/>
-              <a:t>C</a:t>
-            </a:r>
-          </a:p>
-        </p:txBody>
-      </p:sp>
-      <p:sp>
-        <p:nvSpPr>
-          <p:cNvPr id="77" name="Rectangle 76">
-            <a:extLst>
-              <a:ext uri="{FF2B5EF4-FFF2-40B4-BE49-F238E27FC236}">
-                <a16:creationId xmlns:a16="http://schemas.microsoft.com/office/drawing/2014/main" id="{915F6B67-18C5-46D8-9BBC-3E3240DEE22D}"/>
-              </a:ext>
-            </a:extLst>
-          </p:cNvPr>
-          <p:cNvSpPr/>
-          <p:nvPr/>
-        </p:nvSpPr>
-        <p:spPr>
-          <a:xfrm>
-            <a:off x="9558251" y="1350984"/>
-            <a:ext cx="1654682" cy="914400"/>
-          </a:xfrm>
-          <a:prstGeom prst="rect">
-            <a:avLst/>
-          </a:prstGeom>
-        </p:spPr>
-        <p:style>
-          <a:lnRef idx="2">
-            <a:schemeClr val="accent1">
-              <a:shade val="50000"/>
-            </a:schemeClr>
-          </a:lnRef>
-          <a:fillRef idx="1">
-            <a:schemeClr val="accent1"/>
-          </a:fillRef>
-          <a:effectRef idx="0">
-            <a:schemeClr val="accent1"/>
-          </a:effectRef>
-          <a:fontRef idx="minor">
-            <a:schemeClr val="lt1"/>
-          </a:fontRef>
-        </p:style>
-        <p:txBody>
-          <a:bodyPr rot="0" spcFirstLastPara="0" vertOverflow="overflow" horzOverflow="overflow" vert="horz" wrap="square" lIns="91440" tIns="45720" rIns="91440" bIns="45720" numCol="1" spcCol="0" rtlCol="0" fromWordArt="0" anchor="ctr" anchorCtr="0" forceAA="0" compatLnSpc="1">
-            <a:prstTxWarp prst="textNoShape">
-              <a:avLst/>
-            </a:prstTxWarp>
-            <a:noAutofit/>
-          </a:bodyPr>
-          <a:lstStyle/>
-          <a:p>
-            <a:pPr algn="ctr"/>
-            <a:r>
-              <a:rPr lang="en-AU" sz="1400" dirty="0" err="1"/>
-              <a:t>TimedCompartment</a:t>
-            </a:r>
-            <a:endParaRPr lang="en-AU" sz="1400" dirty="0"/>
-          </a:p>
-        </p:txBody>
-      </p:sp>
-      <p:sp>
-        <p:nvSpPr>
-          <p:cNvPr id="78" name="Rectangle 77">
-            <a:extLst>
-              <a:ext uri="{FF2B5EF4-FFF2-40B4-BE49-F238E27FC236}">
-                <a16:creationId xmlns:a16="http://schemas.microsoft.com/office/drawing/2014/main" id="{0565B096-6E2E-4855-947F-2CCBA45A707A}"/>
-              </a:ext>
-            </a:extLst>
-          </p:cNvPr>
-          <p:cNvSpPr/>
-          <p:nvPr/>
-        </p:nvSpPr>
-        <p:spPr>
-          <a:xfrm>
-            <a:off x="9956967" y="2449453"/>
-            <a:ext cx="857250" cy="685800"/>
-          </a:xfrm>
-          <a:prstGeom prst="rect">
-            <a:avLst/>
-          </a:prstGeom>
-        </p:spPr>
-        <p:style>
-          <a:lnRef idx="2">
-            <a:schemeClr val="accent1">
-              <a:shade val="50000"/>
-            </a:schemeClr>
-          </a:lnRef>
-          <a:fillRef idx="1">
-            <a:schemeClr val="accent1"/>
-          </a:fillRef>
-          <a:effectRef idx="0">
-            <a:schemeClr val="accent1"/>
-          </a:effectRef>
-          <a:fontRef idx="minor">
-            <a:schemeClr val="lt1"/>
-          </a:fontRef>
-        </p:style>
-        <p:txBody>
-          <a:bodyPr rot="0" spcFirstLastPara="0" vertOverflow="overflow" horzOverflow="overflow" vert="horz" wrap="square" lIns="91440" tIns="45720" rIns="91440" bIns="45720" numCol="1" spcCol="0" rtlCol="0" fromWordArt="0" anchor="ctr" anchorCtr="0" forceAA="0" compatLnSpc="1">
-            <a:prstTxWarp prst="textNoShape">
-              <a:avLst/>
-            </a:prstTxWarp>
-            <a:noAutofit/>
-          </a:bodyPr>
-          <a:lstStyle/>
-          <a:p>
-            <a:pPr algn="ctr"/>
-            <a:r>
-              <a:rPr lang="en-AU" dirty="0"/>
-              <a:t>A</a:t>
-            </a:r>
-          </a:p>
-        </p:txBody>
-      </p:sp>
-      <p:sp>
-        <p:nvSpPr>
-          <p:cNvPr id="79" name="Rectangle 78">
-            <a:extLst>
-              <a:ext uri="{FF2B5EF4-FFF2-40B4-BE49-F238E27FC236}">
-                <a16:creationId xmlns:a16="http://schemas.microsoft.com/office/drawing/2014/main" id="{860D2C3D-170C-4372-93C9-671B05A82477}"/>
-              </a:ext>
-            </a:extLst>
-          </p:cNvPr>
-          <p:cNvSpPr/>
-          <p:nvPr/>
-        </p:nvSpPr>
-        <p:spPr>
-          <a:xfrm>
-            <a:off x="9956967" y="3297178"/>
-            <a:ext cx="857250" cy="685800"/>
-          </a:xfrm>
-          <a:prstGeom prst="rect">
-            <a:avLst/>
-          </a:prstGeom>
-        </p:spPr>
-        <p:style>
-          <a:lnRef idx="2">
-            <a:schemeClr val="accent1">
-              <a:shade val="50000"/>
-            </a:schemeClr>
-          </a:lnRef>
-          <a:fillRef idx="1">
-            <a:schemeClr val="accent1"/>
-          </a:fillRef>
-          <a:effectRef idx="0">
-            <a:schemeClr val="accent1"/>
-          </a:effectRef>
-          <a:fontRef idx="minor">
-            <a:schemeClr val="lt1"/>
-          </a:fontRef>
-        </p:style>
-        <p:txBody>
-          <a:bodyPr rot="0" spcFirstLastPara="0" vertOverflow="overflow" horzOverflow="overflow" vert="horz" wrap="square" lIns="91440" tIns="45720" rIns="91440" bIns="45720" numCol="1" spcCol="0" rtlCol="0" fromWordArt="0" anchor="ctr" anchorCtr="0" forceAA="0" compatLnSpc="1">
-            <a:prstTxWarp prst="textNoShape">
-              <a:avLst/>
-            </a:prstTxWarp>
-            <a:noAutofit/>
-          </a:bodyPr>
-          <a:lstStyle/>
-          <a:p>
-            <a:pPr algn="ctr"/>
-            <a:r>
-              <a:rPr lang="en-AU" dirty="0"/>
-              <a:t>B</a:t>
-            </a:r>
-          </a:p>
-        </p:txBody>
-      </p:sp>
-      <p:sp>
-        <p:nvSpPr>
-          <p:cNvPr id="80" name="Rectangle 79">
-            <a:extLst>
-              <a:ext uri="{FF2B5EF4-FFF2-40B4-BE49-F238E27FC236}">
-                <a16:creationId xmlns:a16="http://schemas.microsoft.com/office/drawing/2014/main" id="{076F37A5-549C-4229-BD16-268EFDB06E1A}"/>
-              </a:ext>
-            </a:extLst>
-          </p:cNvPr>
-          <p:cNvSpPr/>
-          <p:nvPr/>
-        </p:nvSpPr>
-        <p:spPr>
-          <a:xfrm>
-            <a:off x="9956967" y="4144903"/>
-            <a:ext cx="857250" cy="685800"/>
-          </a:xfrm>
-          <a:prstGeom prst="rect">
-            <a:avLst/>
-          </a:prstGeom>
-        </p:spPr>
-        <p:style>
-          <a:lnRef idx="2">
-            <a:schemeClr val="accent1">
-              <a:shade val="50000"/>
-            </a:schemeClr>
-          </a:lnRef>
-          <a:fillRef idx="1">
-            <a:schemeClr val="accent1"/>
-          </a:fillRef>
-          <a:effectRef idx="0">
-            <a:schemeClr val="accent1"/>
-          </a:effectRef>
-          <a:fontRef idx="minor">
-            <a:schemeClr val="lt1"/>
-          </a:fontRef>
-        </p:style>
-        <p:txBody>
-          <a:bodyPr rot="0" spcFirstLastPara="0" vertOverflow="overflow" horzOverflow="overflow" vert="horz" wrap="square" lIns="91440" tIns="45720" rIns="91440" bIns="45720" numCol="1" spcCol="0" rtlCol="0" fromWordArt="0" anchor="ctr" anchorCtr="0" forceAA="0" compatLnSpc="1">
-            <a:prstTxWarp prst="textNoShape">
-              <a:avLst/>
-            </a:prstTxWarp>
-            <a:noAutofit/>
-          </a:bodyPr>
-          <a:lstStyle/>
-          <a:p>
-            <a:pPr algn="ctr"/>
-            <a:r>
-              <a:rPr lang="en-AU" dirty="0"/>
-              <a:t>C</a:t>
-            </a:r>
-          </a:p>
-        </p:txBody>
-      </p:sp>
-      <p:sp>
-        <p:nvSpPr>
-          <p:cNvPr id="85" name="Rectangle 84">
-            <a:extLst>
-              <a:ext uri="{FF2B5EF4-FFF2-40B4-BE49-F238E27FC236}">
-                <a16:creationId xmlns:a16="http://schemas.microsoft.com/office/drawing/2014/main" id="{3286A435-4B7A-494C-9E31-ED8CD60D4042}"/>
-              </a:ext>
-            </a:extLst>
-          </p:cNvPr>
-          <p:cNvSpPr/>
-          <p:nvPr/>
-        </p:nvSpPr>
-        <p:spPr>
-          <a:xfrm>
-            <a:off x="11552235" y="1362831"/>
-            <a:ext cx="1705314" cy="914400"/>
-          </a:xfrm>
-          <a:prstGeom prst="rect">
-            <a:avLst/>
-          </a:prstGeom>
-          <a:solidFill>
-            <a:srgbClr val="C00000"/>
-          </a:solidFill>
-        </p:spPr>
-        <p:style>
-          <a:lnRef idx="2">
-            <a:schemeClr val="accent1">
-              <a:shade val="50000"/>
-            </a:schemeClr>
-          </a:lnRef>
-          <a:fillRef idx="1">
-            <a:schemeClr val="accent1"/>
-          </a:fillRef>
-          <a:effectRef idx="0">
-            <a:schemeClr val="accent1"/>
-          </a:effectRef>
-          <a:fontRef idx="minor">
-            <a:schemeClr val="lt1"/>
-          </a:fontRef>
-        </p:style>
-        <p:txBody>
-          <a:bodyPr rot="0" spcFirstLastPara="0" vertOverflow="overflow" horzOverflow="overflow" vert="horz" wrap="square" lIns="91440" tIns="45720" rIns="91440" bIns="45720" numCol="1" spcCol="0" rtlCol="0" fromWordArt="0" anchor="ctr" anchorCtr="0" forceAA="0" compatLnSpc="1">
-            <a:prstTxWarp prst="textNoShape">
-              <a:avLst/>
-            </a:prstTxWarp>
-            <a:noAutofit/>
-          </a:bodyPr>
-          <a:lstStyle/>
-          <a:p>
-            <a:pPr algn="ctr"/>
-            <a:r>
-              <a:rPr lang="en-AU" sz="1400" dirty="0" err="1"/>
-              <a:t>TimedCompartment</a:t>
-            </a:r>
-            <a:endParaRPr lang="en-AU" sz="1400" dirty="0"/>
-          </a:p>
-        </p:txBody>
-      </p:sp>
-      <p:sp>
-        <p:nvSpPr>
-          <p:cNvPr id="86" name="Rectangle 85">
-            <a:extLst>
-              <a:ext uri="{FF2B5EF4-FFF2-40B4-BE49-F238E27FC236}">
-                <a16:creationId xmlns:a16="http://schemas.microsoft.com/office/drawing/2014/main" id="{41989F73-F1EC-4762-A6E2-43CE0956A30C}"/>
-              </a:ext>
-            </a:extLst>
-          </p:cNvPr>
-          <p:cNvSpPr/>
-          <p:nvPr/>
-        </p:nvSpPr>
-        <p:spPr>
-          <a:xfrm>
-            <a:off x="11976267" y="2478028"/>
-            <a:ext cx="857250" cy="685800"/>
-          </a:xfrm>
-          <a:prstGeom prst="rect">
-            <a:avLst/>
-          </a:prstGeom>
-          <a:solidFill>
-            <a:srgbClr val="C00000"/>
-          </a:solidFill>
-        </p:spPr>
-        <p:style>
-          <a:lnRef idx="2">
-            <a:schemeClr val="accent1">
-              <a:shade val="50000"/>
-            </a:schemeClr>
-          </a:lnRef>
-          <a:fillRef idx="1">
-            <a:schemeClr val="accent1"/>
-          </a:fillRef>
-          <a:effectRef idx="0">
-            <a:schemeClr val="accent1"/>
-          </a:effectRef>
-          <a:fontRef idx="minor">
-            <a:schemeClr val="lt1"/>
-          </a:fontRef>
-        </p:style>
-        <p:txBody>
-          <a:bodyPr rot="0" spcFirstLastPara="0" vertOverflow="overflow" horzOverflow="overflow" vert="horz" wrap="square" lIns="91440" tIns="45720" rIns="91440" bIns="45720" numCol="1" spcCol="0" rtlCol="0" fromWordArt="0" anchor="ctr" anchorCtr="0" forceAA="0" compatLnSpc="1">
-            <a:prstTxWarp prst="textNoShape">
-              <a:avLst/>
-            </a:prstTxWarp>
-            <a:noAutofit/>
-          </a:bodyPr>
-          <a:lstStyle/>
-          <a:p>
-            <a:pPr algn="ctr"/>
-            <a:r>
-              <a:rPr lang="en-AU" dirty="0"/>
-              <a:t>A</a:t>
-            </a:r>
-          </a:p>
-        </p:txBody>
-      </p:sp>
-      <p:sp>
-        <p:nvSpPr>
-          <p:cNvPr id="87" name="Rectangle 86">
-            <a:extLst>
-              <a:ext uri="{FF2B5EF4-FFF2-40B4-BE49-F238E27FC236}">
-                <a16:creationId xmlns:a16="http://schemas.microsoft.com/office/drawing/2014/main" id="{718135A2-A43F-48AF-9BDF-647488ECC71D}"/>
-              </a:ext>
-            </a:extLst>
-          </p:cNvPr>
-          <p:cNvSpPr/>
-          <p:nvPr/>
-        </p:nvSpPr>
-        <p:spPr>
-          <a:xfrm>
-            <a:off x="11976267" y="3268603"/>
-            <a:ext cx="857250" cy="685800"/>
-          </a:xfrm>
-          <a:prstGeom prst="rect">
-            <a:avLst/>
-          </a:prstGeom>
-          <a:solidFill>
-            <a:srgbClr val="C00000"/>
-          </a:solidFill>
-        </p:spPr>
-        <p:style>
-          <a:lnRef idx="2">
-            <a:schemeClr val="accent1">
-              <a:shade val="50000"/>
-            </a:schemeClr>
-          </a:lnRef>
-          <a:fillRef idx="1">
-            <a:schemeClr val="accent1"/>
-          </a:fillRef>
-          <a:effectRef idx="0">
-            <a:schemeClr val="accent1"/>
-          </a:effectRef>
-          <a:fontRef idx="minor">
-            <a:schemeClr val="lt1"/>
-          </a:fontRef>
-        </p:style>
-        <p:txBody>
-          <a:bodyPr rot="0" spcFirstLastPara="0" vertOverflow="overflow" horzOverflow="overflow" vert="horz" wrap="square" lIns="91440" tIns="45720" rIns="91440" bIns="45720" numCol="1" spcCol="0" rtlCol="0" fromWordArt="0" anchor="ctr" anchorCtr="0" forceAA="0" compatLnSpc="1">
-            <a:prstTxWarp prst="textNoShape">
-              <a:avLst/>
-            </a:prstTxWarp>
-            <a:noAutofit/>
-          </a:bodyPr>
-          <a:lstStyle/>
-          <a:p>
-            <a:pPr algn="ctr"/>
-            <a:r>
-              <a:rPr lang="en-AU" dirty="0"/>
-              <a:t>B</a:t>
-            </a:r>
-          </a:p>
-        </p:txBody>
-      </p:sp>
-      <p:sp>
-        <p:nvSpPr>
-          <p:cNvPr id="88" name="Rectangle 87">
-            <a:extLst>
-              <a:ext uri="{FF2B5EF4-FFF2-40B4-BE49-F238E27FC236}">
-                <a16:creationId xmlns:a16="http://schemas.microsoft.com/office/drawing/2014/main" id="{292F92EE-F4B1-405D-90D9-0D8F3F1FA3A4}"/>
-              </a:ext>
-            </a:extLst>
-          </p:cNvPr>
-          <p:cNvSpPr/>
-          <p:nvPr/>
-        </p:nvSpPr>
-        <p:spPr>
-          <a:xfrm>
-            <a:off x="11976267" y="4114780"/>
-            <a:ext cx="857250" cy="685800"/>
-          </a:xfrm>
-          <a:prstGeom prst="rect">
-            <a:avLst/>
-          </a:prstGeom>
-          <a:solidFill>
-            <a:srgbClr val="C00000"/>
-          </a:solidFill>
-        </p:spPr>
-        <p:style>
-          <a:lnRef idx="2">
-            <a:schemeClr val="accent1">
-              <a:shade val="50000"/>
-            </a:schemeClr>
-          </a:lnRef>
-          <a:fillRef idx="1">
-            <a:schemeClr val="accent1"/>
-          </a:fillRef>
-          <a:effectRef idx="0">
-            <a:schemeClr val="accent1"/>
-          </a:effectRef>
-          <a:fontRef idx="minor">
-            <a:schemeClr val="lt1"/>
-          </a:fontRef>
-        </p:style>
-        <p:txBody>
-          <a:bodyPr rot="0" spcFirstLastPara="0" vertOverflow="overflow" horzOverflow="overflow" vert="horz" wrap="square" lIns="91440" tIns="45720" rIns="91440" bIns="45720" numCol="1" spcCol="0" rtlCol="0" fromWordArt="0" anchor="ctr" anchorCtr="0" forceAA="0" compatLnSpc="1">
-            <a:prstTxWarp prst="textNoShape">
-              <a:avLst/>
-            </a:prstTxWarp>
-            <a:noAutofit/>
-          </a:bodyPr>
-          <a:lstStyle/>
-          <a:p>
-            <a:pPr algn="ctr"/>
-            <a:r>
-              <a:rPr lang="en-AU" dirty="0"/>
-              <a:t>C</a:t>
-            </a:r>
-          </a:p>
-        </p:txBody>
-      </p:sp>
-      <p:sp>
-        <p:nvSpPr>
-          <p:cNvPr id="89" name="TextBox 88">
-            <a:extLst>
-              <a:ext uri="{FF2B5EF4-FFF2-40B4-BE49-F238E27FC236}">
-                <a16:creationId xmlns:a16="http://schemas.microsoft.com/office/drawing/2014/main" id="{FA65CACA-ABE4-49C7-8F90-F7FCF22AB8DE}"/>
-              </a:ext>
-            </a:extLst>
-          </p:cNvPr>
-          <p:cNvSpPr txBox="1"/>
-          <p:nvPr/>
-        </p:nvSpPr>
-        <p:spPr>
-          <a:xfrm>
-            <a:off x="2439766" y="2309913"/>
-            <a:ext cx="1337226" cy="406393"/>
-          </a:xfrm>
-          <a:prstGeom prst="rect">
-            <a:avLst/>
-          </a:prstGeom>
-          <a:noFill/>
-        </p:spPr>
-        <p:txBody>
-          <a:bodyPr wrap="none" rtlCol="0">
-            <a:spAutoFit/>
-          </a:bodyPr>
-          <a:lstStyle/>
-          <a:p>
-            <a:r>
-              <a:rPr lang="en-AU" dirty="0"/>
-              <a:t>(Flush) link</a:t>
-            </a:r>
-          </a:p>
-        </p:txBody>
-      </p:sp>
-      <p:sp>
-        <p:nvSpPr>
-          <p:cNvPr id="90" name="TextBox 89">
-            <a:extLst>
-              <a:ext uri="{FF2B5EF4-FFF2-40B4-BE49-F238E27FC236}">
-                <a16:creationId xmlns:a16="http://schemas.microsoft.com/office/drawing/2014/main" id="{5D76934E-FF84-4C16-865B-1FB2DE3E7FBD}"/>
-              </a:ext>
-            </a:extLst>
-          </p:cNvPr>
-          <p:cNvSpPr txBox="1"/>
-          <p:nvPr/>
-        </p:nvSpPr>
-        <p:spPr>
-          <a:xfrm>
-            <a:off x="2493545" y="3076556"/>
-            <a:ext cx="611065" cy="406393"/>
-          </a:xfrm>
-          <a:prstGeom prst="rect">
-            <a:avLst/>
-          </a:prstGeom>
-          <a:noFill/>
-        </p:spPr>
-        <p:txBody>
-          <a:bodyPr wrap="none" rtlCol="0">
-            <a:spAutoFit/>
-          </a:bodyPr>
-          <a:lstStyle/>
-          <a:p>
-            <a:r>
-              <a:rPr lang="en-AU" dirty="0"/>
-              <a:t>Link</a:t>
-            </a:r>
-          </a:p>
-        </p:txBody>
-      </p:sp>
-      <p:cxnSp>
-        <p:nvCxnSpPr>
-          <p:cNvPr id="91" name="Straight Arrow Connector 90">
-            <a:extLst>
-              <a:ext uri="{FF2B5EF4-FFF2-40B4-BE49-F238E27FC236}">
-                <a16:creationId xmlns:a16="http://schemas.microsoft.com/office/drawing/2014/main" id="{4BDFA826-F020-4445-BE37-98B28AD5A601}"/>
-              </a:ext>
-            </a:extLst>
-          </p:cNvPr>
-          <p:cNvCxnSpPr>
-            <a:cxnSpLocks/>
-          </p:cNvCxnSpPr>
-          <p:nvPr/>
-        </p:nvCxnSpPr>
-        <p:spPr>
-          <a:xfrm flipV="1">
-            <a:off x="2588506" y="3012144"/>
-            <a:ext cx="938212" cy="568556"/>
-          </a:xfrm>
-          <a:prstGeom prst="straightConnector1">
-            <a:avLst/>
-          </a:prstGeom>
-          <a:ln>
-            <a:tailEnd type="triangle"/>
-          </a:ln>
-        </p:spPr>
-        <p:style>
-          <a:lnRef idx="1">
-            <a:schemeClr val="accent1"/>
-          </a:lnRef>
-          <a:fillRef idx="0">
-            <a:schemeClr val="accent1"/>
-          </a:fillRef>
-          <a:effectRef idx="0">
-            <a:schemeClr val="accent1"/>
-          </a:effectRef>
-          <a:fontRef idx="minor">
-            <a:schemeClr val="tx1"/>
-          </a:fontRef>
-        </p:style>
-      </p:cxnSp>
-      <p:sp>
-        <p:nvSpPr>
-          <p:cNvPr id="93" name="TextBox 92">
-            <a:extLst>
-              <a:ext uri="{FF2B5EF4-FFF2-40B4-BE49-F238E27FC236}">
-                <a16:creationId xmlns:a16="http://schemas.microsoft.com/office/drawing/2014/main" id="{AA231716-5ABB-42A9-8328-F112ADA6F51A}"/>
-              </a:ext>
-            </a:extLst>
-          </p:cNvPr>
-          <p:cNvSpPr txBox="1"/>
-          <p:nvPr/>
-        </p:nvSpPr>
-        <p:spPr>
-          <a:xfrm>
-            <a:off x="2493545" y="3640675"/>
-            <a:ext cx="611065" cy="406393"/>
-          </a:xfrm>
-          <a:prstGeom prst="rect">
-            <a:avLst/>
-          </a:prstGeom>
-          <a:noFill/>
-        </p:spPr>
-        <p:txBody>
-          <a:bodyPr wrap="none" rtlCol="0">
-            <a:spAutoFit/>
-          </a:bodyPr>
-          <a:lstStyle/>
-          <a:p>
-            <a:r>
-              <a:rPr lang="en-AU" dirty="0"/>
-              <a:t>Link</a:t>
-            </a:r>
-          </a:p>
-        </p:txBody>
-      </p:sp>
-      <p:cxnSp>
-        <p:nvCxnSpPr>
-          <p:cNvPr id="94" name="Straight Arrow Connector 93">
-            <a:extLst>
-              <a:ext uri="{FF2B5EF4-FFF2-40B4-BE49-F238E27FC236}">
-                <a16:creationId xmlns:a16="http://schemas.microsoft.com/office/drawing/2014/main" id="{27D56972-E870-4EC1-820A-9F24F9E0ED65}"/>
-              </a:ext>
-            </a:extLst>
-          </p:cNvPr>
-          <p:cNvCxnSpPr>
-            <a:cxnSpLocks/>
-          </p:cNvCxnSpPr>
-          <p:nvPr/>
-        </p:nvCxnSpPr>
-        <p:spPr>
-          <a:xfrm flipV="1">
-            <a:off x="2555569" y="3178888"/>
-            <a:ext cx="950385" cy="1289778"/>
-          </a:xfrm>
-          <a:prstGeom prst="straightConnector1">
-            <a:avLst/>
-          </a:prstGeom>
-          <a:ln>
-            <a:tailEnd type="triangle"/>
-          </a:ln>
-        </p:spPr>
-        <p:style>
-          <a:lnRef idx="1">
-            <a:schemeClr val="accent1"/>
-          </a:lnRef>
-          <a:fillRef idx="0">
-            <a:schemeClr val="accent1"/>
-          </a:fillRef>
-          <a:effectRef idx="0">
-            <a:schemeClr val="accent1"/>
-          </a:effectRef>
-          <a:fontRef idx="minor">
-            <a:schemeClr val="tx1"/>
-          </a:fontRef>
-        </p:style>
-      </p:cxnSp>
-      <p:cxnSp>
-        <p:nvCxnSpPr>
-          <p:cNvPr id="108" name="Straight Arrow Connector 107">
-            <a:extLst>
-              <a:ext uri="{FF2B5EF4-FFF2-40B4-BE49-F238E27FC236}">
-                <a16:creationId xmlns:a16="http://schemas.microsoft.com/office/drawing/2014/main" id="{076828D4-C3D2-458D-A3F7-FD188AF591FA}"/>
-              </a:ext>
-            </a:extLst>
-          </p:cNvPr>
-          <p:cNvCxnSpPr>
-            <a:cxnSpLocks/>
-          </p:cNvCxnSpPr>
-          <p:nvPr/>
-        </p:nvCxnSpPr>
-        <p:spPr>
-          <a:xfrm>
-            <a:off x="10836224" y="2786619"/>
-            <a:ext cx="1047751" cy="1358284"/>
-          </a:xfrm>
-          <a:prstGeom prst="straightConnector1">
-            <a:avLst/>
-          </a:prstGeom>
-          <a:ln>
-            <a:prstDash val="dash"/>
-            <a:tailEnd type="triangle"/>
-          </a:ln>
-        </p:spPr>
-        <p:style>
-          <a:lnRef idx="1">
-            <a:schemeClr val="accent1"/>
-          </a:lnRef>
-          <a:fillRef idx="0">
-            <a:schemeClr val="accent1"/>
-          </a:fillRef>
-          <a:effectRef idx="0">
-            <a:schemeClr val="accent1"/>
-          </a:effectRef>
-          <a:fontRef idx="minor">
-            <a:schemeClr val="tx1"/>
-          </a:fontRef>
-        </p:style>
-      </p:cxnSp>
-      <p:sp>
-        <p:nvSpPr>
-          <p:cNvPr id="109" name="TextBox 108">
-            <a:extLst>
-              <a:ext uri="{FF2B5EF4-FFF2-40B4-BE49-F238E27FC236}">
-                <a16:creationId xmlns:a16="http://schemas.microsoft.com/office/drawing/2014/main" id="{A68BD579-D8C6-4403-857A-7FE01A221C0A}"/>
-              </a:ext>
-            </a:extLst>
-          </p:cNvPr>
-          <p:cNvSpPr txBox="1"/>
-          <p:nvPr/>
-        </p:nvSpPr>
-        <p:spPr>
-          <a:xfrm>
-            <a:off x="10755403" y="4588207"/>
-            <a:ext cx="611065" cy="406393"/>
-          </a:xfrm>
-          <a:prstGeom prst="rect">
-            <a:avLst/>
-          </a:prstGeom>
-          <a:noFill/>
-        </p:spPr>
-        <p:txBody>
-          <a:bodyPr wrap="none" rtlCol="0">
-            <a:spAutoFit/>
-          </a:bodyPr>
-          <a:lstStyle/>
-          <a:p>
-            <a:r>
-              <a:rPr lang="en-AU" dirty="0"/>
-              <a:t>Link</a:t>
-            </a:r>
-          </a:p>
-        </p:txBody>
-      </p:sp>
-      <p:cxnSp>
-        <p:nvCxnSpPr>
-          <p:cNvPr id="110" name="Straight Arrow Connector 109">
-            <a:extLst>
-              <a:ext uri="{FF2B5EF4-FFF2-40B4-BE49-F238E27FC236}">
-                <a16:creationId xmlns:a16="http://schemas.microsoft.com/office/drawing/2014/main" id="{E5AC3C30-8A33-4080-B409-7918CBC1E03F}"/>
-              </a:ext>
-            </a:extLst>
-          </p:cNvPr>
-          <p:cNvCxnSpPr>
-            <a:cxnSpLocks/>
-          </p:cNvCxnSpPr>
-          <p:nvPr/>
-        </p:nvCxnSpPr>
-        <p:spPr>
-          <a:xfrm>
-            <a:off x="10857916" y="3011346"/>
-            <a:ext cx="1026059" cy="1285377"/>
-          </a:xfrm>
-          <a:prstGeom prst="straightConnector1">
-            <a:avLst/>
-          </a:prstGeom>
-          <a:ln>
-            <a:tailEnd type="triangle"/>
-          </a:ln>
-        </p:spPr>
-        <p:style>
-          <a:lnRef idx="1">
-            <a:schemeClr val="accent1"/>
-          </a:lnRef>
-          <a:fillRef idx="0">
-            <a:schemeClr val="accent1"/>
-          </a:fillRef>
-          <a:effectRef idx="0">
-            <a:schemeClr val="accent1"/>
-          </a:effectRef>
-          <a:fontRef idx="minor">
-            <a:schemeClr val="tx1"/>
-          </a:fontRef>
-        </p:style>
-      </p:cxnSp>
-      <p:sp>
-        <p:nvSpPr>
-          <p:cNvPr id="111" name="TextBox 110">
-            <a:extLst>
-              <a:ext uri="{FF2B5EF4-FFF2-40B4-BE49-F238E27FC236}">
-                <a16:creationId xmlns:a16="http://schemas.microsoft.com/office/drawing/2014/main" id="{FDA356DD-5D75-4109-9D2E-0E7CD5956FF7}"/>
-              </a:ext>
-            </a:extLst>
-          </p:cNvPr>
-          <p:cNvSpPr txBox="1"/>
-          <p:nvPr/>
-        </p:nvSpPr>
-        <p:spPr>
-          <a:xfrm>
-            <a:off x="10874435" y="2537919"/>
-            <a:ext cx="1176925" cy="406393"/>
-          </a:xfrm>
-          <a:prstGeom prst="rect">
-            <a:avLst/>
-          </a:prstGeom>
-          <a:noFill/>
-        </p:spPr>
-        <p:txBody>
-          <a:bodyPr wrap="none" rtlCol="0">
-            <a:spAutoFit/>
-          </a:bodyPr>
-          <a:lstStyle/>
-          <a:p>
-            <a:r>
-              <a:rPr lang="en-AU" dirty="0"/>
-              <a:t>Flush link</a:t>
-            </a:r>
-          </a:p>
-        </p:txBody>
-      </p:sp>
-      <p:sp>
-        <p:nvSpPr>
-          <p:cNvPr id="112" name="TextBox 111">
-            <a:extLst>
-              <a:ext uri="{FF2B5EF4-FFF2-40B4-BE49-F238E27FC236}">
-                <a16:creationId xmlns:a16="http://schemas.microsoft.com/office/drawing/2014/main" id="{C30AF508-16ED-403B-BDD6-50333534AA9C}"/>
-              </a:ext>
-            </a:extLst>
-          </p:cNvPr>
-          <p:cNvSpPr txBox="1"/>
-          <p:nvPr/>
-        </p:nvSpPr>
-        <p:spPr>
-          <a:xfrm>
-            <a:off x="10756699" y="3435882"/>
-            <a:ext cx="611065" cy="406393"/>
-          </a:xfrm>
-          <a:prstGeom prst="rect">
-            <a:avLst/>
-          </a:prstGeom>
-          <a:noFill/>
-        </p:spPr>
-        <p:txBody>
-          <a:bodyPr wrap="none" rtlCol="0">
-            <a:spAutoFit/>
-          </a:bodyPr>
-          <a:lstStyle/>
-          <a:p>
-            <a:r>
-              <a:rPr lang="en-AU" dirty="0"/>
-              <a:t>Link</a:t>
-            </a:r>
-          </a:p>
-        </p:txBody>
-      </p:sp>
-      <p:cxnSp>
-        <p:nvCxnSpPr>
-          <p:cNvPr id="113" name="Straight Arrow Connector 112">
-            <a:extLst>
-              <a:ext uri="{FF2B5EF4-FFF2-40B4-BE49-F238E27FC236}">
-                <a16:creationId xmlns:a16="http://schemas.microsoft.com/office/drawing/2014/main" id="{82CC2C38-B051-4E3B-A99F-DC76E68A4E95}"/>
-              </a:ext>
-            </a:extLst>
-          </p:cNvPr>
-          <p:cNvCxnSpPr>
-            <a:cxnSpLocks/>
-          </p:cNvCxnSpPr>
-          <p:nvPr/>
-        </p:nvCxnSpPr>
-        <p:spPr>
-          <a:xfrm>
-            <a:off x="10907549" y="3747964"/>
-            <a:ext cx="976424" cy="736149"/>
-          </a:xfrm>
-          <a:prstGeom prst="straightConnector1">
-            <a:avLst/>
-          </a:prstGeom>
-          <a:ln>
-            <a:tailEnd type="triangle"/>
-          </a:ln>
-        </p:spPr>
-        <p:style>
-          <a:lnRef idx="1">
-            <a:schemeClr val="accent1"/>
-          </a:lnRef>
-          <a:fillRef idx="0">
-            <a:schemeClr val="accent1"/>
-          </a:fillRef>
-          <a:effectRef idx="0">
-            <a:schemeClr val="accent1"/>
-          </a:effectRef>
-          <a:fontRef idx="minor">
-            <a:schemeClr val="tx1"/>
-          </a:fontRef>
-        </p:style>
-      </p:cxnSp>
-      <p:sp>
-        <p:nvSpPr>
-          <p:cNvPr id="114" name="TextBox 113">
-            <a:extLst>
-              <a:ext uri="{FF2B5EF4-FFF2-40B4-BE49-F238E27FC236}">
-                <a16:creationId xmlns:a16="http://schemas.microsoft.com/office/drawing/2014/main" id="{5707C70F-9D52-48B4-9DD3-D70B6F85F9BF}"/>
-              </a:ext>
-            </a:extLst>
-          </p:cNvPr>
-          <p:cNvSpPr txBox="1"/>
-          <p:nvPr/>
-        </p:nvSpPr>
-        <p:spPr>
-          <a:xfrm>
-            <a:off x="10755403" y="3864605"/>
-            <a:ext cx="611065" cy="406393"/>
-          </a:xfrm>
-          <a:prstGeom prst="rect">
-            <a:avLst/>
-          </a:prstGeom>
-          <a:noFill/>
-        </p:spPr>
-        <p:txBody>
-          <a:bodyPr wrap="none" rtlCol="0">
-            <a:spAutoFit/>
-          </a:bodyPr>
-          <a:lstStyle/>
-          <a:p>
-            <a:r>
-              <a:rPr lang="en-AU" dirty="0"/>
-              <a:t>Link</a:t>
-            </a:r>
-          </a:p>
-        </p:txBody>
-      </p:sp>
-      <p:cxnSp>
-        <p:nvCxnSpPr>
-          <p:cNvPr id="115" name="Straight Arrow Connector 114">
-            <a:extLst>
-              <a:ext uri="{FF2B5EF4-FFF2-40B4-BE49-F238E27FC236}">
-                <a16:creationId xmlns:a16="http://schemas.microsoft.com/office/drawing/2014/main" id="{7CA33037-14AE-47F3-B298-A65203FF5A72}"/>
-              </a:ext>
-            </a:extLst>
-          </p:cNvPr>
-          <p:cNvCxnSpPr>
-            <a:cxnSpLocks/>
-          </p:cNvCxnSpPr>
-          <p:nvPr/>
-        </p:nvCxnSpPr>
-        <p:spPr>
-          <a:xfrm>
-            <a:off x="10850691" y="4588206"/>
-            <a:ext cx="1048870" cy="0"/>
-          </a:xfrm>
-          <a:prstGeom prst="straightConnector1">
-            <a:avLst/>
-          </a:prstGeom>
-          <a:ln>
-            <a:tailEnd type="triangle"/>
-          </a:ln>
-        </p:spPr>
-        <p:style>
-          <a:lnRef idx="1">
-            <a:schemeClr val="accent1"/>
-          </a:lnRef>
-          <a:fillRef idx="0">
-            <a:schemeClr val="accent1"/>
-          </a:fillRef>
-          <a:effectRef idx="0">
-            <a:schemeClr val="accent1"/>
-          </a:effectRef>
-          <a:fontRef idx="minor">
-            <a:schemeClr val="tx1"/>
-          </a:fontRef>
-        </p:style>
-      </p:cxnSp>
-      <p:sp>
-        <p:nvSpPr>
-          <p:cNvPr id="123" name="TextBox 122">
-            <a:extLst>
-              <a:ext uri="{FF2B5EF4-FFF2-40B4-BE49-F238E27FC236}">
-                <a16:creationId xmlns:a16="http://schemas.microsoft.com/office/drawing/2014/main" id="{84C87478-EC1F-4EC7-9000-D5A9BC051C06}"/>
-              </a:ext>
-            </a:extLst>
-          </p:cNvPr>
-          <p:cNvSpPr txBox="1"/>
-          <p:nvPr/>
-        </p:nvSpPr>
-        <p:spPr>
-          <a:xfrm>
-            <a:off x="1481771" y="4962506"/>
-            <a:ext cx="3460909" cy="461665"/>
-          </a:xfrm>
-          <a:prstGeom prst="rect">
-            <a:avLst/>
-          </a:prstGeom>
-          <a:noFill/>
-        </p:spPr>
-        <p:txBody>
-          <a:bodyPr wrap="square" rtlCol="0">
-            <a:spAutoFit/>
-          </a:bodyPr>
-          <a:lstStyle/>
-          <a:p>
-            <a:pPr algn="ctr"/>
-            <a:r>
-              <a:rPr lang="en-AU" sz="1200" i="1" dirty="0"/>
-              <a:t>(Note that the sum of outputs from </a:t>
-            </a:r>
-            <a:r>
-              <a:rPr lang="en-AU" sz="1200" i="1" dirty="0" err="1"/>
-              <a:t>subcompartment</a:t>
-            </a:r>
-            <a:r>
-              <a:rPr lang="en-AU" sz="1200" i="1" dirty="0"/>
-              <a:t> A must equal the size of A)</a:t>
+              <a:t>Time</a:t>
             </a:r>
           </a:p>
         </p:txBody>
@@ -12841,7 +12623,7 @@
     </p:spTree>
     <p:extLst>
       <p:ext uri="{BB962C8B-B14F-4D97-AF65-F5344CB8AC3E}">
-        <p14:creationId xmlns:p14="http://schemas.microsoft.com/office/powerpoint/2010/main" val="222477624"/>
+        <p14:creationId xmlns:p14="http://schemas.microsoft.com/office/powerpoint/2010/main" val="2501629219"/>
       </p:ext>
     </p:extLst>
   </p:cSld>
@@ -12870,168 +12652,10 @@
       </p:grpSpPr>
       <p:sp>
         <p:nvSpPr>
-          <p:cNvPr id="27" name="TextBox 26">
-            <a:extLst>
-              <a:ext uri="{FF2B5EF4-FFF2-40B4-BE49-F238E27FC236}">
-                <a16:creationId xmlns:a16="http://schemas.microsoft.com/office/drawing/2014/main" id="{6A5457D1-6788-4709-A8F9-A08820A85D3A}"/>
-              </a:ext>
-            </a:extLst>
-          </p:cNvPr>
-          <p:cNvSpPr txBox="1"/>
-          <p:nvPr/>
-        </p:nvSpPr>
-        <p:spPr>
-          <a:xfrm>
-            <a:off x="5161568" y="473781"/>
-            <a:ext cx="4494757" cy="406393"/>
-          </a:xfrm>
-          <a:prstGeom prst="rect">
-            <a:avLst/>
-          </a:prstGeom>
-          <a:noFill/>
-        </p:spPr>
-        <p:txBody>
-          <a:bodyPr wrap="none" rtlCol="0">
-            <a:spAutoFit/>
-          </a:bodyPr>
-          <a:lstStyle/>
-          <a:p>
-            <a:r>
-              <a:rPr lang="en-AU" b="1" dirty="0"/>
-              <a:t>Inflow paths from </a:t>
-            </a:r>
-            <a:r>
-              <a:rPr lang="en-AU" b="1" dirty="0" err="1"/>
-              <a:t>TimedCompartments</a:t>
-            </a:r>
-            <a:endParaRPr lang="en-AU" b="1" dirty="0"/>
-          </a:p>
-        </p:txBody>
-      </p:sp>
-      <p:cxnSp>
-        <p:nvCxnSpPr>
-          <p:cNvPr id="69" name="Straight Arrow Connector 68">
-            <a:extLst>
-              <a:ext uri="{FF2B5EF4-FFF2-40B4-BE49-F238E27FC236}">
-                <a16:creationId xmlns:a16="http://schemas.microsoft.com/office/drawing/2014/main" id="{40869402-D0DD-47FF-973A-67EBE8C25B6A}"/>
-              </a:ext>
-            </a:extLst>
-          </p:cNvPr>
-          <p:cNvCxnSpPr>
-            <a:cxnSpLocks/>
-          </p:cNvCxnSpPr>
-          <p:nvPr/>
-        </p:nvCxnSpPr>
-        <p:spPr>
-          <a:xfrm>
-            <a:off x="1383894" y="4468433"/>
-            <a:ext cx="1047751" cy="0"/>
-          </a:xfrm>
-          <a:prstGeom prst="straightConnector1">
-            <a:avLst/>
-          </a:prstGeom>
-          <a:ln>
-            <a:tailEnd type="triangle"/>
-          </a:ln>
-        </p:spPr>
-        <p:style>
-          <a:lnRef idx="1">
-            <a:schemeClr val="accent1"/>
-          </a:lnRef>
-          <a:fillRef idx="0">
-            <a:schemeClr val="accent1"/>
-          </a:fillRef>
-          <a:effectRef idx="0">
-            <a:schemeClr val="accent1"/>
-          </a:effectRef>
-          <a:fontRef idx="minor">
-            <a:schemeClr val="tx1"/>
-          </a:fontRef>
-        </p:style>
-      </p:cxnSp>
-      <p:cxnSp>
-        <p:nvCxnSpPr>
-          <p:cNvPr id="71" name="Straight Arrow Connector 70">
-            <a:extLst>
-              <a:ext uri="{FF2B5EF4-FFF2-40B4-BE49-F238E27FC236}">
-                <a16:creationId xmlns:a16="http://schemas.microsoft.com/office/drawing/2014/main" id="{A28718F8-399B-44D4-909A-C5469FB733A5}"/>
-              </a:ext>
-            </a:extLst>
-          </p:cNvPr>
-          <p:cNvCxnSpPr>
-            <a:cxnSpLocks/>
-          </p:cNvCxnSpPr>
-          <p:nvPr/>
-        </p:nvCxnSpPr>
-        <p:spPr>
-          <a:xfrm>
-            <a:off x="1383894" y="5316158"/>
-            <a:ext cx="1047751" cy="0"/>
-          </a:xfrm>
-          <a:prstGeom prst="straightConnector1">
-            <a:avLst/>
-          </a:prstGeom>
-          <a:ln>
-            <a:tailEnd type="triangle"/>
-          </a:ln>
-        </p:spPr>
-        <p:style>
-          <a:lnRef idx="1">
-            <a:schemeClr val="accent1"/>
-          </a:lnRef>
-          <a:fillRef idx="0">
-            <a:schemeClr val="accent1"/>
-          </a:fillRef>
-          <a:effectRef idx="0">
-            <a:schemeClr val="accent1"/>
-          </a:effectRef>
-          <a:fontRef idx="minor">
-            <a:schemeClr val="tx1"/>
-          </a:fontRef>
-        </p:style>
-      </p:cxnSp>
-      <p:sp>
-        <p:nvSpPr>
-          <p:cNvPr id="72" name="TextBox 71">
-            <a:extLst>
-              <a:ext uri="{FF2B5EF4-FFF2-40B4-BE49-F238E27FC236}">
-                <a16:creationId xmlns:a16="http://schemas.microsoft.com/office/drawing/2014/main" id="{64E44964-111E-4515-BA42-356C9A5D849A}"/>
-              </a:ext>
-            </a:extLst>
-          </p:cNvPr>
-          <p:cNvSpPr txBox="1"/>
-          <p:nvPr/>
-        </p:nvSpPr>
-        <p:spPr>
-          <a:xfrm>
-            <a:off x="1283572" y="4111549"/>
-            <a:ext cx="1274708" cy="406393"/>
-          </a:xfrm>
-          <a:prstGeom prst="rect">
-            <a:avLst/>
-          </a:prstGeom>
-          <a:noFill/>
-        </p:spPr>
-        <p:txBody>
-          <a:bodyPr wrap="none" rtlCol="0">
-            <a:spAutoFit/>
-          </a:bodyPr>
-          <a:lstStyle/>
-          <a:p>
-            <a:r>
-              <a:rPr lang="en-AU" dirty="0" err="1"/>
-              <a:t>TimedLink</a:t>
-            </a:r>
-            <a:endParaRPr lang="en-AU" dirty="0"/>
-          </a:p>
-        </p:txBody>
-      </p:sp>
-      <p:sp>
-        <p:nvSpPr>
-          <p:cNvPr id="73" name="Rectangle 72">
-            <a:extLst>
-              <a:ext uri="{FF2B5EF4-FFF2-40B4-BE49-F238E27FC236}">
-                <a16:creationId xmlns:a16="http://schemas.microsoft.com/office/drawing/2014/main" id="{8FFCFEC8-0663-49A0-A591-F055DC63E646}"/>
+          <p:cNvPr id="4" name="Rectangle 3">
+            <a:extLst>
+              <a:ext uri="{FF2B5EF4-FFF2-40B4-BE49-F238E27FC236}">
+                <a16:creationId xmlns:a16="http://schemas.microsoft.com/office/drawing/2014/main" id="{789D5DF4-E706-4558-90A4-27D3BC4BDE01}"/>
               </a:ext>
             </a:extLst>
           </p:cNvPr>
@@ -13040,8 +12664,8 @@
         </p:nvSpPr>
         <p:spPr>
           <a:xfrm>
-            <a:off x="2036187" y="2191186"/>
-            <a:ext cx="1705314" cy="914400"/>
+            <a:off x="1218240" y="1320861"/>
+            <a:ext cx="1654682" cy="914400"/>
           </a:xfrm>
           <a:prstGeom prst="rect">
             <a:avLst/>
@@ -13083,10 +12707,10 @@
       </p:sp>
       <p:sp>
         <p:nvSpPr>
-          <p:cNvPr id="74" name="Rectangle 73">
-            <a:extLst>
-              <a:ext uri="{FF2B5EF4-FFF2-40B4-BE49-F238E27FC236}">
-                <a16:creationId xmlns:a16="http://schemas.microsoft.com/office/drawing/2014/main" id="{B861F75E-B4D9-4CBB-A187-8FB5E9B09E92}"/>
+          <p:cNvPr id="7" name="Rectangle 6">
+            <a:extLst>
+              <a:ext uri="{FF2B5EF4-FFF2-40B4-BE49-F238E27FC236}">
+                <a16:creationId xmlns:a16="http://schemas.microsoft.com/office/drawing/2014/main" id="{7F24F64C-184F-4385-9715-E7CCDC56D7FD}"/>
               </a:ext>
             </a:extLst>
           </p:cNvPr>
@@ -13095,7 +12719,7 @@
         </p:nvSpPr>
         <p:spPr>
           <a:xfrm>
-            <a:off x="2460220" y="3306383"/>
+            <a:off x="1616956" y="2419330"/>
             <a:ext cx="857250" cy="685800"/>
           </a:xfrm>
           <a:prstGeom prst="rect">
@@ -13137,10 +12761,10 @@
       </p:sp>
       <p:sp>
         <p:nvSpPr>
-          <p:cNvPr id="75" name="Rectangle 74">
-            <a:extLst>
-              <a:ext uri="{FF2B5EF4-FFF2-40B4-BE49-F238E27FC236}">
-                <a16:creationId xmlns:a16="http://schemas.microsoft.com/office/drawing/2014/main" id="{21064A8C-2C39-41CC-A687-064AD51260DC}"/>
+          <p:cNvPr id="8" name="Rectangle 7">
+            <a:extLst>
+              <a:ext uri="{FF2B5EF4-FFF2-40B4-BE49-F238E27FC236}">
+                <a16:creationId xmlns:a16="http://schemas.microsoft.com/office/drawing/2014/main" id="{8D678C50-6C7B-4845-A166-AF91A6F59F7A}"/>
               </a:ext>
             </a:extLst>
           </p:cNvPr>
@@ -13149,7 +12773,7 @@
         </p:nvSpPr>
         <p:spPr>
           <a:xfrm>
-            <a:off x="2460220" y="4096958"/>
+            <a:off x="1616956" y="3267055"/>
             <a:ext cx="857250" cy="685800"/>
           </a:xfrm>
           <a:prstGeom prst="rect">
@@ -13191,10 +12815,10 @@
       </p:sp>
       <p:sp>
         <p:nvSpPr>
-          <p:cNvPr id="76" name="Rectangle 75">
-            <a:extLst>
-              <a:ext uri="{FF2B5EF4-FFF2-40B4-BE49-F238E27FC236}">
-                <a16:creationId xmlns:a16="http://schemas.microsoft.com/office/drawing/2014/main" id="{DDAF7E38-BB43-43DA-81EF-5E371E7C5E12}"/>
+          <p:cNvPr id="9" name="Rectangle 8">
+            <a:extLst>
+              <a:ext uri="{FF2B5EF4-FFF2-40B4-BE49-F238E27FC236}">
+                <a16:creationId xmlns:a16="http://schemas.microsoft.com/office/drawing/2014/main" id="{3E606987-4EA7-49D8-8D84-E68EA53CC7E3}"/>
               </a:ext>
             </a:extLst>
           </p:cNvPr>
@@ -13203,7 +12827,7 @@
         </p:nvSpPr>
         <p:spPr>
           <a:xfrm>
-            <a:off x="2460220" y="4943135"/>
+            <a:off x="1616956" y="4114780"/>
             <a:ext cx="857250" cy="685800"/>
           </a:xfrm>
           <a:prstGeom prst="rect">
@@ -13243,47 +12867,12 @@
           </a:p>
         </p:txBody>
       </p:sp>
-      <p:sp>
-        <p:nvSpPr>
-          <p:cNvPr id="109" name="TextBox 108">
-            <a:extLst>
-              <a:ext uri="{FF2B5EF4-FFF2-40B4-BE49-F238E27FC236}">
-                <a16:creationId xmlns:a16="http://schemas.microsoft.com/office/drawing/2014/main" id="{A68BD579-D8C6-4403-857A-7FE01A221C0A}"/>
-              </a:ext>
-            </a:extLst>
-          </p:cNvPr>
-          <p:cNvSpPr txBox="1"/>
-          <p:nvPr/>
-        </p:nvSpPr>
-        <p:spPr>
-          <a:xfrm>
-            <a:off x="9848412" y="4912511"/>
-            <a:ext cx="611065" cy="406393"/>
-          </a:xfrm>
-          <a:prstGeom prst="rect">
-            <a:avLst/>
-          </a:prstGeom>
-          <a:noFill/>
-        </p:spPr>
-        <p:txBody>
-          <a:bodyPr wrap="none" rtlCol="0">
-            <a:spAutoFit/>
-          </a:bodyPr>
-          <a:lstStyle/>
-          <a:p>
-            <a:r>
-              <a:rPr lang="en-AU" dirty="0"/>
-              <a:t>Link</a:t>
-            </a:r>
-          </a:p>
-        </p:txBody>
-      </p:sp>
       <p:cxnSp>
         <p:nvCxnSpPr>
-          <p:cNvPr id="115" name="Straight Arrow Connector 114">
-            <a:extLst>
-              <a:ext uri="{FF2B5EF4-FFF2-40B4-BE49-F238E27FC236}">
-                <a16:creationId xmlns:a16="http://schemas.microsoft.com/office/drawing/2014/main" id="{7CA33037-14AE-47F3-B298-A65203FF5A72}"/>
+          <p:cNvPr id="22" name="Straight Arrow Connector 21">
+            <a:extLst>
+              <a:ext uri="{FF2B5EF4-FFF2-40B4-BE49-F238E27FC236}">
+                <a16:creationId xmlns:a16="http://schemas.microsoft.com/office/drawing/2014/main" id="{077D020D-2959-48C8-8C3B-9003ABF26089}"/>
               </a:ext>
             </a:extLst>
           </p:cNvPr>
@@ -13294,8 +12883,85 @@
         </p:nvCxnSpPr>
         <p:spPr>
           <a:xfrm>
-            <a:off x="9630856" y="5281842"/>
-            <a:ext cx="1048870" cy="0"/>
+            <a:off x="2517180" y="2619355"/>
+            <a:ext cx="1047751" cy="0"/>
+          </a:xfrm>
+          <a:prstGeom prst="straightConnector1">
+            <a:avLst/>
+          </a:prstGeom>
+          <a:ln>
+            <a:prstDash val="dash"/>
+            <a:tailEnd type="triangle"/>
+          </a:ln>
+        </p:spPr>
+        <p:style>
+          <a:lnRef idx="1">
+            <a:schemeClr val="accent1"/>
+          </a:lnRef>
+          <a:fillRef idx="0">
+            <a:schemeClr val="accent1"/>
+          </a:fillRef>
+          <a:effectRef idx="0">
+            <a:schemeClr val="accent1"/>
+          </a:effectRef>
+          <a:fontRef idx="minor">
+            <a:schemeClr val="tx1"/>
+          </a:fontRef>
+        </p:style>
+      </p:cxnSp>
+      <p:sp>
+        <p:nvSpPr>
+          <p:cNvPr id="24" name="TextBox 23">
+            <a:extLst>
+              <a:ext uri="{FF2B5EF4-FFF2-40B4-BE49-F238E27FC236}">
+                <a16:creationId xmlns:a16="http://schemas.microsoft.com/office/drawing/2014/main" id="{264F0A5A-3A80-4A65-A321-8DA9ABE1E7BF}"/>
+              </a:ext>
+            </a:extLst>
+          </p:cNvPr>
+          <p:cNvSpPr txBox="1"/>
+          <p:nvPr/>
+        </p:nvSpPr>
+        <p:spPr>
+          <a:xfrm>
+            <a:off x="2493545" y="2642812"/>
+            <a:ext cx="611065" cy="406393"/>
+          </a:xfrm>
+          <a:prstGeom prst="rect">
+            <a:avLst/>
+          </a:prstGeom>
+          <a:noFill/>
+        </p:spPr>
+        <p:txBody>
+          <a:bodyPr wrap="none" rtlCol="0">
+            <a:spAutoFit/>
+          </a:bodyPr>
+          <a:lstStyle/>
+          <a:p>
+            <a:r>
+              <a:rPr lang="en-AU" dirty="0"/>
+              <a:t>Link</a:t>
+            </a:r>
+          </a:p>
+        </p:txBody>
+      </p:sp>
+      <p:cxnSp>
+        <p:nvCxnSpPr>
+          <p:cNvPr id="25" name="Straight Arrow Connector 24">
+            <a:extLst>
+              <a:ext uri="{FF2B5EF4-FFF2-40B4-BE49-F238E27FC236}">
+                <a16:creationId xmlns:a16="http://schemas.microsoft.com/office/drawing/2014/main" id="{AE446986-5E2F-486A-8DE9-9E503D21C566}"/>
+              </a:ext>
+            </a:extLst>
+          </p:cNvPr>
+          <p:cNvCxnSpPr>
+            <a:cxnSpLocks/>
+          </p:cNvCxnSpPr>
+          <p:nvPr/>
+        </p:nvCxnSpPr>
+        <p:spPr>
+          <a:xfrm flipV="1">
+            <a:off x="2517178" y="2847955"/>
+            <a:ext cx="1017350" cy="127516"/>
           </a:xfrm>
           <a:prstGeom prst="straightConnector1">
             <a:avLst/>
@@ -13321,10 +12987,10 @@
       </p:cxnSp>
       <p:sp>
         <p:nvSpPr>
-          <p:cNvPr id="46" name="TextBox 45">
-            <a:extLst>
-              <a:ext uri="{FF2B5EF4-FFF2-40B4-BE49-F238E27FC236}">
-                <a16:creationId xmlns:a16="http://schemas.microsoft.com/office/drawing/2014/main" id="{54DE191F-A1A6-42DD-83BA-41BE9A3DC0CB}"/>
+          <p:cNvPr id="27" name="TextBox 26">
+            <a:extLst>
+              <a:ext uri="{FF2B5EF4-FFF2-40B4-BE49-F238E27FC236}">
+                <a16:creationId xmlns:a16="http://schemas.microsoft.com/office/drawing/2014/main" id="{6A5457D1-6788-4709-A8F9-A08820A85D3A}"/>
               </a:ext>
             </a:extLst>
           </p:cNvPr>
@@ -13333,8 +12999,8 @@
         </p:nvSpPr>
         <p:spPr>
           <a:xfrm>
-            <a:off x="2056897" y="1600599"/>
-            <a:ext cx="1873911" cy="406393"/>
+            <a:off x="5161567" y="473781"/>
+            <a:ext cx="4693336" cy="406393"/>
           </a:xfrm>
           <a:prstGeom prst="rect">
             <a:avLst/>
@@ -13349,17 +13015,22 @@
           <a:p>
             <a:r>
               <a:rPr lang="en-AU" b="1" dirty="0"/>
-              <a:t>1. Timed inflow</a:t>
-            </a:r>
-          </a:p>
-        </p:txBody>
-      </p:sp>
-      <p:sp>
-        <p:nvSpPr>
-          <p:cNvPr id="51" name="Rectangle 50">
-            <a:extLst>
-              <a:ext uri="{FF2B5EF4-FFF2-40B4-BE49-F238E27FC236}">
-                <a16:creationId xmlns:a16="http://schemas.microsoft.com/office/drawing/2014/main" id="{0F5C62DE-0198-4990-BE9A-57F06185F844}"/>
+              <a:t>Outflow paths from </a:t>
+            </a:r>
+            <a:r>
+              <a:rPr lang="en-AU" b="1" dirty="0" err="1"/>
+              <a:t>TimedCompartments</a:t>
+            </a:r>
+            <a:endParaRPr lang="en-AU" b="1" dirty="0"/>
+          </a:p>
+        </p:txBody>
+      </p:sp>
+      <p:sp>
+        <p:nvSpPr>
+          <p:cNvPr id="32" name="Rectangle 31">
+            <a:extLst>
+              <a:ext uri="{FF2B5EF4-FFF2-40B4-BE49-F238E27FC236}">
+                <a16:creationId xmlns:a16="http://schemas.microsoft.com/office/drawing/2014/main" id="{BB38F4DE-E9D0-4026-92C9-9B64263DE00F}"/>
               </a:ext>
             </a:extLst>
           </p:cNvPr>
@@ -13368,7 +13039,7 @@
         </p:nvSpPr>
         <p:spPr>
           <a:xfrm>
-            <a:off x="6144427" y="2191186"/>
+            <a:off x="3212224" y="1332708"/>
             <a:ext cx="1705314" cy="914400"/>
           </a:xfrm>
           <a:prstGeom prst="rect">
@@ -13402,19 +13073,18 @@
           <a:p>
             <a:pPr algn="ctr"/>
             <a:r>
-              <a:rPr lang="en-AU" sz="1400" dirty="0" err="1"/>
-              <a:t>TimedCompartment</a:t>
-            </a:r>
-            <a:endParaRPr lang="en-AU" sz="1400" dirty="0"/>
-          </a:p>
-        </p:txBody>
-      </p:sp>
-      <p:sp>
-        <p:nvSpPr>
-          <p:cNvPr id="52" name="Rectangle 51">
-            <a:extLst>
-              <a:ext uri="{FF2B5EF4-FFF2-40B4-BE49-F238E27FC236}">
-                <a16:creationId xmlns:a16="http://schemas.microsoft.com/office/drawing/2014/main" id="{9844435C-2028-437F-8AEA-669A46B88D38}"/>
+              <a:rPr lang="en-AU" sz="1400" dirty="0"/>
+              <a:t>Compartment</a:t>
+            </a:r>
+          </a:p>
+        </p:txBody>
+      </p:sp>
+      <p:sp>
+        <p:nvSpPr>
+          <p:cNvPr id="35" name="Rectangle 34">
+            <a:extLst>
+              <a:ext uri="{FF2B5EF4-FFF2-40B4-BE49-F238E27FC236}">
+                <a16:creationId xmlns:a16="http://schemas.microsoft.com/office/drawing/2014/main" id="{B9ADE0C2-69AD-492A-821A-52EEFE119901}"/>
               </a:ext>
             </a:extLst>
           </p:cNvPr>
@@ -13423,7 +13093,7 @@
         </p:nvSpPr>
         <p:spPr>
           <a:xfrm>
-            <a:off x="6568459" y="3306383"/>
+            <a:off x="3636256" y="2447905"/>
             <a:ext cx="857250" cy="685800"/>
           </a:xfrm>
           <a:prstGeom prst="rect">
@@ -13456,19 +13126,16 @@
           <a:lstStyle/>
           <a:p>
             <a:pPr algn="ctr"/>
-            <a:r>
-              <a:rPr lang="en-AU" dirty="0"/>
-              <a:t>B</a:t>
-            </a:r>
-          </a:p>
-        </p:txBody>
-      </p:sp>
-      <p:sp>
-        <p:nvSpPr>
-          <p:cNvPr id="53" name="Rectangle 52">
-            <a:extLst>
-              <a:ext uri="{FF2B5EF4-FFF2-40B4-BE49-F238E27FC236}">
-                <a16:creationId xmlns:a16="http://schemas.microsoft.com/office/drawing/2014/main" id="{BAAB87B5-E6A9-42E4-A1A0-72F3F820BC7A}"/>
+            <a:endParaRPr lang="en-AU" dirty="0"/>
+          </a:p>
+        </p:txBody>
+      </p:sp>
+      <p:sp>
+        <p:nvSpPr>
+          <p:cNvPr id="65" name="Rectangle 64">
+            <a:extLst>
+              <a:ext uri="{FF2B5EF4-FFF2-40B4-BE49-F238E27FC236}">
+                <a16:creationId xmlns:a16="http://schemas.microsoft.com/office/drawing/2014/main" id="{D005D247-DEC4-4EE1-9489-FE8C57963790}"/>
               </a:ext>
             </a:extLst>
           </p:cNvPr>
@@ -13477,8 +13144,8 @@
         </p:nvSpPr>
         <p:spPr>
           <a:xfrm>
-            <a:off x="6568459" y="4096958"/>
-            <a:ext cx="857250" cy="685800"/>
+            <a:off x="5442012" y="1350984"/>
+            <a:ext cx="1654682" cy="914400"/>
           </a:xfrm>
           <a:prstGeom prst="rect">
             <a:avLst/>
@@ -13511,18 +13178,19 @@
           <a:p>
             <a:pPr algn="ctr"/>
             <a:r>
-              <a:rPr lang="en-AU" dirty="0"/>
-              <a:t>C</a:t>
-            </a:r>
-          </a:p>
-        </p:txBody>
-      </p:sp>
-      <p:sp>
-        <p:nvSpPr>
-          <p:cNvPr id="54" name="Rectangle 53">
-            <a:extLst>
-              <a:ext uri="{FF2B5EF4-FFF2-40B4-BE49-F238E27FC236}">
-                <a16:creationId xmlns:a16="http://schemas.microsoft.com/office/drawing/2014/main" id="{0B508C70-E718-4115-8286-A9C1F0774F9C}"/>
+              <a:rPr lang="en-AU" sz="1400" dirty="0" err="1"/>
+              <a:t>TimedCompartment</a:t>
+            </a:r>
+            <a:endParaRPr lang="en-AU" sz="1400" dirty="0"/>
+          </a:p>
+        </p:txBody>
+      </p:sp>
+      <p:sp>
+        <p:nvSpPr>
+          <p:cNvPr id="66" name="Rectangle 65">
+            <a:extLst>
+              <a:ext uri="{FF2B5EF4-FFF2-40B4-BE49-F238E27FC236}">
+                <a16:creationId xmlns:a16="http://schemas.microsoft.com/office/drawing/2014/main" id="{47B145A6-32E6-4E3E-9B59-83314E8D2DE5}"/>
               </a:ext>
             </a:extLst>
           </p:cNvPr>
@@ -13531,7 +13199,7 @@
         </p:nvSpPr>
         <p:spPr>
           <a:xfrm>
-            <a:off x="6568459" y="4943135"/>
+            <a:off x="5840729" y="2449453"/>
             <a:ext cx="857250" cy="685800"/>
           </a:xfrm>
           <a:prstGeom prst="rect">
@@ -13566,96 +13234,17 @@
             <a:pPr algn="ctr"/>
             <a:r>
               <a:rPr lang="en-AU" dirty="0"/>
-              <a:t>D</a:t>
-            </a:r>
-          </a:p>
-        </p:txBody>
-      </p:sp>
-      <p:sp>
-        <p:nvSpPr>
-          <p:cNvPr id="55" name="TextBox 54">
-            <a:extLst>
-              <a:ext uri="{FF2B5EF4-FFF2-40B4-BE49-F238E27FC236}">
-                <a16:creationId xmlns:a16="http://schemas.microsoft.com/office/drawing/2014/main" id="{DC2CDBB1-2F9F-4D5F-8C6D-68BEADC8B9AF}"/>
-              </a:ext>
-            </a:extLst>
-          </p:cNvPr>
-          <p:cNvSpPr txBox="1"/>
-          <p:nvPr/>
-        </p:nvSpPr>
-        <p:spPr>
-          <a:xfrm>
-            <a:off x="6036716" y="1600599"/>
-            <a:ext cx="2229456" cy="406393"/>
-          </a:xfrm>
-          <a:prstGeom prst="rect">
-            <a:avLst/>
-          </a:prstGeom>
-          <a:noFill/>
-        </p:spPr>
-        <p:txBody>
-          <a:bodyPr wrap="none" rtlCol="0">
-            <a:spAutoFit/>
-          </a:bodyPr>
-          <a:lstStyle/>
-          <a:p>
-            <a:r>
-              <a:rPr lang="en-AU" b="1" dirty="0"/>
-              <a:t>2. Advance keyring</a:t>
-            </a:r>
-          </a:p>
-        </p:txBody>
-      </p:sp>
-      <p:sp>
-        <p:nvSpPr>
-          <p:cNvPr id="3" name="TextBox 2">
-            <a:extLst>
-              <a:ext uri="{FF2B5EF4-FFF2-40B4-BE49-F238E27FC236}">
-                <a16:creationId xmlns:a16="http://schemas.microsoft.com/office/drawing/2014/main" id="{20BF501D-9A9E-4523-85E0-67F5E20BF089}"/>
-              </a:ext>
-            </a:extLst>
-          </p:cNvPr>
-          <p:cNvSpPr txBox="1"/>
-          <p:nvPr/>
-        </p:nvSpPr>
-        <p:spPr>
-          <a:xfrm>
-            <a:off x="1333279" y="700461"/>
-            <a:ext cx="3460909" cy="461665"/>
-          </a:xfrm>
-          <a:prstGeom prst="rect">
-            <a:avLst/>
-          </a:prstGeom>
-          <a:noFill/>
-        </p:spPr>
-        <p:txBody>
-          <a:bodyPr wrap="square" rtlCol="0">
-            <a:spAutoFit/>
-          </a:bodyPr>
-          <a:lstStyle/>
-          <a:p>
-            <a:pPr algn="ctr"/>
-            <a:r>
-              <a:rPr lang="en-AU" sz="1200" i="1" dirty="0"/>
-              <a:t>(Note the keyring could be advanced first as long as the </a:t>
-            </a:r>
-            <a:r>
-              <a:rPr lang="en-AU" sz="1200" i="1" dirty="0" err="1"/>
-              <a:t>TimedLink</a:t>
-            </a:r>
-            <a:r>
-              <a:rPr lang="en-AU" sz="1200" i="1" dirty="0"/>
-              <a:t> array is also shifted accordingly)</a:t>
-            </a:r>
-          </a:p>
-        </p:txBody>
-      </p:sp>
-      <p:sp>
-        <p:nvSpPr>
-          <p:cNvPr id="57" name="Rectangle 56">
-            <a:extLst>
-              <a:ext uri="{FF2B5EF4-FFF2-40B4-BE49-F238E27FC236}">
-                <a16:creationId xmlns:a16="http://schemas.microsoft.com/office/drawing/2014/main" id="{2EDC81C0-525F-4E65-A6D2-31A91081CD74}"/>
+              <a:t>A</a:t>
+            </a:r>
+          </a:p>
+        </p:txBody>
+      </p:sp>
+      <p:sp>
+        <p:nvSpPr>
+          <p:cNvPr id="67" name="Rectangle 66">
+            <a:extLst>
+              <a:ext uri="{FF2B5EF4-FFF2-40B4-BE49-F238E27FC236}">
+                <a16:creationId xmlns:a16="http://schemas.microsoft.com/office/drawing/2014/main" id="{10F34F4A-8A68-4A1B-88DA-24503BDE02E2}"/>
               </a:ext>
             </a:extLst>
           </p:cNvPr>
@@ -13664,8 +13253,8 @@
         </p:nvSpPr>
         <p:spPr>
           <a:xfrm>
-            <a:off x="10354031" y="2191186"/>
-            <a:ext cx="1705314" cy="914400"/>
+            <a:off x="5840729" y="3297178"/>
+            <a:ext cx="857250" cy="685800"/>
           </a:xfrm>
           <a:prstGeom prst="rect">
             <a:avLst/>
@@ -13698,19 +13287,18 @@
           <a:p>
             <a:pPr algn="ctr"/>
             <a:r>
-              <a:rPr lang="en-AU" sz="1400" dirty="0" err="1"/>
-              <a:t>TimedCompartment</a:t>
-            </a:r>
-            <a:endParaRPr lang="en-AU" sz="1400" dirty="0"/>
-          </a:p>
-        </p:txBody>
-      </p:sp>
-      <p:sp>
-        <p:nvSpPr>
-          <p:cNvPr id="58" name="Rectangle 57">
-            <a:extLst>
-              <a:ext uri="{FF2B5EF4-FFF2-40B4-BE49-F238E27FC236}">
-                <a16:creationId xmlns:a16="http://schemas.microsoft.com/office/drawing/2014/main" id="{0BF0C7DF-1427-46E6-8BD4-393E51E20D72}"/>
+              <a:rPr lang="en-AU" dirty="0"/>
+              <a:t>B</a:t>
+            </a:r>
+          </a:p>
+        </p:txBody>
+      </p:sp>
+      <p:sp>
+        <p:nvSpPr>
+          <p:cNvPr id="68" name="Rectangle 67">
+            <a:extLst>
+              <a:ext uri="{FF2B5EF4-FFF2-40B4-BE49-F238E27FC236}">
+                <a16:creationId xmlns:a16="http://schemas.microsoft.com/office/drawing/2014/main" id="{61E8D895-D617-48B7-AD1B-9121ABB8EA05}"/>
               </a:ext>
             </a:extLst>
           </p:cNvPr>
@@ -13719,7 +13307,7 @@
         </p:nvSpPr>
         <p:spPr>
           <a:xfrm>
-            <a:off x="10778064" y="3306383"/>
+            <a:off x="5840729" y="4144903"/>
             <a:ext cx="857250" cy="685800"/>
           </a:xfrm>
           <a:prstGeom prst="rect">
@@ -13754,17 +13342,171 @@
             <a:pPr algn="ctr"/>
             <a:r>
               <a:rPr lang="en-AU" dirty="0"/>
-              <a:t>B</a:t>
-            </a:r>
-          </a:p>
-        </p:txBody>
-      </p:sp>
-      <p:sp>
-        <p:nvSpPr>
-          <p:cNvPr id="59" name="Rectangle 58">
-            <a:extLst>
-              <a:ext uri="{FF2B5EF4-FFF2-40B4-BE49-F238E27FC236}">
-                <a16:creationId xmlns:a16="http://schemas.microsoft.com/office/drawing/2014/main" id="{9AB777D4-B817-4DFB-9922-E8B32BCCBA91}"/>
+              <a:t>C</a:t>
+            </a:r>
+          </a:p>
+        </p:txBody>
+      </p:sp>
+      <p:cxnSp>
+        <p:nvCxnSpPr>
+          <p:cNvPr id="69" name="Straight Arrow Connector 68">
+            <a:extLst>
+              <a:ext uri="{FF2B5EF4-FFF2-40B4-BE49-F238E27FC236}">
+                <a16:creationId xmlns:a16="http://schemas.microsoft.com/office/drawing/2014/main" id="{40869402-D0DD-47FF-973A-67EBE8C25B6A}"/>
+              </a:ext>
+            </a:extLst>
+          </p:cNvPr>
+          <p:cNvCxnSpPr>
+            <a:cxnSpLocks/>
+          </p:cNvCxnSpPr>
+          <p:nvPr/>
+        </p:nvCxnSpPr>
+        <p:spPr>
+          <a:xfrm>
+            <a:off x="6783703" y="3640078"/>
+            <a:ext cx="1047751" cy="0"/>
+          </a:xfrm>
+          <a:prstGeom prst="straightConnector1">
+            <a:avLst/>
+          </a:prstGeom>
+          <a:ln>
+            <a:tailEnd type="triangle"/>
+          </a:ln>
+        </p:spPr>
+        <p:style>
+          <a:lnRef idx="1">
+            <a:schemeClr val="accent1"/>
+          </a:lnRef>
+          <a:fillRef idx="0">
+            <a:schemeClr val="accent1"/>
+          </a:fillRef>
+          <a:effectRef idx="0">
+            <a:schemeClr val="accent1"/>
+          </a:effectRef>
+          <a:fontRef idx="minor">
+            <a:schemeClr val="tx1"/>
+          </a:fontRef>
+        </p:style>
+      </p:cxnSp>
+      <p:sp>
+        <p:nvSpPr>
+          <p:cNvPr id="70" name="TextBox 69">
+            <a:extLst>
+              <a:ext uri="{FF2B5EF4-FFF2-40B4-BE49-F238E27FC236}">
+                <a16:creationId xmlns:a16="http://schemas.microsoft.com/office/drawing/2014/main" id="{A8DD9F13-A5B9-4714-A168-359069AF736C}"/>
+              </a:ext>
+            </a:extLst>
+          </p:cNvPr>
+          <p:cNvSpPr txBox="1"/>
+          <p:nvPr/>
+        </p:nvSpPr>
+        <p:spPr>
+          <a:xfrm>
+            <a:off x="6740952" y="4114781"/>
+            <a:ext cx="1148071" cy="369332"/>
+          </a:xfrm>
+          <a:prstGeom prst="rect">
+            <a:avLst/>
+          </a:prstGeom>
+          <a:noFill/>
+        </p:spPr>
+        <p:txBody>
+          <a:bodyPr wrap="none" rtlCol="0">
+            <a:spAutoFit/>
+          </a:bodyPr>
+          <a:lstStyle/>
+          <a:p>
+            <a:r>
+              <a:rPr lang="en-AU" dirty="0" err="1"/>
+              <a:t>TimedLink</a:t>
+            </a:r>
+            <a:endParaRPr lang="en-AU" dirty="0"/>
+          </a:p>
+        </p:txBody>
+      </p:sp>
+      <p:cxnSp>
+        <p:nvCxnSpPr>
+          <p:cNvPr id="71" name="Straight Arrow Connector 70">
+            <a:extLst>
+              <a:ext uri="{FF2B5EF4-FFF2-40B4-BE49-F238E27FC236}">
+                <a16:creationId xmlns:a16="http://schemas.microsoft.com/office/drawing/2014/main" id="{A28718F8-399B-44D4-909A-C5469FB733A5}"/>
+              </a:ext>
+            </a:extLst>
+          </p:cNvPr>
+          <p:cNvCxnSpPr>
+            <a:cxnSpLocks/>
+          </p:cNvCxnSpPr>
+          <p:nvPr/>
+        </p:nvCxnSpPr>
+        <p:spPr>
+          <a:xfrm>
+            <a:off x="6783703" y="4487803"/>
+            <a:ext cx="1047751" cy="0"/>
+          </a:xfrm>
+          <a:prstGeom prst="straightConnector1">
+            <a:avLst/>
+          </a:prstGeom>
+          <a:ln>
+            <a:tailEnd type="triangle"/>
+          </a:ln>
+        </p:spPr>
+        <p:style>
+          <a:lnRef idx="1">
+            <a:schemeClr val="accent1"/>
+          </a:lnRef>
+          <a:fillRef idx="0">
+            <a:schemeClr val="accent1"/>
+          </a:fillRef>
+          <a:effectRef idx="0">
+            <a:schemeClr val="accent1"/>
+          </a:effectRef>
+          <a:fontRef idx="minor">
+            <a:schemeClr val="tx1"/>
+          </a:fontRef>
+        </p:style>
+      </p:cxnSp>
+      <p:sp>
+        <p:nvSpPr>
+          <p:cNvPr id="72" name="TextBox 71">
+            <a:extLst>
+              <a:ext uri="{FF2B5EF4-FFF2-40B4-BE49-F238E27FC236}">
+                <a16:creationId xmlns:a16="http://schemas.microsoft.com/office/drawing/2014/main" id="{64E44964-111E-4515-BA42-356C9A5D849A}"/>
+              </a:ext>
+            </a:extLst>
+          </p:cNvPr>
+          <p:cNvSpPr txBox="1"/>
+          <p:nvPr/>
+        </p:nvSpPr>
+        <p:spPr>
+          <a:xfrm>
+            <a:off x="6751698" y="3286789"/>
+            <a:ext cx="1148071" cy="369332"/>
+          </a:xfrm>
+          <a:prstGeom prst="rect">
+            <a:avLst/>
+          </a:prstGeom>
+          <a:noFill/>
+        </p:spPr>
+        <p:txBody>
+          <a:bodyPr wrap="none" rtlCol="0">
+            <a:spAutoFit/>
+          </a:bodyPr>
+          <a:lstStyle/>
+          <a:p>
+            <a:r>
+              <a:rPr lang="en-AU" dirty="0" err="1"/>
+              <a:t>TimedLink</a:t>
+            </a:r>
+            <a:endParaRPr lang="en-AU" dirty="0"/>
+          </a:p>
+        </p:txBody>
+      </p:sp>
+      <p:sp>
+        <p:nvSpPr>
+          <p:cNvPr id="73" name="Rectangle 72">
+            <a:extLst>
+              <a:ext uri="{FF2B5EF4-FFF2-40B4-BE49-F238E27FC236}">
+                <a16:creationId xmlns:a16="http://schemas.microsoft.com/office/drawing/2014/main" id="{8FFCFEC8-0663-49A0-A591-F055DC63E646}"/>
               </a:ext>
             </a:extLst>
           </p:cNvPr>
@@ -13773,8 +13515,8 @@
         </p:nvSpPr>
         <p:spPr>
           <a:xfrm>
-            <a:off x="10778064" y="4096958"/>
-            <a:ext cx="857250" cy="685800"/>
+            <a:off x="7435996" y="1362831"/>
+            <a:ext cx="1705314" cy="914400"/>
           </a:xfrm>
           <a:prstGeom prst="rect">
             <a:avLst/>
@@ -13807,18 +13549,19 @@
           <a:p>
             <a:pPr algn="ctr"/>
             <a:r>
-              <a:rPr lang="en-AU" dirty="0"/>
-              <a:t>C</a:t>
-            </a:r>
-          </a:p>
-        </p:txBody>
-      </p:sp>
-      <p:sp>
-        <p:nvSpPr>
-          <p:cNvPr id="60" name="Rectangle 59">
-            <a:extLst>
-              <a:ext uri="{FF2B5EF4-FFF2-40B4-BE49-F238E27FC236}">
-                <a16:creationId xmlns:a16="http://schemas.microsoft.com/office/drawing/2014/main" id="{2A2650F0-7E16-4854-9221-D7A06B7E90D7}"/>
+              <a:rPr lang="en-AU" sz="1400" dirty="0" err="1"/>
+              <a:t>TimedCompartment</a:t>
+            </a:r>
+            <a:endParaRPr lang="en-AU" sz="1400" dirty="0"/>
+          </a:p>
+        </p:txBody>
+      </p:sp>
+      <p:sp>
+        <p:nvSpPr>
+          <p:cNvPr id="74" name="Rectangle 73">
+            <a:extLst>
+              <a:ext uri="{FF2B5EF4-FFF2-40B4-BE49-F238E27FC236}">
+                <a16:creationId xmlns:a16="http://schemas.microsoft.com/office/drawing/2014/main" id="{B861F75E-B4D9-4CBB-A187-8FB5E9B09E92}"/>
               </a:ext>
             </a:extLst>
           </p:cNvPr>
@@ -13827,7 +13570,7 @@
         </p:nvSpPr>
         <p:spPr>
           <a:xfrm>
-            <a:off x="10778064" y="4943135"/>
+            <a:off x="7860029" y="2478028"/>
             <a:ext cx="857250" cy="685800"/>
           </a:xfrm>
           <a:prstGeom prst="rect">
@@ -13862,17 +13605,571 @@
             <a:pPr algn="ctr"/>
             <a:r>
               <a:rPr lang="en-AU" dirty="0"/>
-              <a:t>D</a:t>
-            </a:r>
-          </a:p>
-        </p:txBody>
-      </p:sp>
-      <p:sp>
-        <p:nvSpPr>
-          <p:cNvPr id="61" name="TextBox 60">
-            <a:extLst>
-              <a:ext uri="{FF2B5EF4-FFF2-40B4-BE49-F238E27FC236}">
-                <a16:creationId xmlns:a16="http://schemas.microsoft.com/office/drawing/2014/main" id="{C42E8792-F12B-4F8B-ABD0-A42B3F9A8DC0}"/>
+              <a:t>A</a:t>
+            </a:r>
+          </a:p>
+        </p:txBody>
+      </p:sp>
+      <p:sp>
+        <p:nvSpPr>
+          <p:cNvPr id="75" name="Rectangle 74">
+            <a:extLst>
+              <a:ext uri="{FF2B5EF4-FFF2-40B4-BE49-F238E27FC236}">
+                <a16:creationId xmlns:a16="http://schemas.microsoft.com/office/drawing/2014/main" id="{21064A8C-2C39-41CC-A687-064AD51260DC}"/>
+              </a:ext>
+            </a:extLst>
+          </p:cNvPr>
+          <p:cNvSpPr/>
+          <p:nvPr/>
+        </p:nvSpPr>
+        <p:spPr>
+          <a:xfrm>
+            <a:off x="7860029" y="3268603"/>
+            <a:ext cx="857250" cy="685800"/>
+          </a:xfrm>
+          <a:prstGeom prst="rect">
+            <a:avLst/>
+          </a:prstGeom>
+        </p:spPr>
+        <p:style>
+          <a:lnRef idx="2">
+            <a:schemeClr val="accent1">
+              <a:shade val="50000"/>
+            </a:schemeClr>
+          </a:lnRef>
+          <a:fillRef idx="1">
+            <a:schemeClr val="accent1"/>
+          </a:fillRef>
+          <a:effectRef idx="0">
+            <a:schemeClr val="accent1"/>
+          </a:effectRef>
+          <a:fontRef idx="minor">
+            <a:schemeClr val="lt1"/>
+          </a:fontRef>
+        </p:style>
+        <p:txBody>
+          <a:bodyPr rot="0" spcFirstLastPara="0" vertOverflow="overflow" horzOverflow="overflow" vert="horz" wrap="square" lIns="91440" tIns="45720" rIns="91440" bIns="45720" numCol="1" spcCol="0" rtlCol="0" fromWordArt="0" anchor="ctr" anchorCtr="0" forceAA="0" compatLnSpc="1">
+            <a:prstTxWarp prst="textNoShape">
+              <a:avLst/>
+            </a:prstTxWarp>
+            <a:noAutofit/>
+          </a:bodyPr>
+          <a:lstStyle/>
+          <a:p>
+            <a:pPr algn="ctr"/>
+            <a:r>
+              <a:rPr lang="en-AU" dirty="0"/>
+              <a:t>B</a:t>
+            </a:r>
+          </a:p>
+        </p:txBody>
+      </p:sp>
+      <p:sp>
+        <p:nvSpPr>
+          <p:cNvPr id="76" name="Rectangle 75">
+            <a:extLst>
+              <a:ext uri="{FF2B5EF4-FFF2-40B4-BE49-F238E27FC236}">
+                <a16:creationId xmlns:a16="http://schemas.microsoft.com/office/drawing/2014/main" id="{DDAF7E38-BB43-43DA-81EF-5E371E7C5E12}"/>
+              </a:ext>
+            </a:extLst>
+          </p:cNvPr>
+          <p:cNvSpPr/>
+          <p:nvPr/>
+        </p:nvSpPr>
+        <p:spPr>
+          <a:xfrm>
+            <a:off x="7860029" y="4114780"/>
+            <a:ext cx="857250" cy="685800"/>
+          </a:xfrm>
+          <a:prstGeom prst="rect">
+            <a:avLst/>
+          </a:prstGeom>
+        </p:spPr>
+        <p:style>
+          <a:lnRef idx="2">
+            <a:schemeClr val="accent1">
+              <a:shade val="50000"/>
+            </a:schemeClr>
+          </a:lnRef>
+          <a:fillRef idx="1">
+            <a:schemeClr val="accent1"/>
+          </a:fillRef>
+          <a:effectRef idx="0">
+            <a:schemeClr val="accent1"/>
+          </a:effectRef>
+          <a:fontRef idx="minor">
+            <a:schemeClr val="lt1"/>
+          </a:fontRef>
+        </p:style>
+        <p:txBody>
+          <a:bodyPr rot="0" spcFirstLastPara="0" vertOverflow="overflow" horzOverflow="overflow" vert="horz" wrap="square" lIns="91440" tIns="45720" rIns="91440" bIns="45720" numCol="1" spcCol="0" rtlCol="0" fromWordArt="0" anchor="ctr" anchorCtr="0" forceAA="0" compatLnSpc="1">
+            <a:prstTxWarp prst="textNoShape">
+              <a:avLst/>
+            </a:prstTxWarp>
+            <a:noAutofit/>
+          </a:bodyPr>
+          <a:lstStyle/>
+          <a:p>
+            <a:pPr algn="ctr"/>
+            <a:r>
+              <a:rPr lang="en-AU" dirty="0"/>
+              <a:t>C</a:t>
+            </a:r>
+          </a:p>
+        </p:txBody>
+      </p:sp>
+      <p:sp>
+        <p:nvSpPr>
+          <p:cNvPr id="77" name="Rectangle 76">
+            <a:extLst>
+              <a:ext uri="{FF2B5EF4-FFF2-40B4-BE49-F238E27FC236}">
+                <a16:creationId xmlns:a16="http://schemas.microsoft.com/office/drawing/2014/main" id="{915F6B67-18C5-46D8-9BBC-3E3240DEE22D}"/>
+              </a:ext>
+            </a:extLst>
+          </p:cNvPr>
+          <p:cNvSpPr/>
+          <p:nvPr/>
+        </p:nvSpPr>
+        <p:spPr>
+          <a:xfrm>
+            <a:off x="9558251" y="1350984"/>
+            <a:ext cx="1654682" cy="914400"/>
+          </a:xfrm>
+          <a:prstGeom prst="rect">
+            <a:avLst/>
+          </a:prstGeom>
+        </p:spPr>
+        <p:style>
+          <a:lnRef idx="2">
+            <a:schemeClr val="accent1">
+              <a:shade val="50000"/>
+            </a:schemeClr>
+          </a:lnRef>
+          <a:fillRef idx="1">
+            <a:schemeClr val="accent1"/>
+          </a:fillRef>
+          <a:effectRef idx="0">
+            <a:schemeClr val="accent1"/>
+          </a:effectRef>
+          <a:fontRef idx="minor">
+            <a:schemeClr val="lt1"/>
+          </a:fontRef>
+        </p:style>
+        <p:txBody>
+          <a:bodyPr rot="0" spcFirstLastPara="0" vertOverflow="overflow" horzOverflow="overflow" vert="horz" wrap="square" lIns="91440" tIns="45720" rIns="91440" bIns="45720" numCol="1" spcCol="0" rtlCol="0" fromWordArt="0" anchor="ctr" anchorCtr="0" forceAA="0" compatLnSpc="1">
+            <a:prstTxWarp prst="textNoShape">
+              <a:avLst/>
+            </a:prstTxWarp>
+            <a:noAutofit/>
+          </a:bodyPr>
+          <a:lstStyle/>
+          <a:p>
+            <a:pPr algn="ctr"/>
+            <a:r>
+              <a:rPr lang="en-AU" sz="1400" dirty="0" err="1"/>
+              <a:t>TimedCompartment</a:t>
+            </a:r>
+            <a:endParaRPr lang="en-AU" sz="1400" dirty="0"/>
+          </a:p>
+        </p:txBody>
+      </p:sp>
+      <p:sp>
+        <p:nvSpPr>
+          <p:cNvPr id="78" name="Rectangle 77">
+            <a:extLst>
+              <a:ext uri="{FF2B5EF4-FFF2-40B4-BE49-F238E27FC236}">
+                <a16:creationId xmlns:a16="http://schemas.microsoft.com/office/drawing/2014/main" id="{0565B096-6E2E-4855-947F-2CCBA45A707A}"/>
+              </a:ext>
+            </a:extLst>
+          </p:cNvPr>
+          <p:cNvSpPr/>
+          <p:nvPr/>
+        </p:nvSpPr>
+        <p:spPr>
+          <a:xfrm>
+            <a:off x="9956967" y="2449453"/>
+            <a:ext cx="857250" cy="685800"/>
+          </a:xfrm>
+          <a:prstGeom prst="rect">
+            <a:avLst/>
+          </a:prstGeom>
+        </p:spPr>
+        <p:style>
+          <a:lnRef idx="2">
+            <a:schemeClr val="accent1">
+              <a:shade val="50000"/>
+            </a:schemeClr>
+          </a:lnRef>
+          <a:fillRef idx="1">
+            <a:schemeClr val="accent1"/>
+          </a:fillRef>
+          <a:effectRef idx="0">
+            <a:schemeClr val="accent1"/>
+          </a:effectRef>
+          <a:fontRef idx="minor">
+            <a:schemeClr val="lt1"/>
+          </a:fontRef>
+        </p:style>
+        <p:txBody>
+          <a:bodyPr rot="0" spcFirstLastPara="0" vertOverflow="overflow" horzOverflow="overflow" vert="horz" wrap="square" lIns="91440" tIns="45720" rIns="91440" bIns="45720" numCol="1" spcCol="0" rtlCol="0" fromWordArt="0" anchor="ctr" anchorCtr="0" forceAA="0" compatLnSpc="1">
+            <a:prstTxWarp prst="textNoShape">
+              <a:avLst/>
+            </a:prstTxWarp>
+            <a:noAutofit/>
+          </a:bodyPr>
+          <a:lstStyle/>
+          <a:p>
+            <a:pPr algn="ctr"/>
+            <a:r>
+              <a:rPr lang="en-AU" dirty="0"/>
+              <a:t>A</a:t>
+            </a:r>
+          </a:p>
+        </p:txBody>
+      </p:sp>
+      <p:sp>
+        <p:nvSpPr>
+          <p:cNvPr id="79" name="Rectangle 78">
+            <a:extLst>
+              <a:ext uri="{FF2B5EF4-FFF2-40B4-BE49-F238E27FC236}">
+                <a16:creationId xmlns:a16="http://schemas.microsoft.com/office/drawing/2014/main" id="{860D2C3D-170C-4372-93C9-671B05A82477}"/>
+              </a:ext>
+            </a:extLst>
+          </p:cNvPr>
+          <p:cNvSpPr/>
+          <p:nvPr/>
+        </p:nvSpPr>
+        <p:spPr>
+          <a:xfrm>
+            <a:off x="9956967" y="3297178"/>
+            <a:ext cx="857250" cy="685800"/>
+          </a:xfrm>
+          <a:prstGeom prst="rect">
+            <a:avLst/>
+          </a:prstGeom>
+        </p:spPr>
+        <p:style>
+          <a:lnRef idx="2">
+            <a:schemeClr val="accent1">
+              <a:shade val="50000"/>
+            </a:schemeClr>
+          </a:lnRef>
+          <a:fillRef idx="1">
+            <a:schemeClr val="accent1"/>
+          </a:fillRef>
+          <a:effectRef idx="0">
+            <a:schemeClr val="accent1"/>
+          </a:effectRef>
+          <a:fontRef idx="minor">
+            <a:schemeClr val="lt1"/>
+          </a:fontRef>
+        </p:style>
+        <p:txBody>
+          <a:bodyPr rot="0" spcFirstLastPara="0" vertOverflow="overflow" horzOverflow="overflow" vert="horz" wrap="square" lIns="91440" tIns="45720" rIns="91440" bIns="45720" numCol="1" spcCol="0" rtlCol="0" fromWordArt="0" anchor="ctr" anchorCtr="0" forceAA="0" compatLnSpc="1">
+            <a:prstTxWarp prst="textNoShape">
+              <a:avLst/>
+            </a:prstTxWarp>
+            <a:noAutofit/>
+          </a:bodyPr>
+          <a:lstStyle/>
+          <a:p>
+            <a:pPr algn="ctr"/>
+            <a:r>
+              <a:rPr lang="en-AU" dirty="0"/>
+              <a:t>B</a:t>
+            </a:r>
+          </a:p>
+        </p:txBody>
+      </p:sp>
+      <p:sp>
+        <p:nvSpPr>
+          <p:cNvPr id="80" name="Rectangle 79">
+            <a:extLst>
+              <a:ext uri="{FF2B5EF4-FFF2-40B4-BE49-F238E27FC236}">
+                <a16:creationId xmlns:a16="http://schemas.microsoft.com/office/drawing/2014/main" id="{076F37A5-549C-4229-BD16-268EFDB06E1A}"/>
+              </a:ext>
+            </a:extLst>
+          </p:cNvPr>
+          <p:cNvSpPr/>
+          <p:nvPr/>
+        </p:nvSpPr>
+        <p:spPr>
+          <a:xfrm>
+            <a:off x="9956967" y="4144903"/>
+            <a:ext cx="857250" cy="685800"/>
+          </a:xfrm>
+          <a:prstGeom prst="rect">
+            <a:avLst/>
+          </a:prstGeom>
+        </p:spPr>
+        <p:style>
+          <a:lnRef idx="2">
+            <a:schemeClr val="accent1">
+              <a:shade val="50000"/>
+            </a:schemeClr>
+          </a:lnRef>
+          <a:fillRef idx="1">
+            <a:schemeClr val="accent1"/>
+          </a:fillRef>
+          <a:effectRef idx="0">
+            <a:schemeClr val="accent1"/>
+          </a:effectRef>
+          <a:fontRef idx="minor">
+            <a:schemeClr val="lt1"/>
+          </a:fontRef>
+        </p:style>
+        <p:txBody>
+          <a:bodyPr rot="0" spcFirstLastPara="0" vertOverflow="overflow" horzOverflow="overflow" vert="horz" wrap="square" lIns="91440" tIns="45720" rIns="91440" bIns="45720" numCol="1" spcCol="0" rtlCol="0" fromWordArt="0" anchor="ctr" anchorCtr="0" forceAA="0" compatLnSpc="1">
+            <a:prstTxWarp prst="textNoShape">
+              <a:avLst/>
+            </a:prstTxWarp>
+            <a:noAutofit/>
+          </a:bodyPr>
+          <a:lstStyle/>
+          <a:p>
+            <a:pPr algn="ctr"/>
+            <a:r>
+              <a:rPr lang="en-AU" dirty="0"/>
+              <a:t>C</a:t>
+            </a:r>
+          </a:p>
+        </p:txBody>
+      </p:sp>
+      <p:sp>
+        <p:nvSpPr>
+          <p:cNvPr id="85" name="Rectangle 84">
+            <a:extLst>
+              <a:ext uri="{FF2B5EF4-FFF2-40B4-BE49-F238E27FC236}">
+                <a16:creationId xmlns:a16="http://schemas.microsoft.com/office/drawing/2014/main" id="{3286A435-4B7A-494C-9E31-ED8CD60D4042}"/>
+              </a:ext>
+            </a:extLst>
+          </p:cNvPr>
+          <p:cNvSpPr/>
+          <p:nvPr/>
+        </p:nvSpPr>
+        <p:spPr>
+          <a:xfrm>
+            <a:off x="11552235" y="1362831"/>
+            <a:ext cx="1705314" cy="914400"/>
+          </a:xfrm>
+          <a:prstGeom prst="rect">
+            <a:avLst/>
+          </a:prstGeom>
+          <a:solidFill>
+            <a:srgbClr val="C00000"/>
+          </a:solidFill>
+        </p:spPr>
+        <p:style>
+          <a:lnRef idx="2">
+            <a:schemeClr val="accent1">
+              <a:shade val="50000"/>
+            </a:schemeClr>
+          </a:lnRef>
+          <a:fillRef idx="1">
+            <a:schemeClr val="accent1"/>
+          </a:fillRef>
+          <a:effectRef idx="0">
+            <a:schemeClr val="accent1"/>
+          </a:effectRef>
+          <a:fontRef idx="minor">
+            <a:schemeClr val="lt1"/>
+          </a:fontRef>
+        </p:style>
+        <p:txBody>
+          <a:bodyPr rot="0" spcFirstLastPara="0" vertOverflow="overflow" horzOverflow="overflow" vert="horz" wrap="square" lIns="91440" tIns="45720" rIns="91440" bIns="45720" numCol="1" spcCol="0" rtlCol="0" fromWordArt="0" anchor="ctr" anchorCtr="0" forceAA="0" compatLnSpc="1">
+            <a:prstTxWarp prst="textNoShape">
+              <a:avLst/>
+            </a:prstTxWarp>
+            <a:noAutofit/>
+          </a:bodyPr>
+          <a:lstStyle/>
+          <a:p>
+            <a:pPr algn="ctr"/>
+            <a:r>
+              <a:rPr lang="en-AU" sz="1400" dirty="0" err="1"/>
+              <a:t>TimedCompartment</a:t>
+            </a:r>
+            <a:endParaRPr lang="en-AU" sz="1400" dirty="0"/>
+          </a:p>
+        </p:txBody>
+      </p:sp>
+      <p:sp>
+        <p:nvSpPr>
+          <p:cNvPr id="86" name="Rectangle 85">
+            <a:extLst>
+              <a:ext uri="{FF2B5EF4-FFF2-40B4-BE49-F238E27FC236}">
+                <a16:creationId xmlns:a16="http://schemas.microsoft.com/office/drawing/2014/main" id="{41989F73-F1EC-4762-A6E2-43CE0956A30C}"/>
+              </a:ext>
+            </a:extLst>
+          </p:cNvPr>
+          <p:cNvSpPr/>
+          <p:nvPr/>
+        </p:nvSpPr>
+        <p:spPr>
+          <a:xfrm>
+            <a:off x="11976267" y="2478028"/>
+            <a:ext cx="857250" cy="685800"/>
+          </a:xfrm>
+          <a:prstGeom prst="rect">
+            <a:avLst/>
+          </a:prstGeom>
+          <a:solidFill>
+            <a:srgbClr val="C00000"/>
+          </a:solidFill>
+        </p:spPr>
+        <p:style>
+          <a:lnRef idx="2">
+            <a:schemeClr val="accent1">
+              <a:shade val="50000"/>
+            </a:schemeClr>
+          </a:lnRef>
+          <a:fillRef idx="1">
+            <a:schemeClr val="accent1"/>
+          </a:fillRef>
+          <a:effectRef idx="0">
+            <a:schemeClr val="accent1"/>
+          </a:effectRef>
+          <a:fontRef idx="minor">
+            <a:schemeClr val="lt1"/>
+          </a:fontRef>
+        </p:style>
+        <p:txBody>
+          <a:bodyPr rot="0" spcFirstLastPara="0" vertOverflow="overflow" horzOverflow="overflow" vert="horz" wrap="square" lIns="91440" tIns="45720" rIns="91440" bIns="45720" numCol="1" spcCol="0" rtlCol="0" fromWordArt="0" anchor="ctr" anchorCtr="0" forceAA="0" compatLnSpc="1">
+            <a:prstTxWarp prst="textNoShape">
+              <a:avLst/>
+            </a:prstTxWarp>
+            <a:noAutofit/>
+          </a:bodyPr>
+          <a:lstStyle/>
+          <a:p>
+            <a:pPr algn="ctr"/>
+            <a:r>
+              <a:rPr lang="en-AU" dirty="0"/>
+              <a:t>A</a:t>
+            </a:r>
+          </a:p>
+        </p:txBody>
+      </p:sp>
+      <p:sp>
+        <p:nvSpPr>
+          <p:cNvPr id="87" name="Rectangle 86">
+            <a:extLst>
+              <a:ext uri="{FF2B5EF4-FFF2-40B4-BE49-F238E27FC236}">
+                <a16:creationId xmlns:a16="http://schemas.microsoft.com/office/drawing/2014/main" id="{718135A2-A43F-48AF-9BDF-647488ECC71D}"/>
+              </a:ext>
+            </a:extLst>
+          </p:cNvPr>
+          <p:cNvSpPr/>
+          <p:nvPr/>
+        </p:nvSpPr>
+        <p:spPr>
+          <a:xfrm>
+            <a:off x="11976267" y="3268603"/>
+            <a:ext cx="857250" cy="685800"/>
+          </a:xfrm>
+          <a:prstGeom prst="rect">
+            <a:avLst/>
+          </a:prstGeom>
+          <a:solidFill>
+            <a:srgbClr val="C00000"/>
+          </a:solidFill>
+        </p:spPr>
+        <p:style>
+          <a:lnRef idx="2">
+            <a:schemeClr val="accent1">
+              <a:shade val="50000"/>
+            </a:schemeClr>
+          </a:lnRef>
+          <a:fillRef idx="1">
+            <a:schemeClr val="accent1"/>
+          </a:fillRef>
+          <a:effectRef idx="0">
+            <a:schemeClr val="accent1"/>
+          </a:effectRef>
+          <a:fontRef idx="minor">
+            <a:schemeClr val="lt1"/>
+          </a:fontRef>
+        </p:style>
+        <p:txBody>
+          <a:bodyPr rot="0" spcFirstLastPara="0" vertOverflow="overflow" horzOverflow="overflow" vert="horz" wrap="square" lIns="91440" tIns="45720" rIns="91440" bIns="45720" numCol="1" spcCol="0" rtlCol="0" fromWordArt="0" anchor="ctr" anchorCtr="0" forceAA="0" compatLnSpc="1">
+            <a:prstTxWarp prst="textNoShape">
+              <a:avLst/>
+            </a:prstTxWarp>
+            <a:noAutofit/>
+          </a:bodyPr>
+          <a:lstStyle/>
+          <a:p>
+            <a:pPr algn="ctr"/>
+            <a:r>
+              <a:rPr lang="en-AU" dirty="0"/>
+              <a:t>B</a:t>
+            </a:r>
+          </a:p>
+        </p:txBody>
+      </p:sp>
+      <p:sp>
+        <p:nvSpPr>
+          <p:cNvPr id="88" name="Rectangle 87">
+            <a:extLst>
+              <a:ext uri="{FF2B5EF4-FFF2-40B4-BE49-F238E27FC236}">
+                <a16:creationId xmlns:a16="http://schemas.microsoft.com/office/drawing/2014/main" id="{292F92EE-F4B1-405D-90D9-0D8F3F1FA3A4}"/>
+              </a:ext>
+            </a:extLst>
+          </p:cNvPr>
+          <p:cNvSpPr/>
+          <p:nvPr/>
+        </p:nvSpPr>
+        <p:spPr>
+          <a:xfrm>
+            <a:off x="11976267" y="4114780"/>
+            <a:ext cx="857250" cy="685800"/>
+          </a:xfrm>
+          <a:prstGeom prst="rect">
+            <a:avLst/>
+          </a:prstGeom>
+          <a:solidFill>
+            <a:srgbClr val="C00000"/>
+          </a:solidFill>
+        </p:spPr>
+        <p:style>
+          <a:lnRef idx="2">
+            <a:schemeClr val="accent1">
+              <a:shade val="50000"/>
+            </a:schemeClr>
+          </a:lnRef>
+          <a:fillRef idx="1">
+            <a:schemeClr val="accent1"/>
+          </a:fillRef>
+          <a:effectRef idx="0">
+            <a:schemeClr val="accent1"/>
+          </a:effectRef>
+          <a:fontRef idx="minor">
+            <a:schemeClr val="lt1"/>
+          </a:fontRef>
+        </p:style>
+        <p:txBody>
+          <a:bodyPr rot="0" spcFirstLastPara="0" vertOverflow="overflow" horzOverflow="overflow" vert="horz" wrap="square" lIns="91440" tIns="45720" rIns="91440" bIns="45720" numCol="1" spcCol="0" rtlCol="0" fromWordArt="0" anchor="ctr" anchorCtr="0" forceAA="0" compatLnSpc="1">
+            <a:prstTxWarp prst="textNoShape">
+              <a:avLst/>
+            </a:prstTxWarp>
+            <a:noAutofit/>
+          </a:bodyPr>
+          <a:lstStyle/>
+          <a:p>
+            <a:pPr algn="ctr"/>
+            <a:r>
+              <a:rPr lang="en-AU" dirty="0"/>
+              <a:t>C</a:t>
+            </a:r>
+          </a:p>
+        </p:txBody>
+      </p:sp>
+      <p:sp>
+        <p:nvSpPr>
+          <p:cNvPr id="89" name="TextBox 88">
+            <a:extLst>
+              <a:ext uri="{FF2B5EF4-FFF2-40B4-BE49-F238E27FC236}">
+                <a16:creationId xmlns:a16="http://schemas.microsoft.com/office/drawing/2014/main" id="{FA65CACA-ABE4-49C7-8F90-F7FCF22AB8DE}"/>
               </a:ext>
             </a:extLst>
           </p:cNvPr>
@@ -13881,8 +14178,8 @@
         </p:nvSpPr>
         <p:spPr>
           <a:xfrm>
-            <a:off x="10246322" y="1600599"/>
-            <a:ext cx="2145587" cy="406393"/>
+            <a:off x="2439766" y="2309913"/>
+            <a:ext cx="1337226" cy="406393"/>
           </a:xfrm>
           <a:prstGeom prst="rect">
             <a:avLst/>
@@ -13896,18 +14193,18 @@
           <a:lstStyle/>
           <a:p>
             <a:r>
-              <a:rPr lang="en-AU" b="1" dirty="0"/>
-              <a:t>3. Untimed inflow</a:t>
-            </a:r>
-          </a:p>
-        </p:txBody>
-      </p:sp>
-      <p:sp>
-        <p:nvSpPr>
-          <p:cNvPr id="62" name="TextBox 61">
-            <a:extLst>
-              <a:ext uri="{FF2B5EF4-FFF2-40B4-BE49-F238E27FC236}">
-                <a16:creationId xmlns:a16="http://schemas.microsoft.com/office/drawing/2014/main" id="{C57FBAD2-7DCF-4773-A13C-583E48F5A6EF}"/>
+              <a:rPr lang="en-AU" dirty="0"/>
+              <a:t>(Flush) link</a:t>
+            </a:r>
+          </a:p>
+        </p:txBody>
+      </p:sp>
+      <p:sp>
+        <p:nvSpPr>
+          <p:cNvPr id="90" name="TextBox 89">
+            <a:extLst>
+              <a:ext uri="{FF2B5EF4-FFF2-40B4-BE49-F238E27FC236}">
+                <a16:creationId xmlns:a16="http://schemas.microsoft.com/office/drawing/2014/main" id="{5D76934E-FF84-4C16-865B-1FB2DE3E7FBD}"/>
               </a:ext>
             </a:extLst>
           </p:cNvPr>
@@ -13916,8 +14213,465 @@
         </p:nvSpPr>
         <p:spPr>
           <a:xfrm>
-            <a:off x="5111183" y="5857857"/>
-            <a:ext cx="3771802" cy="646331"/>
+            <a:off x="2493545" y="3076556"/>
+            <a:ext cx="611065" cy="406393"/>
+          </a:xfrm>
+          <a:prstGeom prst="rect">
+            <a:avLst/>
+          </a:prstGeom>
+          <a:noFill/>
+        </p:spPr>
+        <p:txBody>
+          <a:bodyPr wrap="none" rtlCol="0">
+            <a:spAutoFit/>
+          </a:bodyPr>
+          <a:lstStyle/>
+          <a:p>
+            <a:r>
+              <a:rPr lang="en-AU" dirty="0"/>
+              <a:t>Link</a:t>
+            </a:r>
+          </a:p>
+        </p:txBody>
+      </p:sp>
+      <p:cxnSp>
+        <p:nvCxnSpPr>
+          <p:cNvPr id="91" name="Straight Arrow Connector 90">
+            <a:extLst>
+              <a:ext uri="{FF2B5EF4-FFF2-40B4-BE49-F238E27FC236}">
+                <a16:creationId xmlns:a16="http://schemas.microsoft.com/office/drawing/2014/main" id="{4BDFA826-F020-4445-BE37-98B28AD5A601}"/>
+              </a:ext>
+            </a:extLst>
+          </p:cNvPr>
+          <p:cNvCxnSpPr>
+            <a:cxnSpLocks/>
+          </p:cNvCxnSpPr>
+          <p:nvPr/>
+        </p:nvCxnSpPr>
+        <p:spPr>
+          <a:xfrm flipV="1">
+            <a:off x="2588506" y="3012144"/>
+            <a:ext cx="938212" cy="568556"/>
+          </a:xfrm>
+          <a:prstGeom prst="straightConnector1">
+            <a:avLst/>
+          </a:prstGeom>
+          <a:ln>
+            <a:tailEnd type="triangle"/>
+          </a:ln>
+        </p:spPr>
+        <p:style>
+          <a:lnRef idx="1">
+            <a:schemeClr val="accent1"/>
+          </a:lnRef>
+          <a:fillRef idx="0">
+            <a:schemeClr val="accent1"/>
+          </a:fillRef>
+          <a:effectRef idx="0">
+            <a:schemeClr val="accent1"/>
+          </a:effectRef>
+          <a:fontRef idx="minor">
+            <a:schemeClr val="tx1"/>
+          </a:fontRef>
+        </p:style>
+      </p:cxnSp>
+      <p:sp>
+        <p:nvSpPr>
+          <p:cNvPr id="93" name="TextBox 92">
+            <a:extLst>
+              <a:ext uri="{FF2B5EF4-FFF2-40B4-BE49-F238E27FC236}">
+                <a16:creationId xmlns:a16="http://schemas.microsoft.com/office/drawing/2014/main" id="{AA231716-5ABB-42A9-8328-F112ADA6F51A}"/>
+              </a:ext>
+            </a:extLst>
+          </p:cNvPr>
+          <p:cNvSpPr txBox="1"/>
+          <p:nvPr/>
+        </p:nvSpPr>
+        <p:spPr>
+          <a:xfrm>
+            <a:off x="2493545" y="3640675"/>
+            <a:ext cx="611065" cy="406393"/>
+          </a:xfrm>
+          <a:prstGeom prst="rect">
+            <a:avLst/>
+          </a:prstGeom>
+          <a:noFill/>
+        </p:spPr>
+        <p:txBody>
+          <a:bodyPr wrap="none" rtlCol="0">
+            <a:spAutoFit/>
+          </a:bodyPr>
+          <a:lstStyle/>
+          <a:p>
+            <a:r>
+              <a:rPr lang="en-AU" dirty="0"/>
+              <a:t>Link</a:t>
+            </a:r>
+          </a:p>
+        </p:txBody>
+      </p:sp>
+      <p:cxnSp>
+        <p:nvCxnSpPr>
+          <p:cNvPr id="94" name="Straight Arrow Connector 93">
+            <a:extLst>
+              <a:ext uri="{FF2B5EF4-FFF2-40B4-BE49-F238E27FC236}">
+                <a16:creationId xmlns:a16="http://schemas.microsoft.com/office/drawing/2014/main" id="{27D56972-E870-4EC1-820A-9F24F9E0ED65}"/>
+              </a:ext>
+            </a:extLst>
+          </p:cNvPr>
+          <p:cNvCxnSpPr>
+            <a:cxnSpLocks/>
+          </p:cNvCxnSpPr>
+          <p:nvPr/>
+        </p:nvCxnSpPr>
+        <p:spPr>
+          <a:xfrm flipV="1">
+            <a:off x="2555569" y="3178888"/>
+            <a:ext cx="950385" cy="1289778"/>
+          </a:xfrm>
+          <a:prstGeom prst="straightConnector1">
+            <a:avLst/>
+          </a:prstGeom>
+          <a:ln>
+            <a:tailEnd type="triangle"/>
+          </a:ln>
+        </p:spPr>
+        <p:style>
+          <a:lnRef idx="1">
+            <a:schemeClr val="accent1"/>
+          </a:lnRef>
+          <a:fillRef idx="0">
+            <a:schemeClr val="accent1"/>
+          </a:fillRef>
+          <a:effectRef idx="0">
+            <a:schemeClr val="accent1"/>
+          </a:effectRef>
+          <a:fontRef idx="minor">
+            <a:schemeClr val="tx1"/>
+          </a:fontRef>
+        </p:style>
+      </p:cxnSp>
+      <p:cxnSp>
+        <p:nvCxnSpPr>
+          <p:cNvPr id="108" name="Straight Arrow Connector 107">
+            <a:extLst>
+              <a:ext uri="{FF2B5EF4-FFF2-40B4-BE49-F238E27FC236}">
+                <a16:creationId xmlns:a16="http://schemas.microsoft.com/office/drawing/2014/main" id="{076828D4-C3D2-458D-A3F7-FD188AF591FA}"/>
+              </a:ext>
+            </a:extLst>
+          </p:cNvPr>
+          <p:cNvCxnSpPr>
+            <a:cxnSpLocks/>
+          </p:cNvCxnSpPr>
+          <p:nvPr/>
+        </p:nvCxnSpPr>
+        <p:spPr>
+          <a:xfrm>
+            <a:off x="10836224" y="2786619"/>
+            <a:ext cx="1047751" cy="1358284"/>
+          </a:xfrm>
+          <a:prstGeom prst="straightConnector1">
+            <a:avLst/>
+          </a:prstGeom>
+          <a:ln>
+            <a:prstDash val="dash"/>
+            <a:tailEnd type="triangle"/>
+          </a:ln>
+        </p:spPr>
+        <p:style>
+          <a:lnRef idx="1">
+            <a:schemeClr val="accent1"/>
+          </a:lnRef>
+          <a:fillRef idx="0">
+            <a:schemeClr val="accent1"/>
+          </a:fillRef>
+          <a:effectRef idx="0">
+            <a:schemeClr val="accent1"/>
+          </a:effectRef>
+          <a:fontRef idx="minor">
+            <a:schemeClr val="tx1"/>
+          </a:fontRef>
+        </p:style>
+      </p:cxnSp>
+      <p:sp>
+        <p:nvSpPr>
+          <p:cNvPr id="109" name="TextBox 108">
+            <a:extLst>
+              <a:ext uri="{FF2B5EF4-FFF2-40B4-BE49-F238E27FC236}">
+                <a16:creationId xmlns:a16="http://schemas.microsoft.com/office/drawing/2014/main" id="{A68BD579-D8C6-4403-857A-7FE01A221C0A}"/>
+              </a:ext>
+            </a:extLst>
+          </p:cNvPr>
+          <p:cNvSpPr txBox="1"/>
+          <p:nvPr/>
+        </p:nvSpPr>
+        <p:spPr>
+          <a:xfrm>
+            <a:off x="10755403" y="4588207"/>
+            <a:ext cx="611065" cy="406393"/>
+          </a:xfrm>
+          <a:prstGeom prst="rect">
+            <a:avLst/>
+          </a:prstGeom>
+          <a:noFill/>
+        </p:spPr>
+        <p:txBody>
+          <a:bodyPr wrap="none" rtlCol="0">
+            <a:spAutoFit/>
+          </a:bodyPr>
+          <a:lstStyle/>
+          <a:p>
+            <a:r>
+              <a:rPr lang="en-AU" dirty="0"/>
+              <a:t>Link</a:t>
+            </a:r>
+          </a:p>
+        </p:txBody>
+      </p:sp>
+      <p:cxnSp>
+        <p:nvCxnSpPr>
+          <p:cNvPr id="110" name="Straight Arrow Connector 109">
+            <a:extLst>
+              <a:ext uri="{FF2B5EF4-FFF2-40B4-BE49-F238E27FC236}">
+                <a16:creationId xmlns:a16="http://schemas.microsoft.com/office/drawing/2014/main" id="{E5AC3C30-8A33-4080-B409-7918CBC1E03F}"/>
+              </a:ext>
+            </a:extLst>
+          </p:cNvPr>
+          <p:cNvCxnSpPr>
+            <a:cxnSpLocks/>
+          </p:cNvCxnSpPr>
+          <p:nvPr/>
+        </p:nvCxnSpPr>
+        <p:spPr>
+          <a:xfrm>
+            <a:off x="10857916" y="3011346"/>
+            <a:ext cx="1026059" cy="1285377"/>
+          </a:xfrm>
+          <a:prstGeom prst="straightConnector1">
+            <a:avLst/>
+          </a:prstGeom>
+          <a:ln>
+            <a:tailEnd type="triangle"/>
+          </a:ln>
+        </p:spPr>
+        <p:style>
+          <a:lnRef idx="1">
+            <a:schemeClr val="accent1"/>
+          </a:lnRef>
+          <a:fillRef idx="0">
+            <a:schemeClr val="accent1"/>
+          </a:fillRef>
+          <a:effectRef idx="0">
+            <a:schemeClr val="accent1"/>
+          </a:effectRef>
+          <a:fontRef idx="minor">
+            <a:schemeClr val="tx1"/>
+          </a:fontRef>
+        </p:style>
+      </p:cxnSp>
+      <p:sp>
+        <p:nvSpPr>
+          <p:cNvPr id="111" name="TextBox 110">
+            <a:extLst>
+              <a:ext uri="{FF2B5EF4-FFF2-40B4-BE49-F238E27FC236}">
+                <a16:creationId xmlns:a16="http://schemas.microsoft.com/office/drawing/2014/main" id="{FDA356DD-5D75-4109-9D2E-0E7CD5956FF7}"/>
+              </a:ext>
+            </a:extLst>
+          </p:cNvPr>
+          <p:cNvSpPr txBox="1"/>
+          <p:nvPr/>
+        </p:nvSpPr>
+        <p:spPr>
+          <a:xfrm>
+            <a:off x="10874435" y="2537919"/>
+            <a:ext cx="1176925" cy="406393"/>
+          </a:xfrm>
+          <a:prstGeom prst="rect">
+            <a:avLst/>
+          </a:prstGeom>
+          <a:noFill/>
+        </p:spPr>
+        <p:txBody>
+          <a:bodyPr wrap="none" rtlCol="0">
+            <a:spAutoFit/>
+          </a:bodyPr>
+          <a:lstStyle/>
+          <a:p>
+            <a:r>
+              <a:rPr lang="en-AU" dirty="0"/>
+              <a:t>Flush link</a:t>
+            </a:r>
+          </a:p>
+        </p:txBody>
+      </p:sp>
+      <p:sp>
+        <p:nvSpPr>
+          <p:cNvPr id="112" name="TextBox 111">
+            <a:extLst>
+              <a:ext uri="{FF2B5EF4-FFF2-40B4-BE49-F238E27FC236}">
+                <a16:creationId xmlns:a16="http://schemas.microsoft.com/office/drawing/2014/main" id="{C30AF508-16ED-403B-BDD6-50333534AA9C}"/>
+              </a:ext>
+            </a:extLst>
+          </p:cNvPr>
+          <p:cNvSpPr txBox="1"/>
+          <p:nvPr/>
+        </p:nvSpPr>
+        <p:spPr>
+          <a:xfrm>
+            <a:off x="10756699" y="3435882"/>
+            <a:ext cx="611065" cy="406393"/>
+          </a:xfrm>
+          <a:prstGeom prst="rect">
+            <a:avLst/>
+          </a:prstGeom>
+          <a:noFill/>
+        </p:spPr>
+        <p:txBody>
+          <a:bodyPr wrap="none" rtlCol="0">
+            <a:spAutoFit/>
+          </a:bodyPr>
+          <a:lstStyle/>
+          <a:p>
+            <a:r>
+              <a:rPr lang="en-AU" dirty="0"/>
+              <a:t>Link</a:t>
+            </a:r>
+          </a:p>
+        </p:txBody>
+      </p:sp>
+      <p:cxnSp>
+        <p:nvCxnSpPr>
+          <p:cNvPr id="113" name="Straight Arrow Connector 112">
+            <a:extLst>
+              <a:ext uri="{FF2B5EF4-FFF2-40B4-BE49-F238E27FC236}">
+                <a16:creationId xmlns:a16="http://schemas.microsoft.com/office/drawing/2014/main" id="{82CC2C38-B051-4E3B-A99F-DC76E68A4E95}"/>
+              </a:ext>
+            </a:extLst>
+          </p:cNvPr>
+          <p:cNvCxnSpPr>
+            <a:cxnSpLocks/>
+          </p:cNvCxnSpPr>
+          <p:nvPr/>
+        </p:nvCxnSpPr>
+        <p:spPr>
+          <a:xfrm>
+            <a:off x="10907549" y="3747964"/>
+            <a:ext cx="976424" cy="736149"/>
+          </a:xfrm>
+          <a:prstGeom prst="straightConnector1">
+            <a:avLst/>
+          </a:prstGeom>
+          <a:ln>
+            <a:tailEnd type="triangle"/>
+          </a:ln>
+        </p:spPr>
+        <p:style>
+          <a:lnRef idx="1">
+            <a:schemeClr val="accent1"/>
+          </a:lnRef>
+          <a:fillRef idx="0">
+            <a:schemeClr val="accent1"/>
+          </a:fillRef>
+          <a:effectRef idx="0">
+            <a:schemeClr val="accent1"/>
+          </a:effectRef>
+          <a:fontRef idx="minor">
+            <a:schemeClr val="tx1"/>
+          </a:fontRef>
+        </p:style>
+      </p:cxnSp>
+      <p:sp>
+        <p:nvSpPr>
+          <p:cNvPr id="114" name="TextBox 113">
+            <a:extLst>
+              <a:ext uri="{FF2B5EF4-FFF2-40B4-BE49-F238E27FC236}">
+                <a16:creationId xmlns:a16="http://schemas.microsoft.com/office/drawing/2014/main" id="{5707C70F-9D52-48B4-9DD3-D70B6F85F9BF}"/>
+              </a:ext>
+            </a:extLst>
+          </p:cNvPr>
+          <p:cNvSpPr txBox="1"/>
+          <p:nvPr/>
+        </p:nvSpPr>
+        <p:spPr>
+          <a:xfrm>
+            <a:off x="10755403" y="3864605"/>
+            <a:ext cx="611065" cy="406393"/>
+          </a:xfrm>
+          <a:prstGeom prst="rect">
+            <a:avLst/>
+          </a:prstGeom>
+          <a:noFill/>
+        </p:spPr>
+        <p:txBody>
+          <a:bodyPr wrap="none" rtlCol="0">
+            <a:spAutoFit/>
+          </a:bodyPr>
+          <a:lstStyle/>
+          <a:p>
+            <a:r>
+              <a:rPr lang="en-AU" dirty="0"/>
+              <a:t>Link</a:t>
+            </a:r>
+          </a:p>
+        </p:txBody>
+      </p:sp>
+      <p:cxnSp>
+        <p:nvCxnSpPr>
+          <p:cNvPr id="115" name="Straight Arrow Connector 114">
+            <a:extLst>
+              <a:ext uri="{FF2B5EF4-FFF2-40B4-BE49-F238E27FC236}">
+                <a16:creationId xmlns:a16="http://schemas.microsoft.com/office/drawing/2014/main" id="{7CA33037-14AE-47F3-B298-A65203FF5A72}"/>
+              </a:ext>
+            </a:extLst>
+          </p:cNvPr>
+          <p:cNvCxnSpPr>
+            <a:cxnSpLocks/>
+          </p:cNvCxnSpPr>
+          <p:nvPr/>
+        </p:nvCxnSpPr>
+        <p:spPr>
+          <a:xfrm>
+            <a:off x="10850691" y="4588206"/>
+            <a:ext cx="1048870" cy="0"/>
+          </a:xfrm>
+          <a:prstGeom prst="straightConnector1">
+            <a:avLst/>
+          </a:prstGeom>
+          <a:ln>
+            <a:tailEnd type="triangle"/>
+          </a:ln>
+        </p:spPr>
+        <p:style>
+          <a:lnRef idx="1">
+            <a:schemeClr val="accent1"/>
+          </a:lnRef>
+          <a:fillRef idx="0">
+            <a:schemeClr val="accent1"/>
+          </a:fillRef>
+          <a:effectRef idx="0">
+            <a:schemeClr val="accent1"/>
+          </a:effectRef>
+          <a:fontRef idx="minor">
+            <a:schemeClr val="tx1"/>
+          </a:fontRef>
+        </p:style>
+      </p:cxnSp>
+      <p:sp>
+        <p:nvSpPr>
+          <p:cNvPr id="123" name="TextBox 122">
+            <a:extLst>
+              <a:ext uri="{FF2B5EF4-FFF2-40B4-BE49-F238E27FC236}">
+                <a16:creationId xmlns:a16="http://schemas.microsoft.com/office/drawing/2014/main" id="{84C87478-EC1F-4EC7-9000-D5A9BC051C06}"/>
+              </a:ext>
+            </a:extLst>
+          </p:cNvPr>
+          <p:cNvSpPr txBox="1"/>
+          <p:nvPr/>
+        </p:nvSpPr>
+        <p:spPr>
+          <a:xfrm>
+            <a:off x="1481771" y="4962506"/>
+            <a:ext cx="3460909" cy="461665"/>
           </a:xfrm>
           <a:prstGeom prst="rect">
             <a:avLst/>
@@ -13933,15 +14687,7 @@
             <a:pPr algn="ctr"/>
             <a:r>
               <a:rPr lang="en-AU" sz="1200" i="1" dirty="0"/>
-              <a:t>For </a:t>
-            </a:r>
-            <a:r>
-              <a:rPr lang="en-AU" sz="1200" i="1" dirty="0" err="1"/>
-              <a:t>TimedCompartments</a:t>
-            </a:r>
-            <a:r>
-              <a:rPr lang="en-AU" sz="1200" i="1" dirty="0"/>
-              <a:t>, it is assumed that the outflows result in </a:t>
+              <a:t>(Note that the sum of outputs from </a:t>
             </a:r>
             <a:r>
               <a:rPr lang="en-AU" sz="1200" i="1" dirty="0" err="1"/>
@@ -13949,87 +14695,7 @@
             </a:r>
             <a:r>
               <a:rPr lang="en-AU" sz="1200" i="1" dirty="0"/>
-              <a:t> A being emptied entirely, thus discarding A in step (2) does not affect any people </a:t>
-            </a:r>
-          </a:p>
-        </p:txBody>
-      </p:sp>
-      <p:sp>
-        <p:nvSpPr>
-          <p:cNvPr id="63" name="TextBox 62">
-            <a:extLst>
-              <a:ext uri="{FF2B5EF4-FFF2-40B4-BE49-F238E27FC236}">
-                <a16:creationId xmlns:a16="http://schemas.microsoft.com/office/drawing/2014/main" id="{DFA5DC6D-F097-4A77-A459-E2DB5F0CF0CD}"/>
-              </a:ext>
-            </a:extLst>
-          </p:cNvPr>
-          <p:cNvSpPr txBox="1"/>
-          <p:nvPr/>
-        </p:nvSpPr>
-        <p:spPr>
-          <a:xfrm>
-            <a:off x="1283572" y="4949163"/>
-            <a:ext cx="1274708" cy="406393"/>
-          </a:xfrm>
-          <a:prstGeom prst="rect">
-            <a:avLst/>
-          </a:prstGeom>
-          <a:noFill/>
-        </p:spPr>
-        <p:txBody>
-          <a:bodyPr wrap="none" rtlCol="0">
-            <a:spAutoFit/>
-          </a:bodyPr>
-          <a:lstStyle/>
-          <a:p>
-            <a:r>
-              <a:rPr lang="en-AU" dirty="0" err="1"/>
-              <a:t>TimedLink</a:t>
-            </a:r>
-            <a:endParaRPr lang="en-AU" dirty="0"/>
-          </a:p>
-        </p:txBody>
-      </p:sp>
-      <p:sp>
-        <p:nvSpPr>
-          <p:cNvPr id="81" name="TextBox 80">
-            <a:extLst>
-              <a:ext uri="{FF2B5EF4-FFF2-40B4-BE49-F238E27FC236}">
-                <a16:creationId xmlns:a16="http://schemas.microsoft.com/office/drawing/2014/main" id="{6628CB7D-15FA-4BFD-A55F-4D90B28A3CA0}"/>
-              </a:ext>
-            </a:extLst>
-          </p:cNvPr>
-          <p:cNvSpPr txBox="1"/>
-          <p:nvPr/>
-        </p:nvSpPr>
-        <p:spPr>
-          <a:xfrm>
-            <a:off x="1002943" y="5852521"/>
-            <a:ext cx="3771802" cy="461665"/>
-          </a:xfrm>
-          <a:prstGeom prst="rect">
-            <a:avLst/>
-          </a:prstGeom>
-          <a:noFill/>
-        </p:spPr>
-        <p:txBody>
-          <a:bodyPr wrap="square" rtlCol="0">
-            <a:spAutoFit/>
-          </a:bodyPr>
-          <a:lstStyle/>
-          <a:p>
-            <a:pPr algn="ctr"/>
-            <a:r>
-              <a:rPr lang="en-AU" sz="1200" i="1" dirty="0"/>
-              <a:t>Note that incoming </a:t>
-            </a:r>
-            <a:r>
-              <a:rPr lang="en-AU" sz="1200" i="1" dirty="0" err="1"/>
-              <a:t>TimedLinks</a:t>
-            </a:r>
-            <a:r>
-              <a:rPr lang="en-AU" sz="1200" i="1" dirty="0"/>
-              <a:t> must belong to the same duration group</a:t>
+              <a:t> A must equal the size of A)</a:t>
             </a:r>
           </a:p>
         </p:txBody>
@@ -14037,7 +14703,7 @@
     </p:spTree>
     <p:extLst>
       <p:ext uri="{BB962C8B-B14F-4D97-AF65-F5344CB8AC3E}">
-        <p14:creationId xmlns:p14="http://schemas.microsoft.com/office/powerpoint/2010/main" val="687164193"/>
+        <p14:creationId xmlns:p14="http://schemas.microsoft.com/office/powerpoint/2010/main" val="222477624"/>
       </p:ext>
     </p:extLst>
   </p:cSld>

--- a/docs/general/timed-examples.pptx
+++ b/docs/general/timed-examples.pptx
@@ -9,15 +9,16 @@
     <p:sldId id="257" r:id="rId3"/>
     <p:sldId id="260" r:id="rId4"/>
     <p:sldId id="271" r:id="rId5"/>
-    <p:sldId id="258" r:id="rId6"/>
-    <p:sldId id="261" r:id="rId7"/>
-    <p:sldId id="269" r:id="rId8"/>
-    <p:sldId id="270" r:id="rId9"/>
-    <p:sldId id="263" r:id="rId10"/>
-    <p:sldId id="266" r:id="rId11"/>
-    <p:sldId id="262" r:id="rId12"/>
-    <p:sldId id="267" r:id="rId13"/>
-    <p:sldId id="268" r:id="rId14"/>
+    <p:sldId id="272" r:id="rId6"/>
+    <p:sldId id="258" r:id="rId7"/>
+    <p:sldId id="261" r:id="rId8"/>
+    <p:sldId id="269" r:id="rId9"/>
+    <p:sldId id="270" r:id="rId10"/>
+    <p:sldId id="263" r:id="rId11"/>
+    <p:sldId id="266" r:id="rId12"/>
+    <p:sldId id="262" r:id="rId13"/>
+    <p:sldId id="267" r:id="rId14"/>
+    <p:sldId id="268" r:id="rId15"/>
   </p:sldIdLst>
   <p:sldSz cx="14400213" cy="7199313"/>
   <p:notesSz cx="6858000" cy="9144000"/>
@@ -255,7 +256,7 @@
           <a:p>
             <a:fld id="{74EEC96B-3D5D-478E-A96B-973AFE046E1D}" type="datetimeFigureOut">
               <a:rPr lang="en-AU" smtClean="0"/>
-              <a:t>15/07/2019</a:t>
+              <a:t>18/07/2019</a:t>
             </a:fld>
             <a:endParaRPr lang="en-AU"/>
           </a:p>
@@ -425,7 +426,7 @@
           <a:p>
             <a:fld id="{74EEC96B-3D5D-478E-A96B-973AFE046E1D}" type="datetimeFigureOut">
               <a:rPr lang="en-AU" smtClean="0"/>
-              <a:t>15/07/2019</a:t>
+              <a:t>18/07/2019</a:t>
             </a:fld>
             <a:endParaRPr lang="en-AU"/>
           </a:p>
@@ -605,7 +606,7 @@
           <a:p>
             <a:fld id="{74EEC96B-3D5D-478E-A96B-973AFE046E1D}" type="datetimeFigureOut">
               <a:rPr lang="en-AU" smtClean="0"/>
-              <a:t>15/07/2019</a:t>
+              <a:t>18/07/2019</a:t>
             </a:fld>
             <a:endParaRPr lang="en-AU"/>
           </a:p>
@@ -775,7 +776,7 @@
           <a:p>
             <a:fld id="{74EEC96B-3D5D-478E-A96B-973AFE046E1D}" type="datetimeFigureOut">
               <a:rPr lang="en-AU" smtClean="0"/>
-              <a:t>15/07/2019</a:t>
+              <a:t>18/07/2019</a:t>
             </a:fld>
             <a:endParaRPr lang="en-AU"/>
           </a:p>
@@ -1021,7 +1022,7 @@
           <a:p>
             <a:fld id="{74EEC96B-3D5D-478E-A96B-973AFE046E1D}" type="datetimeFigureOut">
               <a:rPr lang="en-AU" smtClean="0"/>
-              <a:t>15/07/2019</a:t>
+              <a:t>18/07/2019</a:t>
             </a:fld>
             <a:endParaRPr lang="en-AU"/>
           </a:p>
@@ -1253,7 +1254,7 @@
           <a:p>
             <a:fld id="{74EEC96B-3D5D-478E-A96B-973AFE046E1D}" type="datetimeFigureOut">
               <a:rPr lang="en-AU" smtClean="0"/>
-              <a:t>15/07/2019</a:t>
+              <a:t>18/07/2019</a:t>
             </a:fld>
             <a:endParaRPr lang="en-AU"/>
           </a:p>
@@ -1620,7 +1621,7 @@
           <a:p>
             <a:fld id="{74EEC96B-3D5D-478E-A96B-973AFE046E1D}" type="datetimeFigureOut">
               <a:rPr lang="en-AU" smtClean="0"/>
-              <a:t>15/07/2019</a:t>
+              <a:t>18/07/2019</a:t>
             </a:fld>
             <a:endParaRPr lang="en-AU"/>
           </a:p>
@@ -1738,7 +1739,7 @@
           <a:p>
             <a:fld id="{74EEC96B-3D5D-478E-A96B-973AFE046E1D}" type="datetimeFigureOut">
               <a:rPr lang="en-AU" smtClean="0"/>
-              <a:t>15/07/2019</a:t>
+              <a:t>18/07/2019</a:t>
             </a:fld>
             <a:endParaRPr lang="en-AU"/>
           </a:p>
@@ -1833,7 +1834,7 @@
           <a:p>
             <a:fld id="{74EEC96B-3D5D-478E-A96B-973AFE046E1D}" type="datetimeFigureOut">
               <a:rPr lang="en-AU" smtClean="0"/>
-              <a:t>15/07/2019</a:t>
+              <a:t>18/07/2019</a:t>
             </a:fld>
             <a:endParaRPr lang="en-AU"/>
           </a:p>
@@ -2110,7 +2111,7 @@
           <a:p>
             <a:fld id="{74EEC96B-3D5D-478E-A96B-973AFE046E1D}" type="datetimeFigureOut">
               <a:rPr lang="en-AU" smtClean="0"/>
-              <a:t>15/07/2019</a:t>
+              <a:t>18/07/2019</a:t>
             </a:fld>
             <a:endParaRPr lang="en-AU"/>
           </a:p>
@@ -2367,7 +2368,7 @@
           <a:p>
             <a:fld id="{74EEC96B-3D5D-478E-A96B-973AFE046E1D}" type="datetimeFigureOut">
               <a:rPr lang="en-AU" smtClean="0"/>
-              <a:t>15/07/2019</a:t>
+              <a:t>18/07/2019</a:t>
             </a:fld>
             <a:endParaRPr lang="en-AU"/>
           </a:p>
@@ -2580,7 +2581,7 @@
           <a:p>
             <a:fld id="{74EEC96B-3D5D-478E-A96B-973AFE046E1D}" type="datetimeFigureOut">
               <a:rPr lang="en-AU" smtClean="0"/>
-              <a:t>15/07/2019</a:t>
+              <a:t>18/07/2019</a:t>
             </a:fld>
             <a:endParaRPr lang="en-AU"/>
           </a:p>
@@ -4032,168 +4033,10 @@
       </p:grpSpPr>
       <p:sp>
         <p:nvSpPr>
-          <p:cNvPr id="27" name="TextBox 26">
-            <a:extLst>
-              <a:ext uri="{FF2B5EF4-FFF2-40B4-BE49-F238E27FC236}">
-                <a16:creationId xmlns:a16="http://schemas.microsoft.com/office/drawing/2014/main" id="{6A5457D1-6788-4709-A8F9-A08820A85D3A}"/>
-              </a:ext>
-            </a:extLst>
-          </p:cNvPr>
-          <p:cNvSpPr txBox="1"/>
-          <p:nvPr/>
-        </p:nvSpPr>
-        <p:spPr>
-          <a:xfrm>
-            <a:off x="5161568" y="473781"/>
-            <a:ext cx="4494757" cy="406393"/>
-          </a:xfrm>
-          <a:prstGeom prst="rect">
-            <a:avLst/>
-          </a:prstGeom>
-          <a:noFill/>
-        </p:spPr>
-        <p:txBody>
-          <a:bodyPr wrap="none" rtlCol="0">
-            <a:spAutoFit/>
-          </a:bodyPr>
-          <a:lstStyle/>
-          <a:p>
-            <a:r>
-              <a:rPr lang="en-AU" b="1" dirty="0"/>
-              <a:t>Inflow paths from </a:t>
-            </a:r>
-            <a:r>
-              <a:rPr lang="en-AU" b="1" dirty="0" err="1"/>
-              <a:t>TimedCompartments</a:t>
-            </a:r>
-            <a:endParaRPr lang="en-AU" b="1" dirty="0"/>
-          </a:p>
-        </p:txBody>
-      </p:sp>
-      <p:cxnSp>
-        <p:nvCxnSpPr>
-          <p:cNvPr id="69" name="Straight Arrow Connector 68">
-            <a:extLst>
-              <a:ext uri="{FF2B5EF4-FFF2-40B4-BE49-F238E27FC236}">
-                <a16:creationId xmlns:a16="http://schemas.microsoft.com/office/drawing/2014/main" id="{40869402-D0DD-47FF-973A-67EBE8C25B6A}"/>
-              </a:ext>
-            </a:extLst>
-          </p:cNvPr>
-          <p:cNvCxnSpPr>
-            <a:cxnSpLocks/>
-          </p:cNvCxnSpPr>
-          <p:nvPr/>
-        </p:nvCxnSpPr>
-        <p:spPr>
-          <a:xfrm>
-            <a:off x="1383894" y="4468433"/>
-            <a:ext cx="1047751" cy="0"/>
-          </a:xfrm>
-          <a:prstGeom prst="straightConnector1">
-            <a:avLst/>
-          </a:prstGeom>
-          <a:ln>
-            <a:tailEnd type="triangle"/>
-          </a:ln>
-        </p:spPr>
-        <p:style>
-          <a:lnRef idx="1">
-            <a:schemeClr val="accent1"/>
-          </a:lnRef>
-          <a:fillRef idx="0">
-            <a:schemeClr val="accent1"/>
-          </a:fillRef>
-          <a:effectRef idx="0">
-            <a:schemeClr val="accent1"/>
-          </a:effectRef>
-          <a:fontRef idx="minor">
-            <a:schemeClr val="tx1"/>
-          </a:fontRef>
-        </p:style>
-      </p:cxnSp>
-      <p:cxnSp>
-        <p:nvCxnSpPr>
-          <p:cNvPr id="71" name="Straight Arrow Connector 70">
-            <a:extLst>
-              <a:ext uri="{FF2B5EF4-FFF2-40B4-BE49-F238E27FC236}">
-                <a16:creationId xmlns:a16="http://schemas.microsoft.com/office/drawing/2014/main" id="{A28718F8-399B-44D4-909A-C5469FB733A5}"/>
-              </a:ext>
-            </a:extLst>
-          </p:cNvPr>
-          <p:cNvCxnSpPr>
-            <a:cxnSpLocks/>
-          </p:cNvCxnSpPr>
-          <p:nvPr/>
-        </p:nvCxnSpPr>
-        <p:spPr>
-          <a:xfrm>
-            <a:off x="1383894" y="5316158"/>
-            <a:ext cx="1047751" cy="0"/>
-          </a:xfrm>
-          <a:prstGeom prst="straightConnector1">
-            <a:avLst/>
-          </a:prstGeom>
-          <a:ln>
-            <a:tailEnd type="triangle"/>
-          </a:ln>
-        </p:spPr>
-        <p:style>
-          <a:lnRef idx="1">
-            <a:schemeClr val="accent1"/>
-          </a:lnRef>
-          <a:fillRef idx="0">
-            <a:schemeClr val="accent1"/>
-          </a:fillRef>
-          <a:effectRef idx="0">
-            <a:schemeClr val="accent1"/>
-          </a:effectRef>
-          <a:fontRef idx="minor">
-            <a:schemeClr val="tx1"/>
-          </a:fontRef>
-        </p:style>
-      </p:cxnSp>
-      <p:sp>
-        <p:nvSpPr>
-          <p:cNvPr id="72" name="TextBox 71">
-            <a:extLst>
-              <a:ext uri="{FF2B5EF4-FFF2-40B4-BE49-F238E27FC236}">
-                <a16:creationId xmlns:a16="http://schemas.microsoft.com/office/drawing/2014/main" id="{64E44964-111E-4515-BA42-356C9A5D849A}"/>
-              </a:ext>
-            </a:extLst>
-          </p:cNvPr>
-          <p:cNvSpPr txBox="1"/>
-          <p:nvPr/>
-        </p:nvSpPr>
-        <p:spPr>
-          <a:xfrm>
-            <a:off x="1283572" y="4111549"/>
-            <a:ext cx="1274708" cy="406393"/>
-          </a:xfrm>
-          <a:prstGeom prst="rect">
-            <a:avLst/>
-          </a:prstGeom>
-          <a:noFill/>
-        </p:spPr>
-        <p:txBody>
-          <a:bodyPr wrap="none" rtlCol="0">
-            <a:spAutoFit/>
-          </a:bodyPr>
-          <a:lstStyle/>
-          <a:p>
-            <a:r>
-              <a:rPr lang="en-AU" dirty="0" err="1"/>
-              <a:t>TimedLink</a:t>
-            </a:r>
-            <a:endParaRPr lang="en-AU" dirty="0"/>
-          </a:p>
-        </p:txBody>
-      </p:sp>
-      <p:sp>
-        <p:nvSpPr>
-          <p:cNvPr id="73" name="Rectangle 72">
-            <a:extLst>
-              <a:ext uri="{FF2B5EF4-FFF2-40B4-BE49-F238E27FC236}">
-                <a16:creationId xmlns:a16="http://schemas.microsoft.com/office/drawing/2014/main" id="{8FFCFEC8-0663-49A0-A591-F055DC63E646}"/>
+          <p:cNvPr id="4" name="Rectangle 3">
+            <a:extLst>
+              <a:ext uri="{FF2B5EF4-FFF2-40B4-BE49-F238E27FC236}">
+                <a16:creationId xmlns:a16="http://schemas.microsoft.com/office/drawing/2014/main" id="{789D5DF4-E706-4558-90A4-27D3BC4BDE01}"/>
               </a:ext>
             </a:extLst>
           </p:cNvPr>
@@ -4202,8 +4045,8 @@
         </p:nvSpPr>
         <p:spPr>
           <a:xfrm>
-            <a:off x="2036187" y="2191186"/>
-            <a:ext cx="1705314" cy="914400"/>
+            <a:off x="1218240" y="1320861"/>
+            <a:ext cx="1654682" cy="914400"/>
           </a:xfrm>
           <a:prstGeom prst="rect">
             <a:avLst/>
@@ -4245,10 +4088,10 @@
       </p:sp>
       <p:sp>
         <p:nvSpPr>
-          <p:cNvPr id="74" name="Rectangle 73">
-            <a:extLst>
-              <a:ext uri="{FF2B5EF4-FFF2-40B4-BE49-F238E27FC236}">
-                <a16:creationId xmlns:a16="http://schemas.microsoft.com/office/drawing/2014/main" id="{B861F75E-B4D9-4CBB-A187-8FB5E9B09E92}"/>
+          <p:cNvPr id="7" name="Rectangle 6">
+            <a:extLst>
+              <a:ext uri="{FF2B5EF4-FFF2-40B4-BE49-F238E27FC236}">
+                <a16:creationId xmlns:a16="http://schemas.microsoft.com/office/drawing/2014/main" id="{7F24F64C-184F-4385-9715-E7CCDC56D7FD}"/>
               </a:ext>
             </a:extLst>
           </p:cNvPr>
@@ -4257,7 +4100,7 @@
         </p:nvSpPr>
         <p:spPr>
           <a:xfrm>
-            <a:off x="2460220" y="3306383"/>
+            <a:off x="1616956" y="2419330"/>
             <a:ext cx="857250" cy="685800"/>
           </a:xfrm>
           <a:prstGeom prst="rect">
@@ -4299,10 +4142,10 @@
       </p:sp>
       <p:sp>
         <p:nvSpPr>
-          <p:cNvPr id="75" name="Rectangle 74">
-            <a:extLst>
-              <a:ext uri="{FF2B5EF4-FFF2-40B4-BE49-F238E27FC236}">
-                <a16:creationId xmlns:a16="http://schemas.microsoft.com/office/drawing/2014/main" id="{21064A8C-2C39-41CC-A687-064AD51260DC}"/>
+          <p:cNvPr id="8" name="Rectangle 7">
+            <a:extLst>
+              <a:ext uri="{FF2B5EF4-FFF2-40B4-BE49-F238E27FC236}">
+                <a16:creationId xmlns:a16="http://schemas.microsoft.com/office/drawing/2014/main" id="{8D678C50-6C7B-4845-A166-AF91A6F59F7A}"/>
               </a:ext>
             </a:extLst>
           </p:cNvPr>
@@ -4311,7 +4154,7 @@
         </p:nvSpPr>
         <p:spPr>
           <a:xfrm>
-            <a:off x="2460220" y="4096958"/>
+            <a:off x="1616956" y="3267055"/>
             <a:ext cx="857250" cy="685800"/>
           </a:xfrm>
           <a:prstGeom prst="rect">
@@ -4353,10 +4196,10 @@
       </p:sp>
       <p:sp>
         <p:nvSpPr>
-          <p:cNvPr id="76" name="Rectangle 75">
-            <a:extLst>
-              <a:ext uri="{FF2B5EF4-FFF2-40B4-BE49-F238E27FC236}">
-                <a16:creationId xmlns:a16="http://schemas.microsoft.com/office/drawing/2014/main" id="{DDAF7E38-BB43-43DA-81EF-5E371E7C5E12}"/>
+          <p:cNvPr id="9" name="Rectangle 8">
+            <a:extLst>
+              <a:ext uri="{FF2B5EF4-FFF2-40B4-BE49-F238E27FC236}">
+                <a16:creationId xmlns:a16="http://schemas.microsoft.com/office/drawing/2014/main" id="{3E606987-4EA7-49D8-8D84-E68EA53CC7E3}"/>
               </a:ext>
             </a:extLst>
           </p:cNvPr>
@@ -4365,7 +4208,7 @@
         </p:nvSpPr>
         <p:spPr>
           <a:xfrm>
-            <a:off x="2460220" y="4943135"/>
+            <a:off x="1616956" y="4114780"/>
             <a:ext cx="857250" cy="685800"/>
           </a:xfrm>
           <a:prstGeom prst="rect">
@@ -4405,47 +4248,12 @@
           </a:p>
         </p:txBody>
       </p:sp>
-      <p:sp>
-        <p:nvSpPr>
-          <p:cNvPr id="109" name="TextBox 108">
-            <a:extLst>
-              <a:ext uri="{FF2B5EF4-FFF2-40B4-BE49-F238E27FC236}">
-                <a16:creationId xmlns:a16="http://schemas.microsoft.com/office/drawing/2014/main" id="{A68BD579-D8C6-4403-857A-7FE01A221C0A}"/>
-              </a:ext>
-            </a:extLst>
-          </p:cNvPr>
-          <p:cNvSpPr txBox="1"/>
-          <p:nvPr/>
-        </p:nvSpPr>
-        <p:spPr>
-          <a:xfrm>
-            <a:off x="9848412" y="4912511"/>
-            <a:ext cx="611065" cy="406393"/>
-          </a:xfrm>
-          <a:prstGeom prst="rect">
-            <a:avLst/>
-          </a:prstGeom>
-          <a:noFill/>
-        </p:spPr>
-        <p:txBody>
-          <a:bodyPr wrap="none" rtlCol="0">
-            <a:spAutoFit/>
-          </a:bodyPr>
-          <a:lstStyle/>
-          <a:p>
-            <a:r>
-              <a:rPr lang="en-AU" dirty="0"/>
-              <a:t>Link</a:t>
-            </a:r>
-          </a:p>
-        </p:txBody>
-      </p:sp>
       <p:cxnSp>
         <p:nvCxnSpPr>
-          <p:cNvPr id="115" name="Straight Arrow Connector 114">
-            <a:extLst>
-              <a:ext uri="{FF2B5EF4-FFF2-40B4-BE49-F238E27FC236}">
-                <a16:creationId xmlns:a16="http://schemas.microsoft.com/office/drawing/2014/main" id="{7CA33037-14AE-47F3-B298-A65203FF5A72}"/>
+          <p:cNvPr id="22" name="Straight Arrow Connector 21">
+            <a:extLst>
+              <a:ext uri="{FF2B5EF4-FFF2-40B4-BE49-F238E27FC236}">
+                <a16:creationId xmlns:a16="http://schemas.microsoft.com/office/drawing/2014/main" id="{077D020D-2959-48C8-8C3B-9003ABF26089}"/>
               </a:ext>
             </a:extLst>
           </p:cNvPr>
@@ -4456,8 +4264,85 @@
         </p:nvCxnSpPr>
         <p:spPr>
           <a:xfrm>
-            <a:off x="9630856" y="5281842"/>
-            <a:ext cx="1048870" cy="0"/>
+            <a:off x="2517180" y="2619355"/>
+            <a:ext cx="1047751" cy="0"/>
+          </a:xfrm>
+          <a:prstGeom prst="straightConnector1">
+            <a:avLst/>
+          </a:prstGeom>
+          <a:ln>
+            <a:prstDash val="dash"/>
+            <a:tailEnd type="triangle"/>
+          </a:ln>
+        </p:spPr>
+        <p:style>
+          <a:lnRef idx="1">
+            <a:schemeClr val="accent1"/>
+          </a:lnRef>
+          <a:fillRef idx="0">
+            <a:schemeClr val="accent1"/>
+          </a:fillRef>
+          <a:effectRef idx="0">
+            <a:schemeClr val="accent1"/>
+          </a:effectRef>
+          <a:fontRef idx="minor">
+            <a:schemeClr val="tx1"/>
+          </a:fontRef>
+        </p:style>
+      </p:cxnSp>
+      <p:sp>
+        <p:nvSpPr>
+          <p:cNvPr id="24" name="TextBox 23">
+            <a:extLst>
+              <a:ext uri="{FF2B5EF4-FFF2-40B4-BE49-F238E27FC236}">
+                <a16:creationId xmlns:a16="http://schemas.microsoft.com/office/drawing/2014/main" id="{264F0A5A-3A80-4A65-A321-8DA9ABE1E7BF}"/>
+              </a:ext>
+            </a:extLst>
+          </p:cNvPr>
+          <p:cNvSpPr txBox="1"/>
+          <p:nvPr/>
+        </p:nvSpPr>
+        <p:spPr>
+          <a:xfrm>
+            <a:off x="2493545" y="2642812"/>
+            <a:ext cx="611065" cy="406393"/>
+          </a:xfrm>
+          <a:prstGeom prst="rect">
+            <a:avLst/>
+          </a:prstGeom>
+          <a:noFill/>
+        </p:spPr>
+        <p:txBody>
+          <a:bodyPr wrap="none" rtlCol="0">
+            <a:spAutoFit/>
+          </a:bodyPr>
+          <a:lstStyle/>
+          <a:p>
+            <a:r>
+              <a:rPr lang="en-AU" dirty="0"/>
+              <a:t>Link</a:t>
+            </a:r>
+          </a:p>
+        </p:txBody>
+      </p:sp>
+      <p:cxnSp>
+        <p:nvCxnSpPr>
+          <p:cNvPr id="25" name="Straight Arrow Connector 24">
+            <a:extLst>
+              <a:ext uri="{FF2B5EF4-FFF2-40B4-BE49-F238E27FC236}">
+                <a16:creationId xmlns:a16="http://schemas.microsoft.com/office/drawing/2014/main" id="{AE446986-5E2F-486A-8DE9-9E503D21C566}"/>
+              </a:ext>
+            </a:extLst>
+          </p:cNvPr>
+          <p:cNvCxnSpPr>
+            <a:cxnSpLocks/>
+          </p:cNvCxnSpPr>
+          <p:nvPr/>
+        </p:nvCxnSpPr>
+        <p:spPr>
+          <a:xfrm flipV="1">
+            <a:off x="2517178" y="2847955"/>
+            <a:ext cx="1017350" cy="127516"/>
           </a:xfrm>
           <a:prstGeom prst="straightConnector1">
             <a:avLst/>
@@ -4483,10 +4368,10 @@
       </p:cxnSp>
       <p:sp>
         <p:nvSpPr>
-          <p:cNvPr id="46" name="TextBox 45">
-            <a:extLst>
-              <a:ext uri="{FF2B5EF4-FFF2-40B4-BE49-F238E27FC236}">
-                <a16:creationId xmlns:a16="http://schemas.microsoft.com/office/drawing/2014/main" id="{54DE191F-A1A6-42DD-83BA-41BE9A3DC0CB}"/>
+          <p:cNvPr id="27" name="TextBox 26">
+            <a:extLst>
+              <a:ext uri="{FF2B5EF4-FFF2-40B4-BE49-F238E27FC236}">
+                <a16:creationId xmlns:a16="http://schemas.microsoft.com/office/drawing/2014/main" id="{6A5457D1-6788-4709-A8F9-A08820A85D3A}"/>
               </a:ext>
             </a:extLst>
           </p:cNvPr>
@@ -4495,8 +4380,8 @@
         </p:nvSpPr>
         <p:spPr>
           <a:xfrm>
-            <a:off x="2056897" y="1600599"/>
-            <a:ext cx="1873911" cy="406393"/>
+            <a:off x="5161567" y="473781"/>
+            <a:ext cx="4693336" cy="406393"/>
           </a:xfrm>
           <a:prstGeom prst="rect">
             <a:avLst/>
@@ -4511,17 +4396,22 @@
           <a:p>
             <a:r>
               <a:rPr lang="en-AU" b="1" dirty="0"/>
-              <a:t>1. Timed inflow</a:t>
-            </a:r>
-          </a:p>
-        </p:txBody>
-      </p:sp>
-      <p:sp>
-        <p:nvSpPr>
-          <p:cNvPr id="51" name="Rectangle 50">
-            <a:extLst>
-              <a:ext uri="{FF2B5EF4-FFF2-40B4-BE49-F238E27FC236}">
-                <a16:creationId xmlns:a16="http://schemas.microsoft.com/office/drawing/2014/main" id="{0F5C62DE-0198-4990-BE9A-57F06185F844}"/>
+              <a:t>Outflow paths from </a:t>
+            </a:r>
+            <a:r>
+              <a:rPr lang="en-AU" b="1" dirty="0" err="1"/>
+              <a:t>TimedCompartments</a:t>
+            </a:r>
+            <a:endParaRPr lang="en-AU" b="1" dirty="0"/>
+          </a:p>
+        </p:txBody>
+      </p:sp>
+      <p:sp>
+        <p:nvSpPr>
+          <p:cNvPr id="32" name="Rectangle 31">
+            <a:extLst>
+              <a:ext uri="{FF2B5EF4-FFF2-40B4-BE49-F238E27FC236}">
+                <a16:creationId xmlns:a16="http://schemas.microsoft.com/office/drawing/2014/main" id="{BB38F4DE-E9D0-4026-92C9-9B64263DE00F}"/>
               </a:ext>
             </a:extLst>
           </p:cNvPr>
@@ -4530,7 +4420,7 @@
         </p:nvSpPr>
         <p:spPr>
           <a:xfrm>
-            <a:off x="6144427" y="2191186"/>
+            <a:off x="3212224" y="1332708"/>
             <a:ext cx="1705314" cy="914400"/>
           </a:xfrm>
           <a:prstGeom prst="rect">
@@ -4564,19 +4454,18 @@
           <a:p>
             <a:pPr algn="ctr"/>
             <a:r>
-              <a:rPr lang="en-AU" sz="1400" dirty="0" err="1"/>
-              <a:t>TimedCompartment</a:t>
-            </a:r>
-            <a:endParaRPr lang="en-AU" sz="1400" dirty="0"/>
-          </a:p>
-        </p:txBody>
-      </p:sp>
-      <p:sp>
-        <p:nvSpPr>
-          <p:cNvPr id="52" name="Rectangle 51">
-            <a:extLst>
-              <a:ext uri="{FF2B5EF4-FFF2-40B4-BE49-F238E27FC236}">
-                <a16:creationId xmlns:a16="http://schemas.microsoft.com/office/drawing/2014/main" id="{9844435C-2028-437F-8AEA-669A46B88D38}"/>
+              <a:rPr lang="en-AU" sz="1400" dirty="0"/>
+              <a:t>Compartment</a:t>
+            </a:r>
+          </a:p>
+        </p:txBody>
+      </p:sp>
+      <p:sp>
+        <p:nvSpPr>
+          <p:cNvPr id="35" name="Rectangle 34">
+            <a:extLst>
+              <a:ext uri="{FF2B5EF4-FFF2-40B4-BE49-F238E27FC236}">
+                <a16:creationId xmlns:a16="http://schemas.microsoft.com/office/drawing/2014/main" id="{B9ADE0C2-69AD-492A-821A-52EEFE119901}"/>
               </a:ext>
             </a:extLst>
           </p:cNvPr>
@@ -4585,7 +4474,7 @@
         </p:nvSpPr>
         <p:spPr>
           <a:xfrm>
-            <a:off x="6568459" y="3306383"/>
+            <a:off x="3636256" y="2447905"/>
             <a:ext cx="857250" cy="685800"/>
           </a:xfrm>
           <a:prstGeom prst="rect">
@@ -4618,19 +4507,16 @@
           <a:lstStyle/>
           <a:p>
             <a:pPr algn="ctr"/>
-            <a:r>
-              <a:rPr lang="en-AU" dirty="0"/>
-              <a:t>B</a:t>
-            </a:r>
-          </a:p>
-        </p:txBody>
-      </p:sp>
-      <p:sp>
-        <p:nvSpPr>
-          <p:cNvPr id="53" name="Rectangle 52">
-            <a:extLst>
-              <a:ext uri="{FF2B5EF4-FFF2-40B4-BE49-F238E27FC236}">
-                <a16:creationId xmlns:a16="http://schemas.microsoft.com/office/drawing/2014/main" id="{BAAB87B5-E6A9-42E4-A1A0-72F3F820BC7A}"/>
+            <a:endParaRPr lang="en-AU" dirty="0"/>
+          </a:p>
+        </p:txBody>
+      </p:sp>
+      <p:sp>
+        <p:nvSpPr>
+          <p:cNvPr id="65" name="Rectangle 64">
+            <a:extLst>
+              <a:ext uri="{FF2B5EF4-FFF2-40B4-BE49-F238E27FC236}">
+                <a16:creationId xmlns:a16="http://schemas.microsoft.com/office/drawing/2014/main" id="{D005D247-DEC4-4EE1-9489-FE8C57963790}"/>
               </a:ext>
             </a:extLst>
           </p:cNvPr>
@@ -4639,8 +4525,8 @@
         </p:nvSpPr>
         <p:spPr>
           <a:xfrm>
-            <a:off x="6568459" y="4096958"/>
-            <a:ext cx="857250" cy="685800"/>
+            <a:off x="5442012" y="1350984"/>
+            <a:ext cx="1654682" cy="914400"/>
           </a:xfrm>
           <a:prstGeom prst="rect">
             <a:avLst/>
@@ -4673,18 +4559,19 @@
           <a:p>
             <a:pPr algn="ctr"/>
             <a:r>
-              <a:rPr lang="en-AU" dirty="0"/>
-              <a:t>C</a:t>
-            </a:r>
-          </a:p>
-        </p:txBody>
-      </p:sp>
-      <p:sp>
-        <p:nvSpPr>
-          <p:cNvPr id="54" name="Rectangle 53">
-            <a:extLst>
-              <a:ext uri="{FF2B5EF4-FFF2-40B4-BE49-F238E27FC236}">
-                <a16:creationId xmlns:a16="http://schemas.microsoft.com/office/drawing/2014/main" id="{0B508C70-E718-4115-8286-A9C1F0774F9C}"/>
+              <a:rPr lang="en-AU" sz="1400" dirty="0" err="1"/>
+              <a:t>TimedCompartment</a:t>
+            </a:r>
+            <a:endParaRPr lang="en-AU" sz="1400" dirty="0"/>
+          </a:p>
+        </p:txBody>
+      </p:sp>
+      <p:sp>
+        <p:nvSpPr>
+          <p:cNvPr id="66" name="Rectangle 65">
+            <a:extLst>
+              <a:ext uri="{FF2B5EF4-FFF2-40B4-BE49-F238E27FC236}">
+                <a16:creationId xmlns:a16="http://schemas.microsoft.com/office/drawing/2014/main" id="{47B145A6-32E6-4E3E-9B59-83314E8D2DE5}"/>
               </a:ext>
             </a:extLst>
           </p:cNvPr>
@@ -4693,7 +4580,7 @@
         </p:nvSpPr>
         <p:spPr>
           <a:xfrm>
-            <a:off x="6568459" y="4943135"/>
+            <a:off x="5840729" y="2449453"/>
             <a:ext cx="857250" cy="685800"/>
           </a:xfrm>
           <a:prstGeom prst="rect">
@@ -4728,96 +4615,17 @@
             <a:pPr algn="ctr"/>
             <a:r>
               <a:rPr lang="en-AU" dirty="0"/>
-              <a:t>D</a:t>
-            </a:r>
-          </a:p>
-        </p:txBody>
-      </p:sp>
-      <p:sp>
-        <p:nvSpPr>
-          <p:cNvPr id="55" name="TextBox 54">
-            <a:extLst>
-              <a:ext uri="{FF2B5EF4-FFF2-40B4-BE49-F238E27FC236}">
-                <a16:creationId xmlns:a16="http://schemas.microsoft.com/office/drawing/2014/main" id="{DC2CDBB1-2F9F-4D5F-8C6D-68BEADC8B9AF}"/>
-              </a:ext>
-            </a:extLst>
-          </p:cNvPr>
-          <p:cNvSpPr txBox="1"/>
-          <p:nvPr/>
-        </p:nvSpPr>
-        <p:spPr>
-          <a:xfrm>
-            <a:off x="6036716" y="1600599"/>
-            <a:ext cx="2229456" cy="406393"/>
-          </a:xfrm>
-          <a:prstGeom prst="rect">
-            <a:avLst/>
-          </a:prstGeom>
-          <a:noFill/>
-        </p:spPr>
-        <p:txBody>
-          <a:bodyPr wrap="none" rtlCol="0">
-            <a:spAutoFit/>
-          </a:bodyPr>
-          <a:lstStyle/>
-          <a:p>
-            <a:r>
-              <a:rPr lang="en-AU" b="1" dirty="0"/>
-              <a:t>2. Advance keyring</a:t>
-            </a:r>
-          </a:p>
-        </p:txBody>
-      </p:sp>
-      <p:sp>
-        <p:nvSpPr>
-          <p:cNvPr id="3" name="TextBox 2">
-            <a:extLst>
-              <a:ext uri="{FF2B5EF4-FFF2-40B4-BE49-F238E27FC236}">
-                <a16:creationId xmlns:a16="http://schemas.microsoft.com/office/drawing/2014/main" id="{20BF501D-9A9E-4523-85E0-67F5E20BF089}"/>
-              </a:ext>
-            </a:extLst>
-          </p:cNvPr>
-          <p:cNvSpPr txBox="1"/>
-          <p:nvPr/>
-        </p:nvSpPr>
-        <p:spPr>
-          <a:xfrm>
-            <a:off x="1333279" y="700461"/>
-            <a:ext cx="3460909" cy="461665"/>
-          </a:xfrm>
-          <a:prstGeom prst="rect">
-            <a:avLst/>
-          </a:prstGeom>
-          <a:noFill/>
-        </p:spPr>
-        <p:txBody>
-          <a:bodyPr wrap="square" rtlCol="0">
-            <a:spAutoFit/>
-          </a:bodyPr>
-          <a:lstStyle/>
-          <a:p>
-            <a:pPr algn="ctr"/>
-            <a:r>
-              <a:rPr lang="en-AU" sz="1200" i="1" dirty="0"/>
-              <a:t>(Note the keyring could be advanced first as long as the </a:t>
-            </a:r>
-            <a:r>
-              <a:rPr lang="en-AU" sz="1200" i="1" dirty="0" err="1"/>
-              <a:t>TimedLink</a:t>
-            </a:r>
-            <a:r>
-              <a:rPr lang="en-AU" sz="1200" i="1" dirty="0"/>
-              <a:t> array is also shifted accordingly)</a:t>
-            </a:r>
-          </a:p>
-        </p:txBody>
-      </p:sp>
-      <p:sp>
-        <p:nvSpPr>
-          <p:cNvPr id="57" name="Rectangle 56">
-            <a:extLst>
-              <a:ext uri="{FF2B5EF4-FFF2-40B4-BE49-F238E27FC236}">
-                <a16:creationId xmlns:a16="http://schemas.microsoft.com/office/drawing/2014/main" id="{2EDC81C0-525F-4E65-A6D2-31A91081CD74}"/>
+              <a:t>A</a:t>
+            </a:r>
+          </a:p>
+        </p:txBody>
+      </p:sp>
+      <p:sp>
+        <p:nvSpPr>
+          <p:cNvPr id="67" name="Rectangle 66">
+            <a:extLst>
+              <a:ext uri="{FF2B5EF4-FFF2-40B4-BE49-F238E27FC236}">
+                <a16:creationId xmlns:a16="http://schemas.microsoft.com/office/drawing/2014/main" id="{10F34F4A-8A68-4A1B-88DA-24503BDE02E2}"/>
               </a:ext>
             </a:extLst>
           </p:cNvPr>
@@ -4826,8 +4634,8 @@
         </p:nvSpPr>
         <p:spPr>
           <a:xfrm>
-            <a:off x="10354031" y="2191186"/>
-            <a:ext cx="1705314" cy="914400"/>
+            <a:off x="5840729" y="3297178"/>
+            <a:ext cx="857250" cy="685800"/>
           </a:xfrm>
           <a:prstGeom prst="rect">
             <a:avLst/>
@@ -4860,19 +4668,18 @@
           <a:p>
             <a:pPr algn="ctr"/>
             <a:r>
-              <a:rPr lang="en-AU" sz="1400" dirty="0" err="1"/>
-              <a:t>TimedCompartment</a:t>
-            </a:r>
-            <a:endParaRPr lang="en-AU" sz="1400" dirty="0"/>
-          </a:p>
-        </p:txBody>
-      </p:sp>
-      <p:sp>
-        <p:nvSpPr>
-          <p:cNvPr id="58" name="Rectangle 57">
-            <a:extLst>
-              <a:ext uri="{FF2B5EF4-FFF2-40B4-BE49-F238E27FC236}">
-                <a16:creationId xmlns:a16="http://schemas.microsoft.com/office/drawing/2014/main" id="{0BF0C7DF-1427-46E6-8BD4-393E51E20D72}"/>
+              <a:rPr lang="en-AU" dirty="0"/>
+              <a:t>B</a:t>
+            </a:r>
+          </a:p>
+        </p:txBody>
+      </p:sp>
+      <p:sp>
+        <p:nvSpPr>
+          <p:cNvPr id="68" name="Rectangle 67">
+            <a:extLst>
+              <a:ext uri="{FF2B5EF4-FFF2-40B4-BE49-F238E27FC236}">
+                <a16:creationId xmlns:a16="http://schemas.microsoft.com/office/drawing/2014/main" id="{61E8D895-D617-48B7-AD1B-9121ABB8EA05}"/>
               </a:ext>
             </a:extLst>
           </p:cNvPr>
@@ -4881,7 +4688,7 @@
         </p:nvSpPr>
         <p:spPr>
           <a:xfrm>
-            <a:off x="10778064" y="3306383"/>
+            <a:off x="5840729" y="4144903"/>
             <a:ext cx="857250" cy="685800"/>
           </a:xfrm>
           <a:prstGeom prst="rect">
@@ -4916,17 +4723,171 @@
             <a:pPr algn="ctr"/>
             <a:r>
               <a:rPr lang="en-AU" dirty="0"/>
-              <a:t>B</a:t>
-            </a:r>
-          </a:p>
-        </p:txBody>
-      </p:sp>
-      <p:sp>
-        <p:nvSpPr>
-          <p:cNvPr id="59" name="Rectangle 58">
-            <a:extLst>
-              <a:ext uri="{FF2B5EF4-FFF2-40B4-BE49-F238E27FC236}">
-                <a16:creationId xmlns:a16="http://schemas.microsoft.com/office/drawing/2014/main" id="{9AB777D4-B817-4DFB-9922-E8B32BCCBA91}"/>
+              <a:t>C</a:t>
+            </a:r>
+          </a:p>
+        </p:txBody>
+      </p:sp>
+      <p:cxnSp>
+        <p:nvCxnSpPr>
+          <p:cNvPr id="69" name="Straight Arrow Connector 68">
+            <a:extLst>
+              <a:ext uri="{FF2B5EF4-FFF2-40B4-BE49-F238E27FC236}">
+                <a16:creationId xmlns:a16="http://schemas.microsoft.com/office/drawing/2014/main" id="{40869402-D0DD-47FF-973A-67EBE8C25B6A}"/>
+              </a:ext>
+            </a:extLst>
+          </p:cNvPr>
+          <p:cNvCxnSpPr>
+            <a:cxnSpLocks/>
+          </p:cNvCxnSpPr>
+          <p:nvPr/>
+        </p:nvCxnSpPr>
+        <p:spPr>
+          <a:xfrm>
+            <a:off x="6783703" y="3640078"/>
+            <a:ext cx="1047751" cy="0"/>
+          </a:xfrm>
+          <a:prstGeom prst="straightConnector1">
+            <a:avLst/>
+          </a:prstGeom>
+          <a:ln>
+            <a:tailEnd type="triangle"/>
+          </a:ln>
+        </p:spPr>
+        <p:style>
+          <a:lnRef idx="1">
+            <a:schemeClr val="accent1"/>
+          </a:lnRef>
+          <a:fillRef idx="0">
+            <a:schemeClr val="accent1"/>
+          </a:fillRef>
+          <a:effectRef idx="0">
+            <a:schemeClr val="accent1"/>
+          </a:effectRef>
+          <a:fontRef idx="minor">
+            <a:schemeClr val="tx1"/>
+          </a:fontRef>
+        </p:style>
+      </p:cxnSp>
+      <p:sp>
+        <p:nvSpPr>
+          <p:cNvPr id="70" name="TextBox 69">
+            <a:extLst>
+              <a:ext uri="{FF2B5EF4-FFF2-40B4-BE49-F238E27FC236}">
+                <a16:creationId xmlns:a16="http://schemas.microsoft.com/office/drawing/2014/main" id="{A8DD9F13-A5B9-4714-A168-359069AF736C}"/>
+              </a:ext>
+            </a:extLst>
+          </p:cNvPr>
+          <p:cNvSpPr txBox="1"/>
+          <p:nvPr/>
+        </p:nvSpPr>
+        <p:spPr>
+          <a:xfrm>
+            <a:off x="6740952" y="4114781"/>
+            <a:ext cx="1148071" cy="369332"/>
+          </a:xfrm>
+          <a:prstGeom prst="rect">
+            <a:avLst/>
+          </a:prstGeom>
+          <a:noFill/>
+        </p:spPr>
+        <p:txBody>
+          <a:bodyPr wrap="none" rtlCol="0">
+            <a:spAutoFit/>
+          </a:bodyPr>
+          <a:lstStyle/>
+          <a:p>
+            <a:r>
+              <a:rPr lang="en-AU" dirty="0" err="1"/>
+              <a:t>TimedLink</a:t>
+            </a:r>
+            <a:endParaRPr lang="en-AU" dirty="0"/>
+          </a:p>
+        </p:txBody>
+      </p:sp>
+      <p:cxnSp>
+        <p:nvCxnSpPr>
+          <p:cNvPr id="71" name="Straight Arrow Connector 70">
+            <a:extLst>
+              <a:ext uri="{FF2B5EF4-FFF2-40B4-BE49-F238E27FC236}">
+                <a16:creationId xmlns:a16="http://schemas.microsoft.com/office/drawing/2014/main" id="{A28718F8-399B-44D4-909A-C5469FB733A5}"/>
+              </a:ext>
+            </a:extLst>
+          </p:cNvPr>
+          <p:cNvCxnSpPr>
+            <a:cxnSpLocks/>
+          </p:cNvCxnSpPr>
+          <p:nvPr/>
+        </p:nvCxnSpPr>
+        <p:spPr>
+          <a:xfrm>
+            <a:off x="6783703" y="4487803"/>
+            <a:ext cx="1047751" cy="0"/>
+          </a:xfrm>
+          <a:prstGeom prst="straightConnector1">
+            <a:avLst/>
+          </a:prstGeom>
+          <a:ln>
+            <a:tailEnd type="triangle"/>
+          </a:ln>
+        </p:spPr>
+        <p:style>
+          <a:lnRef idx="1">
+            <a:schemeClr val="accent1"/>
+          </a:lnRef>
+          <a:fillRef idx="0">
+            <a:schemeClr val="accent1"/>
+          </a:fillRef>
+          <a:effectRef idx="0">
+            <a:schemeClr val="accent1"/>
+          </a:effectRef>
+          <a:fontRef idx="minor">
+            <a:schemeClr val="tx1"/>
+          </a:fontRef>
+        </p:style>
+      </p:cxnSp>
+      <p:sp>
+        <p:nvSpPr>
+          <p:cNvPr id="72" name="TextBox 71">
+            <a:extLst>
+              <a:ext uri="{FF2B5EF4-FFF2-40B4-BE49-F238E27FC236}">
+                <a16:creationId xmlns:a16="http://schemas.microsoft.com/office/drawing/2014/main" id="{64E44964-111E-4515-BA42-356C9A5D849A}"/>
+              </a:ext>
+            </a:extLst>
+          </p:cNvPr>
+          <p:cNvSpPr txBox="1"/>
+          <p:nvPr/>
+        </p:nvSpPr>
+        <p:spPr>
+          <a:xfrm>
+            <a:off x="6751698" y="3286789"/>
+            <a:ext cx="1148071" cy="369332"/>
+          </a:xfrm>
+          <a:prstGeom prst="rect">
+            <a:avLst/>
+          </a:prstGeom>
+          <a:noFill/>
+        </p:spPr>
+        <p:txBody>
+          <a:bodyPr wrap="none" rtlCol="0">
+            <a:spAutoFit/>
+          </a:bodyPr>
+          <a:lstStyle/>
+          <a:p>
+            <a:r>
+              <a:rPr lang="en-AU" dirty="0" err="1"/>
+              <a:t>TimedLink</a:t>
+            </a:r>
+            <a:endParaRPr lang="en-AU" dirty="0"/>
+          </a:p>
+        </p:txBody>
+      </p:sp>
+      <p:sp>
+        <p:nvSpPr>
+          <p:cNvPr id="73" name="Rectangle 72">
+            <a:extLst>
+              <a:ext uri="{FF2B5EF4-FFF2-40B4-BE49-F238E27FC236}">
+                <a16:creationId xmlns:a16="http://schemas.microsoft.com/office/drawing/2014/main" id="{8FFCFEC8-0663-49A0-A591-F055DC63E646}"/>
               </a:ext>
             </a:extLst>
           </p:cNvPr>
@@ -4935,8 +4896,8 @@
         </p:nvSpPr>
         <p:spPr>
           <a:xfrm>
-            <a:off x="10778064" y="4096958"/>
-            <a:ext cx="857250" cy="685800"/>
+            <a:off x="7435996" y="1362831"/>
+            <a:ext cx="1705314" cy="914400"/>
           </a:xfrm>
           <a:prstGeom prst="rect">
             <a:avLst/>
@@ -4969,18 +4930,19 @@
           <a:p>
             <a:pPr algn="ctr"/>
             <a:r>
-              <a:rPr lang="en-AU" dirty="0"/>
-              <a:t>C</a:t>
-            </a:r>
-          </a:p>
-        </p:txBody>
-      </p:sp>
-      <p:sp>
-        <p:nvSpPr>
-          <p:cNvPr id="60" name="Rectangle 59">
-            <a:extLst>
-              <a:ext uri="{FF2B5EF4-FFF2-40B4-BE49-F238E27FC236}">
-                <a16:creationId xmlns:a16="http://schemas.microsoft.com/office/drawing/2014/main" id="{2A2650F0-7E16-4854-9221-D7A06B7E90D7}"/>
+              <a:rPr lang="en-AU" sz="1400" dirty="0" err="1"/>
+              <a:t>TimedCompartment</a:t>
+            </a:r>
+            <a:endParaRPr lang="en-AU" sz="1400" dirty="0"/>
+          </a:p>
+        </p:txBody>
+      </p:sp>
+      <p:sp>
+        <p:nvSpPr>
+          <p:cNvPr id="74" name="Rectangle 73">
+            <a:extLst>
+              <a:ext uri="{FF2B5EF4-FFF2-40B4-BE49-F238E27FC236}">
+                <a16:creationId xmlns:a16="http://schemas.microsoft.com/office/drawing/2014/main" id="{B861F75E-B4D9-4CBB-A187-8FB5E9B09E92}"/>
               </a:ext>
             </a:extLst>
           </p:cNvPr>
@@ -4989,7 +4951,7 @@
         </p:nvSpPr>
         <p:spPr>
           <a:xfrm>
-            <a:off x="10778064" y="4943135"/>
+            <a:off x="7860029" y="2478028"/>
             <a:ext cx="857250" cy="685800"/>
           </a:xfrm>
           <a:prstGeom prst="rect">
@@ -5024,17 +4986,571 @@
             <a:pPr algn="ctr"/>
             <a:r>
               <a:rPr lang="en-AU" dirty="0"/>
-              <a:t>D</a:t>
-            </a:r>
-          </a:p>
-        </p:txBody>
-      </p:sp>
-      <p:sp>
-        <p:nvSpPr>
-          <p:cNvPr id="61" name="TextBox 60">
-            <a:extLst>
-              <a:ext uri="{FF2B5EF4-FFF2-40B4-BE49-F238E27FC236}">
-                <a16:creationId xmlns:a16="http://schemas.microsoft.com/office/drawing/2014/main" id="{C42E8792-F12B-4F8B-ABD0-A42B3F9A8DC0}"/>
+              <a:t>A</a:t>
+            </a:r>
+          </a:p>
+        </p:txBody>
+      </p:sp>
+      <p:sp>
+        <p:nvSpPr>
+          <p:cNvPr id="75" name="Rectangle 74">
+            <a:extLst>
+              <a:ext uri="{FF2B5EF4-FFF2-40B4-BE49-F238E27FC236}">
+                <a16:creationId xmlns:a16="http://schemas.microsoft.com/office/drawing/2014/main" id="{21064A8C-2C39-41CC-A687-064AD51260DC}"/>
+              </a:ext>
+            </a:extLst>
+          </p:cNvPr>
+          <p:cNvSpPr/>
+          <p:nvPr/>
+        </p:nvSpPr>
+        <p:spPr>
+          <a:xfrm>
+            <a:off x="7860029" y="3268603"/>
+            <a:ext cx="857250" cy="685800"/>
+          </a:xfrm>
+          <a:prstGeom prst="rect">
+            <a:avLst/>
+          </a:prstGeom>
+        </p:spPr>
+        <p:style>
+          <a:lnRef idx="2">
+            <a:schemeClr val="accent1">
+              <a:shade val="50000"/>
+            </a:schemeClr>
+          </a:lnRef>
+          <a:fillRef idx="1">
+            <a:schemeClr val="accent1"/>
+          </a:fillRef>
+          <a:effectRef idx="0">
+            <a:schemeClr val="accent1"/>
+          </a:effectRef>
+          <a:fontRef idx="minor">
+            <a:schemeClr val="lt1"/>
+          </a:fontRef>
+        </p:style>
+        <p:txBody>
+          <a:bodyPr rot="0" spcFirstLastPara="0" vertOverflow="overflow" horzOverflow="overflow" vert="horz" wrap="square" lIns="91440" tIns="45720" rIns="91440" bIns="45720" numCol="1" spcCol="0" rtlCol="0" fromWordArt="0" anchor="ctr" anchorCtr="0" forceAA="0" compatLnSpc="1">
+            <a:prstTxWarp prst="textNoShape">
+              <a:avLst/>
+            </a:prstTxWarp>
+            <a:noAutofit/>
+          </a:bodyPr>
+          <a:lstStyle/>
+          <a:p>
+            <a:pPr algn="ctr"/>
+            <a:r>
+              <a:rPr lang="en-AU" dirty="0"/>
+              <a:t>B</a:t>
+            </a:r>
+          </a:p>
+        </p:txBody>
+      </p:sp>
+      <p:sp>
+        <p:nvSpPr>
+          <p:cNvPr id="76" name="Rectangle 75">
+            <a:extLst>
+              <a:ext uri="{FF2B5EF4-FFF2-40B4-BE49-F238E27FC236}">
+                <a16:creationId xmlns:a16="http://schemas.microsoft.com/office/drawing/2014/main" id="{DDAF7E38-BB43-43DA-81EF-5E371E7C5E12}"/>
+              </a:ext>
+            </a:extLst>
+          </p:cNvPr>
+          <p:cNvSpPr/>
+          <p:nvPr/>
+        </p:nvSpPr>
+        <p:spPr>
+          <a:xfrm>
+            <a:off x="7860029" y="4114780"/>
+            <a:ext cx="857250" cy="685800"/>
+          </a:xfrm>
+          <a:prstGeom prst="rect">
+            <a:avLst/>
+          </a:prstGeom>
+        </p:spPr>
+        <p:style>
+          <a:lnRef idx="2">
+            <a:schemeClr val="accent1">
+              <a:shade val="50000"/>
+            </a:schemeClr>
+          </a:lnRef>
+          <a:fillRef idx="1">
+            <a:schemeClr val="accent1"/>
+          </a:fillRef>
+          <a:effectRef idx="0">
+            <a:schemeClr val="accent1"/>
+          </a:effectRef>
+          <a:fontRef idx="minor">
+            <a:schemeClr val="lt1"/>
+          </a:fontRef>
+        </p:style>
+        <p:txBody>
+          <a:bodyPr rot="0" spcFirstLastPara="0" vertOverflow="overflow" horzOverflow="overflow" vert="horz" wrap="square" lIns="91440" tIns="45720" rIns="91440" bIns="45720" numCol="1" spcCol="0" rtlCol="0" fromWordArt="0" anchor="ctr" anchorCtr="0" forceAA="0" compatLnSpc="1">
+            <a:prstTxWarp prst="textNoShape">
+              <a:avLst/>
+            </a:prstTxWarp>
+            <a:noAutofit/>
+          </a:bodyPr>
+          <a:lstStyle/>
+          <a:p>
+            <a:pPr algn="ctr"/>
+            <a:r>
+              <a:rPr lang="en-AU" dirty="0"/>
+              <a:t>C</a:t>
+            </a:r>
+          </a:p>
+        </p:txBody>
+      </p:sp>
+      <p:sp>
+        <p:nvSpPr>
+          <p:cNvPr id="77" name="Rectangle 76">
+            <a:extLst>
+              <a:ext uri="{FF2B5EF4-FFF2-40B4-BE49-F238E27FC236}">
+                <a16:creationId xmlns:a16="http://schemas.microsoft.com/office/drawing/2014/main" id="{915F6B67-18C5-46D8-9BBC-3E3240DEE22D}"/>
+              </a:ext>
+            </a:extLst>
+          </p:cNvPr>
+          <p:cNvSpPr/>
+          <p:nvPr/>
+        </p:nvSpPr>
+        <p:spPr>
+          <a:xfrm>
+            <a:off x="9558251" y="1350984"/>
+            <a:ext cx="1654682" cy="914400"/>
+          </a:xfrm>
+          <a:prstGeom prst="rect">
+            <a:avLst/>
+          </a:prstGeom>
+        </p:spPr>
+        <p:style>
+          <a:lnRef idx="2">
+            <a:schemeClr val="accent1">
+              <a:shade val="50000"/>
+            </a:schemeClr>
+          </a:lnRef>
+          <a:fillRef idx="1">
+            <a:schemeClr val="accent1"/>
+          </a:fillRef>
+          <a:effectRef idx="0">
+            <a:schemeClr val="accent1"/>
+          </a:effectRef>
+          <a:fontRef idx="minor">
+            <a:schemeClr val="lt1"/>
+          </a:fontRef>
+        </p:style>
+        <p:txBody>
+          <a:bodyPr rot="0" spcFirstLastPara="0" vertOverflow="overflow" horzOverflow="overflow" vert="horz" wrap="square" lIns="91440" tIns="45720" rIns="91440" bIns="45720" numCol="1" spcCol="0" rtlCol="0" fromWordArt="0" anchor="ctr" anchorCtr="0" forceAA="0" compatLnSpc="1">
+            <a:prstTxWarp prst="textNoShape">
+              <a:avLst/>
+            </a:prstTxWarp>
+            <a:noAutofit/>
+          </a:bodyPr>
+          <a:lstStyle/>
+          <a:p>
+            <a:pPr algn="ctr"/>
+            <a:r>
+              <a:rPr lang="en-AU" sz="1400" dirty="0" err="1"/>
+              <a:t>TimedCompartment</a:t>
+            </a:r>
+            <a:endParaRPr lang="en-AU" sz="1400" dirty="0"/>
+          </a:p>
+        </p:txBody>
+      </p:sp>
+      <p:sp>
+        <p:nvSpPr>
+          <p:cNvPr id="78" name="Rectangle 77">
+            <a:extLst>
+              <a:ext uri="{FF2B5EF4-FFF2-40B4-BE49-F238E27FC236}">
+                <a16:creationId xmlns:a16="http://schemas.microsoft.com/office/drawing/2014/main" id="{0565B096-6E2E-4855-947F-2CCBA45A707A}"/>
+              </a:ext>
+            </a:extLst>
+          </p:cNvPr>
+          <p:cNvSpPr/>
+          <p:nvPr/>
+        </p:nvSpPr>
+        <p:spPr>
+          <a:xfrm>
+            <a:off x="9956967" y="2449453"/>
+            <a:ext cx="857250" cy="685800"/>
+          </a:xfrm>
+          <a:prstGeom prst="rect">
+            <a:avLst/>
+          </a:prstGeom>
+        </p:spPr>
+        <p:style>
+          <a:lnRef idx="2">
+            <a:schemeClr val="accent1">
+              <a:shade val="50000"/>
+            </a:schemeClr>
+          </a:lnRef>
+          <a:fillRef idx="1">
+            <a:schemeClr val="accent1"/>
+          </a:fillRef>
+          <a:effectRef idx="0">
+            <a:schemeClr val="accent1"/>
+          </a:effectRef>
+          <a:fontRef idx="minor">
+            <a:schemeClr val="lt1"/>
+          </a:fontRef>
+        </p:style>
+        <p:txBody>
+          <a:bodyPr rot="0" spcFirstLastPara="0" vertOverflow="overflow" horzOverflow="overflow" vert="horz" wrap="square" lIns="91440" tIns="45720" rIns="91440" bIns="45720" numCol="1" spcCol="0" rtlCol="0" fromWordArt="0" anchor="ctr" anchorCtr="0" forceAA="0" compatLnSpc="1">
+            <a:prstTxWarp prst="textNoShape">
+              <a:avLst/>
+            </a:prstTxWarp>
+            <a:noAutofit/>
+          </a:bodyPr>
+          <a:lstStyle/>
+          <a:p>
+            <a:pPr algn="ctr"/>
+            <a:r>
+              <a:rPr lang="en-AU" dirty="0"/>
+              <a:t>A</a:t>
+            </a:r>
+          </a:p>
+        </p:txBody>
+      </p:sp>
+      <p:sp>
+        <p:nvSpPr>
+          <p:cNvPr id="79" name="Rectangle 78">
+            <a:extLst>
+              <a:ext uri="{FF2B5EF4-FFF2-40B4-BE49-F238E27FC236}">
+                <a16:creationId xmlns:a16="http://schemas.microsoft.com/office/drawing/2014/main" id="{860D2C3D-170C-4372-93C9-671B05A82477}"/>
+              </a:ext>
+            </a:extLst>
+          </p:cNvPr>
+          <p:cNvSpPr/>
+          <p:nvPr/>
+        </p:nvSpPr>
+        <p:spPr>
+          <a:xfrm>
+            <a:off x="9956967" y="3297178"/>
+            <a:ext cx="857250" cy="685800"/>
+          </a:xfrm>
+          <a:prstGeom prst="rect">
+            <a:avLst/>
+          </a:prstGeom>
+        </p:spPr>
+        <p:style>
+          <a:lnRef idx="2">
+            <a:schemeClr val="accent1">
+              <a:shade val="50000"/>
+            </a:schemeClr>
+          </a:lnRef>
+          <a:fillRef idx="1">
+            <a:schemeClr val="accent1"/>
+          </a:fillRef>
+          <a:effectRef idx="0">
+            <a:schemeClr val="accent1"/>
+          </a:effectRef>
+          <a:fontRef idx="minor">
+            <a:schemeClr val="lt1"/>
+          </a:fontRef>
+        </p:style>
+        <p:txBody>
+          <a:bodyPr rot="0" spcFirstLastPara="0" vertOverflow="overflow" horzOverflow="overflow" vert="horz" wrap="square" lIns="91440" tIns="45720" rIns="91440" bIns="45720" numCol="1" spcCol="0" rtlCol="0" fromWordArt="0" anchor="ctr" anchorCtr="0" forceAA="0" compatLnSpc="1">
+            <a:prstTxWarp prst="textNoShape">
+              <a:avLst/>
+            </a:prstTxWarp>
+            <a:noAutofit/>
+          </a:bodyPr>
+          <a:lstStyle/>
+          <a:p>
+            <a:pPr algn="ctr"/>
+            <a:r>
+              <a:rPr lang="en-AU" dirty="0"/>
+              <a:t>B</a:t>
+            </a:r>
+          </a:p>
+        </p:txBody>
+      </p:sp>
+      <p:sp>
+        <p:nvSpPr>
+          <p:cNvPr id="80" name="Rectangle 79">
+            <a:extLst>
+              <a:ext uri="{FF2B5EF4-FFF2-40B4-BE49-F238E27FC236}">
+                <a16:creationId xmlns:a16="http://schemas.microsoft.com/office/drawing/2014/main" id="{076F37A5-549C-4229-BD16-268EFDB06E1A}"/>
+              </a:ext>
+            </a:extLst>
+          </p:cNvPr>
+          <p:cNvSpPr/>
+          <p:nvPr/>
+        </p:nvSpPr>
+        <p:spPr>
+          <a:xfrm>
+            <a:off x="9956967" y="4144903"/>
+            <a:ext cx="857250" cy="685800"/>
+          </a:xfrm>
+          <a:prstGeom prst="rect">
+            <a:avLst/>
+          </a:prstGeom>
+        </p:spPr>
+        <p:style>
+          <a:lnRef idx="2">
+            <a:schemeClr val="accent1">
+              <a:shade val="50000"/>
+            </a:schemeClr>
+          </a:lnRef>
+          <a:fillRef idx="1">
+            <a:schemeClr val="accent1"/>
+          </a:fillRef>
+          <a:effectRef idx="0">
+            <a:schemeClr val="accent1"/>
+          </a:effectRef>
+          <a:fontRef idx="minor">
+            <a:schemeClr val="lt1"/>
+          </a:fontRef>
+        </p:style>
+        <p:txBody>
+          <a:bodyPr rot="0" spcFirstLastPara="0" vertOverflow="overflow" horzOverflow="overflow" vert="horz" wrap="square" lIns="91440" tIns="45720" rIns="91440" bIns="45720" numCol="1" spcCol="0" rtlCol="0" fromWordArt="0" anchor="ctr" anchorCtr="0" forceAA="0" compatLnSpc="1">
+            <a:prstTxWarp prst="textNoShape">
+              <a:avLst/>
+            </a:prstTxWarp>
+            <a:noAutofit/>
+          </a:bodyPr>
+          <a:lstStyle/>
+          <a:p>
+            <a:pPr algn="ctr"/>
+            <a:r>
+              <a:rPr lang="en-AU" dirty="0"/>
+              <a:t>C</a:t>
+            </a:r>
+          </a:p>
+        </p:txBody>
+      </p:sp>
+      <p:sp>
+        <p:nvSpPr>
+          <p:cNvPr id="85" name="Rectangle 84">
+            <a:extLst>
+              <a:ext uri="{FF2B5EF4-FFF2-40B4-BE49-F238E27FC236}">
+                <a16:creationId xmlns:a16="http://schemas.microsoft.com/office/drawing/2014/main" id="{3286A435-4B7A-494C-9E31-ED8CD60D4042}"/>
+              </a:ext>
+            </a:extLst>
+          </p:cNvPr>
+          <p:cNvSpPr/>
+          <p:nvPr/>
+        </p:nvSpPr>
+        <p:spPr>
+          <a:xfrm>
+            <a:off x="11552235" y="1362831"/>
+            <a:ext cx="1705314" cy="914400"/>
+          </a:xfrm>
+          <a:prstGeom prst="rect">
+            <a:avLst/>
+          </a:prstGeom>
+          <a:solidFill>
+            <a:srgbClr val="C00000"/>
+          </a:solidFill>
+        </p:spPr>
+        <p:style>
+          <a:lnRef idx="2">
+            <a:schemeClr val="accent1">
+              <a:shade val="50000"/>
+            </a:schemeClr>
+          </a:lnRef>
+          <a:fillRef idx="1">
+            <a:schemeClr val="accent1"/>
+          </a:fillRef>
+          <a:effectRef idx="0">
+            <a:schemeClr val="accent1"/>
+          </a:effectRef>
+          <a:fontRef idx="minor">
+            <a:schemeClr val="lt1"/>
+          </a:fontRef>
+        </p:style>
+        <p:txBody>
+          <a:bodyPr rot="0" spcFirstLastPara="0" vertOverflow="overflow" horzOverflow="overflow" vert="horz" wrap="square" lIns="91440" tIns="45720" rIns="91440" bIns="45720" numCol="1" spcCol="0" rtlCol="0" fromWordArt="0" anchor="ctr" anchorCtr="0" forceAA="0" compatLnSpc="1">
+            <a:prstTxWarp prst="textNoShape">
+              <a:avLst/>
+            </a:prstTxWarp>
+            <a:noAutofit/>
+          </a:bodyPr>
+          <a:lstStyle/>
+          <a:p>
+            <a:pPr algn="ctr"/>
+            <a:r>
+              <a:rPr lang="en-AU" sz="1400" dirty="0" err="1"/>
+              <a:t>TimedCompartment</a:t>
+            </a:r>
+            <a:endParaRPr lang="en-AU" sz="1400" dirty="0"/>
+          </a:p>
+        </p:txBody>
+      </p:sp>
+      <p:sp>
+        <p:nvSpPr>
+          <p:cNvPr id="86" name="Rectangle 85">
+            <a:extLst>
+              <a:ext uri="{FF2B5EF4-FFF2-40B4-BE49-F238E27FC236}">
+                <a16:creationId xmlns:a16="http://schemas.microsoft.com/office/drawing/2014/main" id="{41989F73-F1EC-4762-A6E2-43CE0956A30C}"/>
+              </a:ext>
+            </a:extLst>
+          </p:cNvPr>
+          <p:cNvSpPr/>
+          <p:nvPr/>
+        </p:nvSpPr>
+        <p:spPr>
+          <a:xfrm>
+            <a:off x="11976267" y="2478028"/>
+            <a:ext cx="857250" cy="685800"/>
+          </a:xfrm>
+          <a:prstGeom prst="rect">
+            <a:avLst/>
+          </a:prstGeom>
+          <a:solidFill>
+            <a:srgbClr val="C00000"/>
+          </a:solidFill>
+        </p:spPr>
+        <p:style>
+          <a:lnRef idx="2">
+            <a:schemeClr val="accent1">
+              <a:shade val="50000"/>
+            </a:schemeClr>
+          </a:lnRef>
+          <a:fillRef idx="1">
+            <a:schemeClr val="accent1"/>
+          </a:fillRef>
+          <a:effectRef idx="0">
+            <a:schemeClr val="accent1"/>
+          </a:effectRef>
+          <a:fontRef idx="minor">
+            <a:schemeClr val="lt1"/>
+          </a:fontRef>
+        </p:style>
+        <p:txBody>
+          <a:bodyPr rot="0" spcFirstLastPara="0" vertOverflow="overflow" horzOverflow="overflow" vert="horz" wrap="square" lIns="91440" tIns="45720" rIns="91440" bIns="45720" numCol="1" spcCol="0" rtlCol="0" fromWordArt="0" anchor="ctr" anchorCtr="0" forceAA="0" compatLnSpc="1">
+            <a:prstTxWarp prst="textNoShape">
+              <a:avLst/>
+            </a:prstTxWarp>
+            <a:noAutofit/>
+          </a:bodyPr>
+          <a:lstStyle/>
+          <a:p>
+            <a:pPr algn="ctr"/>
+            <a:r>
+              <a:rPr lang="en-AU" dirty="0"/>
+              <a:t>A</a:t>
+            </a:r>
+          </a:p>
+        </p:txBody>
+      </p:sp>
+      <p:sp>
+        <p:nvSpPr>
+          <p:cNvPr id="87" name="Rectangle 86">
+            <a:extLst>
+              <a:ext uri="{FF2B5EF4-FFF2-40B4-BE49-F238E27FC236}">
+                <a16:creationId xmlns:a16="http://schemas.microsoft.com/office/drawing/2014/main" id="{718135A2-A43F-48AF-9BDF-647488ECC71D}"/>
+              </a:ext>
+            </a:extLst>
+          </p:cNvPr>
+          <p:cNvSpPr/>
+          <p:nvPr/>
+        </p:nvSpPr>
+        <p:spPr>
+          <a:xfrm>
+            <a:off x="11976267" y="3268603"/>
+            <a:ext cx="857250" cy="685800"/>
+          </a:xfrm>
+          <a:prstGeom prst="rect">
+            <a:avLst/>
+          </a:prstGeom>
+          <a:solidFill>
+            <a:srgbClr val="C00000"/>
+          </a:solidFill>
+        </p:spPr>
+        <p:style>
+          <a:lnRef idx="2">
+            <a:schemeClr val="accent1">
+              <a:shade val="50000"/>
+            </a:schemeClr>
+          </a:lnRef>
+          <a:fillRef idx="1">
+            <a:schemeClr val="accent1"/>
+          </a:fillRef>
+          <a:effectRef idx="0">
+            <a:schemeClr val="accent1"/>
+          </a:effectRef>
+          <a:fontRef idx="minor">
+            <a:schemeClr val="lt1"/>
+          </a:fontRef>
+        </p:style>
+        <p:txBody>
+          <a:bodyPr rot="0" spcFirstLastPara="0" vertOverflow="overflow" horzOverflow="overflow" vert="horz" wrap="square" lIns="91440" tIns="45720" rIns="91440" bIns="45720" numCol="1" spcCol="0" rtlCol="0" fromWordArt="0" anchor="ctr" anchorCtr="0" forceAA="0" compatLnSpc="1">
+            <a:prstTxWarp prst="textNoShape">
+              <a:avLst/>
+            </a:prstTxWarp>
+            <a:noAutofit/>
+          </a:bodyPr>
+          <a:lstStyle/>
+          <a:p>
+            <a:pPr algn="ctr"/>
+            <a:r>
+              <a:rPr lang="en-AU" dirty="0"/>
+              <a:t>B</a:t>
+            </a:r>
+          </a:p>
+        </p:txBody>
+      </p:sp>
+      <p:sp>
+        <p:nvSpPr>
+          <p:cNvPr id="88" name="Rectangle 87">
+            <a:extLst>
+              <a:ext uri="{FF2B5EF4-FFF2-40B4-BE49-F238E27FC236}">
+                <a16:creationId xmlns:a16="http://schemas.microsoft.com/office/drawing/2014/main" id="{292F92EE-F4B1-405D-90D9-0D8F3F1FA3A4}"/>
+              </a:ext>
+            </a:extLst>
+          </p:cNvPr>
+          <p:cNvSpPr/>
+          <p:nvPr/>
+        </p:nvSpPr>
+        <p:spPr>
+          <a:xfrm>
+            <a:off x="11976267" y="4114780"/>
+            <a:ext cx="857250" cy="685800"/>
+          </a:xfrm>
+          <a:prstGeom prst="rect">
+            <a:avLst/>
+          </a:prstGeom>
+          <a:solidFill>
+            <a:srgbClr val="C00000"/>
+          </a:solidFill>
+        </p:spPr>
+        <p:style>
+          <a:lnRef idx="2">
+            <a:schemeClr val="accent1">
+              <a:shade val="50000"/>
+            </a:schemeClr>
+          </a:lnRef>
+          <a:fillRef idx="1">
+            <a:schemeClr val="accent1"/>
+          </a:fillRef>
+          <a:effectRef idx="0">
+            <a:schemeClr val="accent1"/>
+          </a:effectRef>
+          <a:fontRef idx="minor">
+            <a:schemeClr val="lt1"/>
+          </a:fontRef>
+        </p:style>
+        <p:txBody>
+          <a:bodyPr rot="0" spcFirstLastPara="0" vertOverflow="overflow" horzOverflow="overflow" vert="horz" wrap="square" lIns="91440" tIns="45720" rIns="91440" bIns="45720" numCol="1" spcCol="0" rtlCol="0" fromWordArt="0" anchor="ctr" anchorCtr="0" forceAA="0" compatLnSpc="1">
+            <a:prstTxWarp prst="textNoShape">
+              <a:avLst/>
+            </a:prstTxWarp>
+            <a:noAutofit/>
+          </a:bodyPr>
+          <a:lstStyle/>
+          <a:p>
+            <a:pPr algn="ctr"/>
+            <a:r>
+              <a:rPr lang="en-AU" dirty="0"/>
+              <a:t>C</a:t>
+            </a:r>
+          </a:p>
+        </p:txBody>
+      </p:sp>
+      <p:sp>
+        <p:nvSpPr>
+          <p:cNvPr id="89" name="TextBox 88">
+            <a:extLst>
+              <a:ext uri="{FF2B5EF4-FFF2-40B4-BE49-F238E27FC236}">
+                <a16:creationId xmlns:a16="http://schemas.microsoft.com/office/drawing/2014/main" id="{FA65CACA-ABE4-49C7-8F90-F7FCF22AB8DE}"/>
               </a:ext>
             </a:extLst>
           </p:cNvPr>
@@ -5043,8 +5559,8 @@
         </p:nvSpPr>
         <p:spPr>
           <a:xfrm>
-            <a:off x="10246322" y="1600599"/>
-            <a:ext cx="2145587" cy="406393"/>
+            <a:off x="2439766" y="2309913"/>
+            <a:ext cx="1337226" cy="406393"/>
           </a:xfrm>
           <a:prstGeom prst="rect">
             <a:avLst/>
@@ -5058,18 +5574,18 @@
           <a:lstStyle/>
           <a:p>
             <a:r>
-              <a:rPr lang="en-AU" b="1" dirty="0"/>
-              <a:t>3. Untimed inflow</a:t>
-            </a:r>
-          </a:p>
-        </p:txBody>
-      </p:sp>
-      <p:sp>
-        <p:nvSpPr>
-          <p:cNvPr id="62" name="TextBox 61">
-            <a:extLst>
-              <a:ext uri="{FF2B5EF4-FFF2-40B4-BE49-F238E27FC236}">
-                <a16:creationId xmlns:a16="http://schemas.microsoft.com/office/drawing/2014/main" id="{C57FBAD2-7DCF-4773-A13C-583E48F5A6EF}"/>
+              <a:rPr lang="en-AU" dirty="0"/>
+              <a:t>(Flush) link</a:t>
+            </a:r>
+          </a:p>
+        </p:txBody>
+      </p:sp>
+      <p:sp>
+        <p:nvSpPr>
+          <p:cNvPr id="90" name="TextBox 89">
+            <a:extLst>
+              <a:ext uri="{FF2B5EF4-FFF2-40B4-BE49-F238E27FC236}">
+                <a16:creationId xmlns:a16="http://schemas.microsoft.com/office/drawing/2014/main" id="{5D76934E-FF84-4C16-865B-1FB2DE3E7FBD}"/>
               </a:ext>
             </a:extLst>
           </p:cNvPr>
@@ -5078,8 +5594,465 @@
         </p:nvSpPr>
         <p:spPr>
           <a:xfrm>
-            <a:off x="5111183" y="5857857"/>
-            <a:ext cx="3771802" cy="646331"/>
+            <a:off x="2493545" y="3076556"/>
+            <a:ext cx="611065" cy="406393"/>
+          </a:xfrm>
+          <a:prstGeom prst="rect">
+            <a:avLst/>
+          </a:prstGeom>
+          <a:noFill/>
+        </p:spPr>
+        <p:txBody>
+          <a:bodyPr wrap="none" rtlCol="0">
+            <a:spAutoFit/>
+          </a:bodyPr>
+          <a:lstStyle/>
+          <a:p>
+            <a:r>
+              <a:rPr lang="en-AU" dirty="0"/>
+              <a:t>Link</a:t>
+            </a:r>
+          </a:p>
+        </p:txBody>
+      </p:sp>
+      <p:cxnSp>
+        <p:nvCxnSpPr>
+          <p:cNvPr id="91" name="Straight Arrow Connector 90">
+            <a:extLst>
+              <a:ext uri="{FF2B5EF4-FFF2-40B4-BE49-F238E27FC236}">
+                <a16:creationId xmlns:a16="http://schemas.microsoft.com/office/drawing/2014/main" id="{4BDFA826-F020-4445-BE37-98B28AD5A601}"/>
+              </a:ext>
+            </a:extLst>
+          </p:cNvPr>
+          <p:cNvCxnSpPr>
+            <a:cxnSpLocks/>
+          </p:cNvCxnSpPr>
+          <p:nvPr/>
+        </p:nvCxnSpPr>
+        <p:spPr>
+          <a:xfrm flipV="1">
+            <a:off x="2588506" y="3012144"/>
+            <a:ext cx="938212" cy="568556"/>
+          </a:xfrm>
+          <a:prstGeom prst="straightConnector1">
+            <a:avLst/>
+          </a:prstGeom>
+          <a:ln>
+            <a:tailEnd type="triangle"/>
+          </a:ln>
+        </p:spPr>
+        <p:style>
+          <a:lnRef idx="1">
+            <a:schemeClr val="accent1"/>
+          </a:lnRef>
+          <a:fillRef idx="0">
+            <a:schemeClr val="accent1"/>
+          </a:fillRef>
+          <a:effectRef idx="0">
+            <a:schemeClr val="accent1"/>
+          </a:effectRef>
+          <a:fontRef idx="minor">
+            <a:schemeClr val="tx1"/>
+          </a:fontRef>
+        </p:style>
+      </p:cxnSp>
+      <p:sp>
+        <p:nvSpPr>
+          <p:cNvPr id="93" name="TextBox 92">
+            <a:extLst>
+              <a:ext uri="{FF2B5EF4-FFF2-40B4-BE49-F238E27FC236}">
+                <a16:creationId xmlns:a16="http://schemas.microsoft.com/office/drawing/2014/main" id="{AA231716-5ABB-42A9-8328-F112ADA6F51A}"/>
+              </a:ext>
+            </a:extLst>
+          </p:cNvPr>
+          <p:cNvSpPr txBox="1"/>
+          <p:nvPr/>
+        </p:nvSpPr>
+        <p:spPr>
+          <a:xfrm>
+            <a:off x="2493545" y="3640675"/>
+            <a:ext cx="611065" cy="406393"/>
+          </a:xfrm>
+          <a:prstGeom prst="rect">
+            <a:avLst/>
+          </a:prstGeom>
+          <a:noFill/>
+        </p:spPr>
+        <p:txBody>
+          <a:bodyPr wrap="none" rtlCol="0">
+            <a:spAutoFit/>
+          </a:bodyPr>
+          <a:lstStyle/>
+          <a:p>
+            <a:r>
+              <a:rPr lang="en-AU" dirty="0"/>
+              <a:t>Link</a:t>
+            </a:r>
+          </a:p>
+        </p:txBody>
+      </p:sp>
+      <p:cxnSp>
+        <p:nvCxnSpPr>
+          <p:cNvPr id="94" name="Straight Arrow Connector 93">
+            <a:extLst>
+              <a:ext uri="{FF2B5EF4-FFF2-40B4-BE49-F238E27FC236}">
+                <a16:creationId xmlns:a16="http://schemas.microsoft.com/office/drawing/2014/main" id="{27D56972-E870-4EC1-820A-9F24F9E0ED65}"/>
+              </a:ext>
+            </a:extLst>
+          </p:cNvPr>
+          <p:cNvCxnSpPr>
+            <a:cxnSpLocks/>
+          </p:cNvCxnSpPr>
+          <p:nvPr/>
+        </p:nvCxnSpPr>
+        <p:spPr>
+          <a:xfrm flipV="1">
+            <a:off x="2555569" y="3178888"/>
+            <a:ext cx="950385" cy="1289778"/>
+          </a:xfrm>
+          <a:prstGeom prst="straightConnector1">
+            <a:avLst/>
+          </a:prstGeom>
+          <a:ln>
+            <a:tailEnd type="triangle"/>
+          </a:ln>
+        </p:spPr>
+        <p:style>
+          <a:lnRef idx="1">
+            <a:schemeClr val="accent1"/>
+          </a:lnRef>
+          <a:fillRef idx="0">
+            <a:schemeClr val="accent1"/>
+          </a:fillRef>
+          <a:effectRef idx="0">
+            <a:schemeClr val="accent1"/>
+          </a:effectRef>
+          <a:fontRef idx="minor">
+            <a:schemeClr val="tx1"/>
+          </a:fontRef>
+        </p:style>
+      </p:cxnSp>
+      <p:cxnSp>
+        <p:nvCxnSpPr>
+          <p:cNvPr id="108" name="Straight Arrow Connector 107">
+            <a:extLst>
+              <a:ext uri="{FF2B5EF4-FFF2-40B4-BE49-F238E27FC236}">
+                <a16:creationId xmlns:a16="http://schemas.microsoft.com/office/drawing/2014/main" id="{076828D4-C3D2-458D-A3F7-FD188AF591FA}"/>
+              </a:ext>
+            </a:extLst>
+          </p:cNvPr>
+          <p:cNvCxnSpPr>
+            <a:cxnSpLocks/>
+          </p:cNvCxnSpPr>
+          <p:nvPr/>
+        </p:nvCxnSpPr>
+        <p:spPr>
+          <a:xfrm>
+            <a:off x="10836224" y="2786619"/>
+            <a:ext cx="1047751" cy="1358284"/>
+          </a:xfrm>
+          <a:prstGeom prst="straightConnector1">
+            <a:avLst/>
+          </a:prstGeom>
+          <a:ln>
+            <a:prstDash val="dash"/>
+            <a:tailEnd type="triangle"/>
+          </a:ln>
+        </p:spPr>
+        <p:style>
+          <a:lnRef idx="1">
+            <a:schemeClr val="accent1"/>
+          </a:lnRef>
+          <a:fillRef idx="0">
+            <a:schemeClr val="accent1"/>
+          </a:fillRef>
+          <a:effectRef idx="0">
+            <a:schemeClr val="accent1"/>
+          </a:effectRef>
+          <a:fontRef idx="minor">
+            <a:schemeClr val="tx1"/>
+          </a:fontRef>
+        </p:style>
+      </p:cxnSp>
+      <p:sp>
+        <p:nvSpPr>
+          <p:cNvPr id="109" name="TextBox 108">
+            <a:extLst>
+              <a:ext uri="{FF2B5EF4-FFF2-40B4-BE49-F238E27FC236}">
+                <a16:creationId xmlns:a16="http://schemas.microsoft.com/office/drawing/2014/main" id="{A68BD579-D8C6-4403-857A-7FE01A221C0A}"/>
+              </a:ext>
+            </a:extLst>
+          </p:cNvPr>
+          <p:cNvSpPr txBox="1"/>
+          <p:nvPr/>
+        </p:nvSpPr>
+        <p:spPr>
+          <a:xfrm>
+            <a:off x="10755403" y="4588207"/>
+            <a:ext cx="611065" cy="406393"/>
+          </a:xfrm>
+          <a:prstGeom prst="rect">
+            <a:avLst/>
+          </a:prstGeom>
+          <a:noFill/>
+        </p:spPr>
+        <p:txBody>
+          <a:bodyPr wrap="none" rtlCol="0">
+            <a:spAutoFit/>
+          </a:bodyPr>
+          <a:lstStyle/>
+          <a:p>
+            <a:r>
+              <a:rPr lang="en-AU" dirty="0"/>
+              <a:t>Link</a:t>
+            </a:r>
+          </a:p>
+        </p:txBody>
+      </p:sp>
+      <p:cxnSp>
+        <p:nvCxnSpPr>
+          <p:cNvPr id="110" name="Straight Arrow Connector 109">
+            <a:extLst>
+              <a:ext uri="{FF2B5EF4-FFF2-40B4-BE49-F238E27FC236}">
+                <a16:creationId xmlns:a16="http://schemas.microsoft.com/office/drawing/2014/main" id="{E5AC3C30-8A33-4080-B409-7918CBC1E03F}"/>
+              </a:ext>
+            </a:extLst>
+          </p:cNvPr>
+          <p:cNvCxnSpPr>
+            <a:cxnSpLocks/>
+          </p:cNvCxnSpPr>
+          <p:nvPr/>
+        </p:nvCxnSpPr>
+        <p:spPr>
+          <a:xfrm>
+            <a:off x="10857916" y="3011346"/>
+            <a:ext cx="1026059" cy="1285377"/>
+          </a:xfrm>
+          <a:prstGeom prst="straightConnector1">
+            <a:avLst/>
+          </a:prstGeom>
+          <a:ln>
+            <a:tailEnd type="triangle"/>
+          </a:ln>
+        </p:spPr>
+        <p:style>
+          <a:lnRef idx="1">
+            <a:schemeClr val="accent1"/>
+          </a:lnRef>
+          <a:fillRef idx="0">
+            <a:schemeClr val="accent1"/>
+          </a:fillRef>
+          <a:effectRef idx="0">
+            <a:schemeClr val="accent1"/>
+          </a:effectRef>
+          <a:fontRef idx="minor">
+            <a:schemeClr val="tx1"/>
+          </a:fontRef>
+        </p:style>
+      </p:cxnSp>
+      <p:sp>
+        <p:nvSpPr>
+          <p:cNvPr id="111" name="TextBox 110">
+            <a:extLst>
+              <a:ext uri="{FF2B5EF4-FFF2-40B4-BE49-F238E27FC236}">
+                <a16:creationId xmlns:a16="http://schemas.microsoft.com/office/drawing/2014/main" id="{FDA356DD-5D75-4109-9D2E-0E7CD5956FF7}"/>
+              </a:ext>
+            </a:extLst>
+          </p:cNvPr>
+          <p:cNvSpPr txBox="1"/>
+          <p:nvPr/>
+        </p:nvSpPr>
+        <p:spPr>
+          <a:xfrm>
+            <a:off x="10874435" y="2537919"/>
+            <a:ext cx="1176925" cy="406393"/>
+          </a:xfrm>
+          <a:prstGeom prst="rect">
+            <a:avLst/>
+          </a:prstGeom>
+          <a:noFill/>
+        </p:spPr>
+        <p:txBody>
+          <a:bodyPr wrap="none" rtlCol="0">
+            <a:spAutoFit/>
+          </a:bodyPr>
+          <a:lstStyle/>
+          <a:p>
+            <a:r>
+              <a:rPr lang="en-AU" dirty="0"/>
+              <a:t>Flush link</a:t>
+            </a:r>
+          </a:p>
+        </p:txBody>
+      </p:sp>
+      <p:sp>
+        <p:nvSpPr>
+          <p:cNvPr id="112" name="TextBox 111">
+            <a:extLst>
+              <a:ext uri="{FF2B5EF4-FFF2-40B4-BE49-F238E27FC236}">
+                <a16:creationId xmlns:a16="http://schemas.microsoft.com/office/drawing/2014/main" id="{C30AF508-16ED-403B-BDD6-50333534AA9C}"/>
+              </a:ext>
+            </a:extLst>
+          </p:cNvPr>
+          <p:cNvSpPr txBox="1"/>
+          <p:nvPr/>
+        </p:nvSpPr>
+        <p:spPr>
+          <a:xfrm>
+            <a:off x="10756699" y="3435882"/>
+            <a:ext cx="611065" cy="406393"/>
+          </a:xfrm>
+          <a:prstGeom prst="rect">
+            <a:avLst/>
+          </a:prstGeom>
+          <a:noFill/>
+        </p:spPr>
+        <p:txBody>
+          <a:bodyPr wrap="none" rtlCol="0">
+            <a:spAutoFit/>
+          </a:bodyPr>
+          <a:lstStyle/>
+          <a:p>
+            <a:r>
+              <a:rPr lang="en-AU" dirty="0"/>
+              <a:t>Link</a:t>
+            </a:r>
+          </a:p>
+        </p:txBody>
+      </p:sp>
+      <p:cxnSp>
+        <p:nvCxnSpPr>
+          <p:cNvPr id="113" name="Straight Arrow Connector 112">
+            <a:extLst>
+              <a:ext uri="{FF2B5EF4-FFF2-40B4-BE49-F238E27FC236}">
+                <a16:creationId xmlns:a16="http://schemas.microsoft.com/office/drawing/2014/main" id="{82CC2C38-B051-4E3B-A99F-DC76E68A4E95}"/>
+              </a:ext>
+            </a:extLst>
+          </p:cNvPr>
+          <p:cNvCxnSpPr>
+            <a:cxnSpLocks/>
+          </p:cNvCxnSpPr>
+          <p:nvPr/>
+        </p:nvCxnSpPr>
+        <p:spPr>
+          <a:xfrm>
+            <a:off x="10907549" y="3747964"/>
+            <a:ext cx="976424" cy="736149"/>
+          </a:xfrm>
+          <a:prstGeom prst="straightConnector1">
+            <a:avLst/>
+          </a:prstGeom>
+          <a:ln>
+            <a:tailEnd type="triangle"/>
+          </a:ln>
+        </p:spPr>
+        <p:style>
+          <a:lnRef idx="1">
+            <a:schemeClr val="accent1"/>
+          </a:lnRef>
+          <a:fillRef idx="0">
+            <a:schemeClr val="accent1"/>
+          </a:fillRef>
+          <a:effectRef idx="0">
+            <a:schemeClr val="accent1"/>
+          </a:effectRef>
+          <a:fontRef idx="minor">
+            <a:schemeClr val="tx1"/>
+          </a:fontRef>
+        </p:style>
+      </p:cxnSp>
+      <p:sp>
+        <p:nvSpPr>
+          <p:cNvPr id="114" name="TextBox 113">
+            <a:extLst>
+              <a:ext uri="{FF2B5EF4-FFF2-40B4-BE49-F238E27FC236}">
+                <a16:creationId xmlns:a16="http://schemas.microsoft.com/office/drawing/2014/main" id="{5707C70F-9D52-48B4-9DD3-D70B6F85F9BF}"/>
+              </a:ext>
+            </a:extLst>
+          </p:cNvPr>
+          <p:cNvSpPr txBox="1"/>
+          <p:nvPr/>
+        </p:nvSpPr>
+        <p:spPr>
+          <a:xfrm>
+            <a:off x="10755403" y="3864605"/>
+            <a:ext cx="611065" cy="406393"/>
+          </a:xfrm>
+          <a:prstGeom prst="rect">
+            <a:avLst/>
+          </a:prstGeom>
+          <a:noFill/>
+        </p:spPr>
+        <p:txBody>
+          <a:bodyPr wrap="none" rtlCol="0">
+            <a:spAutoFit/>
+          </a:bodyPr>
+          <a:lstStyle/>
+          <a:p>
+            <a:r>
+              <a:rPr lang="en-AU" dirty="0"/>
+              <a:t>Link</a:t>
+            </a:r>
+          </a:p>
+        </p:txBody>
+      </p:sp>
+      <p:cxnSp>
+        <p:nvCxnSpPr>
+          <p:cNvPr id="115" name="Straight Arrow Connector 114">
+            <a:extLst>
+              <a:ext uri="{FF2B5EF4-FFF2-40B4-BE49-F238E27FC236}">
+                <a16:creationId xmlns:a16="http://schemas.microsoft.com/office/drawing/2014/main" id="{7CA33037-14AE-47F3-B298-A65203FF5A72}"/>
+              </a:ext>
+            </a:extLst>
+          </p:cNvPr>
+          <p:cNvCxnSpPr>
+            <a:cxnSpLocks/>
+          </p:cNvCxnSpPr>
+          <p:nvPr/>
+        </p:nvCxnSpPr>
+        <p:spPr>
+          <a:xfrm>
+            <a:off x="10850691" y="4588206"/>
+            <a:ext cx="1048870" cy="0"/>
+          </a:xfrm>
+          <a:prstGeom prst="straightConnector1">
+            <a:avLst/>
+          </a:prstGeom>
+          <a:ln>
+            <a:tailEnd type="triangle"/>
+          </a:ln>
+        </p:spPr>
+        <p:style>
+          <a:lnRef idx="1">
+            <a:schemeClr val="accent1"/>
+          </a:lnRef>
+          <a:fillRef idx="0">
+            <a:schemeClr val="accent1"/>
+          </a:fillRef>
+          <a:effectRef idx="0">
+            <a:schemeClr val="accent1"/>
+          </a:effectRef>
+          <a:fontRef idx="minor">
+            <a:schemeClr val="tx1"/>
+          </a:fontRef>
+        </p:style>
+      </p:cxnSp>
+      <p:sp>
+        <p:nvSpPr>
+          <p:cNvPr id="123" name="TextBox 122">
+            <a:extLst>
+              <a:ext uri="{FF2B5EF4-FFF2-40B4-BE49-F238E27FC236}">
+                <a16:creationId xmlns:a16="http://schemas.microsoft.com/office/drawing/2014/main" id="{84C87478-EC1F-4EC7-9000-D5A9BC051C06}"/>
+              </a:ext>
+            </a:extLst>
+          </p:cNvPr>
+          <p:cNvSpPr txBox="1"/>
+          <p:nvPr/>
+        </p:nvSpPr>
+        <p:spPr>
+          <a:xfrm>
+            <a:off x="1481771" y="4962506"/>
+            <a:ext cx="3460909" cy="461665"/>
           </a:xfrm>
           <a:prstGeom prst="rect">
             <a:avLst/>
@@ -5095,15 +6068,7 @@
             <a:pPr algn="ctr"/>
             <a:r>
               <a:rPr lang="en-AU" sz="1200" i="1" dirty="0"/>
-              <a:t>For </a:t>
-            </a:r>
-            <a:r>
-              <a:rPr lang="en-AU" sz="1200" i="1" dirty="0" err="1"/>
-              <a:t>TimedCompartments</a:t>
-            </a:r>
-            <a:r>
-              <a:rPr lang="en-AU" sz="1200" i="1" dirty="0"/>
-              <a:t>, it is assumed that the outflows result in </a:t>
+              <a:t>(Note that the sum of outputs from </a:t>
             </a:r>
             <a:r>
               <a:rPr lang="en-AU" sz="1200" i="1" dirty="0" err="1"/>
@@ -5111,87 +6076,7 @@
             </a:r>
             <a:r>
               <a:rPr lang="en-AU" sz="1200" i="1" dirty="0"/>
-              <a:t> A being emptied entirely, thus discarding A in step (2) does not affect any people </a:t>
-            </a:r>
-          </a:p>
-        </p:txBody>
-      </p:sp>
-      <p:sp>
-        <p:nvSpPr>
-          <p:cNvPr id="63" name="TextBox 62">
-            <a:extLst>
-              <a:ext uri="{FF2B5EF4-FFF2-40B4-BE49-F238E27FC236}">
-                <a16:creationId xmlns:a16="http://schemas.microsoft.com/office/drawing/2014/main" id="{DFA5DC6D-F097-4A77-A459-E2DB5F0CF0CD}"/>
-              </a:ext>
-            </a:extLst>
-          </p:cNvPr>
-          <p:cNvSpPr txBox="1"/>
-          <p:nvPr/>
-        </p:nvSpPr>
-        <p:spPr>
-          <a:xfrm>
-            <a:off x="1283572" y="4949163"/>
-            <a:ext cx="1274708" cy="406393"/>
-          </a:xfrm>
-          <a:prstGeom prst="rect">
-            <a:avLst/>
-          </a:prstGeom>
-          <a:noFill/>
-        </p:spPr>
-        <p:txBody>
-          <a:bodyPr wrap="none" rtlCol="0">
-            <a:spAutoFit/>
-          </a:bodyPr>
-          <a:lstStyle/>
-          <a:p>
-            <a:r>
-              <a:rPr lang="en-AU" dirty="0" err="1"/>
-              <a:t>TimedLink</a:t>
-            </a:r>
-            <a:endParaRPr lang="en-AU" dirty="0"/>
-          </a:p>
-        </p:txBody>
-      </p:sp>
-      <p:sp>
-        <p:nvSpPr>
-          <p:cNvPr id="81" name="TextBox 80">
-            <a:extLst>
-              <a:ext uri="{FF2B5EF4-FFF2-40B4-BE49-F238E27FC236}">
-                <a16:creationId xmlns:a16="http://schemas.microsoft.com/office/drawing/2014/main" id="{6628CB7D-15FA-4BFD-A55F-4D90B28A3CA0}"/>
-              </a:ext>
-            </a:extLst>
-          </p:cNvPr>
-          <p:cNvSpPr txBox="1"/>
-          <p:nvPr/>
-        </p:nvSpPr>
-        <p:spPr>
-          <a:xfrm>
-            <a:off x="1002943" y="5852521"/>
-            <a:ext cx="3771802" cy="461665"/>
-          </a:xfrm>
-          <a:prstGeom prst="rect">
-            <a:avLst/>
-          </a:prstGeom>
-          <a:noFill/>
-        </p:spPr>
-        <p:txBody>
-          <a:bodyPr wrap="square" rtlCol="0">
-            <a:spAutoFit/>
-          </a:bodyPr>
-          <a:lstStyle/>
-          <a:p>
-            <a:pPr algn="ctr"/>
-            <a:r>
-              <a:rPr lang="en-AU" sz="1200" i="1" dirty="0"/>
-              <a:t>Note that incoming </a:t>
-            </a:r>
-            <a:r>
-              <a:rPr lang="en-AU" sz="1200" i="1" dirty="0" err="1"/>
-              <a:t>TimedLinks</a:t>
-            </a:r>
-            <a:r>
-              <a:rPr lang="en-AU" sz="1200" i="1" dirty="0"/>
-              <a:t> must belong to the same duration group</a:t>
+              <a:t> A must equal the size of A)</a:t>
             </a:r>
           </a:p>
         </p:txBody>
@@ -5199,7 +6084,7 @@
     </p:spTree>
     <p:extLst>
       <p:ext uri="{BB962C8B-B14F-4D97-AF65-F5344CB8AC3E}">
-        <p14:creationId xmlns:p14="http://schemas.microsoft.com/office/powerpoint/2010/main" val="687164193"/>
+        <p14:creationId xmlns:p14="http://schemas.microsoft.com/office/powerpoint/2010/main" val="222477624"/>
       </p:ext>
     </p:extLst>
   </p:cSld>
@@ -5226,12 +6111,52 @@
           <a:chExt cx="0" cy="0"/>
         </a:xfrm>
       </p:grpSpPr>
+      <p:sp>
+        <p:nvSpPr>
+          <p:cNvPr id="27" name="TextBox 26">
+            <a:extLst>
+              <a:ext uri="{FF2B5EF4-FFF2-40B4-BE49-F238E27FC236}">
+                <a16:creationId xmlns:a16="http://schemas.microsoft.com/office/drawing/2014/main" id="{6A5457D1-6788-4709-A8F9-A08820A85D3A}"/>
+              </a:ext>
+            </a:extLst>
+          </p:cNvPr>
+          <p:cNvSpPr txBox="1"/>
+          <p:nvPr/>
+        </p:nvSpPr>
+        <p:spPr>
+          <a:xfrm>
+            <a:off x="5161568" y="473781"/>
+            <a:ext cx="4494757" cy="406393"/>
+          </a:xfrm>
+          <a:prstGeom prst="rect">
+            <a:avLst/>
+          </a:prstGeom>
+          <a:noFill/>
+        </p:spPr>
+        <p:txBody>
+          <a:bodyPr wrap="none" rtlCol="0">
+            <a:spAutoFit/>
+          </a:bodyPr>
+          <a:lstStyle/>
+          <a:p>
+            <a:r>
+              <a:rPr lang="en-AU" b="1" dirty="0"/>
+              <a:t>Inflow paths from </a:t>
+            </a:r>
+            <a:r>
+              <a:rPr lang="en-AU" b="1" dirty="0" err="1"/>
+              <a:t>TimedCompartments</a:t>
+            </a:r>
+            <a:endParaRPr lang="en-AU" b="1" dirty="0"/>
+          </a:p>
+        </p:txBody>
+      </p:sp>
       <p:cxnSp>
         <p:nvCxnSpPr>
-          <p:cNvPr id="6" name="Straight Arrow Connector 5">
-            <a:extLst>
-              <a:ext uri="{FF2B5EF4-FFF2-40B4-BE49-F238E27FC236}">
-                <a16:creationId xmlns:a16="http://schemas.microsoft.com/office/drawing/2014/main" id="{9E5F56FE-6793-45BB-B2DD-6EF92D0BA377}"/>
+          <p:cNvPr id="69" name="Straight Arrow Connector 68">
+            <a:extLst>
+              <a:ext uri="{FF2B5EF4-FFF2-40B4-BE49-F238E27FC236}">
+                <a16:creationId xmlns:a16="http://schemas.microsoft.com/office/drawing/2014/main" id="{40869402-D0DD-47FF-973A-67EBE8C25B6A}"/>
               </a:ext>
             </a:extLst>
           </p:cNvPr>
@@ -5242,7 +6167,7 @@
         </p:nvCxnSpPr>
         <p:spPr>
           <a:xfrm>
-            <a:off x="2936469" y="3773108"/>
+            <a:off x="1383894" y="4468433"/>
             <a:ext cx="1047751" cy="0"/>
           </a:xfrm>
           <a:prstGeom prst="straightConnector1">
@@ -5269,10 +6194,10 @@
       </p:cxnSp>
       <p:cxnSp>
         <p:nvCxnSpPr>
-          <p:cNvPr id="7" name="Straight Arrow Connector 6">
-            <a:extLst>
-              <a:ext uri="{FF2B5EF4-FFF2-40B4-BE49-F238E27FC236}">
-                <a16:creationId xmlns:a16="http://schemas.microsoft.com/office/drawing/2014/main" id="{E0D6032B-F0BA-4FAB-B078-ADA027504B39}"/>
+          <p:cNvPr id="71" name="Straight Arrow Connector 70">
+            <a:extLst>
+              <a:ext uri="{FF2B5EF4-FFF2-40B4-BE49-F238E27FC236}">
+                <a16:creationId xmlns:a16="http://schemas.microsoft.com/office/drawing/2014/main" id="{A28718F8-399B-44D4-909A-C5469FB733A5}"/>
               </a:ext>
             </a:extLst>
           </p:cNvPr>
@@ -5283,7 +6208,7 @@
         </p:nvCxnSpPr>
         <p:spPr>
           <a:xfrm>
-            <a:off x="2936469" y="4620833"/>
+            <a:off x="1383894" y="5316158"/>
             <a:ext cx="1047751" cy="0"/>
           </a:xfrm>
           <a:prstGeom prst="straightConnector1">
@@ -5310,10 +6235,10 @@
       </p:cxnSp>
       <p:sp>
         <p:nvSpPr>
-          <p:cNvPr id="8" name="TextBox 7">
-            <a:extLst>
-              <a:ext uri="{FF2B5EF4-FFF2-40B4-BE49-F238E27FC236}">
-                <a16:creationId xmlns:a16="http://schemas.microsoft.com/office/drawing/2014/main" id="{77A364AD-3A9E-479D-BE22-B98D57A58BBF}"/>
+          <p:cNvPr id="72" name="TextBox 71">
+            <a:extLst>
+              <a:ext uri="{FF2B5EF4-FFF2-40B4-BE49-F238E27FC236}">
+                <a16:creationId xmlns:a16="http://schemas.microsoft.com/office/drawing/2014/main" id="{64E44964-111E-4515-BA42-356C9A5D849A}"/>
               </a:ext>
             </a:extLst>
           </p:cNvPr>
@@ -5322,7 +6247,7 @@
         </p:nvSpPr>
         <p:spPr>
           <a:xfrm>
-            <a:off x="2836148" y="3416225"/>
+            <a:off x="1283572" y="4111549"/>
             <a:ext cx="1274708" cy="406393"/>
           </a:xfrm>
           <a:prstGeom prst="rect">
@@ -5346,10 +6271,10 @@
       </p:sp>
       <p:sp>
         <p:nvSpPr>
-          <p:cNvPr id="9" name="Rectangle 8">
-            <a:extLst>
-              <a:ext uri="{FF2B5EF4-FFF2-40B4-BE49-F238E27FC236}">
-                <a16:creationId xmlns:a16="http://schemas.microsoft.com/office/drawing/2014/main" id="{8991999C-4FAE-42A8-BB2F-90D8CFB40121}"/>
+          <p:cNvPr id="73" name="Rectangle 72">
+            <a:extLst>
+              <a:ext uri="{FF2B5EF4-FFF2-40B4-BE49-F238E27FC236}">
+                <a16:creationId xmlns:a16="http://schemas.microsoft.com/office/drawing/2014/main" id="{8FFCFEC8-0663-49A0-A591-F055DC63E646}"/>
               </a:ext>
             </a:extLst>
           </p:cNvPr>
@@ -5358,7 +6283,7 @@
         </p:nvSpPr>
         <p:spPr>
           <a:xfrm>
-            <a:off x="3588762" y="1495861"/>
+            <a:off x="2036187" y="2191186"/>
             <a:ext cx="1705314" cy="914400"/>
           </a:xfrm>
           <a:prstGeom prst="rect">
@@ -5401,10 +6326,10 @@
       </p:sp>
       <p:sp>
         <p:nvSpPr>
-          <p:cNvPr id="10" name="Rectangle 9">
-            <a:extLst>
-              <a:ext uri="{FF2B5EF4-FFF2-40B4-BE49-F238E27FC236}">
-                <a16:creationId xmlns:a16="http://schemas.microsoft.com/office/drawing/2014/main" id="{2CD14AD0-6C83-4B6F-B0FC-BC67FFD9D34C}"/>
+          <p:cNvPr id="74" name="Rectangle 73">
+            <a:extLst>
+              <a:ext uri="{FF2B5EF4-FFF2-40B4-BE49-F238E27FC236}">
+                <a16:creationId xmlns:a16="http://schemas.microsoft.com/office/drawing/2014/main" id="{B861F75E-B4D9-4CBB-A187-8FB5E9B09E92}"/>
               </a:ext>
             </a:extLst>
           </p:cNvPr>
@@ -5413,7 +6338,7 @@
         </p:nvSpPr>
         <p:spPr>
           <a:xfrm>
-            <a:off x="4012795" y="2611058"/>
+            <a:off x="2460220" y="3306383"/>
             <a:ext cx="857250" cy="685800"/>
           </a:xfrm>
           <a:prstGeom prst="rect">
@@ -5455,10 +6380,10 @@
       </p:sp>
       <p:sp>
         <p:nvSpPr>
-          <p:cNvPr id="11" name="Rectangle 10">
-            <a:extLst>
-              <a:ext uri="{FF2B5EF4-FFF2-40B4-BE49-F238E27FC236}">
-                <a16:creationId xmlns:a16="http://schemas.microsoft.com/office/drawing/2014/main" id="{8CDBA207-3411-4AAF-BA26-E503941ECB61}"/>
+          <p:cNvPr id="75" name="Rectangle 74">
+            <a:extLst>
+              <a:ext uri="{FF2B5EF4-FFF2-40B4-BE49-F238E27FC236}">
+                <a16:creationId xmlns:a16="http://schemas.microsoft.com/office/drawing/2014/main" id="{21064A8C-2C39-41CC-A687-064AD51260DC}"/>
               </a:ext>
             </a:extLst>
           </p:cNvPr>
@@ -5467,7 +6392,7 @@
         </p:nvSpPr>
         <p:spPr>
           <a:xfrm>
-            <a:off x="4012795" y="3401633"/>
+            <a:off x="2460220" y="4096958"/>
             <a:ext cx="857250" cy="685800"/>
           </a:xfrm>
           <a:prstGeom prst="rect">
@@ -5509,10 +6434,10 @@
       </p:sp>
       <p:sp>
         <p:nvSpPr>
-          <p:cNvPr id="12" name="Rectangle 11">
-            <a:extLst>
-              <a:ext uri="{FF2B5EF4-FFF2-40B4-BE49-F238E27FC236}">
-                <a16:creationId xmlns:a16="http://schemas.microsoft.com/office/drawing/2014/main" id="{9660C373-37A9-4774-8462-202E675627E0}"/>
+          <p:cNvPr id="76" name="Rectangle 75">
+            <a:extLst>
+              <a:ext uri="{FF2B5EF4-FFF2-40B4-BE49-F238E27FC236}">
+                <a16:creationId xmlns:a16="http://schemas.microsoft.com/office/drawing/2014/main" id="{DDAF7E38-BB43-43DA-81EF-5E371E7C5E12}"/>
               </a:ext>
             </a:extLst>
           </p:cNvPr>
@@ -5521,7 +6446,7 @@
         </p:nvSpPr>
         <p:spPr>
           <a:xfrm>
-            <a:off x="4012795" y="4247810"/>
+            <a:off x="2460220" y="4943135"/>
             <a:ext cx="857250" cy="685800"/>
           </a:xfrm>
           <a:prstGeom prst="rect">
@@ -5563,10 +6488,10 @@
       </p:sp>
       <p:sp>
         <p:nvSpPr>
-          <p:cNvPr id="13" name="TextBox 12">
-            <a:extLst>
-              <a:ext uri="{FF2B5EF4-FFF2-40B4-BE49-F238E27FC236}">
-                <a16:creationId xmlns:a16="http://schemas.microsoft.com/office/drawing/2014/main" id="{BD8A8B74-B382-4E94-A544-13E9368D3FBF}"/>
+          <p:cNvPr id="109" name="TextBox 108">
+            <a:extLst>
+              <a:ext uri="{FF2B5EF4-FFF2-40B4-BE49-F238E27FC236}">
+                <a16:creationId xmlns:a16="http://schemas.microsoft.com/office/drawing/2014/main" id="{A68BD579-D8C6-4403-857A-7FE01A221C0A}"/>
               </a:ext>
             </a:extLst>
           </p:cNvPr>
@@ -5575,8 +6500,8 @@
         </p:nvSpPr>
         <p:spPr>
           <a:xfrm>
-            <a:off x="2936468" y="1000829"/>
-            <a:ext cx="3452805" cy="406393"/>
+            <a:off x="9848412" y="4912511"/>
+            <a:ext cx="611065" cy="406393"/>
           </a:xfrm>
           <a:prstGeom prst="rect">
             <a:avLst/>
@@ -5590,105 +6515,18 @@
           <a:lstStyle/>
           <a:p>
             <a:r>
-              <a:rPr lang="en-AU" b="1" dirty="0"/>
-              <a:t>Duration longer in destination</a:t>
-            </a:r>
-          </a:p>
-        </p:txBody>
-      </p:sp>
-      <p:sp>
-        <p:nvSpPr>
-          <p:cNvPr id="14" name="TextBox 13">
-            <a:extLst>
-              <a:ext uri="{FF2B5EF4-FFF2-40B4-BE49-F238E27FC236}">
-                <a16:creationId xmlns:a16="http://schemas.microsoft.com/office/drawing/2014/main" id="{B8458B53-41DD-4ED3-B105-0449A2DAA445}"/>
-              </a:ext>
-            </a:extLst>
-          </p:cNvPr>
-          <p:cNvSpPr txBox="1"/>
-          <p:nvPr/>
-        </p:nvSpPr>
-        <p:spPr>
-          <a:xfrm>
-            <a:off x="2836148" y="4253838"/>
-            <a:ext cx="1274708" cy="406393"/>
-          </a:xfrm>
-          <a:prstGeom prst="rect">
-            <a:avLst/>
-          </a:prstGeom>
-          <a:noFill/>
-        </p:spPr>
-        <p:txBody>
-          <a:bodyPr wrap="none" rtlCol="0">
-            <a:spAutoFit/>
-          </a:bodyPr>
-          <a:lstStyle/>
-          <a:p>
-            <a:r>
-              <a:rPr lang="en-AU" dirty="0" err="1"/>
-              <a:t>TimedLink</a:t>
-            </a:r>
-            <a:endParaRPr lang="en-AU" dirty="0"/>
-          </a:p>
-        </p:txBody>
-      </p:sp>
-      <p:sp>
-        <p:nvSpPr>
-          <p:cNvPr id="15" name="TextBox 14">
-            <a:extLst>
-              <a:ext uri="{FF2B5EF4-FFF2-40B4-BE49-F238E27FC236}">
-                <a16:creationId xmlns:a16="http://schemas.microsoft.com/office/drawing/2014/main" id="{041A0B30-D262-4EB9-82FC-D045338F3699}"/>
-              </a:ext>
-            </a:extLst>
-          </p:cNvPr>
-          <p:cNvSpPr txBox="1"/>
-          <p:nvPr/>
-        </p:nvSpPr>
-        <p:spPr>
-          <a:xfrm>
-            <a:off x="4003718" y="378531"/>
-            <a:ext cx="7249420" cy="406393"/>
-          </a:xfrm>
-          <a:prstGeom prst="rect">
-            <a:avLst/>
-          </a:prstGeom>
-          <a:noFill/>
-        </p:spPr>
-        <p:txBody>
-          <a:bodyPr wrap="none" rtlCol="0">
-            <a:spAutoFit/>
-          </a:bodyPr>
-          <a:lstStyle/>
-          <a:p>
-            <a:r>
-              <a:rPr lang="en-AU" b="1" dirty="0"/>
-              <a:t>Mismatched </a:t>
-            </a:r>
-            <a:r>
-              <a:rPr lang="en-AU" b="1" dirty="0" err="1"/>
-              <a:t>TimedLinks</a:t>
-            </a:r>
-            <a:r>
-              <a:rPr lang="en-AU" b="1" dirty="0"/>
-              <a:t> (for transfers using </a:t>
-            </a:r>
-            <a:r>
-              <a:rPr lang="en-AU" b="1" dirty="0" err="1"/>
-              <a:t>TimedLink</a:t>
-            </a:r>
-            <a:r>
-              <a:rPr lang="en-AU" b="1" dirty="0"/>
-              <a:t> instances)</a:t>
+              <a:rPr lang="en-AU" dirty="0"/>
+              <a:t>Link</a:t>
             </a:r>
           </a:p>
         </p:txBody>
       </p:sp>
       <p:cxnSp>
         <p:nvCxnSpPr>
-          <p:cNvPr id="17" name="Straight Arrow Connector 16">
-            <a:extLst>
-              <a:ext uri="{FF2B5EF4-FFF2-40B4-BE49-F238E27FC236}">
-                <a16:creationId xmlns:a16="http://schemas.microsoft.com/office/drawing/2014/main" id="{92E81C57-278D-4683-90D3-A1471D57465E}"/>
+          <p:cNvPr id="115" name="Straight Arrow Connector 114">
+            <a:extLst>
+              <a:ext uri="{FF2B5EF4-FFF2-40B4-BE49-F238E27FC236}">
+                <a16:creationId xmlns:a16="http://schemas.microsoft.com/office/drawing/2014/main" id="{7CA33037-14AE-47F3-B298-A65203FF5A72}"/>
               </a:ext>
             </a:extLst>
           </p:cNvPr>
@@ -5699,8 +6537,8 @@
         </p:nvCxnSpPr>
         <p:spPr>
           <a:xfrm>
-            <a:off x="8260944" y="3773108"/>
-            <a:ext cx="1047751" cy="0"/>
+            <a:off x="9630856" y="5281842"/>
+            <a:ext cx="1048870" cy="0"/>
           </a:xfrm>
           <a:prstGeom prst="straightConnector1">
             <a:avLst/>
@@ -5724,53 +6562,12 @@
           </a:fontRef>
         </p:style>
       </p:cxnSp>
-      <p:cxnSp>
-        <p:nvCxnSpPr>
-          <p:cNvPr id="18" name="Straight Arrow Connector 17">
-            <a:extLst>
-              <a:ext uri="{FF2B5EF4-FFF2-40B4-BE49-F238E27FC236}">
-                <a16:creationId xmlns:a16="http://schemas.microsoft.com/office/drawing/2014/main" id="{1D21C800-A0C4-4B88-99B0-2CAC6836ABA9}"/>
-              </a:ext>
-            </a:extLst>
-          </p:cNvPr>
-          <p:cNvCxnSpPr>
-            <a:cxnSpLocks/>
-          </p:cNvCxnSpPr>
-          <p:nvPr/>
-        </p:nvCxnSpPr>
-        <p:spPr>
-          <a:xfrm>
-            <a:off x="8260944" y="4620833"/>
-            <a:ext cx="1047751" cy="0"/>
-          </a:xfrm>
-          <a:prstGeom prst="straightConnector1">
-            <a:avLst/>
-          </a:prstGeom>
-          <a:ln>
-            <a:tailEnd type="triangle"/>
-          </a:ln>
-        </p:spPr>
-        <p:style>
-          <a:lnRef idx="1">
-            <a:schemeClr val="accent1"/>
-          </a:lnRef>
-          <a:fillRef idx="0">
-            <a:schemeClr val="accent1"/>
-          </a:fillRef>
-          <a:effectRef idx="0">
-            <a:schemeClr val="accent1"/>
-          </a:effectRef>
-          <a:fontRef idx="minor">
-            <a:schemeClr val="tx1"/>
-          </a:fontRef>
-        </p:style>
-      </p:cxnSp>
-      <p:sp>
-        <p:nvSpPr>
-          <p:cNvPr id="19" name="TextBox 18">
-            <a:extLst>
-              <a:ext uri="{FF2B5EF4-FFF2-40B4-BE49-F238E27FC236}">
-                <a16:creationId xmlns:a16="http://schemas.microsoft.com/office/drawing/2014/main" id="{9BB19B52-430A-4559-AB86-1E1CD5671268}"/>
+      <p:sp>
+        <p:nvSpPr>
+          <p:cNvPr id="46" name="TextBox 45">
+            <a:extLst>
+              <a:ext uri="{FF2B5EF4-FFF2-40B4-BE49-F238E27FC236}">
+                <a16:creationId xmlns:a16="http://schemas.microsoft.com/office/drawing/2014/main" id="{54DE191F-A1A6-42DD-83BA-41BE9A3DC0CB}"/>
               </a:ext>
             </a:extLst>
           </p:cNvPr>
@@ -5779,8 +6576,8 @@
         </p:nvSpPr>
         <p:spPr>
           <a:xfrm>
-            <a:off x="8160622" y="3416225"/>
-            <a:ext cx="1274708" cy="406393"/>
+            <a:off x="2056897" y="1600599"/>
+            <a:ext cx="1873911" cy="406393"/>
           </a:xfrm>
           <a:prstGeom prst="rect">
             <a:avLst/>
@@ -5794,19 +6591,18 @@
           <a:lstStyle/>
           <a:p>
             <a:r>
-              <a:rPr lang="en-AU" dirty="0" err="1"/>
-              <a:t>TimedLink</a:t>
-            </a:r>
-            <a:endParaRPr lang="en-AU" dirty="0"/>
-          </a:p>
-        </p:txBody>
-      </p:sp>
-      <p:sp>
-        <p:nvSpPr>
-          <p:cNvPr id="20" name="Rectangle 19">
-            <a:extLst>
-              <a:ext uri="{FF2B5EF4-FFF2-40B4-BE49-F238E27FC236}">
-                <a16:creationId xmlns:a16="http://schemas.microsoft.com/office/drawing/2014/main" id="{BE278627-740B-4CAF-85E9-9502C4A8C99D}"/>
+              <a:rPr lang="en-AU" b="1" dirty="0"/>
+              <a:t>1. Timed inflow</a:t>
+            </a:r>
+          </a:p>
+        </p:txBody>
+      </p:sp>
+      <p:sp>
+        <p:nvSpPr>
+          <p:cNvPr id="51" name="Rectangle 50">
+            <a:extLst>
+              <a:ext uri="{FF2B5EF4-FFF2-40B4-BE49-F238E27FC236}">
+                <a16:creationId xmlns:a16="http://schemas.microsoft.com/office/drawing/2014/main" id="{0F5C62DE-0198-4990-BE9A-57F06185F844}"/>
               </a:ext>
             </a:extLst>
           </p:cNvPr>
@@ -5815,7 +6611,7 @@
         </p:nvSpPr>
         <p:spPr>
           <a:xfrm>
-            <a:off x="8913237" y="1495861"/>
+            <a:off x="6144427" y="2191186"/>
             <a:ext cx="1705314" cy="914400"/>
           </a:xfrm>
           <a:prstGeom prst="rect">
@@ -5858,10 +6654,10 @@
       </p:sp>
       <p:sp>
         <p:nvSpPr>
-          <p:cNvPr id="21" name="Rectangle 20">
-            <a:extLst>
-              <a:ext uri="{FF2B5EF4-FFF2-40B4-BE49-F238E27FC236}">
-                <a16:creationId xmlns:a16="http://schemas.microsoft.com/office/drawing/2014/main" id="{BE8AC372-3226-4310-AA6D-9AB6B756F00D}"/>
+          <p:cNvPr id="52" name="Rectangle 51">
+            <a:extLst>
+              <a:ext uri="{FF2B5EF4-FFF2-40B4-BE49-F238E27FC236}">
+                <a16:creationId xmlns:a16="http://schemas.microsoft.com/office/drawing/2014/main" id="{9844435C-2028-437F-8AEA-669A46B88D38}"/>
               </a:ext>
             </a:extLst>
           </p:cNvPr>
@@ -5870,7 +6666,7 @@
         </p:nvSpPr>
         <p:spPr>
           <a:xfrm>
-            <a:off x="9337269" y="2611058"/>
+            <a:off x="6568459" y="3306383"/>
             <a:ext cx="857250" cy="685800"/>
           </a:xfrm>
           <a:prstGeom prst="rect">
@@ -5905,17 +6701,17 @@
             <a:pPr algn="ctr"/>
             <a:r>
               <a:rPr lang="en-AU" dirty="0"/>
-              <a:t>A</a:t>
-            </a:r>
-          </a:p>
-        </p:txBody>
-      </p:sp>
-      <p:sp>
-        <p:nvSpPr>
-          <p:cNvPr id="22" name="Rectangle 21">
-            <a:extLst>
-              <a:ext uri="{FF2B5EF4-FFF2-40B4-BE49-F238E27FC236}">
-                <a16:creationId xmlns:a16="http://schemas.microsoft.com/office/drawing/2014/main" id="{9A2EA93B-F699-4ABC-AA7E-9CCF0724FD9D}"/>
+              <a:t>B</a:t>
+            </a:r>
+          </a:p>
+        </p:txBody>
+      </p:sp>
+      <p:sp>
+        <p:nvSpPr>
+          <p:cNvPr id="53" name="Rectangle 52">
+            <a:extLst>
+              <a:ext uri="{FF2B5EF4-FFF2-40B4-BE49-F238E27FC236}">
+                <a16:creationId xmlns:a16="http://schemas.microsoft.com/office/drawing/2014/main" id="{BAAB87B5-E6A9-42E4-A1A0-72F3F820BC7A}"/>
               </a:ext>
             </a:extLst>
           </p:cNvPr>
@@ -5924,7 +6720,7 @@
         </p:nvSpPr>
         <p:spPr>
           <a:xfrm>
-            <a:off x="9337269" y="3401633"/>
+            <a:off x="6568459" y="4096958"/>
             <a:ext cx="857250" cy="685800"/>
           </a:xfrm>
           <a:prstGeom prst="rect">
@@ -5959,17 +6755,17 @@
             <a:pPr algn="ctr"/>
             <a:r>
               <a:rPr lang="en-AU" dirty="0"/>
-              <a:t>B</a:t>
-            </a:r>
-          </a:p>
-        </p:txBody>
-      </p:sp>
-      <p:sp>
-        <p:nvSpPr>
-          <p:cNvPr id="23" name="Rectangle 22">
-            <a:extLst>
-              <a:ext uri="{FF2B5EF4-FFF2-40B4-BE49-F238E27FC236}">
-                <a16:creationId xmlns:a16="http://schemas.microsoft.com/office/drawing/2014/main" id="{EE670426-1CB3-4AC6-B12B-8F5A0AD7A275}"/>
+              <a:t>C</a:t>
+            </a:r>
+          </a:p>
+        </p:txBody>
+      </p:sp>
+      <p:sp>
+        <p:nvSpPr>
+          <p:cNvPr id="54" name="Rectangle 53">
+            <a:extLst>
+              <a:ext uri="{FF2B5EF4-FFF2-40B4-BE49-F238E27FC236}">
+                <a16:creationId xmlns:a16="http://schemas.microsoft.com/office/drawing/2014/main" id="{0B508C70-E718-4115-8286-A9C1F0774F9C}"/>
               </a:ext>
             </a:extLst>
           </p:cNvPr>
@@ -5978,7 +6774,7 @@
         </p:nvSpPr>
         <p:spPr>
           <a:xfrm>
-            <a:off x="9337269" y="4247810"/>
+            <a:off x="6568459" y="4943135"/>
             <a:ext cx="857250" cy="685800"/>
           </a:xfrm>
           <a:prstGeom prst="rect">
@@ -6013,17 +6809,17 @@
             <a:pPr algn="ctr"/>
             <a:r>
               <a:rPr lang="en-AU" dirty="0"/>
-              <a:t>C</a:t>
-            </a:r>
-          </a:p>
-        </p:txBody>
-      </p:sp>
-      <p:sp>
-        <p:nvSpPr>
-          <p:cNvPr id="24" name="TextBox 23">
-            <a:extLst>
-              <a:ext uri="{FF2B5EF4-FFF2-40B4-BE49-F238E27FC236}">
-                <a16:creationId xmlns:a16="http://schemas.microsoft.com/office/drawing/2014/main" id="{6A526280-D932-4A7A-87F9-2ABD187FF5A1}"/>
+              <a:t>D</a:t>
+            </a:r>
+          </a:p>
+        </p:txBody>
+      </p:sp>
+      <p:sp>
+        <p:nvSpPr>
+          <p:cNvPr id="55" name="TextBox 54">
+            <a:extLst>
+              <a:ext uri="{FF2B5EF4-FFF2-40B4-BE49-F238E27FC236}">
+                <a16:creationId xmlns:a16="http://schemas.microsoft.com/office/drawing/2014/main" id="{DC2CDBB1-2F9F-4D5F-8C6D-68BEADC8B9AF}"/>
               </a:ext>
             </a:extLst>
           </p:cNvPr>
@@ -6032,8 +6828,8 @@
         </p:nvSpPr>
         <p:spPr>
           <a:xfrm>
-            <a:off x="8260944" y="1000829"/>
-            <a:ext cx="3553409" cy="406393"/>
+            <a:off x="6036716" y="1600599"/>
+            <a:ext cx="2229456" cy="406393"/>
           </a:xfrm>
           <a:prstGeom prst="rect">
             <a:avLst/>
@@ -6048,17 +6844,17 @@
           <a:p>
             <a:r>
               <a:rPr lang="en-AU" b="1" dirty="0"/>
-              <a:t>Duration shorter in destination</a:t>
-            </a:r>
-          </a:p>
-        </p:txBody>
-      </p:sp>
-      <p:sp>
-        <p:nvSpPr>
-          <p:cNvPr id="25" name="TextBox 24">
-            <a:extLst>
-              <a:ext uri="{FF2B5EF4-FFF2-40B4-BE49-F238E27FC236}">
-                <a16:creationId xmlns:a16="http://schemas.microsoft.com/office/drawing/2014/main" id="{BABE6C1B-6F1D-410D-9DB6-146C4D1486A3}"/>
+              <a:t>2. Advance keyring</a:t>
+            </a:r>
+          </a:p>
+        </p:txBody>
+      </p:sp>
+      <p:sp>
+        <p:nvSpPr>
+          <p:cNvPr id="3" name="TextBox 2">
+            <a:extLst>
+              <a:ext uri="{FF2B5EF4-FFF2-40B4-BE49-F238E27FC236}">
+                <a16:creationId xmlns:a16="http://schemas.microsoft.com/office/drawing/2014/main" id="{20BF501D-9A9E-4523-85E0-67F5E20BF089}"/>
               </a:ext>
             </a:extLst>
           </p:cNvPr>
@@ -6067,8 +6863,8 @@
         </p:nvSpPr>
         <p:spPr>
           <a:xfrm>
-            <a:off x="8160622" y="4253838"/>
-            <a:ext cx="1274708" cy="406393"/>
+            <a:off x="1333279" y="700461"/>
+            <a:ext cx="3460909" cy="461665"/>
           </a:xfrm>
           <a:prstGeom prst="rect">
             <a:avLst/>
@@ -6076,102 +6872,33 @@
           <a:noFill/>
         </p:spPr>
         <p:txBody>
-          <a:bodyPr wrap="none" rtlCol="0">
+          <a:bodyPr wrap="square" rtlCol="0">
             <a:spAutoFit/>
           </a:bodyPr>
           <a:lstStyle/>
           <a:p>
-            <a:r>
-              <a:rPr lang="en-AU" dirty="0" err="1"/>
+            <a:pPr algn="ctr"/>
+            <a:r>
+              <a:rPr lang="en-AU" sz="1200" i="1" dirty="0"/>
+              <a:t>(Note the keyring could be advanced first as long as the </a:t>
+            </a:r>
+            <a:r>
+              <a:rPr lang="en-AU" sz="1200" i="1" dirty="0" err="1"/>
               <a:t>TimedLink</a:t>
             </a:r>
-            <a:endParaRPr lang="en-AU" dirty="0"/>
-          </a:p>
-        </p:txBody>
-      </p:sp>
-      <p:cxnSp>
-        <p:nvCxnSpPr>
-          <p:cNvPr id="26" name="Straight Arrow Connector 25">
-            <a:extLst>
-              <a:ext uri="{FF2B5EF4-FFF2-40B4-BE49-F238E27FC236}">
-                <a16:creationId xmlns:a16="http://schemas.microsoft.com/office/drawing/2014/main" id="{C2AAFA75-096F-4B54-B1EA-3AFE2DD03853}"/>
-              </a:ext>
-            </a:extLst>
-          </p:cNvPr>
-          <p:cNvCxnSpPr>
-            <a:cxnSpLocks/>
-          </p:cNvCxnSpPr>
-          <p:nvPr/>
-        </p:nvCxnSpPr>
-        <p:spPr>
-          <a:xfrm flipV="1">
-            <a:off x="8260941" y="4856958"/>
-            <a:ext cx="1047752" cy="603827"/>
-          </a:xfrm>
-          <a:prstGeom prst="straightConnector1">
-            <a:avLst/>
-          </a:prstGeom>
-          <a:ln>
-            <a:tailEnd type="triangle"/>
-          </a:ln>
-        </p:spPr>
-        <p:style>
-          <a:lnRef idx="1">
-            <a:schemeClr val="accent1"/>
-          </a:lnRef>
-          <a:fillRef idx="0">
-            <a:schemeClr val="accent1"/>
-          </a:fillRef>
-          <a:effectRef idx="0">
-            <a:schemeClr val="accent1"/>
-          </a:effectRef>
-          <a:fontRef idx="minor">
-            <a:schemeClr val="tx1"/>
-          </a:fontRef>
-        </p:style>
-      </p:cxnSp>
-      <p:sp>
-        <p:nvSpPr>
-          <p:cNvPr id="27" name="TextBox 26">
-            <a:extLst>
-              <a:ext uri="{FF2B5EF4-FFF2-40B4-BE49-F238E27FC236}">
-                <a16:creationId xmlns:a16="http://schemas.microsoft.com/office/drawing/2014/main" id="{E6EDED8A-2614-42F9-A044-2BF4975995F0}"/>
-              </a:ext>
-            </a:extLst>
-          </p:cNvPr>
-          <p:cNvSpPr txBox="1"/>
-          <p:nvPr/>
-        </p:nvSpPr>
-        <p:spPr>
-          <a:xfrm>
-            <a:off x="8189198" y="5404616"/>
-            <a:ext cx="1274708" cy="406393"/>
-          </a:xfrm>
-          <a:prstGeom prst="rect">
-            <a:avLst/>
-          </a:prstGeom>
-          <a:noFill/>
-        </p:spPr>
-        <p:txBody>
-          <a:bodyPr wrap="none" rtlCol="0">
-            <a:spAutoFit/>
-          </a:bodyPr>
-          <a:lstStyle/>
-          <a:p>
-            <a:r>
-              <a:rPr lang="en-AU" dirty="0" err="1"/>
-              <a:t>TimedLink</a:t>
-            </a:r>
-            <a:endParaRPr lang="en-AU" dirty="0"/>
-          </a:p>
-        </p:txBody>
-      </p:sp>
-      <p:sp>
-        <p:nvSpPr>
-          <p:cNvPr id="29" name="Rectangle 28">
-            <a:extLst>
-              <a:ext uri="{FF2B5EF4-FFF2-40B4-BE49-F238E27FC236}">
-                <a16:creationId xmlns:a16="http://schemas.microsoft.com/office/drawing/2014/main" id="{EE0864EA-126C-493B-8132-CA8D157DB218}"/>
+            <a:r>
+              <a:rPr lang="en-AU" sz="1200" i="1" dirty="0"/>
+              <a:t> array is also shifted accordingly)</a:t>
+            </a:r>
+          </a:p>
+        </p:txBody>
+      </p:sp>
+      <p:sp>
+        <p:nvSpPr>
+          <p:cNvPr id="57" name="Rectangle 56">
+            <a:extLst>
+              <a:ext uri="{FF2B5EF4-FFF2-40B4-BE49-F238E27FC236}">
+                <a16:creationId xmlns:a16="http://schemas.microsoft.com/office/drawing/2014/main" id="{2EDC81C0-525F-4E65-A6D2-31A91081CD74}"/>
               </a:ext>
             </a:extLst>
           </p:cNvPr>
@@ -6180,8 +6907,8 @@
         </p:nvSpPr>
         <p:spPr>
           <a:xfrm>
-            <a:off x="4012795" y="5117883"/>
-            <a:ext cx="857250" cy="685800"/>
+            <a:off x="10354031" y="2191186"/>
+            <a:ext cx="1705314" cy="914400"/>
           </a:xfrm>
           <a:prstGeom prst="rect">
             <a:avLst/>
@@ -6214,8 +6941,338 @@
           <a:p>
             <a:pPr algn="ctr"/>
             <a:r>
+              <a:rPr lang="en-AU" sz="1400" dirty="0" err="1"/>
+              <a:t>TimedCompartment</a:t>
+            </a:r>
+            <a:endParaRPr lang="en-AU" sz="1400" dirty="0"/>
+          </a:p>
+        </p:txBody>
+      </p:sp>
+      <p:sp>
+        <p:nvSpPr>
+          <p:cNvPr id="58" name="Rectangle 57">
+            <a:extLst>
+              <a:ext uri="{FF2B5EF4-FFF2-40B4-BE49-F238E27FC236}">
+                <a16:creationId xmlns:a16="http://schemas.microsoft.com/office/drawing/2014/main" id="{0BF0C7DF-1427-46E6-8BD4-393E51E20D72}"/>
+              </a:ext>
+            </a:extLst>
+          </p:cNvPr>
+          <p:cNvSpPr/>
+          <p:nvPr/>
+        </p:nvSpPr>
+        <p:spPr>
+          <a:xfrm>
+            <a:off x="10778064" y="3306383"/>
+            <a:ext cx="857250" cy="685800"/>
+          </a:xfrm>
+          <a:prstGeom prst="rect">
+            <a:avLst/>
+          </a:prstGeom>
+        </p:spPr>
+        <p:style>
+          <a:lnRef idx="2">
+            <a:schemeClr val="accent1">
+              <a:shade val="50000"/>
+            </a:schemeClr>
+          </a:lnRef>
+          <a:fillRef idx="1">
+            <a:schemeClr val="accent1"/>
+          </a:fillRef>
+          <a:effectRef idx="0">
+            <a:schemeClr val="accent1"/>
+          </a:effectRef>
+          <a:fontRef idx="minor">
+            <a:schemeClr val="lt1"/>
+          </a:fontRef>
+        </p:style>
+        <p:txBody>
+          <a:bodyPr rot="0" spcFirstLastPara="0" vertOverflow="overflow" horzOverflow="overflow" vert="horz" wrap="square" lIns="91440" tIns="45720" rIns="91440" bIns="45720" numCol="1" spcCol="0" rtlCol="0" fromWordArt="0" anchor="ctr" anchorCtr="0" forceAA="0" compatLnSpc="1">
+            <a:prstTxWarp prst="textNoShape">
+              <a:avLst/>
+            </a:prstTxWarp>
+            <a:noAutofit/>
+          </a:bodyPr>
+          <a:lstStyle/>
+          <a:p>
+            <a:pPr algn="ctr"/>
+            <a:r>
+              <a:rPr lang="en-AU" dirty="0"/>
+              <a:t>B</a:t>
+            </a:r>
+          </a:p>
+        </p:txBody>
+      </p:sp>
+      <p:sp>
+        <p:nvSpPr>
+          <p:cNvPr id="59" name="Rectangle 58">
+            <a:extLst>
+              <a:ext uri="{FF2B5EF4-FFF2-40B4-BE49-F238E27FC236}">
+                <a16:creationId xmlns:a16="http://schemas.microsoft.com/office/drawing/2014/main" id="{9AB777D4-B817-4DFB-9922-E8B32BCCBA91}"/>
+              </a:ext>
+            </a:extLst>
+          </p:cNvPr>
+          <p:cNvSpPr/>
+          <p:nvPr/>
+        </p:nvSpPr>
+        <p:spPr>
+          <a:xfrm>
+            <a:off x="10778064" y="4096958"/>
+            <a:ext cx="857250" cy="685800"/>
+          </a:xfrm>
+          <a:prstGeom prst="rect">
+            <a:avLst/>
+          </a:prstGeom>
+        </p:spPr>
+        <p:style>
+          <a:lnRef idx="2">
+            <a:schemeClr val="accent1">
+              <a:shade val="50000"/>
+            </a:schemeClr>
+          </a:lnRef>
+          <a:fillRef idx="1">
+            <a:schemeClr val="accent1"/>
+          </a:fillRef>
+          <a:effectRef idx="0">
+            <a:schemeClr val="accent1"/>
+          </a:effectRef>
+          <a:fontRef idx="minor">
+            <a:schemeClr val="lt1"/>
+          </a:fontRef>
+        </p:style>
+        <p:txBody>
+          <a:bodyPr rot="0" spcFirstLastPara="0" vertOverflow="overflow" horzOverflow="overflow" vert="horz" wrap="square" lIns="91440" tIns="45720" rIns="91440" bIns="45720" numCol="1" spcCol="0" rtlCol="0" fromWordArt="0" anchor="ctr" anchorCtr="0" forceAA="0" compatLnSpc="1">
+            <a:prstTxWarp prst="textNoShape">
+              <a:avLst/>
+            </a:prstTxWarp>
+            <a:noAutofit/>
+          </a:bodyPr>
+          <a:lstStyle/>
+          <a:p>
+            <a:pPr algn="ctr"/>
+            <a:r>
+              <a:rPr lang="en-AU" dirty="0"/>
+              <a:t>C</a:t>
+            </a:r>
+          </a:p>
+        </p:txBody>
+      </p:sp>
+      <p:sp>
+        <p:nvSpPr>
+          <p:cNvPr id="60" name="Rectangle 59">
+            <a:extLst>
+              <a:ext uri="{FF2B5EF4-FFF2-40B4-BE49-F238E27FC236}">
+                <a16:creationId xmlns:a16="http://schemas.microsoft.com/office/drawing/2014/main" id="{2A2650F0-7E16-4854-9221-D7A06B7E90D7}"/>
+              </a:ext>
+            </a:extLst>
+          </p:cNvPr>
+          <p:cNvSpPr/>
+          <p:nvPr/>
+        </p:nvSpPr>
+        <p:spPr>
+          <a:xfrm>
+            <a:off x="10778064" y="4943135"/>
+            <a:ext cx="857250" cy="685800"/>
+          </a:xfrm>
+          <a:prstGeom prst="rect">
+            <a:avLst/>
+          </a:prstGeom>
+        </p:spPr>
+        <p:style>
+          <a:lnRef idx="2">
+            <a:schemeClr val="accent1">
+              <a:shade val="50000"/>
+            </a:schemeClr>
+          </a:lnRef>
+          <a:fillRef idx="1">
+            <a:schemeClr val="accent1"/>
+          </a:fillRef>
+          <a:effectRef idx="0">
+            <a:schemeClr val="accent1"/>
+          </a:effectRef>
+          <a:fontRef idx="minor">
+            <a:schemeClr val="lt1"/>
+          </a:fontRef>
+        </p:style>
+        <p:txBody>
+          <a:bodyPr rot="0" spcFirstLastPara="0" vertOverflow="overflow" horzOverflow="overflow" vert="horz" wrap="square" lIns="91440" tIns="45720" rIns="91440" bIns="45720" numCol="1" spcCol="0" rtlCol="0" fromWordArt="0" anchor="ctr" anchorCtr="0" forceAA="0" compatLnSpc="1">
+            <a:prstTxWarp prst="textNoShape">
+              <a:avLst/>
+            </a:prstTxWarp>
+            <a:noAutofit/>
+          </a:bodyPr>
+          <a:lstStyle/>
+          <a:p>
+            <a:pPr algn="ctr"/>
+            <a:r>
               <a:rPr lang="en-AU" dirty="0"/>
               <a:t>D</a:t>
+            </a:r>
+          </a:p>
+        </p:txBody>
+      </p:sp>
+      <p:sp>
+        <p:nvSpPr>
+          <p:cNvPr id="61" name="TextBox 60">
+            <a:extLst>
+              <a:ext uri="{FF2B5EF4-FFF2-40B4-BE49-F238E27FC236}">
+                <a16:creationId xmlns:a16="http://schemas.microsoft.com/office/drawing/2014/main" id="{C42E8792-F12B-4F8B-ABD0-A42B3F9A8DC0}"/>
+              </a:ext>
+            </a:extLst>
+          </p:cNvPr>
+          <p:cNvSpPr txBox="1"/>
+          <p:nvPr/>
+        </p:nvSpPr>
+        <p:spPr>
+          <a:xfrm>
+            <a:off x="10246322" y="1600599"/>
+            <a:ext cx="2145587" cy="406393"/>
+          </a:xfrm>
+          <a:prstGeom prst="rect">
+            <a:avLst/>
+          </a:prstGeom>
+          <a:noFill/>
+        </p:spPr>
+        <p:txBody>
+          <a:bodyPr wrap="none" rtlCol="0">
+            <a:spAutoFit/>
+          </a:bodyPr>
+          <a:lstStyle/>
+          <a:p>
+            <a:r>
+              <a:rPr lang="en-AU" b="1" dirty="0"/>
+              <a:t>3. Untimed inflow</a:t>
+            </a:r>
+          </a:p>
+        </p:txBody>
+      </p:sp>
+      <p:sp>
+        <p:nvSpPr>
+          <p:cNvPr id="62" name="TextBox 61">
+            <a:extLst>
+              <a:ext uri="{FF2B5EF4-FFF2-40B4-BE49-F238E27FC236}">
+                <a16:creationId xmlns:a16="http://schemas.microsoft.com/office/drawing/2014/main" id="{C57FBAD2-7DCF-4773-A13C-583E48F5A6EF}"/>
+              </a:ext>
+            </a:extLst>
+          </p:cNvPr>
+          <p:cNvSpPr txBox="1"/>
+          <p:nvPr/>
+        </p:nvSpPr>
+        <p:spPr>
+          <a:xfrm>
+            <a:off x="5111183" y="5857857"/>
+            <a:ext cx="3771802" cy="646331"/>
+          </a:xfrm>
+          <a:prstGeom prst="rect">
+            <a:avLst/>
+          </a:prstGeom>
+          <a:noFill/>
+        </p:spPr>
+        <p:txBody>
+          <a:bodyPr wrap="square" rtlCol="0">
+            <a:spAutoFit/>
+          </a:bodyPr>
+          <a:lstStyle/>
+          <a:p>
+            <a:pPr algn="ctr"/>
+            <a:r>
+              <a:rPr lang="en-AU" sz="1200" i="1" dirty="0"/>
+              <a:t>For </a:t>
+            </a:r>
+            <a:r>
+              <a:rPr lang="en-AU" sz="1200" i="1" dirty="0" err="1"/>
+              <a:t>TimedCompartments</a:t>
+            </a:r>
+            <a:r>
+              <a:rPr lang="en-AU" sz="1200" i="1" dirty="0"/>
+              <a:t>, it is assumed that the outflows result in </a:t>
+            </a:r>
+            <a:r>
+              <a:rPr lang="en-AU" sz="1200" i="1" dirty="0" err="1"/>
+              <a:t>subcompartment</a:t>
+            </a:r>
+            <a:r>
+              <a:rPr lang="en-AU" sz="1200" i="1" dirty="0"/>
+              <a:t> A being emptied entirely, thus discarding A in step (2) does not affect any people </a:t>
+            </a:r>
+          </a:p>
+        </p:txBody>
+      </p:sp>
+      <p:sp>
+        <p:nvSpPr>
+          <p:cNvPr id="63" name="TextBox 62">
+            <a:extLst>
+              <a:ext uri="{FF2B5EF4-FFF2-40B4-BE49-F238E27FC236}">
+                <a16:creationId xmlns:a16="http://schemas.microsoft.com/office/drawing/2014/main" id="{DFA5DC6D-F097-4A77-A459-E2DB5F0CF0CD}"/>
+              </a:ext>
+            </a:extLst>
+          </p:cNvPr>
+          <p:cNvSpPr txBox="1"/>
+          <p:nvPr/>
+        </p:nvSpPr>
+        <p:spPr>
+          <a:xfrm>
+            <a:off x="1283572" y="4949163"/>
+            <a:ext cx="1274708" cy="406393"/>
+          </a:xfrm>
+          <a:prstGeom prst="rect">
+            <a:avLst/>
+          </a:prstGeom>
+          <a:noFill/>
+        </p:spPr>
+        <p:txBody>
+          <a:bodyPr wrap="none" rtlCol="0">
+            <a:spAutoFit/>
+          </a:bodyPr>
+          <a:lstStyle/>
+          <a:p>
+            <a:r>
+              <a:rPr lang="en-AU" dirty="0" err="1"/>
+              <a:t>TimedLink</a:t>
+            </a:r>
+            <a:endParaRPr lang="en-AU" dirty="0"/>
+          </a:p>
+        </p:txBody>
+      </p:sp>
+      <p:sp>
+        <p:nvSpPr>
+          <p:cNvPr id="81" name="TextBox 80">
+            <a:extLst>
+              <a:ext uri="{FF2B5EF4-FFF2-40B4-BE49-F238E27FC236}">
+                <a16:creationId xmlns:a16="http://schemas.microsoft.com/office/drawing/2014/main" id="{6628CB7D-15FA-4BFD-A55F-4D90B28A3CA0}"/>
+              </a:ext>
+            </a:extLst>
+          </p:cNvPr>
+          <p:cNvSpPr txBox="1"/>
+          <p:nvPr/>
+        </p:nvSpPr>
+        <p:spPr>
+          <a:xfrm>
+            <a:off x="1002943" y="5852521"/>
+            <a:ext cx="3771802" cy="461665"/>
+          </a:xfrm>
+          <a:prstGeom prst="rect">
+            <a:avLst/>
+          </a:prstGeom>
+          <a:noFill/>
+        </p:spPr>
+        <p:txBody>
+          <a:bodyPr wrap="square" rtlCol="0">
+            <a:spAutoFit/>
+          </a:bodyPr>
+          <a:lstStyle/>
+          <a:p>
+            <a:pPr algn="ctr"/>
+            <a:r>
+              <a:rPr lang="en-AU" sz="1200" i="1" dirty="0"/>
+              <a:t>Note that incoming </a:t>
+            </a:r>
+            <a:r>
+              <a:rPr lang="en-AU" sz="1200" i="1" dirty="0" err="1"/>
+              <a:t>TimedLinks</a:t>
+            </a:r>
+            <a:r>
+              <a:rPr lang="en-AU" sz="1200" i="1" dirty="0"/>
+              <a:t> must belong to the same duration group</a:t>
             </a:r>
           </a:p>
         </p:txBody>
@@ -6223,7 +7280,7 @@
     </p:spTree>
     <p:extLst>
       <p:ext uri="{BB962C8B-B14F-4D97-AF65-F5344CB8AC3E}">
-        <p14:creationId xmlns:p14="http://schemas.microsoft.com/office/powerpoint/2010/main" val="2811790705"/>
+        <p14:creationId xmlns:p14="http://schemas.microsoft.com/office/powerpoint/2010/main" val="687164193"/>
       </p:ext>
     </p:extLst>
   </p:cSld>
@@ -6250,6 +7307,1030 @@
           <a:chExt cx="0" cy="0"/>
         </a:xfrm>
       </p:grpSpPr>
+      <p:cxnSp>
+        <p:nvCxnSpPr>
+          <p:cNvPr id="6" name="Straight Arrow Connector 5">
+            <a:extLst>
+              <a:ext uri="{FF2B5EF4-FFF2-40B4-BE49-F238E27FC236}">
+                <a16:creationId xmlns:a16="http://schemas.microsoft.com/office/drawing/2014/main" id="{9E5F56FE-6793-45BB-B2DD-6EF92D0BA377}"/>
+              </a:ext>
+            </a:extLst>
+          </p:cNvPr>
+          <p:cNvCxnSpPr>
+            <a:cxnSpLocks/>
+          </p:cNvCxnSpPr>
+          <p:nvPr/>
+        </p:nvCxnSpPr>
+        <p:spPr>
+          <a:xfrm>
+            <a:off x="2936469" y="3773108"/>
+            <a:ext cx="1047751" cy="0"/>
+          </a:xfrm>
+          <a:prstGeom prst="straightConnector1">
+            <a:avLst/>
+          </a:prstGeom>
+          <a:ln>
+            <a:tailEnd type="triangle"/>
+          </a:ln>
+        </p:spPr>
+        <p:style>
+          <a:lnRef idx="1">
+            <a:schemeClr val="accent1"/>
+          </a:lnRef>
+          <a:fillRef idx="0">
+            <a:schemeClr val="accent1"/>
+          </a:fillRef>
+          <a:effectRef idx="0">
+            <a:schemeClr val="accent1"/>
+          </a:effectRef>
+          <a:fontRef idx="minor">
+            <a:schemeClr val="tx1"/>
+          </a:fontRef>
+        </p:style>
+      </p:cxnSp>
+      <p:cxnSp>
+        <p:nvCxnSpPr>
+          <p:cNvPr id="7" name="Straight Arrow Connector 6">
+            <a:extLst>
+              <a:ext uri="{FF2B5EF4-FFF2-40B4-BE49-F238E27FC236}">
+                <a16:creationId xmlns:a16="http://schemas.microsoft.com/office/drawing/2014/main" id="{E0D6032B-F0BA-4FAB-B078-ADA027504B39}"/>
+              </a:ext>
+            </a:extLst>
+          </p:cNvPr>
+          <p:cNvCxnSpPr>
+            <a:cxnSpLocks/>
+          </p:cNvCxnSpPr>
+          <p:nvPr/>
+        </p:nvCxnSpPr>
+        <p:spPr>
+          <a:xfrm>
+            <a:off x="2936469" y="4620833"/>
+            <a:ext cx="1047751" cy="0"/>
+          </a:xfrm>
+          <a:prstGeom prst="straightConnector1">
+            <a:avLst/>
+          </a:prstGeom>
+          <a:ln>
+            <a:tailEnd type="triangle"/>
+          </a:ln>
+        </p:spPr>
+        <p:style>
+          <a:lnRef idx="1">
+            <a:schemeClr val="accent1"/>
+          </a:lnRef>
+          <a:fillRef idx="0">
+            <a:schemeClr val="accent1"/>
+          </a:fillRef>
+          <a:effectRef idx="0">
+            <a:schemeClr val="accent1"/>
+          </a:effectRef>
+          <a:fontRef idx="minor">
+            <a:schemeClr val="tx1"/>
+          </a:fontRef>
+        </p:style>
+      </p:cxnSp>
+      <p:sp>
+        <p:nvSpPr>
+          <p:cNvPr id="8" name="TextBox 7">
+            <a:extLst>
+              <a:ext uri="{FF2B5EF4-FFF2-40B4-BE49-F238E27FC236}">
+                <a16:creationId xmlns:a16="http://schemas.microsoft.com/office/drawing/2014/main" id="{77A364AD-3A9E-479D-BE22-B98D57A58BBF}"/>
+              </a:ext>
+            </a:extLst>
+          </p:cNvPr>
+          <p:cNvSpPr txBox="1"/>
+          <p:nvPr/>
+        </p:nvSpPr>
+        <p:spPr>
+          <a:xfrm>
+            <a:off x="2836148" y="3416225"/>
+            <a:ext cx="1274708" cy="406393"/>
+          </a:xfrm>
+          <a:prstGeom prst="rect">
+            <a:avLst/>
+          </a:prstGeom>
+          <a:noFill/>
+        </p:spPr>
+        <p:txBody>
+          <a:bodyPr wrap="none" rtlCol="0">
+            <a:spAutoFit/>
+          </a:bodyPr>
+          <a:lstStyle/>
+          <a:p>
+            <a:r>
+              <a:rPr lang="en-AU" dirty="0" err="1"/>
+              <a:t>TimedLink</a:t>
+            </a:r>
+            <a:endParaRPr lang="en-AU" dirty="0"/>
+          </a:p>
+        </p:txBody>
+      </p:sp>
+      <p:sp>
+        <p:nvSpPr>
+          <p:cNvPr id="9" name="Rectangle 8">
+            <a:extLst>
+              <a:ext uri="{FF2B5EF4-FFF2-40B4-BE49-F238E27FC236}">
+                <a16:creationId xmlns:a16="http://schemas.microsoft.com/office/drawing/2014/main" id="{8991999C-4FAE-42A8-BB2F-90D8CFB40121}"/>
+              </a:ext>
+            </a:extLst>
+          </p:cNvPr>
+          <p:cNvSpPr/>
+          <p:nvPr/>
+        </p:nvSpPr>
+        <p:spPr>
+          <a:xfrm>
+            <a:off x="3588762" y="1495861"/>
+            <a:ext cx="1705314" cy="914400"/>
+          </a:xfrm>
+          <a:prstGeom prst="rect">
+            <a:avLst/>
+          </a:prstGeom>
+        </p:spPr>
+        <p:style>
+          <a:lnRef idx="2">
+            <a:schemeClr val="accent1">
+              <a:shade val="50000"/>
+            </a:schemeClr>
+          </a:lnRef>
+          <a:fillRef idx="1">
+            <a:schemeClr val="accent1"/>
+          </a:fillRef>
+          <a:effectRef idx="0">
+            <a:schemeClr val="accent1"/>
+          </a:effectRef>
+          <a:fontRef idx="minor">
+            <a:schemeClr val="lt1"/>
+          </a:fontRef>
+        </p:style>
+        <p:txBody>
+          <a:bodyPr rot="0" spcFirstLastPara="0" vertOverflow="overflow" horzOverflow="overflow" vert="horz" wrap="square" lIns="91440" tIns="45720" rIns="91440" bIns="45720" numCol="1" spcCol="0" rtlCol="0" fromWordArt="0" anchor="ctr" anchorCtr="0" forceAA="0" compatLnSpc="1">
+            <a:prstTxWarp prst="textNoShape">
+              <a:avLst/>
+            </a:prstTxWarp>
+            <a:noAutofit/>
+          </a:bodyPr>
+          <a:lstStyle/>
+          <a:p>
+            <a:pPr algn="ctr"/>
+            <a:r>
+              <a:rPr lang="en-AU" sz="1400" dirty="0" err="1"/>
+              <a:t>TimedCompartment</a:t>
+            </a:r>
+            <a:endParaRPr lang="en-AU" sz="1400" dirty="0"/>
+          </a:p>
+        </p:txBody>
+      </p:sp>
+      <p:sp>
+        <p:nvSpPr>
+          <p:cNvPr id="10" name="Rectangle 9">
+            <a:extLst>
+              <a:ext uri="{FF2B5EF4-FFF2-40B4-BE49-F238E27FC236}">
+                <a16:creationId xmlns:a16="http://schemas.microsoft.com/office/drawing/2014/main" id="{2CD14AD0-6C83-4B6F-B0FC-BC67FFD9D34C}"/>
+              </a:ext>
+            </a:extLst>
+          </p:cNvPr>
+          <p:cNvSpPr/>
+          <p:nvPr/>
+        </p:nvSpPr>
+        <p:spPr>
+          <a:xfrm>
+            <a:off x="4012795" y="2611058"/>
+            <a:ext cx="857250" cy="685800"/>
+          </a:xfrm>
+          <a:prstGeom prst="rect">
+            <a:avLst/>
+          </a:prstGeom>
+        </p:spPr>
+        <p:style>
+          <a:lnRef idx="2">
+            <a:schemeClr val="accent1">
+              <a:shade val="50000"/>
+            </a:schemeClr>
+          </a:lnRef>
+          <a:fillRef idx="1">
+            <a:schemeClr val="accent1"/>
+          </a:fillRef>
+          <a:effectRef idx="0">
+            <a:schemeClr val="accent1"/>
+          </a:effectRef>
+          <a:fontRef idx="minor">
+            <a:schemeClr val="lt1"/>
+          </a:fontRef>
+        </p:style>
+        <p:txBody>
+          <a:bodyPr rot="0" spcFirstLastPara="0" vertOverflow="overflow" horzOverflow="overflow" vert="horz" wrap="square" lIns="91440" tIns="45720" rIns="91440" bIns="45720" numCol="1" spcCol="0" rtlCol="0" fromWordArt="0" anchor="ctr" anchorCtr="0" forceAA="0" compatLnSpc="1">
+            <a:prstTxWarp prst="textNoShape">
+              <a:avLst/>
+            </a:prstTxWarp>
+            <a:noAutofit/>
+          </a:bodyPr>
+          <a:lstStyle/>
+          <a:p>
+            <a:pPr algn="ctr"/>
+            <a:r>
+              <a:rPr lang="en-AU" dirty="0"/>
+              <a:t>A</a:t>
+            </a:r>
+          </a:p>
+        </p:txBody>
+      </p:sp>
+      <p:sp>
+        <p:nvSpPr>
+          <p:cNvPr id="11" name="Rectangle 10">
+            <a:extLst>
+              <a:ext uri="{FF2B5EF4-FFF2-40B4-BE49-F238E27FC236}">
+                <a16:creationId xmlns:a16="http://schemas.microsoft.com/office/drawing/2014/main" id="{8CDBA207-3411-4AAF-BA26-E503941ECB61}"/>
+              </a:ext>
+            </a:extLst>
+          </p:cNvPr>
+          <p:cNvSpPr/>
+          <p:nvPr/>
+        </p:nvSpPr>
+        <p:spPr>
+          <a:xfrm>
+            <a:off x="4012795" y="3401633"/>
+            <a:ext cx="857250" cy="685800"/>
+          </a:xfrm>
+          <a:prstGeom prst="rect">
+            <a:avLst/>
+          </a:prstGeom>
+        </p:spPr>
+        <p:style>
+          <a:lnRef idx="2">
+            <a:schemeClr val="accent1">
+              <a:shade val="50000"/>
+            </a:schemeClr>
+          </a:lnRef>
+          <a:fillRef idx="1">
+            <a:schemeClr val="accent1"/>
+          </a:fillRef>
+          <a:effectRef idx="0">
+            <a:schemeClr val="accent1"/>
+          </a:effectRef>
+          <a:fontRef idx="minor">
+            <a:schemeClr val="lt1"/>
+          </a:fontRef>
+        </p:style>
+        <p:txBody>
+          <a:bodyPr rot="0" spcFirstLastPara="0" vertOverflow="overflow" horzOverflow="overflow" vert="horz" wrap="square" lIns="91440" tIns="45720" rIns="91440" bIns="45720" numCol="1" spcCol="0" rtlCol="0" fromWordArt="0" anchor="ctr" anchorCtr="0" forceAA="0" compatLnSpc="1">
+            <a:prstTxWarp prst="textNoShape">
+              <a:avLst/>
+            </a:prstTxWarp>
+            <a:noAutofit/>
+          </a:bodyPr>
+          <a:lstStyle/>
+          <a:p>
+            <a:pPr algn="ctr"/>
+            <a:r>
+              <a:rPr lang="en-AU" dirty="0"/>
+              <a:t>B</a:t>
+            </a:r>
+          </a:p>
+        </p:txBody>
+      </p:sp>
+      <p:sp>
+        <p:nvSpPr>
+          <p:cNvPr id="12" name="Rectangle 11">
+            <a:extLst>
+              <a:ext uri="{FF2B5EF4-FFF2-40B4-BE49-F238E27FC236}">
+                <a16:creationId xmlns:a16="http://schemas.microsoft.com/office/drawing/2014/main" id="{9660C373-37A9-4774-8462-202E675627E0}"/>
+              </a:ext>
+            </a:extLst>
+          </p:cNvPr>
+          <p:cNvSpPr/>
+          <p:nvPr/>
+        </p:nvSpPr>
+        <p:spPr>
+          <a:xfrm>
+            <a:off x="4012795" y="4247810"/>
+            <a:ext cx="857250" cy="685800"/>
+          </a:xfrm>
+          <a:prstGeom prst="rect">
+            <a:avLst/>
+          </a:prstGeom>
+        </p:spPr>
+        <p:style>
+          <a:lnRef idx="2">
+            <a:schemeClr val="accent1">
+              <a:shade val="50000"/>
+            </a:schemeClr>
+          </a:lnRef>
+          <a:fillRef idx="1">
+            <a:schemeClr val="accent1"/>
+          </a:fillRef>
+          <a:effectRef idx="0">
+            <a:schemeClr val="accent1"/>
+          </a:effectRef>
+          <a:fontRef idx="minor">
+            <a:schemeClr val="lt1"/>
+          </a:fontRef>
+        </p:style>
+        <p:txBody>
+          <a:bodyPr rot="0" spcFirstLastPara="0" vertOverflow="overflow" horzOverflow="overflow" vert="horz" wrap="square" lIns="91440" tIns="45720" rIns="91440" bIns="45720" numCol="1" spcCol="0" rtlCol="0" fromWordArt="0" anchor="ctr" anchorCtr="0" forceAA="0" compatLnSpc="1">
+            <a:prstTxWarp prst="textNoShape">
+              <a:avLst/>
+            </a:prstTxWarp>
+            <a:noAutofit/>
+          </a:bodyPr>
+          <a:lstStyle/>
+          <a:p>
+            <a:pPr algn="ctr"/>
+            <a:r>
+              <a:rPr lang="en-AU" dirty="0"/>
+              <a:t>C</a:t>
+            </a:r>
+          </a:p>
+        </p:txBody>
+      </p:sp>
+      <p:sp>
+        <p:nvSpPr>
+          <p:cNvPr id="13" name="TextBox 12">
+            <a:extLst>
+              <a:ext uri="{FF2B5EF4-FFF2-40B4-BE49-F238E27FC236}">
+                <a16:creationId xmlns:a16="http://schemas.microsoft.com/office/drawing/2014/main" id="{BD8A8B74-B382-4E94-A544-13E9368D3FBF}"/>
+              </a:ext>
+            </a:extLst>
+          </p:cNvPr>
+          <p:cNvSpPr txBox="1"/>
+          <p:nvPr/>
+        </p:nvSpPr>
+        <p:spPr>
+          <a:xfrm>
+            <a:off x="2936468" y="1000829"/>
+            <a:ext cx="3452805" cy="406393"/>
+          </a:xfrm>
+          <a:prstGeom prst="rect">
+            <a:avLst/>
+          </a:prstGeom>
+          <a:noFill/>
+        </p:spPr>
+        <p:txBody>
+          <a:bodyPr wrap="none" rtlCol="0">
+            <a:spAutoFit/>
+          </a:bodyPr>
+          <a:lstStyle/>
+          <a:p>
+            <a:r>
+              <a:rPr lang="en-AU" b="1" dirty="0"/>
+              <a:t>Duration longer in destination</a:t>
+            </a:r>
+          </a:p>
+        </p:txBody>
+      </p:sp>
+      <p:sp>
+        <p:nvSpPr>
+          <p:cNvPr id="14" name="TextBox 13">
+            <a:extLst>
+              <a:ext uri="{FF2B5EF4-FFF2-40B4-BE49-F238E27FC236}">
+                <a16:creationId xmlns:a16="http://schemas.microsoft.com/office/drawing/2014/main" id="{B8458B53-41DD-4ED3-B105-0449A2DAA445}"/>
+              </a:ext>
+            </a:extLst>
+          </p:cNvPr>
+          <p:cNvSpPr txBox="1"/>
+          <p:nvPr/>
+        </p:nvSpPr>
+        <p:spPr>
+          <a:xfrm>
+            <a:off x="2836148" y="4253838"/>
+            <a:ext cx="1274708" cy="406393"/>
+          </a:xfrm>
+          <a:prstGeom prst="rect">
+            <a:avLst/>
+          </a:prstGeom>
+          <a:noFill/>
+        </p:spPr>
+        <p:txBody>
+          <a:bodyPr wrap="none" rtlCol="0">
+            <a:spAutoFit/>
+          </a:bodyPr>
+          <a:lstStyle/>
+          <a:p>
+            <a:r>
+              <a:rPr lang="en-AU" dirty="0" err="1"/>
+              <a:t>TimedLink</a:t>
+            </a:r>
+            <a:endParaRPr lang="en-AU" dirty="0"/>
+          </a:p>
+        </p:txBody>
+      </p:sp>
+      <p:sp>
+        <p:nvSpPr>
+          <p:cNvPr id="15" name="TextBox 14">
+            <a:extLst>
+              <a:ext uri="{FF2B5EF4-FFF2-40B4-BE49-F238E27FC236}">
+                <a16:creationId xmlns:a16="http://schemas.microsoft.com/office/drawing/2014/main" id="{041A0B30-D262-4EB9-82FC-D045338F3699}"/>
+              </a:ext>
+            </a:extLst>
+          </p:cNvPr>
+          <p:cNvSpPr txBox="1"/>
+          <p:nvPr/>
+        </p:nvSpPr>
+        <p:spPr>
+          <a:xfrm>
+            <a:off x="4003718" y="378531"/>
+            <a:ext cx="7249420" cy="406393"/>
+          </a:xfrm>
+          <a:prstGeom prst="rect">
+            <a:avLst/>
+          </a:prstGeom>
+          <a:noFill/>
+        </p:spPr>
+        <p:txBody>
+          <a:bodyPr wrap="none" rtlCol="0">
+            <a:spAutoFit/>
+          </a:bodyPr>
+          <a:lstStyle/>
+          <a:p>
+            <a:r>
+              <a:rPr lang="en-AU" b="1" dirty="0"/>
+              <a:t>Mismatched </a:t>
+            </a:r>
+            <a:r>
+              <a:rPr lang="en-AU" b="1" dirty="0" err="1"/>
+              <a:t>TimedLinks</a:t>
+            </a:r>
+            <a:r>
+              <a:rPr lang="en-AU" b="1" dirty="0"/>
+              <a:t> (for transfers using </a:t>
+            </a:r>
+            <a:r>
+              <a:rPr lang="en-AU" b="1" dirty="0" err="1"/>
+              <a:t>TimedLink</a:t>
+            </a:r>
+            <a:r>
+              <a:rPr lang="en-AU" b="1" dirty="0"/>
+              <a:t> instances)</a:t>
+            </a:r>
+          </a:p>
+        </p:txBody>
+      </p:sp>
+      <p:cxnSp>
+        <p:nvCxnSpPr>
+          <p:cNvPr id="17" name="Straight Arrow Connector 16">
+            <a:extLst>
+              <a:ext uri="{FF2B5EF4-FFF2-40B4-BE49-F238E27FC236}">
+                <a16:creationId xmlns:a16="http://schemas.microsoft.com/office/drawing/2014/main" id="{92E81C57-278D-4683-90D3-A1471D57465E}"/>
+              </a:ext>
+            </a:extLst>
+          </p:cNvPr>
+          <p:cNvCxnSpPr>
+            <a:cxnSpLocks/>
+          </p:cNvCxnSpPr>
+          <p:nvPr/>
+        </p:nvCxnSpPr>
+        <p:spPr>
+          <a:xfrm>
+            <a:off x="8260944" y="3773108"/>
+            <a:ext cx="1047751" cy="0"/>
+          </a:xfrm>
+          <a:prstGeom prst="straightConnector1">
+            <a:avLst/>
+          </a:prstGeom>
+          <a:ln>
+            <a:tailEnd type="triangle"/>
+          </a:ln>
+        </p:spPr>
+        <p:style>
+          <a:lnRef idx="1">
+            <a:schemeClr val="accent1"/>
+          </a:lnRef>
+          <a:fillRef idx="0">
+            <a:schemeClr val="accent1"/>
+          </a:fillRef>
+          <a:effectRef idx="0">
+            <a:schemeClr val="accent1"/>
+          </a:effectRef>
+          <a:fontRef idx="minor">
+            <a:schemeClr val="tx1"/>
+          </a:fontRef>
+        </p:style>
+      </p:cxnSp>
+      <p:cxnSp>
+        <p:nvCxnSpPr>
+          <p:cNvPr id="18" name="Straight Arrow Connector 17">
+            <a:extLst>
+              <a:ext uri="{FF2B5EF4-FFF2-40B4-BE49-F238E27FC236}">
+                <a16:creationId xmlns:a16="http://schemas.microsoft.com/office/drawing/2014/main" id="{1D21C800-A0C4-4B88-99B0-2CAC6836ABA9}"/>
+              </a:ext>
+            </a:extLst>
+          </p:cNvPr>
+          <p:cNvCxnSpPr>
+            <a:cxnSpLocks/>
+          </p:cNvCxnSpPr>
+          <p:nvPr/>
+        </p:nvCxnSpPr>
+        <p:spPr>
+          <a:xfrm>
+            <a:off x="8260944" y="4620833"/>
+            <a:ext cx="1047751" cy="0"/>
+          </a:xfrm>
+          <a:prstGeom prst="straightConnector1">
+            <a:avLst/>
+          </a:prstGeom>
+          <a:ln>
+            <a:tailEnd type="triangle"/>
+          </a:ln>
+        </p:spPr>
+        <p:style>
+          <a:lnRef idx="1">
+            <a:schemeClr val="accent1"/>
+          </a:lnRef>
+          <a:fillRef idx="0">
+            <a:schemeClr val="accent1"/>
+          </a:fillRef>
+          <a:effectRef idx="0">
+            <a:schemeClr val="accent1"/>
+          </a:effectRef>
+          <a:fontRef idx="minor">
+            <a:schemeClr val="tx1"/>
+          </a:fontRef>
+        </p:style>
+      </p:cxnSp>
+      <p:sp>
+        <p:nvSpPr>
+          <p:cNvPr id="19" name="TextBox 18">
+            <a:extLst>
+              <a:ext uri="{FF2B5EF4-FFF2-40B4-BE49-F238E27FC236}">
+                <a16:creationId xmlns:a16="http://schemas.microsoft.com/office/drawing/2014/main" id="{9BB19B52-430A-4559-AB86-1E1CD5671268}"/>
+              </a:ext>
+            </a:extLst>
+          </p:cNvPr>
+          <p:cNvSpPr txBox="1"/>
+          <p:nvPr/>
+        </p:nvSpPr>
+        <p:spPr>
+          <a:xfrm>
+            <a:off x="8160622" y="3416225"/>
+            <a:ext cx="1274708" cy="406393"/>
+          </a:xfrm>
+          <a:prstGeom prst="rect">
+            <a:avLst/>
+          </a:prstGeom>
+          <a:noFill/>
+        </p:spPr>
+        <p:txBody>
+          <a:bodyPr wrap="none" rtlCol="0">
+            <a:spAutoFit/>
+          </a:bodyPr>
+          <a:lstStyle/>
+          <a:p>
+            <a:r>
+              <a:rPr lang="en-AU" dirty="0" err="1"/>
+              <a:t>TimedLink</a:t>
+            </a:r>
+            <a:endParaRPr lang="en-AU" dirty="0"/>
+          </a:p>
+        </p:txBody>
+      </p:sp>
+      <p:sp>
+        <p:nvSpPr>
+          <p:cNvPr id="20" name="Rectangle 19">
+            <a:extLst>
+              <a:ext uri="{FF2B5EF4-FFF2-40B4-BE49-F238E27FC236}">
+                <a16:creationId xmlns:a16="http://schemas.microsoft.com/office/drawing/2014/main" id="{BE278627-740B-4CAF-85E9-9502C4A8C99D}"/>
+              </a:ext>
+            </a:extLst>
+          </p:cNvPr>
+          <p:cNvSpPr/>
+          <p:nvPr/>
+        </p:nvSpPr>
+        <p:spPr>
+          <a:xfrm>
+            <a:off x="8913237" y="1495861"/>
+            <a:ext cx="1705314" cy="914400"/>
+          </a:xfrm>
+          <a:prstGeom prst="rect">
+            <a:avLst/>
+          </a:prstGeom>
+        </p:spPr>
+        <p:style>
+          <a:lnRef idx="2">
+            <a:schemeClr val="accent1">
+              <a:shade val="50000"/>
+            </a:schemeClr>
+          </a:lnRef>
+          <a:fillRef idx="1">
+            <a:schemeClr val="accent1"/>
+          </a:fillRef>
+          <a:effectRef idx="0">
+            <a:schemeClr val="accent1"/>
+          </a:effectRef>
+          <a:fontRef idx="minor">
+            <a:schemeClr val="lt1"/>
+          </a:fontRef>
+        </p:style>
+        <p:txBody>
+          <a:bodyPr rot="0" spcFirstLastPara="0" vertOverflow="overflow" horzOverflow="overflow" vert="horz" wrap="square" lIns="91440" tIns="45720" rIns="91440" bIns="45720" numCol="1" spcCol="0" rtlCol="0" fromWordArt="0" anchor="ctr" anchorCtr="0" forceAA="0" compatLnSpc="1">
+            <a:prstTxWarp prst="textNoShape">
+              <a:avLst/>
+            </a:prstTxWarp>
+            <a:noAutofit/>
+          </a:bodyPr>
+          <a:lstStyle/>
+          <a:p>
+            <a:pPr algn="ctr"/>
+            <a:r>
+              <a:rPr lang="en-AU" sz="1400" dirty="0" err="1"/>
+              <a:t>TimedCompartment</a:t>
+            </a:r>
+            <a:endParaRPr lang="en-AU" sz="1400" dirty="0"/>
+          </a:p>
+        </p:txBody>
+      </p:sp>
+      <p:sp>
+        <p:nvSpPr>
+          <p:cNvPr id="21" name="Rectangle 20">
+            <a:extLst>
+              <a:ext uri="{FF2B5EF4-FFF2-40B4-BE49-F238E27FC236}">
+                <a16:creationId xmlns:a16="http://schemas.microsoft.com/office/drawing/2014/main" id="{BE8AC372-3226-4310-AA6D-9AB6B756F00D}"/>
+              </a:ext>
+            </a:extLst>
+          </p:cNvPr>
+          <p:cNvSpPr/>
+          <p:nvPr/>
+        </p:nvSpPr>
+        <p:spPr>
+          <a:xfrm>
+            <a:off x="9337269" y="2611058"/>
+            <a:ext cx="857250" cy="685800"/>
+          </a:xfrm>
+          <a:prstGeom prst="rect">
+            <a:avLst/>
+          </a:prstGeom>
+        </p:spPr>
+        <p:style>
+          <a:lnRef idx="2">
+            <a:schemeClr val="accent1">
+              <a:shade val="50000"/>
+            </a:schemeClr>
+          </a:lnRef>
+          <a:fillRef idx="1">
+            <a:schemeClr val="accent1"/>
+          </a:fillRef>
+          <a:effectRef idx="0">
+            <a:schemeClr val="accent1"/>
+          </a:effectRef>
+          <a:fontRef idx="minor">
+            <a:schemeClr val="lt1"/>
+          </a:fontRef>
+        </p:style>
+        <p:txBody>
+          <a:bodyPr rot="0" spcFirstLastPara="0" vertOverflow="overflow" horzOverflow="overflow" vert="horz" wrap="square" lIns="91440" tIns="45720" rIns="91440" bIns="45720" numCol="1" spcCol="0" rtlCol="0" fromWordArt="0" anchor="ctr" anchorCtr="0" forceAA="0" compatLnSpc="1">
+            <a:prstTxWarp prst="textNoShape">
+              <a:avLst/>
+            </a:prstTxWarp>
+            <a:noAutofit/>
+          </a:bodyPr>
+          <a:lstStyle/>
+          <a:p>
+            <a:pPr algn="ctr"/>
+            <a:r>
+              <a:rPr lang="en-AU" dirty="0"/>
+              <a:t>A</a:t>
+            </a:r>
+          </a:p>
+        </p:txBody>
+      </p:sp>
+      <p:sp>
+        <p:nvSpPr>
+          <p:cNvPr id="22" name="Rectangle 21">
+            <a:extLst>
+              <a:ext uri="{FF2B5EF4-FFF2-40B4-BE49-F238E27FC236}">
+                <a16:creationId xmlns:a16="http://schemas.microsoft.com/office/drawing/2014/main" id="{9A2EA93B-F699-4ABC-AA7E-9CCF0724FD9D}"/>
+              </a:ext>
+            </a:extLst>
+          </p:cNvPr>
+          <p:cNvSpPr/>
+          <p:nvPr/>
+        </p:nvSpPr>
+        <p:spPr>
+          <a:xfrm>
+            <a:off x="9337269" y="3401633"/>
+            <a:ext cx="857250" cy="685800"/>
+          </a:xfrm>
+          <a:prstGeom prst="rect">
+            <a:avLst/>
+          </a:prstGeom>
+        </p:spPr>
+        <p:style>
+          <a:lnRef idx="2">
+            <a:schemeClr val="accent1">
+              <a:shade val="50000"/>
+            </a:schemeClr>
+          </a:lnRef>
+          <a:fillRef idx="1">
+            <a:schemeClr val="accent1"/>
+          </a:fillRef>
+          <a:effectRef idx="0">
+            <a:schemeClr val="accent1"/>
+          </a:effectRef>
+          <a:fontRef idx="minor">
+            <a:schemeClr val="lt1"/>
+          </a:fontRef>
+        </p:style>
+        <p:txBody>
+          <a:bodyPr rot="0" spcFirstLastPara="0" vertOverflow="overflow" horzOverflow="overflow" vert="horz" wrap="square" lIns="91440" tIns="45720" rIns="91440" bIns="45720" numCol="1" spcCol="0" rtlCol="0" fromWordArt="0" anchor="ctr" anchorCtr="0" forceAA="0" compatLnSpc="1">
+            <a:prstTxWarp prst="textNoShape">
+              <a:avLst/>
+            </a:prstTxWarp>
+            <a:noAutofit/>
+          </a:bodyPr>
+          <a:lstStyle/>
+          <a:p>
+            <a:pPr algn="ctr"/>
+            <a:r>
+              <a:rPr lang="en-AU" dirty="0"/>
+              <a:t>B</a:t>
+            </a:r>
+          </a:p>
+        </p:txBody>
+      </p:sp>
+      <p:sp>
+        <p:nvSpPr>
+          <p:cNvPr id="23" name="Rectangle 22">
+            <a:extLst>
+              <a:ext uri="{FF2B5EF4-FFF2-40B4-BE49-F238E27FC236}">
+                <a16:creationId xmlns:a16="http://schemas.microsoft.com/office/drawing/2014/main" id="{EE670426-1CB3-4AC6-B12B-8F5A0AD7A275}"/>
+              </a:ext>
+            </a:extLst>
+          </p:cNvPr>
+          <p:cNvSpPr/>
+          <p:nvPr/>
+        </p:nvSpPr>
+        <p:spPr>
+          <a:xfrm>
+            <a:off x="9337269" y="4247810"/>
+            <a:ext cx="857250" cy="685800"/>
+          </a:xfrm>
+          <a:prstGeom prst="rect">
+            <a:avLst/>
+          </a:prstGeom>
+        </p:spPr>
+        <p:style>
+          <a:lnRef idx="2">
+            <a:schemeClr val="accent1">
+              <a:shade val="50000"/>
+            </a:schemeClr>
+          </a:lnRef>
+          <a:fillRef idx="1">
+            <a:schemeClr val="accent1"/>
+          </a:fillRef>
+          <a:effectRef idx="0">
+            <a:schemeClr val="accent1"/>
+          </a:effectRef>
+          <a:fontRef idx="minor">
+            <a:schemeClr val="lt1"/>
+          </a:fontRef>
+        </p:style>
+        <p:txBody>
+          <a:bodyPr rot="0" spcFirstLastPara="0" vertOverflow="overflow" horzOverflow="overflow" vert="horz" wrap="square" lIns="91440" tIns="45720" rIns="91440" bIns="45720" numCol="1" spcCol="0" rtlCol="0" fromWordArt="0" anchor="ctr" anchorCtr="0" forceAA="0" compatLnSpc="1">
+            <a:prstTxWarp prst="textNoShape">
+              <a:avLst/>
+            </a:prstTxWarp>
+            <a:noAutofit/>
+          </a:bodyPr>
+          <a:lstStyle/>
+          <a:p>
+            <a:pPr algn="ctr"/>
+            <a:r>
+              <a:rPr lang="en-AU" dirty="0"/>
+              <a:t>C</a:t>
+            </a:r>
+          </a:p>
+        </p:txBody>
+      </p:sp>
+      <p:sp>
+        <p:nvSpPr>
+          <p:cNvPr id="24" name="TextBox 23">
+            <a:extLst>
+              <a:ext uri="{FF2B5EF4-FFF2-40B4-BE49-F238E27FC236}">
+                <a16:creationId xmlns:a16="http://schemas.microsoft.com/office/drawing/2014/main" id="{6A526280-D932-4A7A-87F9-2ABD187FF5A1}"/>
+              </a:ext>
+            </a:extLst>
+          </p:cNvPr>
+          <p:cNvSpPr txBox="1"/>
+          <p:nvPr/>
+        </p:nvSpPr>
+        <p:spPr>
+          <a:xfrm>
+            <a:off x="8260944" y="1000829"/>
+            <a:ext cx="3553409" cy="406393"/>
+          </a:xfrm>
+          <a:prstGeom prst="rect">
+            <a:avLst/>
+          </a:prstGeom>
+          <a:noFill/>
+        </p:spPr>
+        <p:txBody>
+          <a:bodyPr wrap="none" rtlCol="0">
+            <a:spAutoFit/>
+          </a:bodyPr>
+          <a:lstStyle/>
+          <a:p>
+            <a:r>
+              <a:rPr lang="en-AU" b="1" dirty="0"/>
+              <a:t>Duration shorter in destination</a:t>
+            </a:r>
+          </a:p>
+        </p:txBody>
+      </p:sp>
+      <p:sp>
+        <p:nvSpPr>
+          <p:cNvPr id="25" name="TextBox 24">
+            <a:extLst>
+              <a:ext uri="{FF2B5EF4-FFF2-40B4-BE49-F238E27FC236}">
+                <a16:creationId xmlns:a16="http://schemas.microsoft.com/office/drawing/2014/main" id="{BABE6C1B-6F1D-410D-9DB6-146C4D1486A3}"/>
+              </a:ext>
+            </a:extLst>
+          </p:cNvPr>
+          <p:cNvSpPr txBox="1"/>
+          <p:nvPr/>
+        </p:nvSpPr>
+        <p:spPr>
+          <a:xfrm>
+            <a:off x="8160622" y="4253838"/>
+            <a:ext cx="1274708" cy="406393"/>
+          </a:xfrm>
+          <a:prstGeom prst="rect">
+            <a:avLst/>
+          </a:prstGeom>
+          <a:noFill/>
+        </p:spPr>
+        <p:txBody>
+          <a:bodyPr wrap="none" rtlCol="0">
+            <a:spAutoFit/>
+          </a:bodyPr>
+          <a:lstStyle/>
+          <a:p>
+            <a:r>
+              <a:rPr lang="en-AU" dirty="0" err="1"/>
+              <a:t>TimedLink</a:t>
+            </a:r>
+            <a:endParaRPr lang="en-AU" dirty="0"/>
+          </a:p>
+        </p:txBody>
+      </p:sp>
+      <p:cxnSp>
+        <p:nvCxnSpPr>
+          <p:cNvPr id="26" name="Straight Arrow Connector 25">
+            <a:extLst>
+              <a:ext uri="{FF2B5EF4-FFF2-40B4-BE49-F238E27FC236}">
+                <a16:creationId xmlns:a16="http://schemas.microsoft.com/office/drawing/2014/main" id="{C2AAFA75-096F-4B54-B1EA-3AFE2DD03853}"/>
+              </a:ext>
+            </a:extLst>
+          </p:cNvPr>
+          <p:cNvCxnSpPr>
+            <a:cxnSpLocks/>
+          </p:cNvCxnSpPr>
+          <p:nvPr/>
+        </p:nvCxnSpPr>
+        <p:spPr>
+          <a:xfrm flipV="1">
+            <a:off x="8260941" y="4856958"/>
+            <a:ext cx="1047752" cy="603827"/>
+          </a:xfrm>
+          <a:prstGeom prst="straightConnector1">
+            <a:avLst/>
+          </a:prstGeom>
+          <a:ln>
+            <a:tailEnd type="triangle"/>
+          </a:ln>
+        </p:spPr>
+        <p:style>
+          <a:lnRef idx="1">
+            <a:schemeClr val="accent1"/>
+          </a:lnRef>
+          <a:fillRef idx="0">
+            <a:schemeClr val="accent1"/>
+          </a:fillRef>
+          <a:effectRef idx="0">
+            <a:schemeClr val="accent1"/>
+          </a:effectRef>
+          <a:fontRef idx="minor">
+            <a:schemeClr val="tx1"/>
+          </a:fontRef>
+        </p:style>
+      </p:cxnSp>
+      <p:sp>
+        <p:nvSpPr>
+          <p:cNvPr id="27" name="TextBox 26">
+            <a:extLst>
+              <a:ext uri="{FF2B5EF4-FFF2-40B4-BE49-F238E27FC236}">
+                <a16:creationId xmlns:a16="http://schemas.microsoft.com/office/drawing/2014/main" id="{E6EDED8A-2614-42F9-A044-2BF4975995F0}"/>
+              </a:ext>
+            </a:extLst>
+          </p:cNvPr>
+          <p:cNvSpPr txBox="1"/>
+          <p:nvPr/>
+        </p:nvSpPr>
+        <p:spPr>
+          <a:xfrm>
+            <a:off x="8189198" y="5404616"/>
+            <a:ext cx="1274708" cy="406393"/>
+          </a:xfrm>
+          <a:prstGeom prst="rect">
+            <a:avLst/>
+          </a:prstGeom>
+          <a:noFill/>
+        </p:spPr>
+        <p:txBody>
+          <a:bodyPr wrap="none" rtlCol="0">
+            <a:spAutoFit/>
+          </a:bodyPr>
+          <a:lstStyle/>
+          <a:p>
+            <a:r>
+              <a:rPr lang="en-AU" dirty="0" err="1"/>
+              <a:t>TimedLink</a:t>
+            </a:r>
+            <a:endParaRPr lang="en-AU" dirty="0"/>
+          </a:p>
+        </p:txBody>
+      </p:sp>
+      <p:sp>
+        <p:nvSpPr>
+          <p:cNvPr id="29" name="Rectangle 28">
+            <a:extLst>
+              <a:ext uri="{FF2B5EF4-FFF2-40B4-BE49-F238E27FC236}">
+                <a16:creationId xmlns:a16="http://schemas.microsoft.com/office/drawing/2014/main" id="{EE0864EA-126C-493B-8132-CA8D157DB218}"/>
+              </a:ext>
+            </a:extLst>
+          </p:cNvPr>
+          <p:cNvSpPr/>
+          <p:nvPr/>
+        </p:nvSpPr>
+        <p:spPr>
+          <a:xfrm>
+            <a:off x="4012795" y="5117883"/>
+            <a:ext cx="857250" cy="685800"/>
+          </a:xfrm>
+          <a:prstGeom prst="rect">
+            <a:avLst/>
+          </a:prstGeom>
+        </p:spPr>
+        <p:style>
+          <a:lnRef idx="2">
+            <a:schemeClr val="accent1">
+              <a:shade val="50000"/>
+            </a:schemeClr>
+          </a:lnRef>
+          <a:fillRef idx="1">
+            <a:schemeClr val="accent1"/>
+          </a:fillRef>
+          <a:effectRef idx="0">
+            <a:schemeClr val="accent1"/>
+          </a:effectRef>
+          <a:fontRef idx="minor">
+            <a:schemeClr val="lt1"/>
+          </a:fontRef>
+        </p:style>
+        <p:txBody>
+          <a:bodyPr rot="0" spcFirstLastPara="0" vertOverflow="overflow" horzOverflow="overflow" vert="horz" wrap="square" lIns="91440" tIns="45720" rIns="91440" bIns="45720" numCol="1" spcCol="0" rtlCol="0" fromWordArt="0" anchor="ctr" anchorCtr="0" forceAA="0" compatLnSpc="1">
+            <a:prstTxWarp prst="textNoShape">
+              <a:avLst/>
+            </a:prstTxWarp>
+            <a:noAutofit/>
+          </a:bodyPr>
+          <a:lstStyle/>
+          <a:p>
+            <a:pPr algn="ctr"/>
+            <a:r>
+              <a:rPr lang="en-AU" dirty="0"/>
+              <a:t>D</a:t>
+            </a:r>
+          </a:p>
+        </p:txBody>
+      </p:sp>
+    </p:spTree>
+    <p:extLst>
+      <p:ext uri="{BB962C8B-B14F-4D97-AF65-F5344CB8AC3E}">
+        <p14:creationId xmlns:p14="http://schemas.microsoft.com/office/powerpoint/2010/main" val="2811790705"/>
+      </p:ext>
+    </p:extLst>
+  </p:cSld>
+  <p:clrMapOvr>
+    <a:masterClrMapping/>
+  </p:clrMapOvr>
+</p:sld>
+</file>
+
+<file path=ppt/slides/slide13.xml><?xml version="1.0" encoding="utf-8"?>
+<p:sld xmlns:a="http://schemas.openxmlformats.org/drawingml/2006/main" xmlns:r="http://schemas.openxmlformats.org/officeDocument/2006/relationships" xmlns:p="http://schemas.openxmlformats.org/presentationml/2006/main">
+  <p:cSld>
+    <p:spTree>
+      <p:nvGrpSpPr>
+        <p:cNvPr id="1" name=""/>
+        <p:cNvGrpSpPr/>
+        <p:nvPr/>
+      </p:nvGrpSpPr>
+      <p:grpSpPr>
+        <a:xfrm>
+          <a:off x="0" y="0"/>
+          <a:ext cx="0" cy="0"/>
+          <a:chOff x="0" y="0"/>
+          <a:chExt cx="0" cy="0"/>
+        </a:xfrm>
+      </p:grpSpPr>
       <p:sp>
         <p:nvSpPr>
           <p:cNvPr id="2" name="Title 1">
@@ -6387,7 +8468,7 @@
 </p:sld>
 </file>
 
-<file path=ppt/slides/slide13.xml><?xml version="1.0" encoding="utf-8"?>
+<file path=ppt/slides/slide14.xml><?xml version="1.0" encoding="utf-8"?>
 <p:sld xmlns:a="http://schemas.openxmlformats.org/drawingml/2006/main" xmlns:r="http://schemas.openxmlformats.org/officeDocument/2006/relationships" xmlns:p="http://schemas.openxmlformats.org/presentationml/2006/main">
   <p:cSld>
     <p:spTree>
@@ -10777,7 +12858,7 @@
         <p:spPr>
           <a:xfrm>
             <a:off x="7224694" y="2091862"/>
-            <a:ext cx="5286501" cy="2862322"/>
+            <a:ext cx="5286501" cy="646331"/>
           </a:xfrm>
           <a:prstGeom prst="rect">
             <a:avLst/>
@@ -10792,101 +12873,19 @@
           <a:p>
             <a:r>
               <a:rPr lang="en-AU" dirty="0"/>
-              <a:t>Inflow from both a </a:t>
+              <a:t>Not allowed, otherwise it’s complicated because need both a </a:t>
             </a:r>
             <a:r>
               <a:rPr lang="en-AU" dirty="0" err="1"/>
-              <a:t>TimedCompartment</a:t>
+              <a:t>TimedLink</a:t>
             </a:r>
             <a:r>
               <a:rPr lang="en-AU" dirty="0"/>
-              <a:t> and a normal compartment. Suppose we had a 50:50 split between </a:t>
-            </a:r>
-            <a:r>
-              <a:rPr lang="en-AU" dirty="0" err="1"/>
+              <a:t> and a Link to </a:t>
+            </a:r>
+            <a:r>
+              <a:rPr lang="en-AU"/>
               <a:t>vacdxr</a:t>
-            </a:r>
-            <a:r>
-              <a:rPr lang="en-AU" dirty="0"/>
-              <a:t> and </a:t>
-            </a:r>
-            <a:r>
-              <a:rPr lang="en-AU" dirty="0" err="1"/>
-              <a:t>dxr</a:t>
-            </a:r>
-            <a:r>
-              <a:rPr lang="en-AU" dirty="0"/>
-              <a:t>. All people are eligible for all junction outputs. So suppose we had 60 people from vac and 30 people from sus. We’d expect that </a:t>
-            </a:r>
-          </a:p>
-          <a:p>
-            <a:pPr marL="285750" indent="-285750">
-              <a:buFont typeface="Arial" panose="020B0604020202020204" pitchFamily="34" charset="0"/>
-              <a:buChar char="•"/>
-            </a:pPr>
-            <a:r>
-              <a:rPr lang="en-AU" dirty="0"/>
-              <a:t>30 from vac would go to </a:t>
-            </a:r>
-            <a:r>
-              <a:rPr lang="en-AU" dirty="0" err="1"/>
-              <a:t>vacdxr</a:t>
-            </a:r>
-            <a:r>
-              <a:rPr lang="en-AU" dirty="0"/>
-              <a:t> maintaining status</a:t>
-            </a:r>
-          </a:p>
-          <a:p>
-            <a:pPr marL="285750" indent="-285750">
-              <a:buFont typeface="Arial" panose="020B0604020202020204" pitchFamily="34" charset="0"/>
-              <a:buChar char="•"/>
-            </a:pPr>
-            <a:r>
-              <a:rPr lang="en-AU" dirty="0"/>
-              <a:t>30 from vac would go to </a:t>
-            </a:r>
-            <a:r>
-              <a:rPr lang="en-AU" dirty="0" err="1"/>
-              <a:t>dxr</a:t>
-            </a:r>
-            <a:endParaRPr lang="en-AU" dirty="0"/>
-          </a:p>
-          <a:p>
-            <a:pPr marL="285750" indent="-285750">
-              <a:buFont typeface="Arial" panose="020B0604020202020204" pitchFamily="34" charset="0"/>
-              <a:buChar char="•"/>
-            </a:pPr>
-            <a:r>
-              <a:rPr lang="en-AU" dirty="0"/>
-              <a:t>15 from sus would go to </a:t>
-            </a:r>
-            <a:r>
-              <a:rPr lang="en-AU" dirty="0" err="1"/>
-              <a:t>vacdxr</a:t>
-            </a:r>
-            <a:r>
-              <a:rPr lang="en-AU" dirty="0"/>
-              <a:t> into the initial </a:t>
-            </a:r>
-            <a:r>
-              <a:rPr lang="en-AU" dirty="0" err="1"/>
-              <a:t>subcompartment</a:t>
-            </a:r>
-            <a:endParaRPr lang="en-AU" dirty="0"/>
-          </a:p>
-          <a:p>
-            <a:pPr marL="285750" indent="-285750">
-              <a:buFont typeface="Arial" panose="020B0604020202020204" pitchFamily="34" charset="0"/>
-              <a:buChar char="•"/>
-            </a:pPr>
-            <a:r>
-              <a:rPr lang="en-AU" dirty="0"/>
-              <a:t>15 from sus would go to </a:t>
-            </a:r>
-            <a:r>
-              <a:rPr lang="en-AU" dirty="0" err="1"/>
-              <a:t>dxr</a:t>
             </a:r>
             <a:endParaRPr lang="en-AU" dirty="0"/>
           </a:p>
@@ -11073,7 +13072,7 @@
           </a:prstGeom>
           <a:ln>
             <a:solidFill>
-              <a:srgbClr val="FF0000"/>
+              <a:schemeClr val="accent1"/>
             </a:solidFill>
             <a:prstDash val="solid"/>
             <a:tailEnd type="triangle"/>
@@ -11126,90 +13125,652 @@
       </p:grpSpPr>
       <p:sp>
         <p:nvSpPr>
-          <p:cNvPr id="2" name="Title 1">
-            <a:extLst>
-              <a:ext uri="{FF2B5EF4-FFF2-40B4-BE49-F238E27FC236}">
-                <a16:creationId xmlns:a16="http://schemas.microsoft.com/office/drawing/2014/main" id="{E4BA226C-8137-4CA0-9B0D-60113A1176E3}"/>
-              </a:ext>
-            </a:extLst>
-          </p:cNvPr>
-          <p:cNvSpPr>
-            <a:spLocks noGrp="1"/>
-          </p:cNvSpPr>
-          <p:nvPr>
-            <p:ph type="title"/>
-          </p:nvPr>
-        </p:nvSpPr>
-        <p:spPr/>
-        <p:txBody>
-          <a:bodyPr/>
-          <a:lstStyle/>
-          <a:p>
+          <p:cNvPr id="4" name="Rectangle 3">
+            <a:extLst>
+              <a:ext uri="{FF2B5EF4-FFF2-40B4-BE49-F238E27FC236}">
+                <a16:creationId xmlns:a16="http://schemas.microsoft.com/office/drawing/2014/main" id="{82E2B452-2E79-437A-8895-605B54795E4A}"/>
+              </a:ext>
+            </a:extLst>
+          </p:cNvPr>
+          <p:cNvSpPr/>
+          <p:nvPr/>
+        </p:nvSpPr>
+        <p:spPr>
+          <a:xfrm>
+            <a:off x="2570038" y="1687441"/>
+            <a:ext cx="1380227" cy="966159"/>
+          </a:xfrm>
+          <a:prstGeom prst="rect">
+            <a:avLst/>
+          </a:prstGeom>
+          <a:solidFill>
+            <a:srgbClr val="AC0000"/>
+          </a:solidFill>
+        </p:spPr>
+        <p:style>
+          <a:lnRef idx="2">
+            <a:schemeClr val="accent1">
+              <a:shade val="50000"/>
+            </a:schemeClr>
+          </a:lnRef>
+          <a:fillRef idx="1">
+            <a:schemeClr val="accent1"/>
+          </a:fillRef>
+          <a:effectRef idx="0">
+            <a:schemeClr val="accent1"/>
+          </a:effectRef>
+          <a:fontRef idx="minor">
+            <a:schemeClr val="lt1"/>
+          </a:fontRef>
+        </p:style>
+        <p:txBody>
+          <a:bodyPr rot="0" spcFirstLastPara="0" vertOverflow="overflow" horzOverflow="overflow" vert="horz" wrap="square" lIns="91440" tIns="45720" rIns="91440" bIns="45720" numCol="1" spcCol="0" rtlCol="0" fromWordArt="0" anchor="ctr" anchorCtr="0" forceAA="0" compatLnSpc="1">
+            <a:prstTxWarp prst="textNoShape">
+              <a:avLst/>
+            </a:prstTxWarp>
+            <a:noAutofit/>
+          </a:bodyPr>
+          <a:lstStyle/>
+          <a:p>
+            <a:pPr algn="ctr"/>
             <a:r>
               <a:rPr lang="en-AU" dirty="0"/>
-              <a:t>Junction flush logic</a:t>
-            </a:r>
-          </a:p>
-        </p:txBody>
-      </p:sp>
-      <p:sp>
-        <p:nvSpPr>
-          <p:cNvPr id="3" name="Content Placeholder 2">
-            <a:extLst>
-              <a:ext uri="{FF2B5EF4-FFF2-40B4-BE49-F238E27FC236}">
-                <a16:creationId xmlns:a16="http://schemas.microsoft.com/office/drawing/2014/main" id="{1D1C39AB-9E16-4972-A440-E37B0718937B}"/>
-              </a:ext>
-            </a:extLst>
-          </p:cNvPr>
-          <p:cNvSpPr>
-            <a:spLocks noGrp="1"/>
-          </p:cNvSpPr>
-          <p:nvPr>
-            <p:ph idx="1"/>
-          </p:nvPr>
-        </p:nvSpPr>
-        <p:spPr/>
-        <p:txBody>
-          <a:bodyPr/>
+              <a:t>vac</a:t>
+            </a:r>
+          </a:p>
+        </p:txBody>
+      </p:sp>
+      <p:sp>
+        <p:nvSpPr>
+          <p:cNvPr id="5" name="Rectangle 4">
+            <a:extLst>
+              <a:ext uri="{FF2B5EF4-FFF2-40B4-BE49-F238E27FC236}">
+                <a16:creationId xmlns:a16="http://schemas.microsoft.com/office/drawing/2014/main" id="{7044A8CE-E4EE-4AA0-870E-ABC7EFF1F432}"/>
+              </a:ext>
+            </a:extLst>
+          </p:cNvPr>
+          <p:cNvSpPr/>
+          <p:nvPr/>
+        </p:nvSpPr>
+        <p:spPr>
+          <a:xfrm>
+            <a:off x="1332910" y="5694752"/>
+            <a:ext cx="1380227" cy="966159"/>
+          </a:xfrm>
+          <a:prstGeom prst="rect">
+            <a:avLst/>
+          </a:prstGeom>
+          <a:solidFill>
+            <a:srgbClr val="AC0000"/>
+          </a:solidFill>
+        </p:spPr>
+        <p:style>
+          <a:lnRef idx="2">
+            <a:schemeClr val="accent1">
+              <a:shade val="50000"/>
+            </a:schemeClr>
+          </a:lnRef>
+          <a:fillRef idx="1">
+            <a:schemeClr val="accent1"/>
+          </a:fillRef>
+          <a:effectRef idx="0">
+            <a:schemeClr val="accent1"/>
+          </a:effectRef>
+          <a:fontRef idx="minor">
+            <a:schemeClr val="lt1"/>
+          </a:fontRef>
+        </p:style>
+        <p:txBody>
+          <a:bodyPr rot="0" spcFirstLastPara="0" vertOverflow="overflow" horzOverflow="overflow" vert="horz" wrap="square" lIns="91440" tIns="45720" rIns="91440" bIns="45720" numCol="1" spcCol="0" rtlCol="0" fromWordArt="0" anchor="ctr" anchorCtr="0" forceAA="0" compatLnSpc="1">
+            <a:prstTxWarp prst="textNoShape">
+              <a:avLst/>
+            </a:prstTxWarp>
+            <a:noAutofit/>
+          </a:bodyPr>
+          <a:lstStyle/>
+          <a:p>
+            <a:pPr algn="ctr"/>
+            <a:r>
+              <a:rPr lang="en-AU" dirty="0" err="1"/>
+              <a:t>vacdxr</a:t>
+            </a:r>
+            <a:endParaRPr lang="en-AU" dirty="0"/>
+          </a:p>
+        </p:txBody>
+      </p:sp>
+      <p:sp>
+        <p:nvSpPr>
+          <p:cNvPr id="6" name="TextBox 5">
+            <a:extLst>
+              <a:ext uri="{FF2B5EF4-FFF2-40B4-BE49-F238E27FC236}">
+                <a16:creationId xmlns:a16="http://schemas.microsoft.com/office/drawing/2014/main" id="{5ED0CF10-3F03-46B5-B6A0-3F23C24BF2E1}"/>
+              </a:ext>
+            </a:extLst>
+          </p:cNvPr>
+          <p:cNvSpPr txBox="1"/>
+          <p:nvPr/>
+        </p:nvSpPr>
+        <p:spPr>
+          <a:xfrm>
+            <a:off x="1332910" y="323837"/>
+            <a:ext cx="3199359" cy="406393"/>
+          </a:xfrm>
+          <a:prstGeom prst="rect">
+            <a:avLst/>
+          </a:prstGeom>
+          <a:noFill/>
+        </p:spPr>
+        <p:txBody>
+          <a:bodyPr wrap="square" rtlCol="0">
+            <a:spAutoFit/>
+          </a:bodyPr>
           <a:lstStyle/>
           <a:p>
             <a:r>
               <a:rPr lang="en-AU" dirty="0"/>
-              <a:t>Flushing into a junction is allowed, therefore flush links must be computed before or at the same time as junctions</a:t>
-            </a:r>
-          </a:p>
+              <a:t>Junction tests</a:t>
+            </a:r>
+          </a:p>
+        </p:txBody>
+      </p:sp>
+      <p:sp>
+        <p:nvSpPr>
+          <p:cNvPr id="7" name="Oval 6">
+            <a:extLst>
+              <a:ext uri="{FF2B5EF4-FFF2-40B4-BE49-F238E27FC236}">
+                <a16:creationId xmlns:a16="http://schemas.microsoft.com/office/drawing/2014/main" id="{BD0D689C-3E9D-40AD-8B47-452CD4DF5995}"/>
+              </a:ext>
+            </a:extLst>
+          </p:cNvPr>
+          <p:cNvSpPr/>
+          <p:nvPr/>
+        </p:nvSpPr>
+        <p:spPr>
+          <a:xfrm>
+            <a:off x="3884569" y="3199173"/>
+            <a:ext cx="647700" cy="647700"/>
+          </a:xfrm>
+          <a:prstGeom prst="ellipse">
+            <a:avLst/>
+          </a:prstGeom>
+          <a:solidFill>
+            <a:schemeClr val="accent6">
+              <a:lumMod val="75000"/>
+            </a:schemeClr>
+          </a:solidFill>
+        </p:spPr>
+        <p:style>
+          <a:lnRef idx="2">
+            <a:schemeClr val="accent1">
+              <a:shade val="50000"/>
+            </a:schemeClr>
+          </a:lnRef>
+          <a:fillRef idx="1">
+            <a:schemeClr val="accent1"/>
+          </a:fillRef>
+          <a:effectRef idx="0">
+            <a:schemeClr val="accent1"/>
+          </a:effectRef>
+          <a:fontRef idx="minor">
+            <a:schemeClr val="lt1"/>
+          </a:fontRef>
+        </p:style>
+        <p:txBody>
+          <a:bodyPr rot="0" spcFirstLastPara="0" vertOverflow="overflow" horzOverflow="overflow" vert="horz" wrap="square" lIns="91440" tIns="45720" rIns="91440" bIns="45720" numCol="1" spcCol="0" rtlCol="0" fromWordArt="0" anchor="ctr" anchorCtr="0" forceAA="0" compatLnSpc="1">
+            <a:prstTxWarp prst="textNoShape">
+              <a:avLst/>
+            </a:prstTxWarp>
+            <a:noAutofit/>
+          </a:bodyPr>
+          <a:lstStyle/>
+          <a:p>
+            <a:pPr algn="ctr"/>
+            <a:endParaRPr lang="en-AU"/>
+          </a:p>
+        </p:txBody>
+      </p:sp>
+      <p:cxnSp>
+        <p:nvCxnSpPr>
+          <p:cNvPr id="9" name="Straight Arrow Connector 8">
+            <a:extLst>
+              <a:ext uri="{FF2B5EF4-FFF2-40B4-BE49-F238E27FC236}">
+                <a16:creationId xmlns:a16="http://schemas.microsoft.com/office/drawing/2014/main" id="{CFA3004C-A8CB-4505-9C74-8735BD021DE9}"/>
+              </a:ext>
+            </a:extLst>
+          </p:cNvPr>
+          <p:cNvCxnSpPr>
+            <a:cxnSpLocks/>
+            <a:stCxn id="4" idx="2"/>
+            <a:endCxn id="7" idx="1"/>
+          </p:cNvCxnSpPr>
+          <p:nvPr/>
+        </p:nvCxnSpPr>
+        <p:spPr>
+          <a:xfrm>
+            <a:off x="3260152" y="2653599"/>
+            <a:ext cx="719271" cy="640426"/>
+          </a:xfrm>
+          <a:prstGeom prst="straightConnector1">
+            <a:avLst/>
+          </a:prstGeom>
+          <a:ln>
+            <a:solidFill>
+              <a:srgbClr val="FF0000"/>
+            </a:solidFill>
+            <a:tailEnd type="triangle"/>
+          </a:ln>
+        </p:spPr>
+        <p:style>
+          <a:lnRef idx="1">
+            <a:schemeClr val="accent1"/>
+          </a:lnRef>
+          <a:fillRef idx="0">
+            <a:schemeClr val="accent1"/>
+          </a:fillRef>
+          <a:effectRef idx="0">
+            <a:schemeClr val="accent1"/>
+          </a:effectRef>
+          <a:fontRef idx="minor">
+            <a:schemeClr val="tx1"/>
+          </a:fontRef>
+        </p:style>
+      </p:cxnSp>
+      <p:cxnSp>
+        <p:nvCxnSpPr>
+          <p:cNvPr id="12" name="Straight Arrow Connector 11">
+            <a:extLst>
+              <a:ext uri="{FF2B5EF4-FFF2-40B4-BE49-F238E27FC236}">
+                <a16:creationId xmlns:a16="http://schemas.microsoft.com/office/drawing/2014/main" id="{40572783-AF74-4647-AA52-5AF35CB19AF2}"/>
+              </a:ext>
+            </a:extLst>
+          </p:cNvPr>
+          <p:cNvCxnSpPr>
+            <a:cxnSpLocks/>
+            <a:stCxn id="7" idx="3"/>
+            <a:endCxn id="15" idx="7"/>
+          </p:cNvCxnSpPr>
+          <p:nvPr/>
+        </p:nvCxnSpPr>
+        <p:spPr>
+          <a:xfrm flipH="1">
+            <a:off x="3351882" y="3752020"/>
+            <a:ext cx="627540" cy="595952"/>
+          </a:xfrm>
+          <a:prstGeom prst="straightConnector1">
+            <a:avLst/>
+          </a:prstGeom>
+          <a:ln>
+            <a:solidFill>
+              <a:srgbClr val="FF0000"/>
+            </a:solidFill>
+            <a:tailEnd type="triangle"/>
+          </a:ln>
+        </p:spPr>
+        <p:style>
+          <a:lnRef idx="1">
+            <a:schemeClr val="accent1"/>
+          </a:lnRef>
+          <a:fillRef idx="0">
+            <a:schemeClr val="accent1"/>
+          </a:fillRef>
+          <a:effectRef idx="0">
+            <a:schemeClr val="accent1"/>
+          </a:effectRef>
+          <a:fontRef idx="minor">
+            <a:schemeClr val="tx1"/>
+          </a:fontRef>
+        </p:style>
+      </p:cxnSp>
+      <p:sp>
+        <p:nvSpPr>
+          <p:cNvPr id="13" name="TextBox 12">
+            <a:extLst>
+              <a:ext uri="{FF2B5EF4-FFF2-40B4-BE49-F238E27FC236}">
+                <a16:creationId xmlns:a16="http://schemas.microsoft.com/office/drawing/2014/main" id="{91519E4B-5810-4AAE-8E03-02E4F86C7587}"/>
+              </a:ext>
+            </a:extLst>
+          </p:cNvPr>
+          <p:cNvSpPr txBox="1"/>
+          <p:nvPr/>
+        </p:nvSpPr>
+        <p:spPr>
+          <a:xfrm>
+            <a:off x="7224694" y="2091862"/>
+            <a:ext cx="5286501" cy="1200329"/>
+          </a:xfrm>
+          <a:prstGeom prst="rect">
+            <a:avLst/>
+          </a:prstGeom>
+          <a:noFill/>
+        </p:spPr>
+        <p:txBody>
+          <a:bodyPr wrap="square" rtlCol="0">
+            <a:spAutoFit/>
+          </a:bodyPr>
+          <a:lstStyle/>
           <a:p>
             <a:r>
               <a:rPr lang="en-AU" dirty="0"/>
-              <a:t>Junctions can be time-preserving if the inputs and outputs mix </a:t>
-            </a:r>
-          </a:p>
-          <a:p>
+              <a:t>Indirect junctions must still satisfy the same constraints. A junction in the same duration group may be combined with a </a:t>
+            </a:r>
+            <a:r>
+              <a:rPr lang="en-AU" dirty="0" err="1"/>
+              <a:t>TimedCompartment</a:t>
+            </a:r>
             <a:r>
               <a:rPr lang="en-AU" dirty="0"/>
-              <a:t>If a flush link goes into a junction, it cannot feed into the same transition group – therefore, we know that it must end up in a different transition group</a:t>
-            </a:r>
-          </a:p>
-          <a:p>
-            <a:r>
-              <a:rPr lang="en-AU" b="1" dirty="0"/>
-              <a:t>CRUCIAL – Nobody that flows from a junction into a </a:t>
-            </a:r>
-            <a:r>
-              <a:rPr lang="en-AU" b="1" dirty="0" err="1"/>
-              <a:t>TimedCompartment</a:t>
-            </a:r>
-            <a:r>
-              <a:rPr lang="en-AU" b="1" dirty="0"/>
-              <a:t> can be flushed in that same timestep</a:t>
-            </a:r>
-          </a:p>
-        </p:txBody>
-      </p:sp>
+              <a:t> in the same duration group</a:t>
+            </a:r>
+          </a:p>
+        </p:txBody>
+      </p:sp>
+      <p:sp>
+        <p:nvSpPr>
+          <p:cNvPr id="14" name="Rectangle 13">
+            <a:extLst>
+              <a:ext uri="{FF2B5EF4-FFF2-40B4-BE49-F238E27FC236}">
+                <a16:creationId xmlns:a16="http://schemas.microsoft.com/office/drawing/2014/main" id="{C34B8372-CADF-4C0D-BCBD-709F674D2D3F}"/>
+              </a:ext>
+            </a:extLst>
+          </p:cNvPr>
+          <p:cNvSpPr/>
+          <p:nvPr/>
+        </p:nvSpPr>
+        <p:spPr>
+          <a:xfrm>
+            <a:off x="4395111" y="4168299"/>
+            <a:ext cx="1380227" cy="966159"/>
+          </a:xfrm>
+          <a:prstGeom prst="rect">
+            <a:avLst/>
+          </a:prstGeom>
+        </p:spPr>
+        <p:style>
+          <a:lnRef idx="2">
+            <a:schemeClr val="accent1">
+              <a:shade val="50000"/>
+            </a:schemeClr>
+          </a:lnRef>
+          <a:fillRef idx="1">
+            <a:schemeClr val="accent1"/>
+          </a:fillRef>
+          <a:effectRef idx="0">
+            <a:schemeClr val="accent1"/>
+          </a:effectRef>
+          <a:fontRef idx="minor">
+            <a:schemeClr val="lt1"/>
+          </a:fontRef>
+        </p:style>
+        <p:txBody>
+          <a:bodyPr rot="0" spcFirstLastPara="0" vertOverflow="overflow" horzOverflow="overflow" vert="horz" wrap="square" lIns="91440" tIns="45720" rIns="91440" bIns="45720" numCol="1" spcCol="0" rtlCol="0" fromWordArt="0" anchor="ctr" anchorCtr="0" forceAA="0" compatLnSpc="1">
+            <a:prstTxWarp prst="textNoShape">
+              <a:avLst/>
+            </a:prstTxWarp>
+            <a:noAutofit/>
+          </a:bodyPr>
+          <a:lstStyle/>
+          <a:p>
+            <a:pPr algn="ctr"/>
+            <a:r>
+              <a:rPr lang="en-AU" dirty="0" err="1"/>
+              <a:t>dxr</a:t>
+            </a:r>
+            <a:endParaRPr lang="en-AU" dirty="0"/>
+          </a:p>
+        </p:txBody>
+      </p:sp>
+      <p:cxnSp>
+        <p:nvCxnSpPr>
+          <p:cNvPr id="19" name="Straight Arrow Connector 18">
+            <a:extLst>
+              <a:ext uri="{FF2B5EF4-FFF2-40B4-BE49-F238E27FC236}">
+                <a16:creationId xmlns:a16="http://schemas.microsoft.com/office/drawing/2014/main" id="{C99876E3-D20B-43B0-A925-89E91F8E8EA6}"/>
+              </a:ext>
+            </a:extLst>
+          </p:cNvPr>
+          <p:cNvCxnSpPr>
+            <a:cxnSpLocks/>
+            <a:stCxn id="7" idx="5"/>
+            <a:endCxn id="14" idx="0"/>
+          </p:cNvCxnSpPr>
+          <p:nvPr/>
+        </p:nvCxnSpPr>
+        <p:spPr>
+          <a:xfrm>
+            <a:off x="4437416" y="3752020"/>
+            <a:ext cx="647809" cy="416279"/>
+          </a:xfrm>
+          <a:prstGeom prst="straightConnector1">
+            <a:avLst/>
+          </a:prstGeom>
+          <a:ln>
+            <a:tailEnd type="triangle"/>
+          </a:ln>
+        </p:spPr>
+        <p:style>
+          <a:lnRef idx="1">
+            <a:schemeClr val="accent1"/>
+          </a:lnRef>
+          <a:fillRef idx="0">
+            <a:schemeClr val="accent1"/>
+          </a:fillRef>
+          <a:effectRef idx="0">
+            <a:schemeClr val="accent1"/>
+          </a:effectRef>
+          <a:fontRef idx="minor">
+            <a:schemeClr val="tx1"/>
+          </a:fontRef>
+        </p:style>
+      </p:cxnSp>
+      <p:sp>
+        <p:nvSpPr>
+          <p:cNvPr id="15" name="Oval 14">
+            <a:extLst>
+              <a:ext uri="{FF2B5EF4-FFF2-40B4-BE49-F238E27FC236}">
+                <a16:creationId xmlns:a16="http://schemas.microsoft.com/office/drawing/2014/main" id="{17736163-9865-4B0B-BE96-22395EF2EF2D}"/>
+              </a:ext>
+            </a:extLst>
+          </p:cNvPr>
+          <p:cNvSpPr/>
+          <p:nvPr/>
+        </p:nvSpPr>
+        <p:spPr>
+          <a:xfrm>
+            <a:off x="2799035" y="4253119"/>
+            <a:ext cx="647700" cy="647700"/>
+          </a:xfrm>
+          <a:prstGeom prst="ellipse">
+            <a:avLst/>
+          </a:prstGeom>
+          <a:solidFill>
+            <a:schemeClr val="accent6">
+              <a:lumMod val="75000"/>
+            </a:schemeClr>
+          </a:solidFill>
+        </p:spPr>
+        <p:style>
+          <a:lnRef idx="2">
+            <a:schemeClr val="accent1">
+              <a:shade val="50000"/>
+            </a:schemeClr>
+          </a:lnRef>
+          <a:fillRef idx="1">
+            <a:schemeClr val="accent1"/>
+          </a:fillRef>
+          <a:effectRef idx="0">
+            <a:schemeClr val="accent1"/>
+          </a:effectRef>
+          <a:fontRef idx="minor">
+            <a:schemeClr val="lt1"/>
+          </a:fontRef>
+        </p:style>
+        <p:txBody>
+          <a:bodyPr rot="0" spcFirstLastPara="0" vertOverflow="overflow" horzOverflow="overflow" vert="horz" wrap="square" lIns="91440" tIns="45720" rIns="91440" bIns="45720" numCol="1" spcCol="0" rtlCol="0" fromWordArt="0" anchor="ctr" anchorCtr="0" forceAA="0" compatLnSpc="1">
+            <a:prstTxWarp prst="textNoShape">
+              <a:avLst/>
+            </a:prstTxWarp>
+            <a:noAutofit/>
+          </a:bodyPr>
+          <a:lstStyle/>
+          <a:p>
+            <a:pPr algn="ctr"/>
+            <a:endParaRPr lang="en-AU"/>
+          </a:p>
+        </p:txBody>
+      </p:sp>
+      <p:cxnSp>
+        <p:nvCxnSpPr>
+          <p:cNvPr id="18" name="Straight Arrow Connector 17">
+            <a:extLst>
+              <a:ext uri="{FF2B5EF4-FFF2-40B4-BE49-F238E27FC236}">
+                <a16:creationId xmlns:a16="http://schemas.microsoft.com/office/drawing/2014/main" id="{862C9E9D-81E3-4925-9D66-DDED78A7CE34}"/>
+              </a:ext>
+            </a:extLst>
+          </p:cNvPr>
+          <p:cNvCxnSpPr>
+            <a:cxnSpLocks/>
+            <a:stCxn id="15" idx="3"/>
+            <a:endCxn id="5" idx="0"/>
+          </p:cNvCxnSpPr>
+          <p:nvPr/>
+        </p:nvCxnSpPr>
+        <p:spPr>
+          <a:xfrm flipH="1">
+            <a:off x="2023024" y="4805966"/>
+            <a:ext cx="870864" cy="888786"/>
+          </a:xfrm>
+          <a:prstGeom prst="straightConnector1">
+            <a:avLst/>
+          </a:prstGeom>
+          <a:ln>
+            <a:solidFill>
+              <a:srgbClr val="FF0000"/>
+            </a:solidFill>
+            <a:tailEnd type="triangle"/>
+          </a:ln>
+        </p:spPr>
+        <p:style>
+          <a:lnRef idx="1">
+            <a:schemeClr val="accent1"/>
+          </a:lnRef>
+          <a:fillRef idx="0">
+            <a:schemeClr val="accent1"/>
+          </a:fillRef>
+          <a:effectRef idx="0">
+            <a:schemeClr val="accent1"/>
+          </a:effectRef>
+          <a:fontRef idx="minor">
+            <a:schemeClr val="tx1"/>
+          </a:fontRef>
+        </p:style>
+      </p:cxnSp>
+      <p:sp>
+        <p:nvSpPr>
+          <p:cNvPr id="23" name="Rectangle 22">
+            <a:extLst>
+              <a:ext uri="{FF2B5EF4-FFF2-40B4-BE49-F238E27FC236}">
+                <a16:creationId xmlns:a16="http://schemas.microsoft.com/office/drawing/2014/main" id="{062AAC5A-6D26-4897-A03F-031A7FC7FA79}"/>
+              </a:ext>
+            </a:extLst>
+          </p:cNvPr>
+          <p:cNvSpPr/>
+          <p:nvPr/>
+        </p:nvSpPr>
+        <p:spPr>
+          <a:xfrm>
+            <a:off x="1496687" y="3059306"/>
+            <a:ext cx="1380227" cy="966159"/>
+          </a:xfrm>
+          <a:prstGeom prst="rect">
+            <a:avLst/>
+          </a:prstGeom>
+          <a:solidFill>
+            <a:srgbClr val="AC0000"/>
+          </a:solidFill>
+        </p:spPr>
+        <p:style>
+          <a:lnRef idx="2">
+            <a:schemeClr val="accent1">
+              <a:shade val="50000"/>
+            </a:schemeClr>
+          </a:lnRef>
+          <a:fillRef idx="1">
+            <a:schemeClr val="accent1"/>
+          </a:fillRef>
+          <a:effectRef idx="0">
+            <a:schemeClr val="accent1"/>
+          </a:effectRef>
+          <a:fontRef idx="minor">
+            <a:schemeClr val="lt1"/>
+          </a:fontRef>
+        </p:style>
+        <p:txBody>
+          <a:bodyPr rot="0" spcFirstLastPara="0" vertOverflow="overflow" horzOverflow="overflow" vert="horz" wrap="square" lIns="91440" tIns="45720" rIns="91440" bIns="45720" numCol="1" spcCol="0" rtlCol="0" fromWordArt="0" anchor="ctr" anchorCtr="0" forceAA="0" compatLnSpc="1">
+            <a:prstTxWarp prst="textNoShape">
+              <a:avLst/>
+            </a:prstTxWarp>
+            <a:noAutofit/>
+          </a:bodyPr>
+          <a:lstStyle/>
+          <a:p>
+            <a:pPr algn="ctr"/>
+            <a:r>
+              <a:rPr lang="en-AU" dirty="0"/>
+              <a:t>vac2</a:t>
+            </a:r>
+          </a:p>
+        </p:txBody>
+      </p:sp>
+      <p:cxnSp>
+        <p:nvCxnSpPr>
+          <p:cNvPr id="24" name="Straight Arrow Connector 23">
+            <a:extLst>
+              <a:ext uri="{FF2B5EF4-FFF2-40B4-BE49-F238E27FC236}">
+                <a16:creationId xmlns:a16="http://schemas.microsoft.com/office/drawing/2014/main" id="{26087F7A-D1F8-4D9B-A32B-A942CC8BCB1E}"/>
+              </a:ext>
+            </a:extLst>
+          </p:cNvPr>
+          <p:cNvCxnSpPr>
+            <a:cxnSpLocks/>
+            <a:stCxn id="23" idx="2"/>
+            <a:endCxn id="15" idx="1"/>
+          </p:cNvCxnSpPr>
+          <p:nvPr/>
+        </p:nvCxnSpPr>
+        <p:spPr>
+          <a:xfrm>
+            <a:off x="2186801" y="4025465"/>
+            <a:ext cx="707087" cy="322507"/>
+          </a:xfrm>
+          <a:prstGeom prst="straightConnector1">
+            <a:avLst/>
+          </a:prstGeom>
+          <a:ln>
+            <a:solidFill>
+              <a:srgbClr val="FF0000"/>
+            </a:solidFill>
+            <a:tailEnd type="triangle"/>
+          </a:ln>
+        </p:spPr>
+        <p:style>
+          <a:lnRef idx="1">
+            <a:schemeClr val="accent1"/>
+          </a:lnRef>
+          <a:fillRef idx="0">
+            <a:schemeClr val="accent1"/>
+          </a:fillRef>
+          <a:effectRef idx="0">
+            <a:schemeClr val="accent1"/>
+          </a:effectRef>
+          <a:fontRef idx="minor">
+            <a:schemeClr val="tx1"/>
+          </a:fontRef>
+        </p:style>
+      </p:cxnSp>
     </p:spTree>
     <p:extLst>
       <p:ext uri="{BB962C8B-B14F-4D97-AF65-F5344CB8AC3E}">
-        <p14:creationId xmlns:p14="http://schemas.microsoft.com/office/powerpoint/2010/main" val="3261011393"/>
+        <p14:creationId xmlns:p14="http://schemas.microsoft.com/office/powerpoint/2010/main" val="2251254402"/>
       </p:ext>
     </p:extLst>
   </p:cSld>
@@ -11241,7 +13802,7 @@
           <p:cNvPr id="2" name="Title 1">
             <a:extLst>
               <a:ext uri="{FF2B5EF4-FFF2-40B4-BE49-F238E27FC236}">
-                <a16:creationId xmlns:a16="http://schemas.microsoft.com/office/drawing/2014/main" id="{C8D3F0F5-8721-4FB3-A336-90C726F3A22A}"/>
+                <a16:creationId xmlns:a16="http://schemas.microsoft.com/office/drawing/2014/main" id="{E4BA226C-8137-4CA0-9B0D-60113A1176E3}"/>
               </a:ext>
             </a:extLst>
           </p:cNvPr>
@@ -11259,7 +13820,7 @@
           <a:p>
             <a:r>
               <a:rPr lang="en-AU" dirty="0"/>
-              <a:t>Junction operations</a:t>
+              <a:t>Junction flush logic</a:t>
             </a:r>
           </a:p>
         </p:txBody>
@@ -11269,7 +13830,7 @@
           <p:cNvPr id="3" name="Content Placeholder 2">
             <a:extLst>
               <a:ext uri="{FF2B5EF4-FFF2-40B4-BE49-F238E27FC236}">
-                <a16:creationId xmlns:a16="http://schemas.microsoft.com/office/drawing/2014/main" id="{A9313FB2-4ACD-4C44-88B9-56FC30ACB47B}"/>
+                <a16:creationId xmlns:a16="http://schemas.microsoft.com/office/drawing/2014/main" id="{1D1C39AB-9E16-4972-A440-E37B0718937B}"/>
               </a:ext>
             </a:extLst>
           </p:cNvPr>
@@ -11282,103 +13843,46 @@
         </p:nvSpPr>
         <p:spPr/>
         <p:txBody>
-          <a:bodyPr>
-            <a:normAutofit fontScale="70000" lnSpcReduction="20000"/>
-          </a:bodyPr>
+          <a:bodyPr/>
           <a:lstStyle/>
           <a:p>
             <a:r>
               <a:rPr lang="en-AU" dirty="0"/>
-              <a:t>Flush links need to be resolved *prior* to the junction, because nobody flowing in from the junction can be flushed</a:t>
+              <a:t>Flushing into a junction is allowed, therefore flush links must be computed before or at the same time as junctions</a:t>
             </a:r>
           </a:p>
           <a:p>
             <a:r>
               <a:rPr lang="en-AU" dirty="0"/>
-              <a:t>So maybe the idea is, people get flushed at the START of the timestep at the same time as the compartment is incremented? But this is undesirable because the compartment size at ti+1 is now no longer given by just summing up all the links at time </a:t>
-            </a:r>
-            <a:r>
-              <a:rPr lang="en-AU" dirty="0" err="1"/>
-              <a:t>ti</a:t>
-            </a:r>
-            <a:endParaRPr lang="en-AU" dirty="0"/>
+              <a:t>Junctions can be time-preserving if the inputs and outputs mix </a:t>
+            </a:r>
           </a:p>
           <a:p>
             <a:r>
               <a:rPr lang="en-AU" dirty="0"/>
-              <a:t>That’s the idea behind flushing after the junctions are resolved BUT then you can’t flush into a junction</a:t>
-            </a:r>
-          </a:p>
-          <a:p>
-            <a:r>
-              <a:rPr lang="en-AU" dirty="0"/>
-              <a:t>So – you CAN flush into a junction, which means flush links get computed first. You can be flushed OR go down a </a:t>
-            </a:r>
-            <a:r>
-              <a:rPr lang="en-AU" dirty="0" err="1"/>
-              <a:t>TimedLink</a:t>
-            </a:r>
-            <a:r>
-              <a:rPr lang="en-AU" dirty="0"/>
-              <a:t> but not both (no competition)</a:t>
-            </a:r>
-          </a:p>
-          <a:p>
-            <a:r>
-              <a:rPr lang="en-AU" dirty="0"/>
-              <a:t>But then the problem is, if you have competition between a normal link and a </a:t>
-            </a:r>
-            <a:r>
-              <a:rPr lang="en-AU" dirty="0" err="1"/>
-              <a:t>TimedLink</a:t>
-            </a:r>
-            <a:r>
-              <a:rPr lang="en-AU" dirty="0"/>
-              <a:t> that competition changes with step size e.g. limit of large step size, nobody goes down the </a:t>
-            </a:r>
-            <a:r>
-              <a:rPr lang="en-AU" dirty="0" err="1"/>
-              <a:t>TimedLink</a:t>
-            </a:r>
-            <a:endParaRPr lang="en-AU" dirty="0"/>
-          </a:p>
-          <a:p>
-            <a:r>
-              <a:rPr lang="en-AU" dirty="0"/>
-              <a:t>Thus, normal links and timed links cannot compete. Or rather, if you’re scheduled to be flushed, you’re </a:t>
-            </a:r>
-            <a:r>
-              <a:rPr lang="en-AU" i="1" dirty="0"/>
-              <a:t>guaranteed</a:t>
-            </a:r>
-            <a:r>
-              <a:rPr lang="en-AU" dirty="0"/>
-              <a:t> to be flushed</a:t>
-            </a:r>
-          </a:p>
-          <a:p>
-            <a:r>
-              <a:rPr lang="en-AU" dirty="0"/>
-              <a:t>But if </a:t>
-            </a:r>
-            <a:r>
-              <a:rPr lang="en-AU" i="1" dirty="0"/>
-              <a:t>that</a:t>
-            </a:r>
-            <a:r>
-              <a:rPr lang="en-AU" dirty="0"/>
-              <a:t> is the case, then that means you have things like, people who are due to be flushed cannot die in that timestep</a:t>
-            </a:r>
-          </a:p>
-          <a:p>
-            <a:endParaRPr lang="en-AU" dirty="0"/>
+              <a:t>If a flush link goes into a junction, it cannot feed into the same transition group – therefore, we know that it must end up in a different transition group</a:t>
+            </a:r>
+          </a:p>
+          <a:p>
+            <a:r>
+              <a:rPr lang="en-AU" b="1" dirty="0"/>
+              <a:t>CRUCIAL – Nobody that flows from a junction into a </a:t>
+            </a:r>
+            <a:r>
+              <a:rPr lang="en-AU" b="1" dirty="0" err="1"/>
+              <a:t>TimedCompartment</a:t>
+            </a:r>
+            <a:r>
+              <a:rPr lang="en-AU" b="1" dirty="0"/>
+              <a:t> can be flushed in that same timestep</a:t>
+            </a:r>
           </a:p>
         </p:txBody>
       </p:sp>
     </p:spTree>
     <p:extLst>
       <p:ext uri="{BB962C8B-B14F-4D97-AF65-F5344CB8AC3E}">
-        <p14:creationId xmlns:p14="http://schemas.microsoft.com/office/powerpoint/2010/main" val="3876423208"/>
+        <p14:creationId xmlns:p14="http://schemas.microsoft.com/office/powerpoint/2010/main" val="3261011393"/>
       </p:ext>
     </p:extLst>
   </p:cSld>
@@ -11407,604 +13911,147 @@
       </p:grpSpPr>
       <p:sp>
         <p:nvSpPr>
-          <p:cNvPr id="4" name="Rectangle 3">
-            <a:extLst>
-              <a:ext uri="{FF2B5EF4-FFF2-40B4-BE49-F238E27FC236}">
-                <a16:creationId xmlns:a16="http://schemas.microsoft.com/office/drawing/2014/main" id="{789D5DF4-E706-4558-90A4-27D3BC4BDE01}"/>
-              </a:ext>
-            </a:extLst>
-          </p:cNvPr>
-          <p:cNvSpPr/>
-          <p:nvPr/>
-        </p:nvSpPr>
-        <p:spPr>
-          <a:xfrm>
-            <a:off x="4635420" y="1291584"/>
-            <a:ext cx="2125035" cy="914400"/>
-          </a:xfrm>
-          <a:prstGeom prst="rect">
-            <a:avLst/>
-          </a:prstGeom>
-        </p:spPr>
-        <p:style>
-          <a:lnRef idx="2">
-            <a:schemeClr val="accent1">
-              <a:shade val="50000"/>
-            </a:schemeClr>
-          </a:lnRef>
-          <a:fillRef idx="1">
-            <a:schemeClr val="accent1"/>
-          </a:fillRef>
-          <a:effectRef idx="0">
-            <a:schemeClr val="accent1"/>
-          </a:effectRef>
-          <a:fontRef idx="minor">
-            <a:schemeClr val="lt1"/>
-          </a:fontRef>
-        </p:style>
-        <p:txBody>
-          <a:bodyPr rot="0" spcFirstLastPara="0" vertOverflow="overflow" horzOverflow="overflow" vert="horz" wrap="square" lIns="91440" tIns="45720" rIns="91440" bIns="45720" numCol="1" spcCol="0" rtlCol="0" fromWordArt="0" anchor="ctr" anchorCtr="0" forceAA="0" compatLnSpc="1">
-            <a:prstTxWarp prst="textNoShape">
-              <a:avLst/>
-            </a:prstTxWarp>
-            <a:noAutofit/>
-          </a:bodyPr>
-          <a:lstStyle/>
-          <a:p>
-            <a:pPr algn="ctr"/>
-            <a:r>
-              <a:rPr lang="en-AU" sz="1400" dirty="0" err="1"/>
-              <a:t>TimedCompartment</a:t>
-            </a:r>
-            <a:endParaRPr lang="en-AU" sz="1400" dirty="0"/>
-          </a:p>
-        </p:txBody>
-      </p:sp>
-      <p:sp>
-        <p:nvSpPr>
-          <p:cNvPr id="7" name="Rectangle 6">
-            <a:extLst>
-              <a:ext uri="{FF2B5EF4-FFF2-40B4-BE49-F238E27FC236}">
-                <a16:creationId xmlns:a16="http://schemas.microsoft.com/office/drawing/2014/main" id="{7F24F64C-184F-4385-9715-E7CCDC56D7FD}"/>
-              </a:ext>
-            </a:extLst>
-          </p:cNvPr>
-          <p:cNvSpPr/>
-          <p:nvPr/>
-        </p:nvSpPr>
-        <p:spPr>
-          <a:xfrm>
-            <a:off x="5265031" y="2724130"/>
-            <a:ext cx="857250" cy="685800"/>
-          </a:xfrm>
-          <a:prstGeom prst="rect">
-            <a:avLst/>
-          </a:prstGeom>
-        </p:spPr>
-        <p:style>
-          <a:lnRef idx="2">
-            <a:schemeClr val="accent1">
-              <a:shade val="50000"/>
-            </a:schemeClr>
-          </a:lnRef>
-          <a:fillRef idx="1">
-            <a:schemeClr val="accent1"/>
-          </a:fillRef>
-          <a:effectRef idx="0">
-            <a:schemeClr val="accent1"/>
-          </a:effectRef>
-          <a:fontRef idx="minor">
-            <a:schemeClr val="lt1"/>
-          </a:fontRef>
-        </p:style>
-        <p:txBody>
-          <a:bodyPr rot="0" spcFirstLastPara="0" vertOverflow="overflow" horzOverflow="overflow" vert="horz" wrap="square" lIns="91440" tIns="45720" rIns="91440" bIns="45720" numCol="1" spcCol="0" rtlCol="0" fromWordArt="0" anchor="ctr" anchorCtr="0" forceAA="0" compatLnSpc="1">
-            <a:prstTxWarp prst="textNoShape">
-              <a:avLst/>
-            </a:prstTxWarp>
-            <a:noAutofit/>
-          </a:bodyPr>
-          <a:lstStyle/>
-          <a:p>
-            <a:pPr algn="ctr"/>
+          <p:cNvPr id="2" name="Title 1">
+            <a:extLst>
+              <a:ext uri="{FF2B5EF4-FFF2-40B4-BE49-F238E27FC236}">
+                <a16:creationId xmlns:a16="http://schemas.microsoft.com/office/drawing/2014/main" id="{C8D3F0F5-8721-4FB3-A336-90C726F3A22A}"/>
+              </a:ext>
+            </a:extLst>
+          </p:cNvPr>
+          <p:cNvSpPr>
+            <a:spLocks noGrp="1"/>
+          </p:cNvSpPr>
+          <p:nvPr>
+            <p:ph type="title"/>
+          </p:nvPr>
+        </p:nvSpPr>
+        <p:spPr/>
+        <p:txBody>
+          <a:bodyPr/>
+          <a:lstStyle/>
+          <a:p>
             <a:r>
               <a:rPr lang="en-AU" dirty="0"/>
-              <a:t>A</a:t>
-            </a:r>
-          </a:p>
-        </p:txBody>
-      </p:sp>
-      <p:sp>
-        <p:nvSpPr>
-          <p:cNvPr id="8" name="Rectangle 7">
-            <a:extLst>
-              <a:ext uri="{FF2B5EF4-FFF2-40B4-BE49-F238E27FC236}">
-                <a16:creationId xmlns:a16="http://schemas.microsoft.com/office/drawing/2014/main" id="{8D678C50-6C7B-4845-A166-AF91A6F59F7A}"/>
-              </a:ext>
-            </a:extLst>
-          </p:cNvPr>
-          <p:cNvSpPr/>
-          <p:nvPr/>
-        </p:nvSpPr>
-        <p:spPr>
-          <a:xfrm>
-            <a:off x="5265031" y="3571855"/>
-            <a:ext cx="857250" cy="685800"/>
-          </a:xfrm>
-          <a:prstGeom prst="rect">
-            <a:avLst/>
-          </a:prstGeom>
-        </p:spPr>
-        <p:style>
-          <a:lnRef idx="2">
-            <a:schemeClr val="accent1">
-              <a:shade val="50000"/>
-            </a:schemeClr>
-          </a:lnRef>
-          <a:fillRef idx="1">
-            <a:schemeClr val="accent1"/>
-          </a:fillRef>
-          <a:effectRef idx="0">
-            <a:schemeClr val="accent1"/>
-          </a:effectRef>
-          <a:fontRef idx="minor">
-            <a:schemeClr val="lt1"/>
-          </a:fontRef>
-        </p:style>
-        <p:txBody>
-          <a:bodyPr rot="0" spcFirstLastPara="0" vertOverflow="overflow" horzOverflow="overflow" vert="horz" wrap="square" lIns="91440" tIns="45720" rIns="91440" bIns="45720" numCol="1" spcCol="0" rtlCol="0" fromWordArt="0" anchor="ctr" anchorCtr="0" forceAA="0" compatLnSpc="1">
-            <a:prstTxWarp prst="textNoShape">
-              <a:avLst/>
-            </a:prstTxWarp>
-            <a:noAutofit/>
-          </a:bodyPr>
-          <a:lstStyle/>
-          <a:p>
-            <a:pPr algn="ctr"/>
+              <a:t>Junction operations</a:t>
+            </a:r>
+          </a:p>
+        </p:txBody>
+      </p:sp>
+      <p:sp>
+        <p:nvSpPr>
+          <p:cNvPr id="3" name="Content Placeholder 2">
+            <a:extLst>
+              <a:ext uri="{FF2B5EF4-FFF2-40B4-BE49-F238E27FC236}">
+                <a16:creationId xmlns:a16="http://schemas.microsoft.com/office/drawing/2014/main" id="{A9313FB2-4ACD-4C44-88B9-56FC30ACB47B}"/>
+              </a:ext>
+            </a:extLst>
+          </p:cNvPr>
+          <p:cNvSpPr>
+            <a:spLocks noGrp="1"/>
+          </p:cNvSpPr>
+          <p:nvPr>
+            <p:ph idx="1"/>
+          </p:nvPr>
+        </p:nvSpPr>
+        <p:spPr/>
+        <p:txBody>
+          <a:bodyPr>
+            <a:normAutofit fontScale="70000" lnSpcReduction="20000"/>
+          </a:bodyPr>
+          <a:lstStyle/>
+          <a:p>
             <a:r>
               <a:rPr lang="en-AU" dirty="0"/>
-              <a:t>B</a:t>
-            </a:r>
-          </a:p>
-        </p:txBody>
-      </p:sp>
-      <p:sp>
-        <p:nvSpPr>
-          <p:cNvPr id="9" name="Rectangle 8">
-            <a:extLst>
-              <a:ext uri="{FF2B5EF4-FFF2-40B4-BE49-F238E27FC236}">
-                <a16:creationId xmlns:a16="http://schemas.microsoft.com/office/drawing/2014/main" id="{3E606987-4EA7-49D8-8D84-E68EA53CC7E3}"/>
-              </a:ext>
-            </a:extLst>
-          </p:cNvPr>
-          <p:cNvSpPr/>
-          <p:nvPr/>
-        </p:nvSpPr>
-        <p:spPr>
-          <a:xfrm>
-            <a:off x="5265031" y="4419580"/>
-            <a:ext cx="857250" cy="685800"/>
-          </a:xfrm>
-          <a:prstGeom prst="rect">
-            <a:avLst/>
-          </a:prstGeom>
-        </p:spPr>
-        <p:style>
-          <a:lnRef idx="2">
-            <a:schemeClr val="accent1">
-              <a:shade val="50000"/>
-            </a:schemeClr>
-          </a:lnRef>
-          <a:fillRef idx="1">
-            <a:schemeClr val="accent1"/>
-          </a:fillRef>
-          <a:effectRef idx="0">
-            <a:schemeClr val="accent1"/>
-          </a:effectRef>
-          <a:fontRef idx="minor">
-            <a:schemeClr val="lt1"/>
-          </a:fontRef>
-        </p:style>
-        <p:txBody>
-          <a:bodyPr rot="0" spcFirstLastPara="0" vertOverflow="overflow" horzOverflow="overflow" vert="horz" wrap="square" lIns="91440" tIns="45720" rIns="91440" bIns="45720" numCol="1" spcCol="0" rtlCol="0" fromWordArt="0" anchor="ctr" anchorCtr="0" forceAA="0" compatLnSpc="1">
-            <a:prstTxWarp prst="textNoShape">
-              <a:avLst/>
-            </a:prstTxWarp>
-            <a:noAutofit/>
-          </a:bodyPr>
-          <a:lstStyle/>
-          <a:p>
-            <a:pPr algn="ctr"/>
+              <a:t>Flush links need to be resolved *prior* to the junction, because nobody flowing in from the junction can be flushed</a:t>
+            </a:r>
+          </a:p>
+          <a:p>
             <a:r>
               <a:rPr lang="en-AU" dirty="0"/>
-              <a:t>C</a:t>
-            </a:r>
-          </a:p>
-        </p:txBody>
-      </p:sp>
-      <p:cxnSp>
-        <p:nvCxnSpPr>
-          <p:cNvPr id="22" name="Straight Arrow Connector 21">
-            <a:extLst>
-              <a:ext uri="{FF2B5EF4-FFF2-40B4-BE49-F238E27FC236}">
-                <a16:creationId xmlns:a16="http://schemas.microsoft.com/office/drawing/2014/main" id="{077D020D-2959-48C8-8C3B-9003ABF26089}"/>
-              </a:ext>
-            </a:extLst>
-          </p:cNvPr>
-          <p:cNvCxnSpPr>
-            <a:cxnSpLocks/>
-          </p:cNvCxnSpPr>
-          <p:nvPr/>
-        </p:nvCxnSpPr>
-        <p:spPr>
-          <a:xfrm>
-            <a:off x="6236580" y="3057485"/>
-            <a:ext cx="1047751" cy="0"/>
-          </a:xfrm>
-          <a:prstGeom prst="straightConnector1">
-            <a:avLst/>
-          </a:prstGeom>
-          <a:ln>
-            <a:prstDash val="dash"/>
-            <a:tailEnd type="triangle"/>
-          </a:ln>
-        </p:spPr>
-        <p:style>
-          <a:lnRef idx="1">
-            <a:schemeClr val="accent1"/>
-          </a:lnRef>
-          <a:fillRef idx="0">
-            <a:schemeClr val="accent1"/>
-          </a:fillRef>
-          <a:effectRef idx="0">
-            <a:schemeClr val="accent1"/>
-          </a:effectRef>
-          <a:fontRef idx="minor">
-            <a:schemeClr val="tx1"/>
-          </a:fontRef>
-        </p:style>
-      </p:cxnSp>
-      <p:sp>
-        <p:nvSpPr>
-          <p:cNvPr id="27" name="TextBox 26">
-            <a:extLst>
-              <a:ext uri="{FF2B5EF4-FFF2-40B4-BE49-F238E27FC236}">
-                <a16:creationId xmlns:a16="http://schemas.microsoft.com/office/drawing/2014/main" id="{6A5457D1-6788-4709-A8F9-A08820A85D3A}"/>
-              </a:ext>
-            </a:extLst>
-          </p:cNvPr>
-          <p:cNvSpPr txBox="1"/>
-          <p:nvPr/>
-        </p:nvSpPr>
-        <p:spPr>
-          <a:xfrm>
-            <a:off x="5011770" y="329644"/>
-            <a:ext cx="1363771" cy="369332"/>
-          </a:xfrm>
-          <a:prstGeom prst="rect">
-            <a:avLst/>
-          </a:prstGeom>
-          <a:noFill/>
-        </p:spPr>
-        <p:txBody>
-          <a:bodyPr wrap="none" rtlCol="0">
-            <a:spAutoFit/>
-          </a:bodyPr>
-          <a:lstStyle/>
-          <a:p>
-            <a:r>
-              <a:rPr lang="en-AU" b="1" dirty="0"/>
-              <a:t>Terminology</a:t>
-            </a:r>
-          </a:p>
-        </p:txBody>
-      </p:sp>
-      <p:sp>
-        <p:nvSpPr>
-          <p:cNvPr id="89" name="TextBox 88">
-            <a:extLst>
-              <a:ext uri="{FF2B5EF4-FFF2-40B4-BE49-F238E27FC236}">
-                <a16:creationId xmlns:a16="http://schemas.microsoft.com/office/drawing/2014/main" id="{FA65CACA-ABE4-49C7-8F90-F7FCF22AB8DE}"/>
-              </a:ext>
-            </a:extLst>
-          </p:cNvPr>
-          <p:cNvSpPr txBox="1"/>
-          <p:nvPr/>
-        </p:nvSpPr>
-        <p:spPr>
-          <a:xfrm>
-            <a:off x="6222822" y="2724130"/>
-            <a:ext cx="1061509" cy="369332"/>
-          </a:xfrm>
-          <a:prstGeom prst="rect">
-            <a:avLst/>
-          </a:prstGeom>
-          <a:noFill/>
-        </p:spPr>
-        <p:txBody>
-          <a:bodyPr wrap="none" rtlCol="0">
-            <a:spAutoFit/>
-          </a:bodyPr>
-          <a:lstStyle/>
+              <a:t>So maybe the idea is, people get flushed at the START of the timestep at the same time as the compartment is incremented? But this is undesirable because the compartment size at ti+1 is now no longer given by just summing up all the links at time </a:t>
+            </a:r>
+            <a:r>
+              <a:rPr lang="en-AU" dirty="0" err="1"/>
+              <a:t>ti</a:t>
+            </a:r>
+            <a:endParaRPr lang="en-AU" dirty="0"/>
+          </a:p>
           <a:p>
             <a:r>
               <a:rPr lang="en-AU" dirty="0"/>
-              <a:t>Flush link</a:t>
-            </a:r>
-          </a:p>
-        </p:txBody>
-      </p:sp>
-      <p:sp>
-        <p:nvSpPr>
-          <p:cNvPr id="46" name="TextBox 45">
-            <a:extLst>
-              <a:ext uri="{FF2B5EF4-FFF2-40B4-BE49-F238E27FC236}">
-                <a16:creationId xmlns:a16="http://schemas.microsoft.com/office/drawing/2014/main" id="{EAAF136A-7888-4ACB-B9D0-FD32206912CB}"/>
-              </a:ext>
-            </a:extLst>
-          </p:cNvPr>
-          <p:cNvSpPr txBox="1"/>
-          <p:nvPr/>
-        </p:nvSpPr>
-        <p:spPr>
-          <a:xfrm>
-            <a:off x="4839582" y="2297668"/>
-            <a:ext cx="1718291" cy="338554"/>
-          </a:xfrm>
-          <a:prstGeom prst="rect">
-            <a:avLst/>
-          </a:prstGeom>
-          <a:noFill/>
-        </p:spPr>
-        <p:txBody>
-          <a:bodyPr wrap="none" rtlCol="0">
-            <a:spAutoFit/>
-          </a:bodyPr>
-          <a:lstStyle/>
-          <a:p>
-            <a:r>
-              <a:rPr lang="en-AU" sz="1600" dirty="0" err="1"/>
-              <a:t>Subcompartments</a:t>
-            </a:r>
-            <a:endParaRPr lang="en-AU" sz="1600" dirty="0"/>
-          </a:p>
-        </p:txBody>
-      </p:sp>
-      <p:sp>
-        <p:nvSpPr>
-          <p:cNvPr id="47" name="TextBox 46">
-            <a:extLst>
-              <a:ext uri="{FF2B5EF4-FFF2-40B4-BE49-F238E27FC236}">
-                <a16:creationId xmlns:a16="http://schemas.microsoft.com/office/drawing/2014/main" id="{7ED64DE9-D950-4C83-9518-CD470EE85242}"/>
-              </a:ext>
-            </a:extLst>
-          </p:cNvPr>
-          <p:cNvSpPr txBox="1"/>
-          <p:nvPr/>
-        </p:nvSpPr>
-        <p:spPr>
-          <a:xfrm>
-            <a:off x="4279197" y="4132588"/>
-            <a:ext cx="1011059" cy="646331"/>
-          </a:xfrm>
-          <a:prstGeom prst="rect">
-            <a:avLst/>
-          </a:prstGeom>
-          <a:noFill/>
-        </p:spPr>
-        <p:txBody>
-          <a:bodyPr wrap="square" rtlCol="0">
-            <a:spAutoFit/>
-          </a:bodyPr>
-          <a:lstStyle/>
-          <a:p>
-            <a:pPr algn="ctr"/>
+              <a:t>That’s the idea behind flushing after the junctions are resolved BUT then you can’t flush into a junction</a:t>
+            </a:r>
+          </a:p>
+          <a:p>
             <a:r>
               <a:rPr lang="en-AU" dirty="0"/>
-              <a:t>New arrivals</a:t>
-            </a:r>
-          </a:p>
-        </p:txBody>
-      </p:sp>
-      <p:cxnSp>
-        <p:nvCxnSpPr>
-          <p:cNvPr id="3" name="Straight Arrow Connector 2">
-            <a:extLst>
-              <a:ext uri="{FF2B5EF4-FFF2-40B4-BE49-F238E27FC236}">
-                <a16:creationId xmlns:a16="http://schemas.microsoft.com/office/drawing/2014/main" id="{ACB820AF-C879-48E4-9654-56FD37FE7C63}"/>
-              </a:ext>
-            </a:extLst>
-          </p:cNvPr>
-          <p:cNvCxnSpPr>
-            <a:cxnSpLocks/>
-          </p:cNvCxnSpPr>
-          <p:nvPr/>
-        </p:nvCxnSpPr>
-        <p:spPr>
-          <a:xfrm>
-            <a:off x="4407887" y="4762480"/>
-            <a:ext cx="753680" cy="0"/>
-          </a:xfrm>
-          <a:prstGeom prst="straightConnector1">
-            <a:avLst/>
-          </a:prstGeom>
-          <a:ln>
-            <a:tailEnd type="triangle"/>
-          </a:ln>
-        </p:spPr>
-        <p:style>
-          <a:lnRef idx="1">
-            <a:schemeClr val="accent1"/>
-          </a:lnRef>
-          <a:fillRef idx="0">
-            <a:schemeClr val="accent1"/>
-          </a:fillRef>
-          <a:effectRef idx="0">
-            <a:schemeClr val="accent1"/>
-          </a:effectRef>
-          <a:fontRef idx="minor">
-            <a:schemeClr val="tx1"/>
-          </a:fontRef>
-        </p:style>
-      </p:cxnSp>
-      <p:sp>
-        <p:nvSpPr>
-          <p:cNvPr id="51" name="TextBox 50">
-            <a:extLst>
-              <a:ext uri="{FF2B5EF4-FFF2-40B4-BE49-F238E27FC236}">
-                <a16:creationId xmlns:a16="http://schemas.microsoft.com/office/drawing/2014/main" id="{D92376C1-78D0-4BA3-9B98-79064EC023D4}"/>
-              </a:ext>
-            </a:extLst>
-          </p:cNvPr>
-          <p:cNvSpPr txBox="1"/>
-          <p:nvPr/>
-        </p:nvSpPr>
-        <p:spPr>
-          <a:xfrm>
-            <a:off x="3135296" y="2847680"/>
-            <a:ext cx="2062937" cy="338554"/>
-          </a:xfrm>
-          <a:prstGeom prst="rect">
-            <a:avLst/>
-          </a:prstGeom>
-          <a:noFill/>
-        </p:spPr>
-        <p:txBody>
-          <a:bodyPr wrap="none" rtlCol="0">
-            <a:spAutoFit/>
-          </a:bodyPr>
-          <a:lstStyle/>
-          <a:p>
-            <a:r>
-              <a:rPr lang="en-AU" sz="1600" i="1" dirty="0"/>
-              <a:t>Final </a:t>
-            </a:r>
-            <a:r>
-              <a:rPr lang="en-AU" sz="1600" i="1" dirty="0" err="1"/>
-              <a:t>subcompartment</a:t>
-            </a:r>
-            <a:endParaRPr lang="en-AU" sz="1600" i="1" dirty="0"/>
-          </a:p>
-        </p:txBody>
-      </p:sp>
-      <p:sp>
-        <p:nvSpPr>
-          <p:cNvPr id="52" name="TextBox 51">
-            <a:extLst>
-              <a:ext uri="{FF2B5EF4-FFF2-40B4-BE49-F238E27FC236}">
-                <a16:creationId xmlns:a16="http://schemas.microsoft.com/office/drawing/2014/main" id="{AD233697-3994-408E-9524-ADE21558412F}"/>
-              </a:ext>
-            </a:extLst>
-          </p:cNvPr>
-          <p:cNvSpPr txBox="1"/>
-          <p:nvPr/>
-        </p:nvSpPr>
-        <p:spPr>
-          <a:xfrm>
-            <a:off x="6236580" y="4562427"/>
-            <a:ext cx="2135072" cy="338554"/>
-          </a:xfrm>
-          <a:prstGeom prst="rect">
-            <a:avLst/>
-          </a:prstGeom>
-          <a:noFill/>
-        </p:spPr>
-        <p:txBody>
-          <a:bodyPr wrap="none" rtlCol="0">
-            <a:spAutoFit/>
-          </a:bodyPr>
-          <a:lstStyle/>
-          <a:p>
-            <a:r>
-              <a:rPr lang="en-AU" sz="1600" i="1" dirty="0"/>
-              <a:t>Initial </a:t>
-            </a:r>
-            <a:r>
-              <a:rPr lang="en-AU" sz="1600" i="1" dirty="0" err="1"/>
-              <a:t>subcompartment</a:t>
-            </a:r>
-            <a:endParaRPr lang="en-AU" sz="1600" i="1" dirty="0"/>
-          </a:p>
-        </p:txBody>
-      </p:sp>
-      <p:cxnSp>
-        <p:nvCxnSpPr>
-          <p:cNvPr id="10" name="Straight Arrow Connector 9">
-            <a:extLst>
-              <a:ext uri="{FF2B5EF4-FFF2-40B4-BE49-F238E27FC236}">
-                <a16:creationId xmlns:a16="http://schemas.microsoft.com/office/drawing/2014/main" id="{CEBBB260-23FC-43C0-9C2F-B0AADAF3FAB7}"/>
-              </a:ext>
-            </a:extLst>
-          </p:cNvPr>
-          <p:cNvCxnSpPr/>
-          <p:nvPr/>
-        </p:nvCxnSpPr>
-        <p:spPr>
-          <a:xfrm flipV="1">
-            <a:off x="8601075" y="3016957"/>
-            <a:ext cx="0" cy="1822908"/>
-          </a:xfrm>
-          <a:prstGeom prst="straightConnector1">
-            <a:avLst/>
-          </a:prstGeom>
-          <a:ln>
-            <a:tailEnd type="triangle"/>
-          </a:ln>
-        </p:spPr>
-        <p:style>
-          <a:lnRef idx="1">
-            <a:schemeClr val="accent1"/>
-          </a:lnRef>
-          <a:fillRef idx="0">
-            <a:schemeClr val="accent1"/>
-          </a:fillRef>
-          <a:effectRef idx="0">
-            <a:schemeClr val="accent1"/>
-          </a:effectRef>
-          <a:fontRef idx="minor">
-            <a:schemeClr val="tx1"/>
-          </a:fontRef>
-        </p:style>
-      </p:cxnSp>
-      <p:sp>
-        <p:nvSpPr>
-          <p:cNvPr id="11" name="TextBox 10">
-            <a:extLst>
-              <a:ext uri="{FF2B5EF4-FFF2-40B4-BE49-F238E27FC236}">
-                <a16:creationId xmlns:a16="http://schemas.microsoft.com/office/drawing/2014/main" id="{4651B017-9BAE-40D1-8EF1-5D916C6DC9F3}"/>
-              </a:ext>
-            </a:extLst>
-          </p:cNvPr>
-          <p:cNvSpPr txBox="1"/>
-          <p:nvPr/>
-        </p:nvSpPr>
-        <p:spPr>
-          <a:xfrm>
-            <a:off x="8783563" y="3801336"/>
-            <a:ext cx="649537" cy="369332"/>
-          </a:xfrm>
-          <a:prstGeom prst="rect">
-            <a:avLst/>
-          </a:prstGeom>
-          <a:noFill/>
-        </p:spPr>
-        <p:txBody>
-          <a:bodyPr wrap="none" rtlCol="0">
-            <a:spAutoFit/>
-          </a:bodyPr>
-          <a:lstStyle/>
-          <a:p>
+              <a:t>So – you CAN flush into a junction, which means flush links get computed first. You can be flushed OR go down a </a:t>
+            </a:r>
+            <a:r>
+              <a:rPr lang="en-AU" dirty="0" err="1"/>
+              <a:t>TimedLink</a:t>
+            </a:r>
             <a:r>
               <a:rPr lang="en-AU" dirty="0"/>
-              <a:t>Time</a:t>
-            </a:r>
+              <a:t> but not both (no competition)</a:t>
+            </a:r>
+          </a:p>
+          <a:p>
+            <a:r>
+              <a:rPr lang="en-AU" dirty="0"/>
+              <a:t>But then the problem is, if you have competition between a normal link and a </a:t>
+            </a:r>
+            <a:r>
+              <a:rPr lang="en-AU" dirty="0" err="1"/>
+              <a:t>TimedLink</a:t>
+            </a:r>
+            <a:r>
+              <a:rPr lang="en-AU" dirty="0"/>
+              <a:t> that competition changes with step size e.g. limit of large step size, nobody goes down the </a:t>
+            </a:r>
+            <a:r>
+              <a:rPr lang="en-AU" dirty="0" err="1"/>
+              <a:t>TimedLink</a:t>
+            </a:r>
+            <a:endParaRPr lang="en-AU" dirty="0"/>
+          </a:p>
+          <a:p>
+            <a:r>
+              <a:rPr lang="en-AU" dirty="0"/>
+              <a:t>Thus, normal links and timed links cannot compete. Or rather, if you’re scheduled to be flushed, you’re </a:t>
+            </a:r>
+            <a:r>
+              <a:rPr lang="en-AU" i="1" dirty="0"/>
+              <a:t>guaranteed</a:t>
+            </a:r>
+            <a:r>
+              <a:rPr lang="en-AU" dirty="0"/>
+              <a:t> to be flushed</a:t>
+            </a:r>
+          </a:p>
+          <a:p>
+            <a:r>
+              <a:rPr lang="en-AU" dirty="0"/>
+              <a:t>But if </a:t>
+            </a:r>
+            <a:r>
+              <a:rPr lang="en-AU" i="1" dirty="0"/>
+              <a:t>that</a:t>
+            </a:r>
+            <a:r>
+              <a:rPr lang="en-AU" dirty="0"/>
+              <a:t> is the case, then that means you have things like, people who are due to be flushed cannot die in that timestep</a:t>
+            </a:r>
+          </a:p>
+          <a:p>
+            <a:endParaRPr lang="en-AU" dirty="0"/>
           </a:p>
         </p:txBody>
       </p:sp>
     </p:spTree>
     <p:extLst>
       <p:ext uri="{BB962C8B-B14F-4D97-AF65-F5344CB8AC3E}">
-        <p14:creationId xmlns:p14="http://schemas.microsoft.com/office/powerpoint/2010/main" val="3695659164"/>
+        <p14:creationId xmlns:p14="http://schemas.microsoft.com/office/powerpoint/2010/main" val="3876423208"/>
       </p:ext>
     </p:extLst>
   </p:cSld>
@@ -12033,38 +14080,10 @@
       </p:grpSpPr>
       <p:sp>
         <p:nvSpPr>
-          <p:cNvPr id="2" name="Title 1">
-            <a:extLst>
-              <a:ext uri="{FF2B5EF4-FFF2-40B4-BE49-F238E27FC236}">
-                <a16:creationId xmlns:a16="http://schemas.microsoft.com/office/drawing/2014/main" id="{8AD1DEB2-F3AF-4DAE-BBC3-2C62D4E2B30E}"/>
-              </a:ext>
-            </a:extLst>
-          </p:cNvPr>
-          <p:cNvSpPr>
-            <a:spLocks noGrp="1"/>
-          </p:cNvSpPr>
-          <p:nvPr>
-            <p:ph type="title"/>
-          </p:nvPr>
-        </p:nvSpPr>
-        <p:spPr/>
-        <p:txBody>
-          <a:bodyPr/>
-          <a:lstStyle/>
-          <a:p>
-            <a:r>
-              <a:rPr lang="en-AU" dirty="0"/>
-              <a:t>Architecture</a:t>
-            </a:r>
-          </a:p>
-        </p:txBody>
-      </p:sp>
-      <p:sp>
-        <p:nvSpPr>
-          <p:cNvPr id="17" name="Rectangle 16">
-            <a:extLst>
-              <a:ext uri="{FF2B5EF4-FFF2-40B4-BE49-F238E27FC236}">
-                <a16:creationId xmlns:a16="http://schemas.microsoft.com/office/drawing/2014/main" id="{7A584D1B-817A-4D9A-95C3-874DDD53364D}"/>
+          <p:cNvPr id="4" name="Rectangle 3">
+            <a:extLst>
+              <a:ext uri="{FF2B5EF4-FFF2-40B4-BE49-F238E27FC236}">
+                <a16:creationId xmlns:a16="http://schemas.microsoft.com/office/drawing/2014/main" id="{789D5DF4-E706-4558-90A4-27D3BC4BDE01}"/>
               </a:ext>
             </a:extLst>
           </p:cNvPr>
@@ -12073,7 +14092,7 @@
         </p:nvSpPr>
         <p:spPr>
           <a:xfrm>
-            <a:off x="1311195" y="1910709"/>
+            <a:off x="4635420" y="1291584"/>
             <a:ext cx="2125035" cy="914400"/>
           </a:xfrm>
           <a:prstGeom prst="rect">
@@ -12116,10 +14135,10 @@
       </p:sp>
       <p:sp>
         <p:nvSpPr>
-          <p:cNvPr id="18" name="Rectangle 17">
-            <a:extLst>
-              <a:ext uri="{FF2B5EF4-FFF2-40B4-BE49-F238E27FC236}">
-                <a16:creationId xmlns:a16="http://schemas.microsoft.com/office/drawing/2014/main" id="{8AE52136-6514-4F69-BA86-E538C795467D}"/>
+          <p:cNvPr id="7" name="Rectangle 6">
+            <a:extLst>
+              <a:ext uri="{FF2B5EF4-FFF2-40B4-BE49-F238E27FC236}">
+                <a16:creationId xmlns:a16="http://schemas.microsoft.com/office/drawing/2014/main" id="{7F24F64C-184F-4385-9715-E7CCDC56D7FD}"/>
               </a:ext>
             </a:extLst>
           </p:cNvPr>
@@ -12128,7 +14147,7 @@
         </p:nvSpPr>
         <p:spPr>
           <a:xfrm>
-            <a:off x="1940806" y="3343255"/>
+            <a:off x="5265031" y="2724130"/>
             <a:ext cx="857250" cy="685800"/>
           </a:xfrm>
           <a:prstGeom prst="rect">
@@ -12170,10 +14189,10 @@
       </p:sp>
       <p:sp>
         <p:nvSpPr>
-          <p:cNvPr id="19" name="Rectangle 18">
-            <a:extLst>
-              <a:ext uri="{FF2B5EF4-FFF2-40B4-BE49-F238E27FC236}">
-                <a16:creationId xmlns:a16="http://schemas.microsoft.com/office/drawing/2014/main" id="{98916D01-E309-44C5-9B17-F3BB1C59CC43}"/>
+          <p:cNvPr id="8" name="Rectangle 7">
+            <a:extLst>
+              <a:ext uri="{FF2B5EF4-FFF2-40B4-BE49-F238E27FC236}">
+                <a16:creationId xmlns:a16="http://schemas.microsoft.com/office/drawing/2014/main" id="{8D678C50-6C7B-4845-A166-AF91A6F59F7A}"/>
               </a:ext>
             </a:extLst>
           </p:cNvPr>
@@ -12182,7 +14201,7 @@
         </p:nvSpPr>
         <p:spPr>
           <a:xfrm>
-            <a:off x="1940806" y="4190980"/>
+            <a:off x="5265031" y="3571855"/>
             <a:ext cx="857250" cy="685800"/>
           </a:xfrm>
           <a:prstGeom prst="rect">
@@ -12224,10 +14243,10 @@
       </p:sp>
       <p:sp>
         <p:nvSpPr>
-          <p:cNvPr id="20" name="Rectangle 19">
-            <a:extLst>
-              <a:ext uri="{FF2B5EF4-FFF2-40B4-BE49-F238E27FC236}">
-                <a16:creationId xmlns:a16="http://schemas.microsoft.com/office/drawing/2014/main" id="{5E289209-521A-4CA0-A820-0B14B78C4044}"/>
+          <p:cNvPr id="9" name="Rectangle 8">
+            <a:extLst>
+              <a:ext uri="{FF2B5EF4-FFF2-40B4-BE49-F238E27FC236}">
+                <a16:creationId xmlns:a16="http://schemas.microsoft.com/office/drawing/2014/main" id="{3E606987-4EA7-49D8-8D84-E68EA53CC7E3}"/>
               </a:ext>
             </a:extLst>
           </p:cNvPr>
@@ -12236,7 +14255,7 @@
         </p:nvSpPr>
         <p:spPr>
           <a:xfrm>
-            <a:off x="1940806" y="5038705"/>
+            <a:off x="5265031" y="4419580"/>
             <a:ext cx="857250" cy="685800"/>
           </a:xfrm>
           <a:prstGeom prst="rect">
@@ -12278,10 +14297,10 @@
       </p:sp>
       <p:cxnSp>
         <p:nvCxnSpPr>
-          <p:cNvPr id="21" name="Straight Arrow Connector 20">
-            <a:extLst>
-              <a:ext uri="{FF2B5EF4-FFF2-40B4-BE49-F238E27FC236}">
-                <a16:creationId xmlns:a16="http://schemas.microsoft.com/office/drawing/2014/main" id="{86170B75-1A1F-412D-B660-1F586E2EE677}"/>
+          <p:cNvPr id="22" name="Straight Arrow Connector 21">
+            <a:extLst>
+              <a:ext uri="{FF2B5EF4-FFF2-40B4-BE49-F238E27FC236}">
+                <a16:creationId xmlns:a16="http://schemas.microsoft.com/office/drawing/2014/main" id="{077D020D-2959-48C8-8C3B-9003ABF26089}"/>
               </a:ext>
             </a:extLst>
           </p:cNvPr>
@@ -12292,7 +14311,7 @@
         </p:nvCxnSpPr>
         <p:spPr>
           <a:xfrm>
-            <a:off x="2912355" y="3676610"/>
+            <a:off x="6236580" y="3057485"/>
             <a:ext cx="1047751" cy="0"/>
           </a:xfrm>
           <a:prstGeom prst="straightConnector1">
@@ -12320,10 +14339,10 @@
       </p:cxnSp>
       <p:sp>
         <p:nvSpPr>
-          <p:cNvPr id="22" name="TextBox 21">
-            <a:extLst>
-              <a:ext uri="{FF2B5EF4-FFF2-40B4-BE49-F238E27FC236}">
-                <a16:creationId xmlns:a16="http://schemas.microsoft.com/office/drawing/2014/main" id="{2EF9EBA0-7E11-4ED0-B8FB-34068F62391A}"/>
+          <p:cNvPr id="27" name="TextBox 26">
+            <a:extLst>
+              <a:ext uri="{FF2B5EF4-FFF2-40B4-BE49-F238E27FC236}">
+                <a16:creationId xmlns:a16="http://schemas.microsoft.com/office/drawing/2014/main" id="{6A5457D1-6788-4709-A8F9-A08820A85D3A}"/>
               </a:ext>
             </a:extLst>
           </p:cNvPr>
@@ -12332,8 +14351,8 @@
         </p:nvSpPr>
         <p:spPr>
           <a:xfrm>
-            <a:off x="2898597" y="3343255"/>
-            <a:ext cx="1061509" cy="369332"/>
+            <a:off x="5011770" y="329644"/>
+            <a:ext cx="1363771" cy="369332"/>
           </a:xfrm>
           <a:prstGeom prst="rect">
             <a:avLst/>
@@ -12347,6 +14366,41 @@
           <a:lstStyle/>
           <a:p>
             <a:r>
+              <a:rPr lang="en-AU" b="1" dirty="0"/>
+              <a:t>Terminology</a:t>
+            </a:r>
+          </a:p>
+        </p:txBody>
+      </p:sp>
+      <p:sp>
+        <p:nvSpPr>
+          <p:cNvPr id="89" name="TextBox 88">
+            <a:extLst>
+              <a:ext uri="{FF2B5EF4-FFF2-40B4-BE49-F238E27FC236}">
+                <a16:creationId xmlns:a16="http://schemas.microsoft.com/office/drawing/2014/main" id="{FA65CACA-ABE4-49C7-8F90-F7FCF22AB8DE}"/>
+              </a:ext>
+            </a:extLst>
+          </p:cNvPr>
+          <p:cNvSpPr txBox="1"/>
+          <p:nvPr/>
+        </p:nvSpPr>
+        <p:spPr>
+          <a:xfrm>
+            <a:off x="6222822" y="2724130"/>
+            <a:ext cx="1061509" cy="369332"/>
+          </a:xfrm>
+          <a:prstGeom prst="rect">
+            <a:avLst/>
+          </a:prstGeom>
+          <a:noFill/>
+        </p:spPr>
+        <p:txBody>
+          <a:bodyPr wrap="none" rtlCol="0">
+            <a:spAutoFit/>
+          </a:bodyPr>
+          <a:lstStyle/>
+          <a:p>
+            <a:r>
               <a:rPr lang="en-AU" dirty="0"/>
               <a:t>Flush link</a:t>
             </a:r>
@@ -12355,10 +14409,10 @@
       </p:sp>
       <p:sp>
         <p:nvSpPr>
-          <p:cNvPr id="23" name="TextBox 22">
-            <a:extLst>
-              <a:ext uri="{FF2B5EF4-FFF2-40B4-BE49-F238E27FC236}">
-                <a16:creationId xmlns:a16="http://schemas.microsoft.com/office/drawing/2014/main" id="{2143D4C3-F663-4DE7-BFED-CFD869019C0F}"/>
+          <p:cNvPr id="46" name="TextBox 45">
+            <a:extLst>
+              <a:ext uri="{FF2B5EF4-FFF2-40B4-BE49-F238E27FC236}">
+                <a16:creationId xmlns:a16="http://schemas.microsoft.com/office/drawing/2014/main" id="{EAAF136A-7888-4ACB-B9D0-FD32206912CB}"/>
               </a:ext>
             </a:extLst>
           </p:cNvPr>
@@ -12367,7 +14421,7 @@
         </p:nvSpPr>
         <p:spPr>
           <a:xfrm>
-            <a:off x="1515357" y="2916793"/>
+            <a:off x="4839582" y="2297668"/>
             <a:ext cx="1718291" cy="338554"/>
           </a:xfrm>
           <a:prstGeom prst="rect">
@@ -12391,10 +14445,10 @@
       </p:sp>
       <p:sp>
         <p:nvSpPr>
-          <p:cNvPr id="24" name="TextBox 23">
-            <a:extLst>
-              <a:ext uri="{FF2B5EF4-FFF2-40B4-BE49-F238E27FC236}">
-                <a16:creationId xmlns:a16="http://schemas.microsoft.com/office/drawing/2014/main" id="{80EA6F17-A7F8-496A-8E7D-DECD9867878E}"/>
+          <p:cNvPr id="47" name="TextBox 46">
+            <a:extLst>
+              <a:ext uri="{FF2B5EF4-FFF2-40B4-BE49-F238E27FC236}">
+                <a16:creationId xmlns:a16="http://schemas.microsoft.com/office/drawing/2014/main" id="{7ED64DE9-D950-4C83-9518-CD470EE85242}"/>
               </a:ext>
             </a:extLst>
           </p:cNvPr>
@@ -12403,7 +14457,7 @@
         </p:nvSpPr>
         <p:spPr>
           <a:xfrm>
-            <a:off x="954972" y="4751713"/>
+            <a:off x="4279197" y="4132588"/>
             <a:ext cx="1011059" cy="646331"/>
           </a:xfrm>
           <a:prstGeom prst="rect">
@@ -12427,10 +14481,10 @@
       </p:sp>
       <p:cxnSp>
         <p:nvCxnSpPr>
-          <p:cNvPr id="25" name="Straight Arrow Connector 24">
-            <a:extLst>
-              <a:ext uri="{FF2B5EF4-FFF2-40B4-BE49-F238E27FC236}">
-                <a16:creationId xmlns:a16="http://schemas.microsoft.com/office/drawing/2014/main" id="{CB481AEA-9BF2-4055-AF8E-67AFC55A1C50}"/>
+          <p:cNvPr id="3" name="Straight Arrow Connector 2">
+            <a:extLst>
+              <a:ext uri="{FF2B5EF4-FFF2-40B4-BE49-F238E27FC236}">
+                <a16:creationId xmlns:a16="http://schemas.microsoft.com/office/drawing/2014/main" id="{ACB820AF-C879-48E4-9654-56FD37FE7C63}"/>
               </a:ext>
             </a:extLst>
           </p:cNvPr>
@@ -12441,7 +14495,7 @@
         </p:nvCxnSpPr>
         <p:spPr>
           <a:xfrm>
-            <a:off x="1083662" y="5381605"/>
+            <a:off x="4407887" y="4762480"/>
             <a:ext cx="753680" cy="0"/>
           </a:xfrm>
           <a:prstGeom prst="straightConnector1">
@@ -12468,10 +14522,10 @@
       </p:cxnSp>
       <p:sp>
         <p:nvSpPr>
-          <p:cNvPr id="26" name="TextBox 25">
-            <a:extLst>
-              <a:ext uri="{FF2B5EF4-FFF2-40B4-BE49-F238E27FC236}">
-                <a16:creationId xmlns:a16="http://schemas.microsoft.com/office/drawing/2014/main" id="{FC87EAD6-AE6E-4290-B24D-A8A6B360B7B7}"/>
+          <p:cNvPr id="51" name="TextBox 50">
+            <a:extLst>
+              <a:ext uri="{FF2B5EF4-FFF2-40B4-BE49-F238E27FC236}">
+                <a16:creationId xmlns:a16="http://schemas.microsoft.com/office/drawing/2014/main" id="{D92376C1-78D0-4BA3-9B98-79064EC023D4}"/>
               </a:ext>
             </a:extLst>
           </p:cNvPr>
@@ -12480,7 +14534,7 @@
         </p:nvSpPr>
         <p:spPr>
           <a:xfrm>
-            <a:off x="-188929" y="3466805"/>
+            <a:off x="3135296" y="2847680"/>
             <a:ext cx="2062937" cy="338554"/>
           </a:xfrm>
           <a:prstGeom prst="rect">
@@ -12508,10 +14562,10 @@
       </p:sp>
       <p:sp>
         <p:nvSpPr>
-          <p:cNvPr id="27" name="TextBox 26">
-            <a:extLst>
-              <a:ext uri="{FF2B5EF4-FFF2-40B4-BE49-F238E27FC236}">
-                <a16:creationId xmlns:a16="http://schemas.microsoft.com/office/drawing/2014/main" id="{BF0DF55F-6C6F-4B66-8A80-35C811E7001E}"/>
+          <p:cNvPr id="52" name="TextBox 51">
+            <a:extLst>
+              <a:ext uri="{FF2B5EF4-FFF2-40B4-BE49-F238E27FC236}">
+                <a16:creationId xmlns:a16="http://schemas.microsoft.com/office/drawing/2014/main" id="{AD233697-3994-408E-9524-ADE21558412F}"/>
               </a:ext>
             </a:extLst>
           </p:cNvPr>
@@ -12520,7 +14574,7 @@
         </p:nvSpPr>
         <p:spPr>
           <a:xfrm>
-            <a:off x="2912355" y="5181552"/>
+            <a:off x="6236580" y="4562427"/>
             <a:ext cx="2135072" cy="338554"/>
           </a:xfrm>
           <a:prstGeom prst="rect">
@@ -12548,10 +14602,10 @@
       </p:sp>
       <p:cxnSp>
         <p:nvCxnSpPr>
-          <p:cNvPr id="28" name="Straight Arrow Connector 27">
-            <a:extLst>
-              <a:ext uri="{FF2B5EF4-FFF2-40B4-BE49-F238E27FC236}">
-                <a16:creationId xmlns:a16="http://schemas.microsoft.com/office/drawing/2014/main" id="{8820A85B-E783-4AD0-A513-A6C559FB5F4B}"/>
+          <p:cNvPr id="10" name="Straight Arrow Connector 9">
+            <a:extLst>
+              <a:ext uri="{FF2B5EF4-FFF2-40B4-BE49-F238E27FC236}">
+                <a16:creationId xmlns:a16="http://schemas.microsoft.com/office/drawing/2014/main" id="{CEBBB260-23FC-43C0-9C2F-B0AADAF3FAB7}"/>
               </a:ext>
             </a:extLst>
           </p:cNvPr>
@@ -12560,7 +14614,7 @@
         </p:nvCxnSpPr>
         <p:spPr>
           <a:xfrm flipV="1">
-            <a:off x="5276850" y="3636082"/>
+            <a:off x="8601075" y="3016957"/>
             <a:ext cx="0" cy="1822908"/>
           </a:xfrm>
           <a:prstGeom prst="straightConnector1">
@@ -12587,10 +14641,10 @@
       </p:cxnSp>
       <p:sp>
         <p:nvSpPr>
-          <p:cNvPr id="29" name="TextBox 28">
-            <a:extLst>
-              <a:ext uri="{FF2B5EF4-FFF2-40B4-BE49-F238E27FC236}">
-                <a16:creationId xmlns:a16="http://schemas.microsoft.com/office/drawing/2014/main" id="{FCFB2D5A-7654-494C-BDF2-1A9B4AA840C0}"/>
+          <p:cNvPr id="11" name="TextBox 10">
+            <a:extLst>
+              <a:ext uri="{FF2B5EF4-FFF2-40B4-BE49-F238E27FC236}">
+                <a16:creationId xmlns:a16="http://schemas.microsoft.com/office/drawing/2014/main" id="{4651B017-9BAE-40D1-8EF1-5D916C6DC9F3}"/>
               </a:ext>
             </a:extLst>
           </p:cNvPr>
@@ -12599,7 +14653,7 @@
         </p:nvSpPr>
         <p:spPr>
           <a:xfrm>
-            <a:off x="5459338" y="4420461"/>
+            <a:off x="8783563" y="3801336"/>
             <a:ext cx="649537" cy="369332"/>
           </a:xfrm>
           <a:prstGeom prst="rect">
@@ -12623,7 +14677,7 @@
     </p:spTree>
     <p:extLst>
       <p:ext uri="{BB962C8B-B14F-4D97-AF65-F5344CB8AC3E}">
-        <p14:creationId xmlns:p14="http://schemas.microsoft.com/office/powerpoint/2010/main" val="2501629219"/>
+        <p14:creationId xmlns:p14="http://schemas.microsoft.com/office/powerpoint/2010/main" val="3695659164"/>
       </p:ext>
     </p:extLst>
   </p:cSld>
@@ -12652,10 +14706,38 @@
       </p:grpSpPr>
       <p:sp>
         <p:nvSpPr>
-          <p:cNvPr id="4" name="Rectangle 3">
-            <a:extLst>
-              <a:ext uri="{FF2B5EF4-FFF2-40B4-BE49-F238E27FC236}">
-                <a16:creationId xmlns:a16="http://schemas.microsoft.com/office/drawing/2014/main" id="{789D5DF4-E706-4558-90A4-27D3BC4BDE01}"/>
+          <p:cNvPr id="2" name="Title 1">
+            <a:extLst>
+              <a:ext uri="{FF2B5EF4-FFF2-40B4-BE49-F238E27FC236}">
+                <a16:creationId xmlns:a16="http://schemas.microsoft.com/office/drawing/2014/main" id="{8AD1DEB2-F3AF-4DAE-BBC3-2C62D4E2B30E}"/>
+              </a:ext>
+            </a:extLst>
+          </p:cNvPr>
+          <p:cNvSpPr>
+            <a:spLocks noGrp="1"/>
+          </p:cNvSpPr>
+          <p:nvPr>
+            <p:ph type="title"/>
+          </p:nvPr>
+        </p:nvSpPr>
+        <p:spPr/>
+        <p:txBody>
+          <a:bodyPr/>
+          <a:lstStyle/>
+          <a:p>
+            <a:r>
+              <a:rPr lang="en-AU" dirty="0"/>
+              <a:t>Architecture</a:t>
+            </a:r>
+          </a:p>
+        </p:txBody>
+      </p:sp>
+      <p:sp>
+        <p:nvSpPr>
+          <p:cNvPr id="17" name="Rectangle 16">
+            <a:extLst>
+              <a:ext uri="{FF2B5EF4-FFF2-40B4-BE49-F238E27FC236}">
+                <a16:creationId xmlns:a16="http://schemas.microsoft.com/office/drawing/2014/main" id="{7A584D1B-817A-4D9A-95C3-874DDD53364D}"/>
               </a:ext>
             </a:extLst>
           </p:cNvPr>
@@ -12664,8 +14746,8 @@
         </p:nvSpPr>
         <p:spPr>
           <a:xfrm>
-            <a:off x="1218240" y="1320861"/>
-            <a:ext cx="1654682" cy="914400"/>
+            <a:off x="1311195" y="1910709"/>
+            <a:ext cx="2125035" cy="914400"/>
           </a:xfrm>
           <a:prstGeom prst="rect">
             <a:avLst/>
@@ -12707,10 +14789,10 @@
       </p:sp>
       <p:sp>
         <p:nvSpPr>
-          <p:cNvPr id="7" name="Rectangle 6">
-            <a:extLst>
-              <a:ext uri="{FF2B5EF4-FFF2-40B4-BE49-F238E27FC236}">
-                <a16:creationId xmlns:a16="http://schemas.microsoft.com/office/drawing/2014/main" id="{7F24F64C-184F-4385-9715-E7CCDC56D7FD}"/>
+          <p:cNvPr id="18" name="Rectangle 17">
+            <a:extLst>
+              <a:ext uri="{FF2B5EF4-FFF2-40B4-BE49-F238E27FC236}">
+                <a16:creationId xmlns:a16="http://schemas.microsoft.com/office/drawing/2014/main" id="{8AE52136-6514-4F69-BA86-E538C795467D}"/>
               </a:ext>
             </a:extLst>
           </p:cNvPr>
@@ -12719,7 +14801,7 @@
         </p:nvSpPr>
         <p:spPr>
           <a:xfrm>
-            <a:off x="1616956" y="2419330"/>
+            <a:off x="1940806" y="3343255"/>
             <a:ext cx="857250" cy="685800"/>
           </a:xfrm>
           <a:prstGeom prst="rect">
@@ -12761,10 +14843,10 @@
       </p:sp>
       <p:sp>
         <p:nvSpPr>
-          <p:cNvPr id="8" name="Rectangle 7">
-            <a:extLst>
-              <a:ext uri="{FF2B5EF4-FFF2-40B4-BE49-F238E27FC236}">
-                <a16:creationId xmlns:a16="http://schemas.microsoft.com/office/drawing/2014/main" id="{8D678C50-6C7B-4845-A166-AF91A6F59F7A}"/>
+          <p:cNvPr id="19" name="Rectangle 18">
+            <a:extLst>
+              <a:ext uri="{FF2B5EF4-FFF2-40B4-BE49-F238E27FC236}">
+                <a16:creationId xmlns:a16="http://schemas.microsoft.com/office/drawing/2014/main" id="{98916D01-E309-44C5-9B17-F3BB1C59CC43}"/>
               </a:ext>
             </a:extLst>
           </p:cNvPr>
@@ -12773,7 +14855,7 @@
         </p:nvSpPr>
         <p:spPr>
           <a:xfrm>
-            <a:off x="1616956" y="3267055"/>
+            <a:off x="1940806" y="4190980"/>
             <a:ext cx="857250" cy="685800"/>
           </a:xfrm>
           <a:prstGeom prst="rect">
@@ -12815,10 +14897,10 @@
       </p:sp>
       <p:sp>
         <p:nvSpPr>
-          <p:cNvPr id="9" name="Rectangle 8">
-            <a:extLst>
-              <a:ext uri="{FF2B5EF4-FFF2-40B4-BE49-F238E27FC236}">
-                <a16:creationId xmlns:a16="http://schemas.microsoft.com/office/drawing/2014/main" id="{3E606987-4EA7-49D8-8D84-E68EA53CC7E3}"/>
+          <p:cNvPr id="20" name="Rectangle 19">
+            <a:extLst>
+              <a:ext uri="{FF2B5EF4-FFF2-40B4-BE49-F238E27FC236}">
+                <a16:creationId xmlns:a16="http://schemas.microsoft.com/office/drawing/2014/main" id="{5E289209-521A-4CA0-A820-0B14B78C4044}"/>
               </a:ext>
             </a:extLst>
           </p:cNvPr>
@@ -12827,7 +14909,7 @@
         </p:nvSpPr>
         <p:spPr>
           <a:xfrm>
-            <a:off x="1616956" y="4114780"/>
+            <a:off x="1940806" y="5038705"/>
             <a:ext cx="857250" cy="685800"/>
           </a:xfrm>
           <a:prstGeom prst="rect">
@@ -12869,10 +14951,10 @@
       </p:sp>
       <p:cxnSp>
         <p:nvCxnSpPr>
-          <p:cNvPr id="22" name="Straight Arrow Connector 21">
-            <a:extLst>
-              <a:ext uri="{FF2B5EF4-FFF2-40B4-BE49-F238E27FC236}">
-                <a16:creationId xmlns:a16="http://schemas.microsoft.com/office/drawing/2014/main" id="{077D020D-2959-48C8-8C3B-9003ABF26089}"/>
+          <p:cNvPr id="21" name="Straight Arrow Connector 20">
+            <a:extLst>
+              <a:ext uri="{FF2B5EF4-FFF2-40B4-BE49-F238E27FC236}">
+                <a16:creationId xmlns:a16="http://schemas.microsoft.com/office/drawing/2014/main" id="{86170B75-1A1F-412D-B660-1F586E2EE677}"/>
               </a:ext>
             </a:extLst>
           </p:cNvPr>
@@ -12883,7 +14965,7 @@
         </p:nvCxnSpPr>
         <p:spPr>
           <a:xfrm>
-            <a:off x="2517180" y="2619355"/>
+            <a:off x="2912355" y="3676610"/>
             <a:ext cx="1047751" cy="0"/>
           </a:xfrm>
           <a:prstGeom prst="straightConnector1">
@@ -12911,10 +14993,10 @@
       </p:cxnSp>
       <p:sp>
         <p:nvSpPr>
-          <p:cNvPr id="24" name="TextBox 23">
-            <a:extLst>
-              <a:ext uri="{FF2B5EF4-FFF2-40B4-BE49-F238E27FC236}">
-                <a16:creationId xmlns:a16="http://schemas.microsoft.com/office/drawing/2014/main" id="{264F0A5A-3A80-4A65-A321-8DA9ABE1E7BF}"/>
+          <p:cNvPr id="22" name="TextBox 21">
+            <a:extLst>
+              <a:ext uri="{FF2B5EF4-FFF2-40B4-BE49-F238E27FC236}">
+                <a16:creationId xmlns:a16="http://schemas.microsoft.com/office/drawing/2014/main" id="{2EF9EBA0-7E11-4ED0-B8FB-34068F62391A}"/>
               </a:ext>
             </a:extLst>
           </p:cNvPr>
@@ -12923,8 +15005,8 @@
         </p:nvSpPr>
         <p:spPr>
           <a:xfrm>
-            <a:off x="2493545" y="2642812"/>
-            <a:ext cx="611065" cy="406393"/>
+            <a:off x="2898597" y="3343255"/>
+            <a:ext cx="1061509" cy="369332"/>
           </a:xfrm>
           <a:prstGeom prst="rect">
             <a:avLst/>
@@ -12939,7 +15021,79 @@
           <a:p>
             <a:r>
               <a:rPr lang="en-AU" dirty="0"/>
-              <a:t>Link</a:t>
+              <a:t>Flush link</a:t>
+            </a:r>
+          </a:p>
+        </p:txBody>
+      </p:sp>
+      <p:sp>
+        <p:nvSpPr>
+          <p:cNvPr id="23" name="TextBox 22">
+            <a:extLst>
+              <a:ext uri="{FF2B5EF4-FFF2-40B4-BE49-F238E27FC236}">
+                <a16:creationId xmlns:a16="http://schemas.microsoft.com/office/drawing/2014/main" id="{2143D4C3-F663-4DE7-BFED-CFD869019C0F}"/>
+              </a:ext>
+            </a:extLst>
+          </p:cNvPr>
+          <p:cNvSpPr txBox="1"/>
+          <p:nvPr/>
+        </p:nvSpPr>
+        <p:spPr>
+          <a:xfrm>
+            <a:off x="1515357" y="2916793"/>
+            <a:ext cx="1718291" cy="338554"/>
+          </a:xfrm>
+          <a:prstGeom prst="rect">
+            <a:avLst/>
+          </a:prstGeom>
+          <a:noFill/>
+        </p:spPr>
+        <p:txBody>
+          <a:bodyPr wrap="none" rtlCol="0">
+            <a:spAutoFit/>
+          </a:bodyPr>
+          <a:lstStyle/>
+          <a:p>
+            <a:r>
+              <a:rPr lang="en-AU" sz="1600" dirty="0" err="1"/>
+              <a:t>Subcompartments</a:t>
+            </a:r>
+            <a:endParaRPr lang="en-AU" sz="1600" dirty="0"/>
+          </a:p>
+        </p:txBody>
+      </p:sp>
+      <p:sp>
+        <p:nvSpPr>
+          <p:cNvPr id="24" name="TextBox 23">
+            <a:extLst>
+              <a:ext uri="{FF2B5EF4-FFF2-40B4-BE49-F238E27FC236}">
+                <a16:creationId xmlns:a16="http://schemas.microsoft.com/office/drawing/2014/main" id="{80EA6F17-A7F8-496A-8E7D-DECD9867878E}"/>
+              </a:ext>
+            </a:extLst>
+          </p:cNvPr>
+          <p:cNvSpPr txBox="1"/>
+          <p:nvPr/>
+        </p:nvSpPr>
+        <p:spPr>
+          <a:xfrm>
+            <a:off x="954972" y="4751713"/>
+            <a:ext cx="1011059" cy="646331"/>
+          </a:xfrm>
+          <a:prstGeom prst="rect">
+            <a:avLst/>
+          </a:prstGeom>
+          <a:noFill/>
+        </p:spPr>
+        <p:txBody>
+          <a:bodyPr wrap="square" rtlCol="0">
+            <a:spAutoFit/>
+          </a:bodyPr>
+          <a:lstStyle/>
+          <a:p>
+            <a:pPr algn="ctr"/>
+            <a:r>
+              <a:rPr lang="en-AU" dirty="0"/>
+              <a:t>New arrivals</a:t>
             </a:r>
           </a:p>
         </p:txBody>
@@ -12949,7 +15103,7 @@
           <p:cNvPr id="25" name="Straight Arrow Connector 24">
             <a:extLst>
               <a:ext uri="{FF2B5EF4-FFF2-40B4-BE49-F238E27FC236}">
-                <a16:creationId xmlns:a16="http://schemas.microsoft.com/office/drawing/2014/main" id="{AE446986-5E2F-486A-8DE9-9E503D21C566}"/>
+                <a16:creationId xmlns:a16="http://schemas.microsoft.com/office/drawing/2014/main" id="{CB481AEA-9BF2-4055-AF8E-67AFC55A1C50}"/>
               </a:ext>
             </a:extLst>
           </p:cNvPr>
@@ -12959,9 +15113,9 @@
           <p:nvPr/>
         </p:nvCxnSpPr>
         <p:spPr>
-          <a:xfrm flipV="1">
-            <a:off x="2517178" y="2847955"/>
-            <a:ext cx="1017350" cy="127516"/>
+          <a:xfrm>
+            <a:off x="1083662" y="5381605"/>
+            <a:ext cx="753680" cy="0"/>
           </a:xfrm>
           <a:prstGeom prst="straightConnector1">
             <a:avLst/>
@@ -12987,10 +15141,10 @@
       </p:cxnSp>
       <p:sp>
         <p:nvSpPr>
-          <p:cNvPr id="27" name="TextBox 26">
-            <a:extLst>
-              <a:ext uri="{FF2B5EF4-FFF2-40B4-BE49-F238E27FC236}">
-                <a16:creationId xmlns:a16="http://schemas.microsoft.com/office/drawing/2014/main" id="{6A5457D1-6788-4709-A8F9-A08820A85D3A}"/>
+          <p:cNvPr id="26" name="TextBox 25">
+            <a:extLst>
+              <a:ext uri="{FF2B5EF4-FFF2-40B4-BE49-F238E27FC236}">
+                <a16:creationId xmlns:a16="http://schemas.microsoft.com/office/drawing/2014/main" id="{FC87EAD6-AE6E-4290-B24D-A8A6B360B7B7}"/>
               </a:ext>
             </a:extLst>
           </p:cNvPr>
@@ -12999,8 +15153,8 @@
         </p:nvSpPr>
         <p:spPr>
           <a:xfrm>
-            <a:off x="5161567" y="473781"/>
-            <a:ext cx="4693336" cy="406393"/>
+            <a:off x="-188929" y="3466805"/>
+            <a:ext cx="2062937" cy="338554"/>
           </a:xfrm>
           <a:prstGeom prst="rect">
             <a:avLst/>
@@ -13014,357 +15168,73 @@
           <a:lstStyle/>
           <a:p>
             <a:r>
-              <a:rPr lang="en-AU" b="1" dirty="0"/>
-              <a:t>Outflow paths from </a:t>
-            </a:r>
-            <a:r>
-              <a:rPr lang="en-AU" b="1" dirty="0" err="1"/>
-              <a:t>TimedCompartments</a:t>
-            </a:r>
-            <a:endParaRPr lang="en-AU" b="1" dirty="0"/>
-          </a:p>
-        </p:txBody>
-      </p:sp>
-      <p:sp>
-        <p:nvSpPr>
-          <p:cNvPr id="32" name="Rectangle 31">
-            <a:extLst>
-              <a:ext uri="{FF2B5EF4-FFF2-40B4-BE49-F238E27FC236}">
-                <a16:creationId xmlns:a16="http://schemas.microsoft.com/office/drawing/2014/main" id="{BB38F4DE-E9D0-4026-92C9-9B64263DE00F}"/>
-              </a:ext>
-            </a:extLst>
-          </p:cNvPr>
-          <p:cNvSpPr/>
-          <p:nvPr/>
-        </p:nvSpPr>
-        <p:spPr>
-          <a:xfrm>
-            <a:off x="3212224" y="1332708"/>
-            <a:ext cx="1705314" cy="914400"/>
-          </a:xfrm>
-          <a:prstGeom prst="rect">
-            <a:avLst/>
-          </a:prstGeom>
-        </p:spPr>
-        <p:style>
-          <a:lnRef idx="2">
-            <a:schemeClr val="accent1">
-              <a:shade val="50000"/>
-            </a:schemeClr>
-          </a:lnRef>
-          <a:fillRef idx="1">
-            <a:schemeClr val="accent1"/>
-          </a:fillRef>
-          <a:effectRef idx="0">
-            <a:schemeClr val="accent1"/>
-          </a:effectRef>
-          <a:fontRef idx="minor">
-            <a:schemeClr val="lt1"/>
-          </a:fontRef>
-        </p:style>
-        <p:txBody>
-          <a:bodyPr rot="0" spcFirstLastPara="0" vertOverflow="overflow" horzOverflow="overflow" vert="horz" wrap="square" lIns="91440" tIns="45720" rIns="91440" bIns="45720" numCol="1" spcCol="0" rtlCol="0" fromWordArt="0" anchor="ctr" anchorCtr="0" forceAA="0" compatLnSpc="1">
-            <a:prstTxWarp prst="textNoShape">
-              <a:avLst/>
-            </a:prstTxWarp>
-            <a:noAutofit/>
-          </a:bodyPr>
-          <a:lstStyle/>
-          <a:p>
-            <a:pPr algn="ctr"/>
-            <a:r>
-              <a:rPr lang="en-AU" sz="1400" dirty="0"/>
-              <a:t>Compartment</a:t>
-            </a:r>
-          </a:p>
-        </p:txBody>
-      </p:sp>
-      <p:sp>
-        <p:nvSpPr>
-          <p:cNvPr id="35" name="Rectangle 34">
-            <a:extLst>
-              <a:ext uri="{FF2B5EF4-FFF2-40B4-BE49-F238E27FC236}">
-                <a16:creationId xmlns:a16="http://schemas.microsoft.com/office/drawing/2014/main" id="{B9ADE0C2-69AD-492A-821A-52EEFE119901}"/>
-              </a:ext>
-            </a:extLst>
-          </p:cNvPr>
-          <p:cNvSpPr/>
-          <p:nvPr/>
-        </p:nvSpPr>
-        <p:spPr>
-          <a:xfrm>
-            <a:off x="3636256" y="2447905"/>
-            <a:ext cx="857250" cy="685800"/>
-          </a:xfrm>
-          <a:prstGeom prst="rect">
-            <a:avLst/>
-          </a:prstGeom>
-        </p:spPr>
-        <p:style>
-          <a:lnRef idx="2">
-            <a:schemeClr val="accent1">
-              <a:shade val="50000"/>
-            </a:schemeClr>
-          </a:lnRef>
-          <a:fillRef idx="1">
-            <a:schemeClr val="accent1"/>
-          </a:fillRef>
-          <a:effectRef idx="0">
-            <a:schemeClr val="accent1"/>
-          </a:effectRef>
-          <a:fontRef idx="minor">
-            <a:schemeClr val="lt1"/>
-          </a:fontRef>
-        </p:style>
-        <p:txBody>
-          <a:bodyPr rot="0" spcFirstLastPara="0" vertOverflow="overflow" horzOverflow="overflow" vert="horz" wrap="square" lIns="91440" tIns="45720" rIns="91440" bIns="45720" numCol="1" spcCol="0" rtlCol="0" fromWordArt="0" anchor="ctr" anchorCtr="0" forceAA="0" compatLnSpc="1">
-            <a:prstTxWarp prst="textNoShape">
-              <a:avLst/>
-            </a:prstTxWarp>
-            <a:noAutofit/>
-          </a:bodyPr>
-          <a:lstStyle/>
-          <a:p>
-            <a:pPr algn="ctr"/>
-            <a:endParaRPr lang="en-AU" dirty="0"/>
-          </a:p>
-        </p:txBody>
-      </p:sp>
-      <p:sp>
-        <p:nvSpPr>
-          <p:cNvPr id="65" name="Rectangle 64">
-            <a:extLst>
-              <a:ext uri="{FF2B5EF4-FFF2-40B4-BE49-F238E27FC236}">
-                <a16:creationId xmlns:a16="http://schemas.microsoft.com/office/drawing/2014/main" id="{D005D247-DEC4-4EE1-9489-FE8C57963790}"/>
-              </a:ext>
-            </a:extLst>
-          </p:cNvPr>
-          <p:cNvSpPr/>
-          <p:nvPr/>
-        </p:nvSpPr>
-        <p:spPr>
-          <a:xfrm>
-            <a:off x="5442012" y="1350984"/>
-            <a:ext cx="1654682" cy="914400"/>
-          </a:xfrm>
-          <a:prstGeom prst="rect">
-            <a:avLst/>
-          </a:prstGeom>
-        </p:spPr>
-        <p:style>
-          <a:lnRef idx="2">
-            <a:schemeClr val="accent1">
-              <a:shade val="50000"/>
-            </a:schemeClr>
-          </a:lnRef>
-          <a:fillRef idx="1">
-            <a:schemeClr val="accent1"/>
-          </a:fillRef>
-          <a:effectRef idx="0">
-            <a:schemeClr val="accent1"/>
-          </a:effectRef>
-          <a:fontRef idx="minor">
-            <a:schemeClr val="lt1"/>
-          </a:fontRef>
-        </p:style>
-        <p:txBody>
-          <a:bodyPr rot="0" spcFirstLastPara="0" vertOverflow="overflow" horzOverflow="overflow" vert="horz" wrap="square" lIns="91440" tIns="45720" rIns="91440" bIns="45720" numCol="1" spcCol="0" rtlCol="0" fromWordArt="0" anchor="ctr" anchorCtr="0" forceAA="0" compatLnSpc="1">
-            <a:prstTxWarp prst="textNoShape">
-              <a:avLst/>
-            </a:prstTxWarp>
-            <a:noAutofit/>
-          </a:bodyPr>
-          <a:lstStyle/>
-          <a:p>
-            <a:pPr algn="ctr"/>
-            <a:r>
-              <a:rPr lang="en-AU" sz="1400" dirty="0" err="1"/>
-              <a:t>TimedCompartment</a:t>
-            </a:r>
-            <a:endParaRPr lang="en-AU" sz="1400" dirty="0"/>
-          </a:p>
-        </p:txBody>
-      </p:sp>
-      <p:sp>
-        <p:nvSpPr>
-          <p:cNvPr id="66" name="Rectangle 65">
-            <a:extLst>
-              <a:ext uri="{FF2B5EF4-FFF2-40B4-BE49-F238E27FC236}">
-                <a16:creationId xmlns:a16="http://schemas.microsoft.com/office/drawing/2014/main" id="{47B145A6-32E6-4E3E-9B59-83314E8D2DE5}"/>
-              </a:ext>
-            </a:extLst>
-          </p:cNvPr>
-          <p:cNvSpPr/>
-          <p:nvPr/>
-        </p:nvSpPr>
-        <p:spPr>
-          <a:xfrm>
-            <a:off x="5840729" y="2449453"/>
-            <a:ext cx="857250" cy="685800"/>
-          </a:xfrm>
-          <a:prstGeom prst="rect">
-            <a:avLst/>
-          </a:prstGeom>
-        </p:spPr>
-        <p:style>
-          <a:lnRef idx="2">
-            <a:schemeClr val="accent1">
-              <a:shade val="50000"/>
-            </a:schemeClr>
-          </a:lnRef>
-          <a:fillRef idx="1">
-            <a:schemeClr val="accent1"/>
-          </a:fillRef>
-          <a:effectRef idx="0">
-            <a:schemeClr val="accent1"/>
-          </a:effectRef>
-          <a:fontRef idx="minor">
-            <a:schemeClr val="lt1"/>
-          </a:fontRef>
-        </p:style>
-        <p:txBody>
-          <a:bodyPr rot="0" spcFirstLastPara="0" vertOverflow="overflow" horzOverflow="overflow" vert="horz" wrap="square" lIns="91440" tIns="45720" rIns="91440" bIns="45720" numCol="1" spcCol="0" rtlCol="0" fromWordArt="0" anchor="ctr" anchorCtr="0" forceAA="0" compatLnSpc="1">
-            <a:prstTxWarp prst="textNoShape">
-              <a:avLst/>
-            </a:prstTxWarp>
-            <a:noAutofit/>
-          </a:bodyPr>
-          <a:lstStyle/>
-          <a:p>
-            <a:pPr algn="ctr"/>
-            <a:r>
-              <a:rPr lang="en-AU" dirty="0"/>
-              <a:t>A</a:t>
-            </a:r>
-          </a:p>
-        </p:txBody>
-      </p:sp>
-      <p:sp>
-        <p:nvSpPr>
-          <p:cNvPr id="67" name="Rectangle 66">
-            <a:extLst>
-              <a:ext uri="{FF2B5EF4-FFF2-40B4-BE49-F238E27FC236}">
-                <a16:creationId xmlns:a16="http://schemas.microsoft.com/office/drawing/2014/main" id="{10F34F4A-8A68-4A1B-88DA-24503BDE02E2}"/>
-              </a:ext>
-            </a:extLst>
-          </p:cNvPr>
-          <p:cNvSpPr/>
-          <p:nvPr/>
-        </p:nvSpPr>
-        <p:spPr>
-          <a:xfrm>
-            <a:off x="5840729" y="3297178"/>
-            <a:ext cx="857250" cy="685800"/>
-          </a:xfrm>
-          <a:prstGeom prst="rect">
-            <a:avLst/>
-          </a:prstGeom>
-        </p:spPr>
-        <p:style>
-          <a:lnRef idx="2">
-            <a:schemeClr val="accent1">
-              <a:shade val="50000"/>
-            </a:schemeClr>
-          </a:lnRef>
-          <a:fillRef idx="1">
-            <a:schemeClr val="accent1"/>
-          </a:fillRef>
-          <a:effectRef idx="0">
-            <a:schemeClr val="accent1"/>
-          </a:effectRef>
-          <a:fontRef idx="minor">
-            <a:schemeClr val="lt1"/>
-          </a:fontRef>
-        </p:style>
-        <p:txBody>
-          <a:bodyPr rot="0" spcFirstLastPara="0" vertOverflow="overflow" horzOverflow="overflow" vert="horz" wrap="square" lIns="91440" tIns="45720" rIns="91440" bIns="45720" numCol="1" spcCol="0" rtlCol="0" fromWordArt="0" anchor="ctr" anchorCtr="0" forceAA="0" compatLnSpc="1">
-            <a:prstTxWarp prst="textNoShape">
-              <a:avLst/>
-            </a:prstTxWarp>
-            <a:noAutofit/>
-          </a:bodyPr>
-          <a:lstStyle/>
-          <a:p>
-            <a:pPr algn="ctr"/>
-            <a:r>
-              <a:rPr lang="en-AU" dirty="0"/>
-              <a:t>B</a:t>
-            </a:r>
-          </a:p>
-        </p:txBody>
-      </p:sp>
-      <p:sp>
-        <p:nvSpPr>
-          <p:cNvPr id="68" name="Rectangle 67">
-            <a:extLst>
-              <a:ext uri="{FF2B5EF4-FFF2-40B4-BE49-F238E27FC236}">
-                <a16:creationId xmlns:a16="http://schemas.microsoft.com/office/drawing/2014/main" id="{61E8D895-D617-48B7-AD1B-9121ABB8EA05}"/>
-              </a:ext>
-            </a:extLst>
-          </p:cNvPr>
-          <p:cNvSpPr/>
-          <p:nvPr/>
-        </p:nvSpPr>
-        <p:spPr>
-          <a:xfrm>
-            <a:off x="5840729" y="4144903"/>
-            <a:ext cx="857250" cy="685800"/>
-          </a:xfrm>
-          <a:prstGeom prst="rect">
-            <a:avLst/>
-          </a:prstGeom>
-        </p:spPr>
-        <p:style>
-          <a:lnRef idx="2">
-            <a:schemeClr val="accent1">
-              <a:shade val="50000"/>
-            </a:schemeClr>
-          </a:lnRef>
-          <a:fillRef idx="1">
-            <a:schemeClr val="accent1"/>
-          </a:fillRef>
-          <a:effectRef idx="0">
-            <a:schemeClr val="accent1"/>
-          </a:effectRef>
-          <a:fontRef idx="minor">
-            <a:schemeClr val="lt1"/>
-          </a:fontRef>
-        </p:style>
-        <p:txBody>
-          <a:bodyPr rot="0" spcFirstLastPara="0" vertOverflow="overflow" horzOverflow="overflow" vert="horz" wrap="square" lIns="91440" tIns="45720" rIns="91440" bIns="45720" numCol="1" spcCol="0" rtlCol="0" fromWordArt="0" anchor="ctr" anchorCtr="0" forceAA="0" compatLnSpc="1">
-            <a:prstTxWarp prst="textNoShape">
-              <a:avLst/>
-            </a:prstTxWarp>
-            <a:noAutofit/>
-          </a:bodyPr>
-          <a:lstStyle/>
-          <a:p>
-            <a:pPr algn="ctr"/>
-            <a:r>
-              <a:rPr lang="en-AU" dirty="0"/>
-              <a:t>C</a:t>
-            </a:r>
+              <a:rPr lang="en-AU" sz="1600" i="1" dirty="0"/>
+              <a:t>Final </a:t>
+            </a:r>
+            <a:r>
+              <a:rPr lang="en-AU" sz="1600" i="1" dirty="0" err="1"/>
+              <a:t>subcompartment</a:t>
+            </a:r>
+            <a:endParaRPr lang="en-AU" sz="1600" i="1" dirty="0"/>
+          </a:p>
+        </p:txBody>
+      </p:sp>
+      <p:sp>
+        <p:nvSpPr>
+          <p:cNvPr id="27" name="TextBox 26">
+            <a:extLst>
+              <a:ext uri="{FF2B5EF4-FFF2-40B4-BE49-F238E27FC236}">
+                <a16:creationId xmlns:a16="http://schemas.microsoft.com/office/drawing/2014/main" id="{BF0DF55F-6C6F-4B66-8A80-35C811E7001E}"/>
+              </a:ext>
+            </a:extLst>
+          </p:cNvPr>
+          <p:cNvSpPr txBox="1"/>
+          <p:nvPr/>
+        </p:nvSpPr>
+        <p:spPr>
+          <a:xfrm>
+            <a:off x="2912355" y="5181552"/>
+            <a:ext cx="2135072" cy="338554"/>
+          </a:xfrm>
+          <a:prstGeom prst="rect">
+            <a:avLst/>
+          </a:prstGeom>
+          <a:noFill/>
+        </p:spPr>
+        <p:txBody>
+          <a:bodyPr wrap="none" rtlCol="0">
+            <a:spAutoFit/>
+          </a:bodyPr>
+          <a:lstStyle/>
+          <a:p>
+            <a:r>
+              <a:rPr lang="en-AU" sz="1600" i="1" dirty="0"/>
+              <a:t>Initial </a:t>
+            </a:r>
+            <a:r>
+              <a:rPr lang="en-AU" sz="1600" i="1" dirty="0" err="1"/>
+              <a:t>subcompartment</a:t>
+            </a:r>
+            <a:endParaRPr lang="en-AU" sz="1600" i="1" dirty="0"/>
           </a:p>
         </p:txBody>
       </p:sp>
       <p:cxnSp>
         <p:nvCxnSpPr>
-          <p:cNvPr id="69" name="Straight Arrow Connector 68">
-            <a:extLst>
-              <a:ext uri="{FF2B5EF4-FFF2-40B4-BE49-F238E27FC236}">
-                <a16:creationId xmlns:a16="http://schemas.microsoft.com/office/drawing/2014/main" id="{40869402-D0DD-47FF-973A-67EBE8C25B6A}"/>
-              </a:ext>
-            </a:extLst>
-          </p:cNvPr>
-          <p:cNvCxnSpPr>
-            <a:cxnSpLocks/>
-          </p:cNvCxnSpPr>
+          <p:cNvPr id="28" name="Straight Arrow Connector 27">
+            <a:extLst>
+              <a:ext uri="{FF2B5EF4-FFF2-40B4-BE49-F238E27FC236}">
+                <a16:creationId xmlns:a16="http://schemas.microsoft.com/office/drawing/2014/main" id="{8820A85B-E783-4AD0-A513-A6C559FB5F4B}"/>
+              </a:ext>
+            </a:extLst>
+          </p:cNvPr>
+          <p:cNvCxnSpPr/>
           <p:nvPr/>
         </p:nvCxnSpPr>
         <p:spPr>
-          <a:xfrm>
-            <a:off x="6783703" y="3640078"/>
-            <a:ext cx="1047751" cy="0"/>
+          <a:xfrm flipV="1">
+            <a:off x="5276850" y="3636082"/>
+            <a:ext cx="0" cy="1822908"/>
           </a:xfrm>
           <a:prstGeom prst="straightConnector1">
             <a:avLst/>
@@ -13390,10 +15260,10 @@
       </p:cxnSp>
       <p:sp>
         <p:nvSpPr>
-          <p:cNvPr id="70" name="TextBox 69">
-            <a:extLst>
-              <a:ext uri="{FF2B5EF4-FFF2-40B4-BE49-F238E27FC236}">
-                <a16:creationId xmlns:a16="http://schemas.microsoft.com/office/drawing/2014/main" id="{A8DD9F13-A5B9-4714-A168-359069AF736C}"/>
+          <p:cNvPr id="29" name="TextBox 28">
+            <a:extLst>
+              <a:ext uri="{FF2B5EF4-FFF2-40B4-BE49-F238E27FC236}">
+                <a16:creationId xmlns:a16="http://schemas.microsoft.com/office/drawing/2014/main" id="{FCFB2D5A-7654-494C-BDF2-1A9B4AA840C0}"/>
               </a:ext>
             </a:extLst>
           </p:cNvPr>
@@ -13402,8 +15272,8 @@
         </p:nvSpPr>
         <p:spPr>
           <a:xfrm>
-            <a:off x="6740952" y="4114781"/>
-            <a:ext cx="1148071" cy="369332"/>
+            <a:off x="5459338" y="4420461"/>
+            <a:ext cx="649537" cy="369332"/>
           </a:xfrm>
           <a:prstGeom prst="rect">
             <a:avLst/>
@@ -13417,1285 +15287,8 @@
           <a:lstStyle/>
           <a:p>
             <a:r>
-              <a:rPr lang="en-AU" dirty="0" err="1"/>
-              <a:t>TimedLink</a:t>
-            </a:r>
-            <a:endParaRPr lang="en-AU" dirty="0"/>
-          </a:p>
-        </p:txBody>
-      </p:sp>
-      <p:cxnSp>
-        <p:nvCxnSpPr>
-          <p:cNvPr id="71" name="Straight Arrow Connector 70">
-            <a:extLst>
-              <a:ext uri="{FF2B5EF4-FFF2-40B4-BE49-F238E27FC236}">
-                <a16:creationId xmlns:a16="http://schemas.microsoft.com/office/drawing/2014/main" id="{A28718F8-399B-44D4-909A-C5469FB733A5}"/>
-              </a:ext>
-            </a:extLst>
-          </p:cNvPr>
-          <p:cNvCxnSpPr>
-            <a:cxnSpLocks/>
-          </p:cNvCxnSpPr>
-          <p:nvPr/>
-        </p:nvCxnSpPr>
-        <p:spPr>
-          <a:xfrm>
-            <a:off x="6783703" y="4487803"/>
-            <a:ext cx="1047751" cy="0"/>
-          </a:xfrm>
-          <a:prstGeom prst="straightConnector1">
-            <a:avLst/>
-          </a:prstGeom>
-          <a:ln>
-            <a:tailEnd type="triangle"/>
-          </a:ln>
-        </p:spPr>
-        <p:style>
-          <a:lnRef idx="1">
-            <a:schemeClr val="accent1"/>
-          </a:lnRef>
-          <a:fillRef idx="0">
-            <a:schemeClr val="accent1"/>
-          </a:fillRef>
-          <a:effectRef idx="0">
-            <a:schemeClr val="accent1"/>
-          </a:effectRef>
-          <a:fontRef idx="minor">
-            <a:schemeClr val="tx1"/>
-          </a:fontRef>
-        </p:style>
-      </p:cxnSp>
-      <p:sp>
-        <p:nvSpPr>
-          <p:cNvPr id="72" name="TextBox 71">
-            <a:extLst>
-              <a:ext uri="{FF2B5EF4-FFF2-40B4-BE49-F238E27FC236}">
-                <a16:creationId xmlns:a16="http://schemas.microsoft.com/office/drawing/2014/main" id="{64E44964-111E-4515-BA42-356C9A5D849A}"/>
-              </a:ext>
-            </a:extLst>
-          </p:cNvPr>
-          <p:cNvSpPr txBox="1"/>
-          <p:nvPr/>
-        </p:nvSpPr>
-        <p:spPr>
-          <a:xfrm>
-            <a:off x="6751698" y="3286789"/>
-            <a:ext cx="1148071" cy="369332"/>
-          </a:xfrm>
-          <a:prstGeom prst="rect">
-            <a:avLst/>
-          </a:prstGeom>
-          <a:noFill/>
-        </p:spPr>
-        <p:txBody>
-          <a:bodyPr wrap="none" rtlCol="0">
-            <a:spAutoFit/>
-          </a:bodyPr>
-          <a:lstStyle/>
-          <a:p>
-            <a:r>
-              <a:rPr lang="en-AU" dirty="0" err="1"/>
-              <a:t>TimedLink</a:t>
-            </a:r>
-            <a:endParaRPr lang="en-AU" dirty="0"/>
-          </a:p>
-        </p:txBody>
-      </p:sp>
-      <p:sp>
-        <p:nvSpPr>
-          <p:cNvPr id="73" name="Rectangle 72">
-            <a:extLst>
-              <a:ext uri="{FF2B5EF4-FFF2-40B4-BE49-F238E27FC236}">
-                <a16:creationId xmlns:a16="http://schemas.microsoft.com/office/drawing/2014/main" id="{8FFCFEC8-0663-49A0-A591-F055DC63E646}"/>
-              </a:ext>
-            </a:extLst>
-          </p:cNvPr>
-          <p:cNvSpPr/>
-          <p:nvPr/>
-        </p:nvSpPr>
-        <p:spPr>
-          <a:xfrm>
-            <a:off x="7435996" y="1362831"/>
-            <a:ext cx="1705314" cy="914400"/>
-          </a:xfrm>
-          <a:prstGeom prst="rect">
-            <a:avLst/>
-          </a:prstGeom>
-        </p:spPr>
-        <p:style>
-          <a:lnRef idx="2">
-            <a:schemeClr val="accent1">
-              <a:shade val="50000"/>
-            </a:schemeClr>
-          </a:lnRef>
-          <a:fillRef idx="1">
-            <a:schemeClr val="accent1"/>
-          </a:fillRef>
-          <a:effectRef idx="0">
-            <a:schemeClr val="accent1"/>
-          </a:effectRef>
-          <a:fontRef idx="minor">
-            <a:schemeClr val="lt1"/>
-          </a:fontRef>
-        </p:style>
-        <p:txBody>
-          <a:bodyPr rot="0" spcFirstLastPara="0" vertOverflow="overflow" horzOverflow="overflow" vert="horz" wrap="square" lIns="91440" tIns="45720" rIns="91440" bIns="45720" numCol="1" spcCol="0" rtlCol="0" fromWordArt="0" anchor="ctr" anchorCtr="0" forceAA="0" compatLnSpc="1">
-            <a:prstTxWarp prst="textNoShape">
-              <a:avLst/>
-            </a:prstTxWarp>
-            <a:noAutofit/>
-          </a:bodyPr>
-          <a:lstStyle/>
-          <a:p>
-            <a:pPr algn="ctr"/>
-            <a:r>
-              <a:rPr lang="en-AU" sz="1400" dirty="0" err="1"/>
-              <a:t>TimedCompartment</a:t>
-            </a:r>
-            <a:endParaRPr lang="en-AU" sz="1400" dirty="0"/>
-          </a:p>
-        </p:txBody>
-      </p:sp>
-      <p:sp>
-        <p:nvSpPr>
-          <p:cNvPr id="74" name="Rectangle 73">
-            <a:extLst>
-              <a:ext uri="{FF2B5EF4-FFF2-40B4-BE49-F238E27FC236}">
-                <a16:creationId xmlns:a16="http://schemas.microsoft.com/office/drawing/2014/main" id="{B861F75E-B4D9-4CBB-A187-8FB5E9B09E92}"/>
-              </a:ext>
-            </a:extLst>
-          </p:cNvPr>
-          <p:cNvSpPr/>
-          <p:nvPr/>
-        </p:nvSpPr>
-        <p:spPr>
-          <a:xfrm>
-            <a:off x="7860029" y="2478028"/>
-            <a:ext cx="857250" cy="685800"/>
-          </a:xfrm>
-          <a:prstGeom prst="rect">
-            <a:avLst/>
-          </a:prstGeom>
-        </p:spPr>
-        <p:style>
-          <a:lnRef idx="2">
-            <a:schemeClr val="accent1">
-              <a:shade val="50000"/>
-            </a:schemeClr>
-          </a:lnRef>
-          <a:fillRef idx="1">
-            <a:schemeClr val="accent1"/>
-          </a:fillRef>
-          <a:effectRef idx="0">
-            <a:schemeClr val="accent1"/>
-          </a:effectRef>
-          <a:fontRef idx="minor">
-            <a:schemeClr val="lt1"/>
-          </a:fontRef>
-        </p:style>
-        <p:txBody>
-          <a:bodyPr rot="0" spcFirstLastPara="0" vertOverflow="overflow" horzOverflow="overflow" vert="horz" wrap="square" lIns="91440" tIns="45720" rIns="91440" bIns="45720" numCol="1" spcCol="0" rtlCol="0" fromWordArt="0" anchor="ctr" anchorCtr="0" forceAA="0" compatLnSpc="1">
-            <a:prstTxWarp prst="textNoShape">
-              <a:avLst/>
-            </a:prstTxWarp>
-            <a:noAutofit/>
-          </a:bodyPr>
-          <a:lstStyle/>
-          <a:p>
-            <a:pPr algn="ctr"/>
-            <a:r>
               <a:rPr lang="en-AU" dirty="0"/>
-              <a:t>A</a:t>
-            </a:r>
-          </a:p>
-        </p:txBody>
-      </p:sp>
-      <p:sp>
-        <p:nvSpPr>
-          <p:cNvPr id="75" name="Rectangle 74">
-            <a:extLst>
-              <a:ext uri="{FF2B5EF4-FFF2-40B4-BE49-F238E27FC236}">
-                <a16:creationId xmlns:a16="http://schemas.microsoft.com/office/drawing/2014/main" id="{21064A8C-2C39-41CC-A687-064AD51260DC}"/>
-              </a:ext>
-            </a:extLst>
-          </p:cNvPr>
-          <p:cNvSpPr/>
-          <p:nvPr/>
-        </p:nvSpPr>
-        <p:spPr>
-          <a:xfrm>
-            <a:off x="7860029" y="3268603"/>
-            <a:ext cx="857250" cy="685800"/>
-          </a:xfrm>
-          <a:prstGeom prst="rect">
-            <a:avLst/>
-          </a:prstGeom>
-        </p:spPr>
-        <p:style>
-          <a:lnRef idx="2">
-            <a:schemeClr val="accent1">
-              <a:shade val="50000"/>
-            </a:schemeClr>
-          </a:lnRef>
-          <a:fillRef idx="1">
-            <a:schemeClr val="accent1"/>
-          </a:fillRef>
-          <a:effectRef idx="0">
-            <a:schemeClr val="accent1"/>
-          </a:effectRef>
-          <a:fontRef idx="minor">
-            <a:schemeClr val="lt1"/>
-          </a:fontRef>
-        </p:style>
-        <p:txBody>
-          <a:bodyPr rot="0" spcFirstLastPara="0" vertOverflow="overflow" horzOverflow="overflow" vert="horz" wrap="square" lIns="91440" tIns="45720" rIns="91440" bIns="45720" numCol="1" spcCol="0" rtlCol="0" fromWordArt="0" anchor="ctr" anchorCtr="0" forceAA="0" compatLnSpc="1">
-            <a:prstTxWarp prst="textNoShape">
-              <a:avLst/>
-            </a:prstTxWarp>
-            <a:noAutofit/>
-          </a:bodyPr>
-          <a:lstStyle/>
-          <a:p>
-            <a:pPr algn="ctr"/>
-            <a:r>
-              <a:rPr lang="en-AU" dirty="0"/>
-              <a:t>B</a:t>
-            </a:r>
-          </a:p>
-        </p:txBody>
-      </p:sp>
-      <p:sp>
-        <p:nvSpPr>
-          <p:cNvPr id="76" name="Rectangle 75">
-            <a:extLst>
-              <a:ext uri="{FF2B5EF4-FFF2-40B4-BE49-F238E27FC236}">
-                <a16:creationId xmlns:a16="http://schemas.microsoft.com/office/drawing/2014/main" id="{DDAF7E38-BB43-43DA-81EF-5E371E7C5E12}"/>
-              </a:ext>
-            </a:extLst>
-          </p:cNvPr>
-          <p:cNvSpPr/>
-          <p:nvPr/>
-        </p:nvSpPr>
-        <p:spPr>
-          <a:xfrm>
-            <a:off x="7860029" y="4114780"/>
-            <a:ext cx="857250" cy="685800"/>
-          </a:xfrm>
-          <a:prstGeom prst="rect">
-            <a:avLst/>
-          </a:prstGeom>
-        </p:spPr>
-        <p:style>
-          <a:lnRef idx="2">
-            <a:schemeClr val="accent1">
-              <a:shade val="50000"/>
-            </a:schemeClr>
-          </a:lnRef>
-          <a:fillRef idx="1">
-            <a:schemeClr val="accent1"/>
-          </a:fillRef>
-          <a:effectRef idx="0">
-            <a:schemeClr val="accent1"/>
-          </a:effectRef>
-          <a:fontRef idx="minor">
-            <a:schemeClr val="lt1"/>
-          </a:fontRef>
-        </p:style>
-        <p:txBody>
-          <a:bodyPr rot="0" spcFirstLastPara="0" vertOverflow="overflow" horzOverflow="overflow" vert="horz" wrap="square" lIns="91440" tIns="45720" rIns="91440" bIns="45720" numCol="1" spcCol="0" rtlCol="0" fromWordArt="0" anchor="ctr" anchorCtr="0" forceAA="0" compatLnSpc="1">
-            <a:prstTxWarp prst="textNoShape">
-              <a:avLst/>
-            </a:prstTxWarp>
-            <a:noAutofit/>
-          </a:bodyPr>
-          <a:lstStyle/>
-          <a:p>
-            <a:pPr algn="ctr"/>
-            <a:r>
-              <a:rPr lang="en-AU" dirty="0"/>
-              <a:t>C</a:t>
-            </a:r>
-          </a:p>
-        </p:txBody>
-      </p:sp>
-      <p:sp>
-        <p:nvSpPr>
-          <p:cNvPr id="77" name="Rectangle 76">
-            <a:extLst>
-              <a:ext uri="{FF2B5EF4-FFF2-40B4-BE49-F238E27FC236}">
-                <a16:creationId xmlns:a16="http://schemas.microsoft.com/office/drawing/2014/main" id="{915F6B67-18C5-46D8-9BBC-3E3240DEE22D}"/>
-              </a:ext>
-            </a:extLst>
-          </p:cNvPr>
-          <p:cNvSpPr/>
-          <p:nvPr/>
-        </p:nvSpPr>
-        <p:spPr>
-          <a:xfrm>
-            <a:off x="9558251" y="1350984"/>
-            <a:ext cx="1654682" cy="914400"/>
-          </a:xfrm>
-          <a:prstGeom prst="rect">
-            <a:avLst/>
-          </a:prstGeom>
-        </p:spPr>
-        <p:style>
-          <a:lnRef idx="2">
-            <a:schemeClr val="accent1">
-              <a:shade val="50000"/>
-            </a:schemeClr>
-          </a:lnRef>
-          <a:fillRef idx="1">
-            <a:schemeClr val="accent1"/>
-          </a:fillRef>
-          <a:effectRef idx="0">
-            <a:schemeClr val="accent1"/>
-          </a:effectRef>
-          <a:fontRef idx="minor">
-            <a:schemeClr val="lt1"/>
-          </a:fontRef>
-        </p:style>
-        <p:txBody>
-          <a:bodyPr rot="0" spcFirstLastPara="0" vertOverflow="overflow" horzOverflow="overflow" vert="horz" wrap="square" lIns="91440" tIns="45720" rIns="91440" bIns="45720" numCol="1" spcCol="0" rtlCol="0" fromWordArt="0" anchor="ctr" anchorCtr="0" forceAA="0" compatLnSpc="1">
-            <a:prstTxWarp prst="textNoShape">
-              <a:avLst/>
-            </a:prstTxWarp>
-            <a:noAutofit/>
-          </a:bodyPr>
-          <a:lstStyle/>
-          <a:p>
-            <a:pPr algn="ctr"/>
-            <a:r>
-              <a:rPr lang="en-AU" sz="1400" dirty="0" err="1"/>
-              <a:t>TimedCompartment</a:t>
-            </a:r>
-            <a:endParaRPr lang="en-AU" sz="1400" dirty="0"/>
-          </a:p>
-        </p:txBody>
-      </p:sp>
-      <p:sp>
-        <p:nvSpPr>
-          <p:cNvPr id="78" name="Rectangle 77">
-            <a:extLst>
-              <a:ext uri="{FF2B5EF4-FFF2-40B4-BE49-F238E27FC236}">
-                <a16:creationId xmlns:a16="http://schemas.microsoft.com/office/drawing/2014/main" id="{0565B096-6E2E-4855-947F-2CCBA45A707A}"/>
-              </a:ext>
-            </a:extLst>
-          </p:cNvPr>
-          <p:cNvSpPr/>
-          <p:nvPr/>
-        </p:nvSpPr>
-        <p:spPr>
-          <a:xfrm>
-            <a:off x="9956967" y="2449453"/>
-            <a:ext cx="857250" cy="685800"/>
-          </a:xfrm>
-          <a:prstGeom prst="rect">
-            <a:avLst/>
-          </a:prstGeom>
-        </p:spPr>
-        <p:style>
-          <a:lnRef idx="2">
-            <a:schemeClr val="accent1">
-              <a:shade val="50000"/>
-            </a:schemeClr>
-          </a:lnRef>
-          <a:fillRef idx="1">
-            <a:schemeClr val="accent1"/>
-          </a:fillRef>
-          <a:effectRef idx="0">
-            <a:schemeClr val="accent1"/>
-          </a:effectRef>
-          <a:fontRef idx="minor">
-            <a:schemeClr val="lt1"/>
-          </a:fontRef>
-        </p:style>
-        <p:txBody>
-          <a:bodyPr rot="0" spcFirstLastPara="0" vertOverflow="overflow" horzOverflow="overflow" vert="horz" wrap="square" lIns="91440" tIns="45720" rIns="91440" bIns="45720" numCol="1" spcCol="0" rtlCol="0" fromWordArt="0" anchor="ctr" anchorCtr="0" forceAA="0" compatLnSpc="1">
-            <a:prstTxWarp prst="textNoShape">
-              <a:avLst/>
-            </a:prstTxWarp>
-            <a:noAutofit/>
-          </a:bodyPr>
-          <a:lstStyle/>
-          <a:p>
-            <a:pPr algn="ctr"/>
-            <a:r>
-              <a:rPr lang="en-AU" dirty="0"/>
-              <a:t>A</a:t>
-            </a:r>
-          </a:p>
-        </p:txBody>
-      </p:sp>
-      <p:sp>
-        <p:nvSpPr>
-          <p:cNvPr id="79" name="Rectangle 78">
-            <a:extLst>
-              <a:ext uri="{FF2B5EF4-FFF2-40B4-BE49-F238E27FC236}">
-                <a16:creationId xmlns:a16="http://schemas.microsoft.com/office/drawing/2014/main" id="{860D2C3D-170C-4372-93C9-671B05A82477}"/>
-              </a:ext>
-            </a:extLst>
-          </p:cNvPr>
-          <p:cNvSpPr/>
-          <p:nvPr/>
-        </p:nvSpPr>
-        <p:spPr>
-          <a:xfrm>
-            <a:off x="9956967" y="3297178"/>
-            <a:ext cx="857250" cy="685800"/>
-          </a:xfrm>
-          <a:prstGeom prst="rect">
-            <a:avLst/>
-          </a:prstGeom>
-        </p:spPr>
-        <p:style>
-          <a:lnRef idx="2">
-            <a:schemeClr val="accent1">
-              <a:shade val="50000"/>
-            </a:schemeClr>
-          </a:lnRef>
-          <a:fillRef idx="1">
-            <a:schemeClr val="accent1"/>
-          </a:fillRef>
-          <a:effectRef idx="0">
-            <a:schemeClr val="accent1"/>
-          </a:effectRef>
-          <a:fontRef idx="minor">
-            <a:schemeClr val="lt1"/>
-          </a:fontRef>
-        </p:style>
-        <p:txBody>
-          <a:bodyPr rot="0" spcFirstLastPara="0" vertOverflow="overflow" horzOverflow="overflow" vert="horz" wrap="square" lIns="91440" tIns="45720" rIns="91440" bIns="45720" numCol="1" spcCol="0" rtlCol="0" fromWordArt="0" anchor="ctr" anchorCtr="0" forceAA="0" compatLnSpc="1">
-            <a:prstTxWarp prst="textNoShape">
-              <a:avLst/>
-            </a:prstTxWarp>
-            <a:noAutofit/>
-          </a:bodyPr>
-          <a:lstStyle/>
-          <a:p>
-            <a:pPr algn="ctr"/>
-            <a:r>
-              <a:rPr lang="en-AU" dirty="0"/>
-              <a:t>B</a:t>
-            </a:r>
-          </a:p>
-        </p:txBody>
-      </p:sp>
-      <p:sp>
-        <p:nvSpPr>
-          <p:cNvPr id="80" name="Rectangle 79">
-            <a:extLst>
-              <a:ext uri="{FF2B5EF4-FFF2-40B4-BE49-F238E27FC236}">
-                <a16:creationId xmlns:a16="http://schemas.microsoft.com/office/drawing/2014/main" id="{076F37A5-549C-4229-BD16-268EFDB06E1A}"/>
-              </a:ext>
-            </a:extLst>
-          </p:cNvPr>
-          <p:cNvSpPr/>
-          <p:nvPr/>
-        </p:nvSpPr>
-        <p:spPr>
-          <a:xfrm>
-            <a:off x="9956967" y="4144903"/>
-            <a:ext cx="857250" cy="685800"/>
-          </a:xfrm>
-          <a:prstGeom prst="rect">
-            <a:avLst/>
-          </a:prstGeom>
-        </p:spPr>
-        <p:style>
-          <a:lnRef idx="2">
-            <a:schemeClr val="accent1">
-              <a:shade val="50000"/>
-            </a:schemeClr>
-          </a:lnRef>
-          <a:fillRef idx="1">
-            <a:schemeClr val="accent1"/>
-          </a:fillRef>
-          <a:effectRef idx="0">
-            <a:schemeClr val="accent1"/>
-          </a:effectRef>
-          <a:fontRef idx="minor">
-            <a:schemeClr val="lt1"/>
-          </a:fontRef>
-        </p:style>
-        <p:txBody>
-          <a:bodyPr rot="0" spcFirstLastPara="0" vertOverflow="overflow" horzOverflow="overflow" vert="horz" wrap="square" lIns="91440" tIns="45720" rIns="91440" bIns="45720" numCol="1" spcCol="0" rtlCol="0" fromWordArt="0" anchor="ctr" anchorCtr="0" forceAA="0" compatLnSpc="1">
-            <a:prstTxWarp prst="textNoShape">
-              <a:avLst/>
-            </a:prstTxWarp>
-            <a:noAutofit/>
-          </a:bodyPr>
-          <a:lstStyle/>
-          <a:p>
-            <a:pPr algn="ctr"/>
-            <a:r>
-              <a:rPr lang="en-AU" dirty="0"/>
-              <a:t>C</a:t>
-            </a:r>
-          </a:p>
-        </p:txBody>
-      </p:sp>
-      <p:sp>
-        <p:nvSpPr>
-          <p:cNvPr id="85" name="Rectangle 84">
-            <a:extLst>
-              <a:ext uri="{FF2B5EF4-FFF2-40B4-BE49-F238E27FC236}">
-                <a16:creationId xmlns:a16="http://schemas.microsoft.com/office/drawing/2014/main" id="{3286A435-4B7A-494C-9E31-ED8CD60D4042}"/>
-              </a:ext>
-            </a:extLst>
-          </p:cNvPr>
-          <p:cNvSpPr/>
-          <p:nvPr/>
-        </p:nvSpPr>
-        <p:spPr>
-          <a:xfrm>
-            <a:off x="11552235" y="1362831"/>
-            <a:ext cx="1705314" cy="914400"/>
-          </a:xfrm>
-          <a:prstGeom prst="rect">
-            <a:avLst/>
-          </a:prstGeom>
-          <a:solidFill>
-            <a:srgbClr val="C00000"/>
-          </a:solidFill>
-        </p:spPr>
-        <p:style>
-          <a:lnRef idx="2">
-            <a:schemeClr val="accent1">
-              <a:shade val="50000"/>
-            </a:schemeClr>
-          </a:lnRef>
-          <a:fillRef idx="1">
-            <a:schemeClr val="accent1"/>
-          </a:fillRef>
-          <a:effectRef idx="0">
-            <a:schemeClr val="accent1"/>
-          </a:effectRef>
-          <a:fontRef idx="minor">
-            <a:schemeClr val="lt1"/>
-          </a:fontRef>
-        </p:style>
-        <p:txBody>
-          <a:bodyPr rot="0" spcFirstLastPara="0" vertOverflow="overflow" horzOverflow="overflow" vert="horz" wrap="square" lIns="91440" tIns="45720" rIns="91440" bIns="45720" numCol="1" spcCol="0" rtlCol="0" fromWordArt="0" anchor="ctr" anchorCtr="0" forceAA="0" compatLnSpc="1">
-            <a:prstTxWarp prst="textNoShape">
-              <a:avLst/>
-            </a:prstTxWarp>
-            <a:noAutofit/>
-          </a:bodyPr>
-          <a:lstStyle/>
-          <a:p>
-            <a:pPr algn="ctr"/>
-            <a:r>
-              <a:rPr lang="en-AU" sz="1400" dirty="0" err="1"/>
-              <a:t>TimedCompartment</a:t>
-            </a:r>
-            <a:endParaRPr lang="en-AU" sz="1400" dirty="0"/>
-          </a:p>
-        </p:txBody>
-      </p:sp>
-      <p:sp>
-        <p:nvSpPr>
-          <p:cNvPr id="86" name="Rectangle 85">
-            <a:extLst>
-              <a:ext uri="{FF2B5EF4-FFF2-40B4-BE49-F238E27FC236}">
-                <a16:creationId xmlns:a16="http://schemas.microsoft.com/office/drawing/2014/main" id="{41989F73-F1EC-4762-A6E2-43CE0956A30C}"/>
-              </a:ext>
-            </a:extLst>
-          </p:cNvPr>
-          <p:cNvSpPr/>
-          <p:nvPr/>
-        </p:nvSpPr>
-        <p:spPr>
-          <a:xfrm>
-            <a:off x="11976267" y="2478028"/>
-            <a:ext cx="857250" cy="685800"/>
-          </a:xfrm>
-          <a:prstGeom prst="rect">
-            <a:avLst/>
-          </a:prstGeom>
-          <a:solidFill>
-            <a:srgbClr val="C00000"/>
-          </a:solidFill>
-        </p:spPr>
-        <p:style>
-          <a:lnRef idx="2">
-            <a:schemeClr val="accent1">
-              <a:shade val="50000"/>
-            </a:schemeClr>
-          </a:lnRef>
-          <a:fillRef idx="1">
-            <a:schemeClr val="accent1"/>
-          </a:fillRef>
-          <a:effectRef idx="0">
-            <a:schemeClr val="accent1"/>
-          </a:effectRef>
-          <a:fontRef idx="minor">
-            <a:schemeClr val="lt1"/>
-          </a:fontRef>
-        </p:style>
-        <p:txBody>
-          <a:bodyPr rot="0" spcFirstLastPara="0" vertOverflow="overflow" horzOverflow="overflow" vert="horz" wrap="square" lIns="91440" tIns="45720" rIns="91440" bIns="45720" numCol="1" spcCol="0" rtlCol="0" fromWordArt="0" anchor="ctr" anchorCtr="0" forceAA="0" compatLnSpc="1">
-            <a:prstTxWarp prst="textNoShape">
-              <a:avLst/>
-            </a:prstTxWarp>
-            <a:noAutofit/>
-          </a:bodyPr>
-          <a:lstStyle/>
-          <a:p>
-            <a:pPr algn="ctr"/>
-            <a:r>
-              <a:rPr lang="en-AU" dirty="0"/>
-              <a:t>A</a:t>
-            </a:r>
-          </a:p>
-        </p:txBody>
-      </p:sp>
-      <p:sp>
-        <p:nvSpPr>
-          <p:cNvPr id="87" name="Rectangle 86">
-            <a:extLst>
-              <a:ext uri="{FF2B5EF4-FFF2-40B4-BE49-F238E27FC236}">
-                <a16:creationId xmlns:a16="http://schemas.microsoft.com/office/drawing/2014/main" id="{718135A2-A43F-48AF-9BDF-647488ECC71D}"/>
-              </a:ext>
-            </a:extLst>
-          </p:cNvPr>
-          <p:cNvSpPr/>
-          <p:nvPr/>
-        </p:nvSpPr>
-        <p:spPr>
-          <a:xfrm>
-            <a:off x="11976267" y="3268603"/>
-            <a:ext cx="857250" cy="685800"/>
-          </a:xfrm>
-          <a:prstGeom prst="rect">
-            <a:avLst/>
-          </a:prstGeom>
-          <a:solidFill>
-            <a:srgbClr val="C00000"/>
-          </a:solidFill>
-        </p:spPr>
-        <p:style>
-          <a:lnRef idx="2">
-            <a:schemeClr val="accent1">
-              <a:shade val="50000"/>
-            </a:schemeClr>
-          </a:lnRef>
-          <a:fillRef idx="1">
-            <a:schemeClr val="accent1"/>
-          </a:fillRef>
-          <a:effectRef idx="0">
-            <a:schemeClr val="accent1"/>
-          </a:effectRef>
-          <a:fontRef idx="minor">
-            <a:schemeClr val="lt1"/>
-          </a:fontRef>
-        </p:style>
-        <p:txBody>
-          <a:bodyPr rot="0" spcFirstLastPara="0" vertOverflow="overflow" horzOverflow="overflow" vert="horz" wrap="square" lIns="91440" tIns="45720" rIns="91440" bIns="45720" numCol="1" spcCol="0" rtlCol="0" fromWordArt="0" anchor="ctr" anchorCtr="0" forceAA="0" compatLnSpc="1">
-            <a:prstTxWarp prst="textNoShape">
-              <a:avLst/>
-            </a:prstTxWarp>
-            <a:noAutofit/>
-          </a:bodyPr>
-          <a:lstStyle/>
-          <a:p>
-            <a:pPr algn="ctr"/>
-            <a:r>
-              <a:rPr lang="en-AU" dirty="0"/>
-              <a:t>B</a:t>
-            </a:r>
-          </a:p>
-        </p:txBody>
-      </p:sp>
-      <p:sp>
-        <p:nvSpPr>
-          <p:cNvPr id="88" name="Rectangle 87">
-            <a:extLst>
-              <a:ext uri="{FF2B5EF4-FFF2-40B4-BE49-F238E27FC236}">
-                <a16:creationId xmlns:a16="http://schemas.microsoft.com/office/drawing/2014/main" id="{292F92EE-F4B1-405D-90D9-0D8F3F1FA3A4}"/>
-              </a:ext>
-            </a:extLst>
-          </p:cNvPr>
-          <p:cNvSpPr/>
-          <p:nvPr/>
-        </p:nvSpPr>
-        <p:spPr>
-          <a:xfrm>
-            <a:off x="11976267" y="4114780"/>
-            <a:ext cx="857250" cy="685800"/>
-          </a:xfrm>
-          <a:prstGeom prst="rect">
-            <a:avLst/>
-          </a:prstGeom>
-          <a:solidFill>
-            <a:srgbClr val="C00000"/>
-          </a:solidFill>
-        </p:spPr>
-        <p:style>
-          <a:lnRef idx="2">
-            <a:schemeClr val="accent1">
-              <a:shade val="50000"/>
-            </a:schemeClr>
-          </a:lnRef>
-          <a:fillRef idx="1">
-            <a:schemeClr val="accent1"/>
-          </a:fillRef>
-          <a:effectRef idx="0">
-            <a:schemeClr val="accent1"/>
-          </a:effectRef>
-          <a:fontRef idx="minor">
-            <a:schemeClr val="lt1"/>
-          </a:fontRef>
-        </p:style>
-        <p:txBody>
-          <a:bodyPr rot="0" spcFirstLastPara="0" vertOverflow="overflow" horzOverflow="overflow" vert="horz" wrap="square" lIns="91440" tIns="45720" rIns="91440" bIns="45720" numCol="1" spcCol="0" rtlCol="0" fromWordArt="0" anchor="ctr" anchorCtr="0" forceAA="0" compatLnSpc="1">
-            <a:prstTxWarp prst="textNoShape">
-              <a:avLst/>
-            </a:prstTxWarp>
-            <a:noAutofit/>
-          </a:bodyPr>
-          <a:lstStyle/>
-          <a:p>
-            <a:pPr algn="ctr"/>
-            <a:r>
-              <a:rPr lang="en-AU" dirty="0"/>
-              <a:t>C</a:t>
-            </a:r>
-          </a:p>
-        </p:txBody>
-      </p:sp>
-      <p:sp>
-        <p:nvSpPr>
-          <p:cNvPr id="89" name="TextBox 88">
-            <a:extLst>
-              <a:ext uri="{FF2B5EF4-FFF2-40B4-BE49-F238E27FC236}">
-                <a16:creationId xmlns:a16="http://schemas.microsoft.com/office/drawing/2014/main" id="{FA65CACA-ABE4-49C7-8F90-F7FCF22AB8DE}"/>
-              </a:ext>
-            </a:extLst>
-          </p:cNvPr>
-          <p:cNvSpPr txBox="1"/>
-          <p:nvPr/>
-        </p:nvSpPr>
-        <p:spPr>
-          <a:xfrm>
-            <a:off x="2439766" y="2309913"/>
-            <a:ext cx="1337226" cy="406393"/>
-          </a:xfrm>
-          <a:prstGeom prst="rect">
-            <a:avLst/>
-          </a:prstGeom>
-          <a:noFill/>
-        </p:spPr>
-        <p:txBody>
-          <a:bodyPr wrap="none" rtlCol="0">
-            <a:spAutoFit/>
-          </a:bodyPr>
-          <a:lstStyle/>
-          <a:p>
-            <a:r>
-              <a:rPr lang="en-AU" dirty="0"/>
-              <a:t>(Flush) link</a:t>
-            </a:r>
-          </a:p>
-        </p:txBody>
-      </p:sp>
-      <p:sp>
-        <p:nvSpPr>
-          <p:cNvPr id="90" name="TextBox 89">
-            <a:extLst>
-              <a:ext uri="{FF2B5EF4-FFF2-40B4-BE49-F238E27FC236}">
-                <a16:creationId xmlns:a16="http://schemas.microsoft.com/office/drawing/2014/main" id="{5D76934E-FF84-4C16-865B-1FB2DE3E7FBD}"/>
-              </a:ext>
-            </a:extLst>
-          </p:cNvPr>
-          <p:cNvSpPr txBox="1"/>
-          <p:nvPr/>
-        </p:nvSpPr>
-        <p:spPr>
-          <a:xfrm>
-            <a:off x="2493545" y="3076556"/>
-            <a:ext cx="611065" cy="406393"/>
-          </a:xfrm>
-          <a:prstGeom prst="rect">
-            <a:avLst/>
-          </a:prstGeom>
-          <a:noFill/>
-        </p:spPr>
-        <p:txBody>
-          <a:bodyPr wrap="none" rtlCol="0">
-            <a:spAutoFit/>
-          </a:bodyPr>
-          <a:lstStyle/>
-          <a:p>
-            <a:r>
-              <a:rPr lang="en-AU" dirty="0"/>
-              <a:t>Link</a:t>
-            </a:r>
-          </a:p>
-        </p:txBody>
-      </p:sp>
-      <p:cxnSp>
-        <p:nvCxnSpPr>
-          <p:cNvPr id="91" name="Straight Arrow Connector 90">
-            <a:extLst>
-              <a:ext uri="{FF2B5EF4-FFF2-40B4-BE49-F238E27FC236}">
-                <a16:creationId xmlns:a16="http://schemas.microsoft.com/office/drawing/2014/main" id="{4BDFA826-F020-4445-BE37-98B28AD5A601}"/>
-              </a:ext>
-            </a:extLst>
-          </p:cNvPr>
-          <p:cNvCxnSpPr>
-            <a:cxnSpLocks/>
-          </p:cNvCxnSpPr>
-          <p:nvPr/>
-        </p:nvCxnSpPr>
-        <p:spPr>
-          <a:xfrm flipV="1">
-            <a:off x="2588506" y="3012144"/>
-            <a:ext cx="938212" cy="568556"/>
-          </a:xfrm>
-          <a:prstGeom prst="straightConnector1">
-            <a:avLst/>
-          </a:prstGeom>
-          <a:ln>
-            <a:tailEnd type="triangle"/>
-          </a:ln>
-        </p:spPr>
-        <p:style>
-          <a:lnRef idx="1">
-            <a:schemeClr val="accent1"/>
-          </a:lnRef>
-          <a:fillRef idx="0">
-            <a:schemeClr val="accent1"/>
-          </a:fillRef>
-          <a:effectRef idx="0">
-            <a:schemeClr val="accent1"/>
-          </a:effectRef>
-          <a:fontRef idx="minor">
-            <a:schemeClr val="tx1"/>
-          </a:fontRef>
-        </p:style>
-      </p:cxnSp>
-      <p:sp>
-        <p:nvSpPr>
-          <p:cNvPr id="93" name="TextBox 92">
-            <a:extLst>
-              <a:ext uri="{FF2B5EF4-FFF2-40B4-BE49-F238E27FC236}">
-                <a16:creationId xmlns:a16="http://schemas.microsoft.com/office/drawing/2014/main" id="{AA231716-5ABB-42A9-8328-F112ADA6F51A}"/>
-              </a:ext>
-            </a:extLst>
-          </p:cNvPr>
-          <p:cNvSpPr txBox="1"/>
-          <p:nvPr/>
-        </p:nvSpPr>
-        <p:spPr>
-          <a:xfrm>
-            <a:off x="2493545" y="3640675"/>
-            <a:ext cx="611065" cy="406393"/>
-          </a:xfrm>
-          <a:prstGeom prst="rect">
-            <a:avLst/>
-          </a:prstGeom>
-          <a:noFill/>
-        </p:spPr>
-        <p:txBody>
-          <a:bodyPr wrap="none" rtlCol="0">
-            <a:spAutoFit/>
-          </a:bodyPr>
-          <a:lstStyle/>
-          <a:p>
-            <a:r>
-              <a:rPr lang="en-AU" dirty="0"/>
-              <a:t>Link</a:t>
-            </a:r>
-          </a:p>
-        </p:txBody>
-      </p:sp>
-      <p:cxnSp>
-        <p:nvCxnSpPr>
-          <p:cNvPr id="94" name="Straight Arrow Connector 93">
-            <a:extLst>
-              <a:ext uri="{FF2B5EF4-FFF2-40B4-BE49-F238E27FC236}">
-                <a16:creationId xmlns:a16="http://schemas.microsoft.com/office/drawing/2014/main" id="{27D56972-E870-4EC1-820A-9F24F9E0ED65}"/>
-              </a:ext>
-            </a:extLst>
-          </p:cNvPr>
-          <p:cNvCxnSpPr>
-            <a:cxnSpLocks/>
-          </p:cNvCxnSpPr>
-          <p:nvPr/>
-        </p:nvCxnSpPr>
-        <p:spPr>
-          <a:xfrm flipV="1">
-            <a:off x="2555569" y="3178888"/>
-            <a:ext cx="950385" cy="1289778"/>
-          </a:xfrm>
-          <a:prstGeom prst="straightConnector1">
-            <a:avLst/>
-          </a:prstGeom>
-          <a:ln>
-            <a:tailEnd type="triangle"/>
-          </a:ln>
-        </p:spPr>
-        <p:style>
-          <a:lnRef idx="1">
-            <a:schemeClr val="accent1"/>
-          </a:lnRef>
-          <a:fillRef idx="0">
-            <a:schemeClr val="accent1"/>
-          </a:fillRef>
-          <a:effectRef idx="0">
-            <a:schemeClr val="accent1"/>
-          </a:effectRef>
-          <a:fontRef idx="minor">
-            <a:schemeClr val="tx1"/>
-          </a:fontRef>
-        </p:style>
-      </p:cxnSp>
-      <p:cxnSp>
-        <p:nvCxnSpPr>
-          <p:cNvPr id="108" name="Straight Arrow Connector 107">
-            <a:extLst>
-              <a:ext uri="{FF2B5EF4-FFF2-40B4-BE49-F238E27FC236}">
-                <a16:creationId xmlns:a16="http://schemas.microsoft.com/office/drawing/2014/main" id="{076828D4-C3D2-458D-A3F7-FD188AF591FA}"/>
-              </a:ext>
-            </a:extLst>
-          </p:cNvPr>
-          <p:cNvCxnSpPr>
-            <a:cxnSpLocks/>
-          </p:cNvCxnSpPr>
-          <p:nvPr/>
-        </p:nvCxnSpPr>
-        <p:spPr>
-          <a:xfrm>
-            <a:off x="10836224" y="2786619"/>
-            <a:ext cx="1047751" cy="1358284"/>
-          </a:xfrm>
-          <a:prstGeom prst="straightConnector1">
-            <a:avLst/>
-          </a:prstGeom>
-          <a:ln>
-            <a:prstDash val="dash"/>
-            <a:tailEnd type="triangle"/>
-          </a:ln>
-        </p:spPr>
-        <p:style>
-          <a:lnRef idx="1">
-            <a:schemeClr val="accent1"/>
-          </a:lnRef>
-          <a:fillRef idx="0">
-            <a:schemeClr val="accent1"/>
-          </a:fillRef>
-          <a:effectRef idx="0">
-            <a:schemeClr val="accent1"/>
-          </a:effectRef>
-          <a:fontRef idx="minor">
-            <a:schemeClr val="tx1"/>
-          </a:fontRef>
-        </p:style>
-      </p:cxnSp>
-      <p:sp>
-        <p:nvSpPr>
-          <p:cNvPr id="109" name="TextBox 108">
-            <a:extLst>
-              <a:ext uri="{FF2B5EF4-FFF2-40B4-BE49-F238E27FC236}">
-                <a16:creationId xmlns:a16="http://schemas.microsoft.com/office/drawing/2014/main" id="{A68BD579-D8C6-4403-857A-7FE01A221C0A}"/>
-              </a:ext>
-            </a:extLst>
-          </p:cNvPr>
-          <p:cNvSpPr txBox="1"/>
-          <p:nvPr/>
-        </p:nvSpPr>
-        <p:spPr>
-          <a:xfrm>
-            <a:off x="10755403" y="4588207"/>
-            <a:ext cx="611065" cy="406393"/>
-          </a:xfrm>
-          <a:prstGeom prst="rect">
-            <a:avLst/>
-          </a:prstGeom>
-          <a:noFill/>
-        </p:spPr>
-        <p:txBody>
-          <a:bodyPr wrap="none" rtlCol="0">
-            <a:spAutoFit/>
-          </a:bodyPr>
-          <a:lstStyle/>
-          <a:p>
-            <a:r>
-              <a:rPr lang="en-AU" dirty="0"/>
-              <a:t>Link</a:t>
-            </a:r>
-          </a:p>
-        </p:txBody>
-      </p:sp>
-      <p:cxnSp>
-        <p:nvCxnSpPr>
-          <p:cNvPr id="110" name="Straight Arrow Connector 109">
-            <a:extLst>
-              <a:ext uri="{FF2B5EF4-FFF2-40B4-BE49-F238E27FC236}">
-                <a16:creationId xmlns:a16="http://schemas.microsoft.com/office/drawing/2014/main" id="{E5AC3C30-8A33-4080-B409-7918CBC1E03F}"/>
-              </a:ext>
-            </a:extLst>
-          </p:cNvPr>
-          <p:cNvCxnSpPr>
-            <a:cxnSpLocks/>
-          </p:cNvCxnSpPr>
-          <p:nvPr/>
-        </p:nvCxnSpPr>
-        <p:spPr>
-          <a:xfrm>
-            <a:off x="10857916" y="3011346"/>
-            <a:ext cx="1026059" cy="1285377"/>
-          </a:xfrm>
-          <a:prstGeom prst="straightConnector1">
-            <a:avLst/>
-          </a:prstGeom>
-          <a:ln>
-            <a:tailEnd type="triangle"/>
-          </a:ln>
-        </p:spPr>
-        <p:style>
-          <a:lnRef idx="1">
-            <a:schemeClr val="accent1"/>
-          </a:lnRef>
-          <a:fillRef idx="0">
-            <a:schemeClr val="accent1"/>
-          </a:fillRef>
-          <a:effectRef idx="0">
-            <a:schemeClr val="accent1"/>
-          </a:effectRef>
-          <a:fontRef idx="minor">
-            <a:schemeClr val="tx1"/>
-          </a:fontRef>
-        </p:style>
-      </p:cxnSp>
-      <p:sp>
-        <p:nvSpPr>
-          <p:cNvPr id="111" name="TextBox 110">
-            <a:extLst>
-              <a:ext uri="{FF2B5EF4-FFF2-40B4-BE49-F238E27FC236}">
-                <a16:creationId xmlns:a16="http://schemas.microsoft.com/office/drawing/2014/main" id="{FDA356DD-5D75-4109-9D2E-0E7CD5956FF7}"/>
-              </a:ext>
-            </a:extLst>
-          </p:cNvPr>
-          <p:cNvSpPr txBox="1"/>
-          <p:nvPr/>
-        </p:nvSpPr>
-        <p:spPr>
-          <a:xfrm>
-            <a:off x="10874435" y="2537919"/>
-            <a:ext cx="1176925" cy="406393"/>
-          </a:xfrm>
-          <a:prstGeom prst="rect">
-            <a:avLst/>
-          </a:prstGeom>
-          <a:noFill/>
-        </p:spPr>
-        <p:txBody>
-          <a:bodyPr wrap="none" rtlCol="0">
-            <a:spAutoFit/>
-          </a:bodyPr>
-          <a:lstStyle/>
-          <a:p>
-            <a:r>
-              <a:rPr lang="en-AU" dirty="0"/>
-              <a:t>Flush link</a:t>
-            </a:r>
-          </a:p>
-        </p:txBody>
-      </p:sp>
-      <p:sp>
-        <p:nvSpPr>
-          <p:cNvPr id="112" name="TextBox 111">
-            <a:extLst>
-              <a:ext uri="{FF2B5EF4-FFF2-40B4-BE49-F238E27FC236}">
-                <a16:creationId xmlns:a16="http://schemas.microsoft.com/office/drawing/2014/main" id="{C30AF508-16ED-403B-BDD6-50333534AA9C}"/>
-              </a:ext>
-            </a:extLst>
-          </p:cNvPr>
-          <p:cNvSpPr txBox="1"/>
-          <p:nvPr/>
-        </p:nvSpPr>
-        <p:spPr>
-          <a:xfrm>
-            <a:off x="10756699" y="3435882"/>
-            <a:ext cx="611065" cy="406393"/>
-          </a:xfrm>
-          <a:prstGeom prst="rect">
-            <a:avLst/>
-          </a:prstGeom>
-          <a:noFill/>
-        </p:spPr>
-        <p:txBody>
-          <a:bodyPr wrap="none" rtlCol="0">
-            <a:spAutoFit/>
-          </a:bodyPr>
-          <a:lstStyle/>
-          <a:p>
-            <a:r>
-              <a:rPr lang="en-AU" dirty="0"/>
-              <a:t>Link</a:t>
-            </a:r>
-          </a:p>
-        </p:txBody>
-      </p:sp>
-      <p:cxnSp>
-        <p:nvCxnSpPr>
-          <p:cNvPr id="113" name="Straight Arrow Connector 112">
-            <a:extLst>
-              <a:ext uri="{FF2B5EF4-FFF2-40B4-BE49-F238E27FC236}">
-                <a16:creationId xmlns:a16="http://schemas.microsoft.com/office/drawing/2014/main" id="{82CC2C38-B051-4E3B-A99F-DC76E68A4E95}"/>
-              </a:ext>
-            </a:extLst>
-          </p:cNvPr>
-          <p:cNvCxnSpPr>
-            <a:cxnSpLocks/>
-          </p:cNvCxnSpPr>
-          <p:nvPr/>
-        </p:nvCxnSpPr>
-        <p:spPr>
-          <a:xfrm>
-            <a:off x="10907549" y="3747964"/>
-            <a:ext cx="976424" cy="736149"/>
-          </a:xfrm>
-          <a:prstGeom prst="straightConnector1">
-            <a:avLst/>
-          </a:prstGeom>
-          <a:ln>
-            <a:tailEnd type="triangle"/>
-          </a:ln>
-        </p:spPr>
-        <p:style>
-          <a:lnRef idx="1">
-            <a:schemeClr val="accent1"/>
-          </a:lnRef>
-          <a:fillRef idx="0">
-            <a:schemeClr val="accent1"/>
-          </a:fillRef>
-          <a:effectRef idx="0">
-            <a:schemeClr val="accent1"/>
-          </a:effectRef>
-          <a:fontRef idx="minor">
-            <a:schemeClr val="tx1"/>
-          </a:fontRef>
-        </p:style>
-      </p:cxnSp>
-      <p:sp>
-        <p:nvSpPr>
-          <p:cNvPr id="114" name="TextBox 113">
-            <a:extLst>
-              <a:ext uri="{FF2B5EF4-FFF2-40B4-BE49-F238E27FC236}">
-                <a16:creationId xmlns:a16="http://schemas.microsoft.com/office/drawing/2014/main" id="{5707C70F-9D52-48B4-9DD3-D70B6F85F9BF}"/>
-              </a:ext>
-            </a:extLst>
-          </p:cNvPr>
-          <p:cNvSpPr txBox="1"/>
-          <p:nvPr/>
-        </p:nvSpPr>
-        <p:spPr>
-          <a:xfrm>
-            <a:off x="10755403" y="3864605"/>
-            <a:ext cx="611065" cy="406393"/>
-          </a:xfrm>
-          <a:prstGeom prst="rect">
-            <a:avLst/>
-          </a:prstGeom>
-          <a:noFill/>
-        </p:spPr>
-        <p:txBody>
-          <a:bodyPr wrap="none" rtlCol="0">
-            <a:spAutoFit/>
-          </a:bodyPr>
-          <a:lstStyle/>
-          <a:p>
-            <a:r>
-              <a:rPr lang="en-AU" dirty="0"/>
-              <a:t>Link</a:t>
-            </a:r>
-          </a:p>
-        </p:txBody>
-      </p:sp>
-      <p:cxnSp>
-        <p:nvCxnSpPr>
-          <p:cNvPr id="115" name="Straight Arrow Connector 114">
-            <a:extLst>
-              <a:ext uri="{FF2B5EF4-FFF2-40B4-BE49-F238E27FC236}">
-                <a16:creationId xmlns:a16="http://schemas.microsoft.com/office/drawing/2014/main" id="{7CA33037-14AE-47F3-B298-A65203FF5A72}"/>
-              </a:ext>
-            </a:extLst>
-          </p:cNvPr>
-          <p:cNvCxnSpPr>
-            <a:cxnSpLocks/>
-          </p:cNvCxnSpPr>
-          <p:nvPr/>
-        </p:nvCxnSpPr>
-        <p:spPr>
-          <a:xfrm>
-            <a:off x="10850691" y="4588206"/>
-            <a:ext cx="1048870" cy="0"/>
-          </a:xfrm>
-          <a:prstGeom prst="straightConnector1">
-            <a:avLst/>
-          </a:prstGeom>
-          <a:ln>
-            <a:tailEnd type="triangle"/>
-          </a:ln>
-        </p:spPr>
-        <p:style>
-          <a:lnRef idx="1">
-            <a:schemeClr val="accent1"/>
-          </a:lnRef>
-          <a:fillRef idx="0">
-            <a:schemeClr val="accent1"/>
-          </a:fillRef>
-          <a:effectRef idx="0">
-            <a:schemeClr val="accent1"/>
-          </a:effectRef>
-          <a:fontRef idx="minor">
-            <a:schemeClr val="tx1"/>
-          </a:fontRef>
-        </p:style>
-      </p:cxnSp>
-      <p:sp>
-        <p:nvSpPr>
-          <p:cNvPr id="123" name="TextBox 122">
-            <a:extLst>
-              <a:ext uri="{FF2B5EF4-FFF2-40B4-BE49-F238E27FC236}">
-                <a16:creationId xmlns:a16="http://schemas.microsoft.com/office/drawing/2014/main" id="{84C87478-EC1F-4EC7-9000-D5A9BC051C06}"/>
-              </a:ext>
-            </a:extLst>
-          </p:cNvPr>
-          <p:cNvSpPr txBox="1"/>
-          <p:nvPr/>
-        </p:nvSpPr>
-        <p:spPr>
-          <a:xfrm>
-            <a:off x="1481771" y="4962506"/>
-            <a:ext cx="3460909" cy="461665"/>
-          </a:xfrm>
-          <a:prstGeom prst="rect">
-            <a:avLst/>
-          </a:prstGeom>
-          <a:noFill/>
-        </p:spPr>
-        <p:txBody>
-          <a:bodyPr wrap="square" rtlCol="0">
-            <a:spAutoFit/>
-          </a:bodyPr>
-          <a:lstStyle/>
-          <a:p>
-            <a:pPr algn="ctr"/>
-            <a:r>
-              <a:rPr lang="en-AU" sz="1200" i="1" dirty="0"/>
-              <a:t>(Note that the sum of outputs from </a:t>
-            </a:r>
-            <a:r>
-              <a:rPr lang="en-AU" sz="1200" i="1" dirty="0" err="1"/>
-              <a:t>subcompartment</a:t>
-            </a:r>
-            <a:r>
-              <a:rPr lang="en-AU" sz="1200" i="1" dirty="0"/>
-              <a:t> A must equal the size of A)</a:t>
+              <a:t>Time</a:t>
             </a:r>
           </a:p>
         </p:txBody>
@@ -14703,7 +15296,7 @@
     </p:spTree>
     <p:extLst>
       <p:ext uri="{BB962C8B-B14F-4D97-AF65-F5344CB8AC3E}">
-        <p14:creationId xmlns:p14="http://schemas.microsoft.com/office/powerpoint/2010/main" val="222477624"/>
+        <p14:creationId xmlns:p14="http://schemas.microsoft.com/office/powerpoint/2010/main" val="2501629219"/>
       </p:ext>
     </p:extLst>
   </p:cSld>
